--- a/_src/Presentation/Blog.pptx
+++ b/_src/Presentation/Blog.pptx
@@ -2,11 +2,13 @@
 <file path=ppt/presentation.xml><?xml version="1.0" encoding="utf-8"?>
 <p:presentation xmlns:a="http://schemas.openxmlformats.org/drawingml/2006/main" xmlns:r="http://schemas.openxmlformats.org/officeDocument/2006/relationships" xmlns:p="http://schemas.openxmlformats.org/presentationml/2006/main" autoCompressPictures="0">
   <p:sldMasterIdLst>
-    <p:sldMasterId id="2147483687" r:id="rId1"/>
+    <p:sldMasterId id="2147483705" r:id="rId1"/>
   </p:sldMasterIdLst>
   <p:sldIdLst>
     <p:sldId id="256" r:id="rId2"/>
     <p:sldId id="257" r:id="rId3"/>
+    <p:sldId id="258" r:id="rId4"/>
+    <p:sldId id="259" r:id="rId5"/>
   </p:sldIdLst>
   <p:sldSz cx="12192000" cy="6858000"/>
   <p:notesSz cx="6858000" cy="9144000"/>
@@ -105,6 +107,11 @@
       </a:defRPr>
     </a:lvl9pPr>
   </p:defaultTextStyle>
+  <p:extLst>
+    <p:ext uri="{EFAFB233-063F-42B5-8137-9DF3F51BA10A}">
+      <p15:sldGuideLst xmlns:p15="http://schemas.microsoft.com/office/powerpoint/2012/main"/>
+    </p:ext>
+  </p:extLst>
 </p:presentation>
 </file>
 
@@ -856,6 +863,1500 @@
 </file>
 
 <file path=ppt/diagrams/colors2.xml><?xml version="1.0" encoding="utf-8"?>
+<dgm:colorsDef xmlns:dgm="http://schemas.openxmlformats.org/drawingml/2006/diagram" xmlns:a="http://schemas.openxmlformats.org/drawingml/2006/main" uniqueId="urn:microsoft.com/office/officeart/2005/8/colors/accent1_2">
+  <dgm:title val=""/>
+  <dgm:desc val=""/>
+  <dgm:catLst>
+    <dgm:cat type="accent1" pri="11200"/>
+  </dgm:catLst>
+  <dgm:styleLbl name="node0">
+    <dgm:fillClrLst meth="repeat">
+      <a:schemeClr val="accent1"/>
+    </dgm:fillClrLst>
+    <dgm:linClrLst meth="repeat">
+      <a:schemeClr val="lt1"/>
+    </dgm:linClrLst>
+    <dgm:effectClrLst/>
+    <dgm:txLinClrLst/>
+    <dgm:txFillClrLst/>
+    <dgm:txEffectClrLst/>
+  </dgm:styleLbl>
+  <dgm:styleLbl name="alignNode1">
+    <dgm:fillClrLst meth="repeat">
+      <a:schemeClr val="accent1"/>
+    </dgm:fillClrLst>
+    <dgm:linClrLst meth="repeat">
+      <a:schemeClr val="accent1"/>
+    </dgm:linClrLst>
+    <dgm:effectClrLst/>
+    <dgm:txLinClrLst/>
+    <dgm:txFillClrLst/>
+    <dgm:txEffectClrLst/>
+  </dgm:styleLbl>
+  <dgm:styleLbl name="node1">
+    <dgm:fillClrLst meth="repeat">
+      <a:schemeClr val="accent1"/>
+    </dgm:fillClrLst>
+    <dgm:linClrLst meth="repeat">
+      <a:schemeClr val="lt1"/>
+    </dgm:linClrLst>
+    <dgm:effectClrLst/>
+    <dgm:txLinClrLst/>
+    <dgm:txFillClrLst/>
+    <dgm:txEffectClrLst/>
+  </dgm:styleLbl>
+  <dgm:styleLbl name="lnNode1">
+    <dgm:fillClrLst meth="repeat">
+      <a:schemeClr val="accent1"/>
+    </dgm:fillClrLst>
+    <dgm:linClrLst meth="repeat">
+      <a:schemeClr val="lt1"/>
+    </dgm:linClrLst>
+    <dgm:effectClrLst/>
+    <dgm:txLinClrLst/>
+    <dgm:txFillClrLst/>
+    <dgm:txEffectClrLst/>
+  </dgm:styleLbl>
+  <dgm:styleLbl name="vennNode1">
+    <dgm:fillClrLst meth="repeat">
+      <a:schemeClr val="accent1">
+        <a:alpha val="50000"/>
+      </a:schemeClr>
+    </dgm:fillClrLst>
+    <dgm:linClrLst meth="repeat">
+      <a:schemeClr val="lt1"/>
+    </dgm:linClrLst>
+    <dgm:effectClrLst/>
+    <dgm:txLinClrLst/>
+    <dgm:txFillClrLst/>
+    <dgm:txEffectClrLst/>
+  </dgm:styleLbl>
+  <dgm:styleLbl name="node2">
+    <dgm:fillClrLst meth="repeat">
+      <a:schemeClr val="accent1"/>
+    </dgm:fillClrLst>
+    <dgm:linClrLst meth="repeat">
+      <a:schemeClr val="lt1"/>
+    </dgm:linClrLst>
+    <dgm:effectClrLst/>
+    <dgm:txLinClrLst/>
+    <dgm:txFillClrLst/>
+    <dgm:txEffectClrLst/>
+  </dgm:styleLbl>
+  <dgm:styleLbl name="node3">
+    <dgm:fillClrLst meth="repeat">
+      <a:schemeClr val="accent1"/>
+    </dgm:fillClrLst>
+    <dgm:linClrLst meth="repeat">
+      <a:schemeClr val="lt1"/>
+    </dgm:linClrLst>
+    <dgm:effectClrLst/>
+    <dgm:txLinClrLst/>
+    <dgm:txFillClrLst/>
+    <dgm:txEffectClrLst/>
+  </dgm:styleLbl>
+  <dgm:styleLbl name="node4">
+    <dgm:fillClrLst meth="repeat">
+      <a:schemeClr val="accent1"/>
+    </dgm:fillClrLst>
+    <dgm:linClrLst meth="repeat">
+      <a:schemeClr val="lt1"/>
+    </dgm:linClrLst>
+    <dgm:effectClrLst/>
+    <dgm:txLinClrLst/>
+    <dgm:txFillClrLst/>
+    <dgm:txEffectClrLst/>
+  </dgm:styleLbl>
+  <dgm:styleLbl name="fgImgPlace1">
+    <dgm:fillClrLst meth="repeat">
+      <a:schemeClr val="accent1">
+        <a:tint val="50000"/>
+      </a:schemeClr>
+    </dgm:fillClrLst>
+    <dgm:linClrLst meth="repeat">
+      <a:schemeClr val="lt1"/>
+    </dgm:linClrLst>
+    <dgm:effectClrLst/>
+    <dgm:txLinClrLst/>
+    <dgm:txFillClrLst meth="repeat">
+      <a:schemeClr val="lt1"/>
+    </dgm:txFillClrLst>
+    <dgm:txEffectClrLst/>
+  </dgm:styleLbl>
+  <dgm:styleLbl name="alignImgPlace1">
+    <dgm:fillClrLst meth="repeat">
+      <a:schemeClr val="accent1">
+        <a:tint val="50000"/>
+      </a:schemeClr>
+    </dgm:fillClrLst>
+    <dgm:linClrLst meth="repeat">
+      <a:schemeClr val="lt1"/>
+    </dgm:linClrLst>
+    <dgm:effectClrLst/>
+    <dgm:txLinClrLst/>
+    <dgm:txFillClrLst meth="repeat">
+      <a:schemeClr val="lt1"/>
+    </dgm:txFillClrLst>
+    <dgm:txEffectClrLst/>
+  </dgm:styleLbl>
+  <dgm:styleLbl name="bgImgPlace1">
+    <dgm:fillClrLst meth="repeat">
+      <a:schemeClr val="accent1">
+        <a:tint val="50000"/>
+      </a:schemeClr>
+    </dgm:fillClrLst>
+    <dgm:linClrLst meth="repeat">
+      <a:schemeClr val="lt1"/>
+    </dgm:linClrLst>
+    <dgm:effectClrLst/>
+    <dgm:txLinClrLst/>
+    <dgm:txFillClrLst meth="repeat">
+      <a:schemeClr val="lt1"/>
+    </dgm:txFillClrLst>
+    <dgm:txEffectClrLst/>
+  </dgm:styleLbl>
+  <dgm:styleLbl name="sibTrans2D1">
+    <dgm:fillClrLst meth="repeat">
+      <a:schemeClr val="accent1">
+        <a:tint val="60000"/>
+      </a:schemeClr>
+    </dgm:fillClrLst>
+    <dgm:linClrLst meth="repeat">
+      <a:schemeClr val="accent1">
+        <a:tint val="60000"/>
+      </a:schemeClr>
+    </dgm:linClrLst>
+    <dgm:effectClrLst/>
+    <dgm:txLinClrLst/>
+    <dgm:txFillClrLst/>
+    <dgm:txEffectClrLst/>
+  </dgm:styleLbl>
+  <dgm:styleLbl name="fgSibTrans2D1">
+    <dgm:fillClrLst meth="repeat">
+      <a:schemeClr val="accent1">
+        <a:tint val="60000"/>
+      </a:schemeClr>
+    </dgm:fillClrLst>
+    <dgm:linClrLst meth="repeat">
+      <a:schemeClr val="accent1">
+        <a:tint val="60000"/>
+      </a:schemeClr>
+    </dgm:linClrLst>
+    <dgm:effectClrLst/>
+    <dgm:txLinClrLst/>
+    <dgm:txFillClrLst/>
+    <dgm:txEffectClrLst/>
+  </dgm:styleLbl>
+  <dgm:styleLbl name="bgSibTrans2D1">
+    <dgm:fillClrLst meth="repeat">
+      <a:schemeClr val="accent1">
+        <a:tint val="60000"/>
+      </a:schemeClr>
+    </dgm:fillClrLst>
+    <dgm:linClrLst meth="repeat">
+      <a:schemeClr val="accent1">
+        <a:tint val="60000"/>
+      </a:schemeClr>
+    </dgm:linClrLst>
+    <dgm:effectClrLst/>
+    <dgm:txLinClrLst/>
+    <dgm:txFillClrLst/>
+    <dgm:txEffectClrLst/>
+  </dgm:styleLbl>
+  <dgm:styleLbl name="sibTrans1D1">
+    <dgm:fillClrLst meth="repeat">
+      <a:schemeClr val="accent1"/>
+    </dgm:fillClrLst>
+    <dgm:linClrLst meth="repeat">
+      <a:schemeClr val="accent1"/>
+    </dgm:linClrLst>
+    <dgm:effectClrLst/>
+    <dgm:txLinClrLst/>
+    <dgm:txFillClrLst meth="repeat">
+      <a:schemeClr val="tx1"/>
+    </dgm:txFillClrLst>
+    <dgm:txEffectClrLst/>
+  </dgm:styleLbl>
+  <dgm:styleLbl name="callout">
+    <dgm:fillClrLst meth="repeat">
+      <a:schemeClr val="accent1"/>
+    </dgm:fillClrLst>
+    <dgm:linClrLst meth="repeat">
+      <a:schemeClr val="accent1">
+        <a:tint val="50000"/>
+      </a:schemeClr>
+    </dgm:linClrLst>
+    <dgm:effectClrLst/>
+    <dgm:txLinClrLst/>
+    <dgm:txFillClrLst meth="repeat">
+      <a:schemeClr val="tx1"/>
+    </dgm:txFillClrLst>
+    <dgm:txEffectClrLst/>
+  </dgm:styleLbl>
+  <dgm:styleLbl name="asst0">
+    <dgm:fillClrLst meth="repeat">
+      <a:schemeClr val="accent1"/>
+    </dgm:fillClrLst>
+    <dgm:linClrLst meth="repeat">
+      <a:schemeClr val="lt1"/>
+    </dgm:linClrLst>
+    <dgm:effectClrLst/>
+    <dgm:txLinClrLst/>
+    <dgm:txFillClrLst/>
+    <dgm:txEffectClrLst/>
+  </dgm:styleLbl>
+  <dgm:styleLbl name="asst1">
+    <dgm:fillClrLst meth="repeat">
+      <a:schemeClr val="accent1"/>
+    </dgm:fillClrLst>
+    <dgm:linClrLst meth="repeat">
+      <a:schemeClr val="lt1"/>
+    </dgm:linClrLst>
+    <dgm:effectClrLst/>
+    <dgm:txLinClrLst/>
+    <dgm:txFillClrLst/>
+    <dgm:txEffectClrLst/>
+  </dgm:styleLbl>
+  <dgm:styleLbl name="asst2">
+    <dgm:fillClrLst meth="repeat">
+      <a:schemeClr val="accent1"/>
+    </dgm:fillClrLst>
+    <dgm:linClrLst meth="repeat">
+      <a:schemeClr val="lt1"/>
+    </dgm:linClrLst>
+    <dgm:effectClrLst/>
+    <dgm:txLinClrLst/>
+    <dgm:txFillClrLst/>
+    <dgm:txEffectClrLst/>
+  </dgm:styleLbl>
+  <dgm:styleLbl name="asst3">
+    <dgm:fillClrLst meth="repeat">
+      <a:schemeClr val="accent1"/>
+    </dgm:fillClrLst>
+    <dgm:linClrLst meth="repeat">
+      <a:schemeClr val="lt1"/>
+    </dgm:linClrLst>
+    <dgm:effectClrLst/>
+    <dgm:txLinClrLst/>
+    <dgm:txFillClrLst/>
+    <dgm:txEffectClrLst/>
+  </dgm:styleLbl>
+  <dgm:styleLbl name="asst4">
+    <dgm:fillClrLst meth="repeat">
+      <a:schemeClr val="accent1"/>
+    </dgm:fillClrLst>
+    <dgm:linClrLst meth="repeat">
+      <a:schemeClr val="lt1"/>
+    </dgm:linClrLst>
+    <dgm:effectClrLst/>
+    <dgm:txLinClrLst/>
+    <dgm:txFillClrLst/>
+    <dgm:txEffectClrLst/>
+  </dgm:styleLbl>
+  <dgm:styleLbl name="parChTrans2D1">
+    <dgm:fillClrLst meth="repeat">
+      <a:schemeClr val="accent1">
+        <a:tint val="60000"/>
+      </a:schemeClr>
+    </dgm:fillClrLst>
+    <dgm:linClrLst meth="repeat">
+      <a:schemeClr val="accent1">
+        <a:tint val="60000"/>
+      </a:schemeClr>
+    </dgm:linClrLst>
+    <dgm:effectClrLst/>
+    <dgm:txLinClrLst/>
+    <dgm:txFillClrLst meth="repeat">
+      <a:schemeClr val="lt1"/>
+    </dgm:txFillClrLst>
+    <dgm:txEffectClrLst/>
+  </dgm:styleLbl>
+  <dgm:styleLbl name="parChTrans2D2">
+    <dgm:fillClrLst meth="repeat">
+      <a:schemeClr val="accent1"/>
+    </dgm:fillClrLst>
+    <dgm:linClrLst meth="repeat">
+      <a:schemeClr val="accent1"/>
+    </dgm:linClrLst>
+    <dgm:effectClrLst/>
+    <dgm:txLinClrLst/>
+    <dgm:txFillClrLst meth="repeat">
+      <a:schemeClr val="lt1"/>
+    </dgm:txFillClrLst>
+    <dgm:txEffectClrLst/>
+  </dgm:styleLbl>
+  <dgm:styleLbl name="parChTrans2D3">
+    <dgm:fillClrLst meth="repeat">
+      <a:schemeClr val="accent1"/>
+    </dgm:fillClrLst>
+    <dgm:linClrLst meth="repeat">
+      <a:schemeClr val="accent1"/>
+    </dgm:linClrLst>
+    <dgm:effectClrLst/>
+    <dgm:txLinClrLst/>
+    <dgm:txFillClrLst meth="repeat">
+      <a:schemeClr val="lt1"/>
+    </dgm:txFillClrLst>
+    <dgm:txEffectClrLst/>
+  </dgm:styleLbl>
+  <dgm:styleLbl name="parChTrans2D4">
+    <dgm:fillClrLst meth="repeat">
+      <a:schemeClr val="accent1"/>
+    </dgm:fillClrLst>
+    <dgm:linClrLst meth="repeat">
+      <a:schemeClr val="accent1"/>
+    </dgm:linClrLst>
+    <dgm:effectClrLst/>
+    <dgm:txLinClrLst/>
+    <dgm:txFillClrLst meth="repeat">
+      <a:schemeClr val="lt1"/>
+    </dgm:txFillClrLst>
+    <dgm:txEffectClrLst/>
+  </dgm:styleLbl>
+  <dgm:styleLbl name="parChTrans1D1">
+    <dgm:fillClrLst meth="repeat">
+      <a:schemeClr val="accent1"/>
+    </dgm:fillClrLst>
+    <dgm:linClrLst meth="repeat">
+      <a:schemeClr val="accent1">
+        <a:shade val="60000"/>
+      </a:schemeClr>
+    </dgm:linClrLst>
+    <dgm:effectClrLst/>
+    <dgm:txLinClrLst/>
+    <dgm:txFillClrLst meth="repeat">
+      <a:schemeClr val="tx1"/>
+    </dgm:txFillClrLst>
+    <dgm:txEffectClrLst/>
+  </dgm:styleLbl>
+  <dgm:styleLbl name="parChTrans1D2">
+    <dgm:fillClrLst meth="repeat">
+      <a:schemeClr val="accent1"/>
+    </dgm:fillClrLst>
+    <dgm:linClrLst meth="repeat">
+      <a:schemeClr val="accent1">
+        <a:shade val="60000"/>
+      </a:schemeClr>
+    </dgm:linClrLst>
+    <dgm:effectClrLst/>
+    <dgm:txLinClrLst/>
+    <dgm:txFillClrLst meth="repeat">
+      <a:schemeClr val="tx1"/>
+    </dgm:txFillClrLst>
+    <dgm:txEffectClrLst/>
+  </dgm:styleLbl>
+  <dgm:styleLbl name="parChTrans1D3">
+    <dgm:fillClrLst meth="repeat">
+      <a:schemeClr val="accent1"/>
+    </dgm:fillClrLst>
+    <dgm:linClrLst meth="repeat">
+      <a:schemeClr val="accent1">
+        <a:shade val="80000"/>
+      </a:schemeClr>
+    </dgm:linClrLst>
+    <dgm:effectClrLst/>
+    <dgm:txLinClrLst/>
+    <dgm:txFillClrLst meth="repeat">
+      <a:schemeClr val="tx1"/>
+    </dgm:txFillClrLst>
+    <dgm:txEffectClrLst/>
+  </dgm:styleLbl>
+  <dgm:styleLbl name="parChTrans1D4">
+    <dgm:fillClrLst meth="repeat">
+      <a:schemeClr val="accent1"/>
+    </dgm:fillClrLst>
+    <dgm:linClrLst meth="repeat">
+      <a:schemeClr val="accent1">
+        <a:shade val="80000"/>
+      </a:schemeClr>
+    </dgm:linClrLst>
+    <dgm:effectClrLst/>
+    <dgm:txLinClrLst/>
+    <dgm:txFillClrLst meth="repeat">
+      <a:schemeClr val="tx1"/>
+    </dgm:txFillClrLst>
+    <dgm:txEffectClrLst/>
+  </dgm:styleLbl>
+  <dgm:styleLbl name="fgAcc1">
+    <dgm:fillClrLst meth="repeat">
+      <a:schemeClr val="lt1">
+        <a:alpha val="90000"/>
+      </a:schemeClr>
+    </dgm:fillClrLst>
+    <dgm:linClrLst meth="repeat">
+      <a:schemeClr val="accent1"/>
+    </dgm:linClrLst>
+    <dgm:effectClrLst/>
+    <dgm:txLinClrLst/>
+    <dgm:txFillClrLst meth="repeat">
+      <a:schemeClr val="dk1"/>
+    </dgm:txFillClrLst>
+    <dgm:txEffectClrLst/>
+  </dgm:styleLbl>
+  <dgm:styleLbl name="conFgAcc1">
+    <dgm:fillClrLst meth="repeat">
+      <a:schemeClr val="lt1">
+        <a:alpha val="90000"/>
+      </a:schemeClr>
+    </dgm:fillClrLst>
+    <dgm:linClrLst meth="repeat">
+      <a:schemeClr val="accent1"/>
+    </dgm:linClrLst>
+    <dgm:effectClrLst/>
+    <dgm:txLinClrLst/>
+    <dgm:txFillClrLst meth="repeat">
+      <a:schemeClr val="dk1"/>
+    </dgm:txFillClrLst>
+    <dgm:txEffectClrLst/>
+  </dgm:styleLbl>
+  <dgm:styleLbl name="alignAcc1">
+    <dgm:fillClrLst meth="repeat">
+      <a:schemeClr val="lt1">
+        <a:alpha val="90000"/>
+      </a:schemeClr>
+    </dgm:fillClrLst>
+    <dgm:linClrLst meth="repeat">
+      <a:schemeClr val="accent1"/>
+    </dgm:linClrLst>
+    <dgm:effectClrLst/>
+    <dgm:txLinClrLst/>
+    <dgm:txFillClrLst meth="repeat">
+      <a:schemeClr val="dk1"/>
+    </dgm:txFillClrLst>
+    <dgm:txEffectClrLst/>
+  </dgm:styleLbl>
+  <dgm:styleLbl name="trAlignAcc1">
+    <dgm:fillClrLst meth="repeat">
+      <a:schemeClr val="lt1">
+        <a:alpha val="40000"/>
+      </a:schemeClr>
+    </dgm:fillClrLst>
+    <dgm:linClrLst meth="repeat">
+      <a:schemeClr val="accent1"/>
+    </dgm:linClrLst>
+    <dgm:effectClrLst/>
+    <dgm:txLinClrLst/>
+    <dgm:txFillClrLst meth="repeat">
+      <a:schemeClr val="dk1"/>
+    </dgm:txFillClrLst>
+    <dgm:txEffectClrLst/>
+  </dgm:styleLbl>
+  <dgm:styleLbl name="bgAcc1">
+    <dgm:fillClrLst meth="repeat">
+      <a:schemeClr val="lt1">
+        <a:alpha val="90000"/>
+      </a:schemeClr>
+    </dgm:fillClrLst>
+    <dgm:linClrLst meth="repeat">
+      <a:schemeClr val="accent1"/>
+    </dgm:linClrLst>
+    <dgm:effectClrLst/>
+    <dgm:txLinClrLst/>
+    <dgm:txFillClrLst meth="repeat">
+      <a:schemeClr val="dk1"/>
+    </dgm:txFillClrLst>
+    <dgm:txEffectClrLst/>
+  </dgm:styleLbl>
+  <dgm:styleLbl name="solidFgAcc1">
+    <dgm:fillClrLst meth="repeat">
+      <a:schemeClr val="lt1"/>
+    </dgm:fillClrLst>
+    <dgm:linClrLst meth="repeat">
+      <a:schemeClr val="accent1"/>
+    </dgm:linClrLst>
+    <dgm:effectClrLst/>
+    <dgm:txLinClrLst/>
+    <dgm:txFillClrLst meth="repeat">
+      <a:schemeClr val="dk1"/>
+    </dgm:txFillClrLst>
+    <dgm:txEffectClrLst/>
+  </dgm:styleLbl>
+  <dgm:styleLbl name="solidAlignAcc1">
+    <dgm:fillClrLst meth="repeat">
+      <a:schemeClr val="lt1"/>
+    </dgm:fillClrLst>
+    <dgm:linClrLst meth="repeat">
+      <a:schemeClr val="accent1"/>
+    </dgm:linClrLst>
+    <dgm:effectClrLst/>
+    <dgm:txLinClrLst/>
+    <dgm:txFillClrLst meth="repeat">
+      <a:schemeClr val="dk1"/>
+    </dgm:txFillClrLst>
+    <dgm:txEffectClrLst/>
+  </dgm:styleLbl>
+  <dgm:styleLbl name="solidBgAcc1">
+    <dgm:fillClrLst meth="repeat">
+      <a:schemeClr val="lt1"/>
+    </dgm:fillClrLst>
+    <dgm:linClrLst meth="repeat">
+      <a:schemeClr val="accent1"/>
+    </dgm:linClrLst>
+    <dgm:effectClrLst/>
+    <dgm:txLinClrLst/>
+    <dgm:txFillClrLst meth="repeat">
+      <a:schemeClr val="dk1"/>
+    </dgm:txFillClrLst>
+    <dgm:txEffectClrLst/>
+  </dgm:styleLbl>
+  <dgm:styleLbl name="fgAccFollowNode1">
+    <dgm:fillClrLst meth="repeat">
+      <a:schemeClr val="accent1">
+        <a:alpha val="90000"/>
+        <a:tint val="40000"/>
+      </a:schemeClr>
+    </dgm:fillClrLst>
+    <dgm:linClrLst meth="repeat">
+      <a:schemeClr val="accent1">
+        <a:alpha val="90000"/>
+        <a:tint val="40000"/>
+      </a:schemeClr>
+    </dgm:linClrLst>
+    <dgm:effectClrLst/>
+    <dgm:txLinClrLst/>
+    <dgm:txFillClrLst meth="repeat">
+      <a:schemeClr val="dk1"/>
+    </dgm:txFillClrLst>
+    <dgm:txEffectClrLst/>
+  </dgm:styleLbl>
+  <dgm:styleLbl name="alignAccFollowNode1">
+    <dgm:fillClrLst meth="repeat">
+      <a:schemeClr val="accent1">
+        <a:alpha val="90000"/>
+        <a:tint val="40000"/>
+      </a:schemeClr>
+    </dgm:fillClrLst>
+    <dgm:linClrLst meth="repeat">
+      <a:schemeClr val="accent1">
+        <a:alpha val="90000"/>
+        <a:tint val="40000"/>
+      </a:schemeClr>
+    </dgm:linClrLst>
+    <dgm:effectClrLst/>
+    <dgm:txLinClrLst/>
+    <dgm:txFillClrLst meth="repeat">
+      <a:schemeClr val="dk1"/>
+    </dgm:txFillClrLst>
+    <dgm:txEffectClrLst/>
+  </dgm:styleLbl>
+  <dgm:styleLbl name="bgAccFollowNode1">
+    <dgm:fillClrLst meth="repeat">
+      <a:schemeClr val="accent1">
+        <a:alpha val="90000"/>
+        <a:tint val="40000"/>
+      </a:schemeClr>
+    </dgm:fillClrLst>
+    <dgm:linClrLst meth="repeat">
+      <a:schemeClr val="accent1">
+        <a:alpha val="90000"/>
+        <a:tint val="40000"/>
+      </a:schemeClr>
+    </dgm:linClrLst>
+    <dgm:effectClrLst/>
+    <dgm:txLinClrLst/>
+    <dgm:txFillClrLst meth="repeat">
+      <a:schemeClr val="dk1"/>
+    </dgm:txFillClrLst>
+    <dgm:txEffectClrLst/>
+  </dgm:styleLbl>
+  <dgm:styleLbl name="fgAcc0">
+    <dgm:fillClrLst meth="repeat">
+      <a:schemeClr val="lt1">
+        <a:alpha val="90000"/>
+      </a:schemeClr>
+    </dgm:fillClrLst>
+    <dgm:linClrLst meth="repeat">
+      <a:schemeClr val="accent1"/>
+    </dgm:linClrLst>
+    <dgm:effectClrLst/>
+    <dgm:txLinClrLst/>
+    <dgm:txFillClrLst meth="repeat">
+      <a:schemeClr val="dk1"/>
+    </dgm:txFillClrLst>
+    <dgm:txEffectClrLst/>
+  </dgm:styleLbl>
+  <dgm:styleLbl name="fgAcc2">
+    <dgm:fillClrLst meth="repeat">
+      <a:schemeClr val="lt1">
+        <a:alpha val="90000"/>
+      </a:schemeClr>
+    </dgm:fillClrLst>
+    <dgm:linClrLst meth="repeat">
+      <a:schemeClr val="accent1"/>
+    </dgm:linClrLst>
+    <dgm:effectClrLst/>
+    <dgm:txLinClrLst/>
+    <dgm:txFillClrLst meth="repeat">
+      <a:schemeClr val="dk1"/>
+    </dgm:txFillClrLst>
+    <dgm:txEffectClrLst/>
+  </dgm:styleLbl>
+  <dgm:styleLbl name="fgAcc3">
+    <dgm:fillClrLst meth="repeat">
+      <a:schemeClr val="lt1">
+        <a:alpha val="90000"/>
+      </a:schemeClr>
+    </dgm:fillClrLst>
+    <dgm:linClrLst meth="repeat">
+      <a:schemeClr val="accent1"/>
+    </dgm:linClrLst>
+    <dgm:effectClrLst/>
+    <dgm:txLinClrLst/>
+    <dgm:txFillClrLst meth="repeat">
+      <a:schemeClr val="dk1"/>
+    </dgm:txFillClrLst>
+    <dgm:txEffectClrLst/>
+  </dgm:styleLbl>
+  <dgm:styleLbl name="fgAcc4">
+    <dgm:fillClrLst meth="repeat">
+      <a:schemeClr val="lt1">
+        <a:alpha val="90000"/>
+      </a:schemeClr>
+    </dgm:fillClrLst>
+    <dgm:linClrLst meth="repeat">
+      <a:schemeClr val="accent1"/>
+    </dgm:linClrLst>
+    <dgm:effectClrLst/>
+    <dgm:txLinClrLst/>
+    <dgm:txFillClrLst meth="repeat">
+      <a:schemeClr val="dk1"/>
+    </dgm:txFillClrLst>
+    <dgm:txEffectClrLst/>
+  </dgm:styleLbl>
+  <dgm:styleLbl name="bgShp">
+    <dgm:fillClrLst meth="repeat">
+      <a:schemeClr val="accent1">
+        <a:tint val="40000"/>
+      </a:schemeClr>
+    </dgm:fillClrLst>
+    <dgm:linClrLst meth="repeat">
+      <a:schemeClr val="accent1"/>
+    </dgm:linClrLst>
+    <dgm:effectClrLst/>
+    <dgm:txLinClrLst/>
+    <dgm:txFillClrLst meth="repeat">
+      <a:schemeClr val="dk1"/>
+    </dgm:txFillClrLst>
+    <dgm:txEffectClrLst/>
+  </dgm:styleLbl>
+  <dgm:styleLbl name="dkBgShp">
+    <dgm:fillClrLst meth="repeat">
+      <a:schemeClr val="accent1">
+        <a:shade val="80000"/>
+      </a:schemeClr>
+    </dgm:fillClrLst>
+    <dgm:linClrLst meth="repeat">
+      <a:schemeClr val="accent1"/>
+    </dgm:linClrLst>
+    <dgm:effectClrLst/>
+    <dgm:txLinClrLst/>
+    <dgm:txFillClrLst meth="repeat">
+      <a:schemeClr val="lt1"/>
+    </dgm:txFillClrLst>
+    <dgm:txEffectClrLst/>
+  </dgm:styleLbl>
+  <dgm:styleLbl name="trBgShp">
+    <dgm:fillClrLst meth="repeat">
+      <a:schemeClr val="accent1">
+        <a:tint val="50000"/>
+        <a:alpha val="40000"/>
+      </a:schemeClr>
+    </dgm:fillClrLst>
+    <dgm:linClrLst meth="repeat">
+      <a:schemeClr val="accent1"/>
+    </dgm:linClrLst>
+    <dgm:effectClrLst/>
+    <dgm:txLinClrLst/>
+    <dgm:txFillClrLst meth="repeat">
+      <a:schemeClr val="lt1"/>
+    </dgm:txFillClrLst>
+    <dgm:txEffectClrLst/>
+  </dgm:styleLbl>
+  <dgm:styleLbl name="fgShp">
+    <dgm:fillClrLst meth="repeat">
+      <a:schemeClr val="accent1">
+        <a:tint val="60000"/>
+      </a:schemeClr>
+    </dgm:fillClrLst>
+    <dgm:linClrLst meth="repeat">
+      <a:schemeClr val="lt1"/>
+    </dgm:linClrLst>
+    <dgm:effectClrLst/>
+    <dgm:txLinClrLst/>
+    <dgm:txFillClrLst meth="repeat">
+      <a:schemeClr val="dk1"/>
+    </dgm:txFillClrLst>
+    <dgm:txEffectClrLst/>
+  </dgm:styleLbl>
+  <dgm:styleLbl name="revTx">
+    <dgm:fillClrLst meth="repeat">
+      <a:schemeClr val="lt1">
+        <a:alpha val="0"/>
+      </a:schemeClr>
+    </dgm:fillClrLst>
+    <dgm:linClrLst meth="repeat">
+      <a:schemeClr val="dk1">
+        <a:alpha val="0"/>
+      </a:schemeClr>
+    </dgm:linClrLst>
+    <dgm:effectClrLst/>
+    <dgm:txLinClrLst/>
+    <dgm:txFillClrLst meth="repeat">
+      <a:schemeClr val="tx1"/>
+    </dgm:txFillClrLst>
+    <dgm:txEffectClrLst/>
+  </dgm:styleLbl>
+</dgm:colorsDef>
+</file>
+
+<file path=ppt/diagrams/colors3.xml><?xml version="1.0" encoding="utf-8"?>
+<dgm:colorsDef xmlns:dgm="http://schemas.openxmlformats.org/drawingml/2006/diagram" xmlns:a="http://schemas.openxmlformats.org/drawingml/2006/main" uniqueId="urn:microsoft.com/office/officeart/2005/8/colors/accent1_2">
+  <dgm:title val=""/>
+  <dgm:desc val=""/>
+  <dgm:catLst>
+    <dgm:cat type="accent1" pri="11200"/>
+  </dgm:catLst>
+  <dgm:styleLbl name="node0">
+    <dgm:fillClrLst meth="repeat">
+      <a:schemeClr val="accent1"/>
+    </dgm:fillClrLst>
+    <dgm:linClrLst meth="repeat">
+      <a:schemeClr val="lt1"/>
+    </dgm:linClrLst>
+    <dgm:effectClrLst/>
+    <dgm:txLinClrLst/>
+    <dgm:txFillClrLst/>
+    <dgm:txEffectClrLst/>
+  </dgm:styleLbl>
+  <dgm:styleLbl name="alignNode1">
+    <dgm:fillClrLst meth="repeat">
+      <a:schemeClr val="accent1"/>
+    </dgm:fillClrLst>
+    <dgm:linClrLst meth="repeat">
+      <a:schemeClr val="accent1"/>
+    </dgm:linClrLst>
+    <dgm:effectClrLst/>
+    <dgm:txLinClrLst/>
+    <dgm:txFillClrLst/>
+    <dgm:txEffectClrLst/>
+  </dgm:styleLbl>
+  <dgm:styleLbl name="node1">
+    <dgm:fillClrLst meth="repeat">
+      <a:schemeClr val="accent1"/>
+    </dgm:fillClrLst>
+    <dgm:linClrLst meth="repeat">
+      <a:schemeClr val="lt1"/>
+    </dgm:linClrLst>
+    <dgm:effectClrLst/>
+    <dgm:txLinClrLst/>
+    <dgm:txFillClrLst/>
+    <dgm:txEffectClrLst/>
+  </dgm:styleLbl>
+  <dgm:styleLbl name="lnNode1">
+    <dgm:fillClrLst meth="repeat">
+      <a:schemeClr val="accent1"/>
+    </dgm:fillClrLst>
+    <dgm:linClrLst meth="repeat">
+      <a:schemeClr val="lt1"/>
+    </dgm:linClrLst>
+    <dgm:effectClrLst/>
+    <dgm:txLinClrLst/>
+    <dgm:txFillClrLst/>
+    <dgm:txEffectClrLst/>
+  </dgm:styleLbl>
+  <dgm:styleLbl name="vennNode1">
+    <dgm:fillClrLst meth="repeat">
+      <a:schemeClr val="accent1">
+        <a:alpha val="50000"/>
+      </a:schemeClr>
+    </dgm:fillClrLst>
+    <dgm:linClrLst meth="repeat">
+      <a:schemeClr val="lt1"/>
+    </dgm:linClrLst>
+    <dgm:effectClrLst/>
+    <dgm:txLinClrLst/>
+    <dgm:txFillClrLst/>
+    <dgm:txEffectClrLst/>
+  </dgm:styleLbl>
+  <dgm:styleLbl name="node2">
+    <dgm:fillClrLst meth="repeat">
+      <a:schemeClr val="accent1"/>
+    </dgm:fillClrLst>
+    <dgm:linClrLst meth="repeat">
+      <a:schemeClr val="lt1"/>
+    </dgm:linClrLst>
+    <dgm:effectClrLst/>
+    <dgm:txLinClrLst/>
+    <dgm:txFillClrLst/>
+    <dgm:txEffectClrLst/>
+  </dgm:styleLbl>
+  <dgm:styleLbl name="node3">
+    <dgm:fillClrLst meth="repeat">
+      <a:schemeClr val="accent1"/>
+    </dgm:fillClrLst>
+    <dgm:linClrLst meth="repeat">
+      <a:schemeClr val="lt1"/>
+    </dgm:linClrLst>
+    <dgm:effectClrLst/>
+    <dgm:txLinClrLst/>
+    <dgm:txFillClrLst/>
+    <dgm:txEffectClrLst/>
+  </dgm:styleLbl>
+  <dgm:styleLbl name="node4">
+    <dgm:fillClrLst meth="repeat">
+      <a:schemeClr val="accent1"/>
+    </dgm:fillClrLst>
+    <dgm:linClrLst meth="repeat">
+      <a:schemeClr val="lt1"/>
+    </dgm:linClrLst>
+    <dgm:effectClrLst/>
+    <dgm:txLinClrLst/>
+    <dgm:txFillClrLst/>
+    <dgm:txEffectClrLst/>
+  </dgm:styleLbl>
+  <dgm:styleLbl name="fgImgPlace1">
+    <dgm:fillClrLst meth="repeat">
+      <a:schemeClr val="accent1">
+        <a:tint val="50000"/>
+      </a:schemeClr>
+    </dgm:fillClrLst>
+    <dgm:linClrLst meth="repeat">
+      <a:schemeClr val="lt1"/>
+    </dgm:linClrLst>
+    <dgm:effectClrLst/>
+    <dgm:txLinClrLst/>
+    <dgm:txFillClrLst meth="repeat">
+      <a:schemeClr val="lt1"/>
+    </dgm:txFillClrLst>
+    <dgm:txEffectClrLst/>
+  </dgm:styleLbl>
+  <dgm:styleLbl name="alignImgPlace1">
+    <dgm:fillClrLst meth="repeat">
+      <a:schemeClr val="accent1">
+        <a:tint val="50000"/>
+      </a:schemeClr>
+    </dgm:fillClrLst>
+    <dgm:linClrLst meth="repeat">
+      <a:schemeClr val="lt1"/>
+    </dgm:linClrLst>
+    <dgm:effectClrLst/>
+    <dgm:txLinClrLst/>
+    <dgm:txFillClrLst meth="repeat">
+      <a:schemeClr val="lt1"/>
+    </dgm:txFillClrLst>
+    <dgm:txEffectClrLst/>
+  </dgm:styleLbl>
+  <dgm:styleLbl name="bgImgPlace1">
+    <dgm:fillClrLst meth="repeat">
+      <a:schemeClr val="accent1">
+        <a:tint val="50000"/>
+      </a:schemeClr>
+    </dgm:fillClrLst>
+    <dgm:linClrLst meth="repeat">
+      <a:schemeClr val="lt1"/>
+    </dgm:linClrLst>
+    <dgm:effectClrLst/>
+    <dgm:txLinClrLst/>
+    <dgm:txFillClrLst meth="repeat">
+      <a:schemeClr val="lt1"/>
+    </dgm:txFillClrLst>
+    <dgm:txEffectClrLst/>
+  </dgm:styleLbl>
+  <dgm:styleLbl name="sibTrans2D1">
+    <dgm:fillClrLst meth="repeat">
+      <a:schemeClr val="accent1">
+        <a:tint val="60000"/>
+      </a:schemeClr>
+    </dgm:fillClrLst>
+    <dgm:linClrLst meth="repeat">
+      <a:schemeClr val="accent1">
+        <a:tint val="60000"/>
+      </a:schemeClr>
+    </dgm:linClrLst>
+    <dgm:effectClrLst/>
+    <dgm:txLinClrLst/>
+    <dgm:txFillClrLst/>
+    <dgm:txEffectClrLst/>
+  </dgm:styleLbl>
+  <dgm:styleLbl name="fgSibTrans2D1">
+    <dgm:fillClrLst meth="repeat">
+      <a:schemeClr val="accent1">
+        <a:tint val="60000"/>
+      </a:schemeClr>
+    </dgm:fillClrLst>
+    <dgm:linClrLst meth="repeat">
+      <a:schemeClr val="accent1">
+        <a:tint val="60000"/>
+      </a:schemeClr>
+    </dgm:linClrLst>
+    <dgm:effectClrLst/>
+    <dgm:txLinClrLst/>
+    <dgm:txFillClrLst/>
+    <dgm:txEffectClrLst/>
+  </dgm:styleLbl>
+  <dgm:styleLbl name="bgSibTrans2D1">
+    <dgm:fillClrLst meth="repeat">
+      <a:schemeClr val="accent1">
+        <a:tint val="60000"/>
+      </a:schemeClr>
+    </dgm:fillClrLst>
+    <dgm:linClrLst meth="repeat">
+      <a:schemeClr val="accent1">
+        <a:tint val="60000"/>
+      </a:schemeClr>
+    </dgm:linClrLst>
+    <dgm:effectClrLst/>
+    <dgm:txLinClrLst/>
+    <dgm:txFillClrLst/>
+    <dgm:txEffectClrLst/>
+  </dgm:styleLbl>
+  <dgm:styleLbl name="sibTrans1D1">
+    <dgm:fillClrLst meth="repeat">
+      <a:schemeClr val="accent1"/>
+    </dgm:fillClrLst>
+    <dgm:linClrLst meth="repeat">
+      <a:schemeClr val="accent1"/>
+    </dgm:linClrLst>
+    <dgm:effectClrLst/>
+    <dgm:txLinClrLst/>
+    <dgm:txFillClrLst meth="repeat">
+      <a:schemeClr val="tx1"/>
+    </dgm:txFillClrLst>
+    <dgm:txEffectClrLst/>
+  </dgm:styleLbl>
+  <dgm:styleLbl name="callout">
+    <dgm:fillClrLst meth="repeat">
+      <a:schemeClr val="accent1"/>
+    </dgm:fillClrLst>
+    <dgm:linClrLst meth="repeat">
+      <a:schemeClr val="accent1">
+        <a:tint val="50000"/>
+      </a:schemeClr>
+    </dgm:linClrLst>
+    <dgm:effectClrLst/>
+    <dgm:txLinClrLst/>
+    <dgm:txFillClrLst meth="repeat">
+      <a:schemeClr val="tx1"/>
+    </dgm:txFillClrLst>
+    <dgm:txEffectClrLst/>
+  </dgm:styleLbl>
+  <dgm:styleLbl name="asst0">
+    <dgm:fillClrLst meth="repeat">
+      <a:schemeClr val="accent1"/>
+    </dgm:fillClrLst>
+    <dgm:linClrLst meth="repeat">
+      <a:schemeClr val="lt1"/>
+    </dgm:linClrLst>
+    <dgm:effectClrLst/>
+    <dgm:txLinClrLst/>
+    <dgm:txFillClrLst/>
+    <dgm:txEffectClrLst/>
+  </dgm:styleLbl>
+  <dgm:styleLbl name="asst1">
+    <dgm:fillClrLst meth="repeat">
+      <a:schemeClr val="accent1"/>
+    </dgm:fillClrLst>
+    <dgm:linClrLst meth="repeat">
+      <a:schemeClr val="lt1"/>
+    </dgm:linClrLst>
+    <dgm:effectClrLst/>
+    <dgm:txLinClrLst/>
+    <dgm:txFillClrLst/>
+    <dgm:txEffectClrLst/>
+  </dgm:styleLbl>
+  <dgm:styleLbl name="asst2">
+    <dgm:fillClrLst meth="repeat">
+      <a:schemeClr val="accent1"/>
+    </dgm:fillClrLst>
+    <dgm:linClrLst meth="repeat">
+      <a:schemeClr val="lt1"/>
+    </dgm:linClrLst>
+    <dgm:effectClrLst/>
+    <dgm:txLinClrLst/>
+    <dgm:txFillClrLst/>
+    <dgm:txEffectClrLst/>
+  </dgm:styleLbl>
+  <dgm:styleLbl name="asst3">
+    <dgm:fillClrLst meth="repeat">
+      <a:schemeClr val="accent1"/>
+    </dgm:fillClrLst>
+    <dgm:linClrLst meth="repeat">
+      <a:schemeClr val="lt1"/>
+    </dgm:linClrLst>
+    <dgm:effectClrLst/>
+    <dgm:txLinClrLst/>
+    <dgm:txFillClrLst/>
+    <dgm:txEffectClrLst/>
+  </dgm:styleLbl>
+  <dgm:styleLbl name="asst4">
+    <dgm:fillClrLst meth="repeat">
+      <a:schemeClr val="accent1"/>
+    </dgm:fillClrLst>
+    <dgm:linClrLst meth="repeat">
+      <a:schemeClr val="lt1"/>
+    </dgm:linClrLst>
+    <dgm:effectClrLst/>
+    <dgm:txLinClrLst/>
+    <dgm:txFillClrLst/>
+    <dgm:txEffectClrLst/>
+  </dgm:styleLbl>
+  <dgm:styleLbl name="parChTrans2D1">
+    <dgm:fillClrLst meth="repeat">
+      <a:schemeClr val="accent1">
+        <a:tint val="60000"/>
+      </a:schemeClr>
+    </dgm:fillClrLst>
+    <dgm:linClrLst meth="repeat">
+      <a:schemeClr val="accent1">
+        <a:tint val="60000"/>
+      </a:schemeClr>
+    </dgm:linClrLst>
+    <dgm:effectClrLst/>
+    <dgm:txLinClrLst/>
+    <dgm:txFillClrLst meth="repeat">
+      <a:schemeClr val="lt1"/>
+    </dgm:txFillClrLst>
+    <dgm:txEffectClrLst/>
+  </dgm:styleLbl>
+  <dgm:styleLbl name="parChTrans2D2">
+    <dgm:fillClrLst meth="repeat">
+      <a:schemeClr val="accent1"/>
+    </dgm:fillClrLst>
+    <dgm:linClrLst meth="repeat">
+      <a:schemeClr val="accent1"/>
+    </dgm:linClrLst>
+    <dgm:effectClrLst/>
+    <dgm:txLinClrLst/>
+    <dgm:txFillClrLst meth="repeat">
+      <a:schemeClr val="lt1"/>
+    </dgm:txFillClrLst>
+    <dgm:txEffectClrLst/>
+  </dgm:styleLbl>
+  <dgm:styleLbl name="parChTrans2D3">
+    <dgm:fillClrLst meth="repeat">
+      <a:schemeClr val="accent1"/>
+    </dgm:fillClrLst>
+    <dgm:linClrLst meth="repeat">
+      <a:schemeClr val="accent1"/>
+    </dgm:linClrLst>
+    <dgm:effectClrLst/>
+    <dgm:txLinClrLst/>
+    <dgm:txFillClrLst meth="repeat">
+      <a:schemeClr val="lt1"/>
+    </dgm:txFillClrLst>
+    <dgm:txEffectClrLst/>
+  </dgm:styleLbl>
+  <dgm:styleLbl name="parChTrans2D4">
+    <dgm:fillClrLst meth="repeat">
+      <a:schemeClr val="accent1"/>
+    </dgm:fillClrLst>
+    <dgm:linClrLst meth="repeat">
+      <a:schemeClr val="accent1"/>
+    </dgm:linClrLst>
+    <dgm:effectClrLst/>
+    <dgm:txLinClrLst/>
+    <dgm:txFillClrLst meth="repeat">
+      <a:schemeClr val="lt1"/>
+    </dgm:txFillClrLst>
+    <dgm:txEffectClrLst/>
+  </dgm:styleLbl>
+  <dgm:styleLbl name="parChTrans1D1">
+    <dgm:fillClrLst meth="repeat">
+      <a:schemeClr val="accent1"/>
+    </dgm:fillClrLst>
+    <dgm:linClrLst meth="repeat">
+      <a:schemeClr val="accent1">
+        <a:shade val="60000"/>
+      </a:schemeClr>
+    </dgm:linClrLst>
+    <dgm:effectClrLst/>
+    <dgm:txLinClrLst/>
+    <dgm:txFillClrLst meth="repeat">
+      <a:schemeClr val="tx1"/>
+    </dgm:txFillClrLst>
+    <dgm:txEffectClrLst/>
+  </dgm:styleLbl>
+  <dgm:styleLbl name="parChTrans1D2">
+    <dgm:fillClrLst meth="repeat">
+      <a:schemeClr val="accent1"/>
+    </dgm:fillClrLst>
+    <dgm:linClrLst meth="repeat">
+      <a:schemeClr val="accent1">
+        <a:shade val="60000"/>
+      </a:schemeClr>
+    </dgm:linClrLst>
+    <dgm:effectClrLst/>
+    <dgm:txLinClrLst/>
+    <dgm:txFillClrLst meth="repeat">
+      <a:schemeClr val="tx1"/>
+    </dgm:txFillClrLst>
+    <dgm:txEffectClrLst/>
+  </dgm:styleLbl>
+  <dgm:styleLbl name="parChTrans1D3">
+    <dgm:fillClrLst meth="repeat">
+      <a:schemeClr val="accent1"/>
+    </dgm:fillClrLst>
+    <dgm:linClrLst meth="repeat">
+      <a:schemeClr val="accent1">
+        <a:shade val="80000"/>
+      </a:schemeClr>
+    </dgm:linClrLst>
+    <dgm:effectClrLst/>
+    <dgm:txLinClrLst/>
+    <dgm:txFillClrLst meth="repeat">
+      <a:schemeClr val="tx1"/>
+    </dgm:txFillClrLst>
+    <dgm:txEffectClrLst/>
+  </dgm:styleLbl>
+  <dgm:styleLbl name="parChTrans1D4">
+    <dgm:fillClrLst meth="repeat">
+      <a:schemeClr val="accent1"/>
+    </dgm:fillClrLst>
+    <dgm:linClrLst meth="repeat">
+      <a:schemeClr val="accent1">
+        <a:shade val="80000"/>
+      </a:schemeClr>
+    </dgm:linClrLst>
+    <dgm:effectClrLst/>
+    <dgm:txLinClrLst/>
+    <dgm:txFillClrLst meth="repeat">
+      <a:schemeClr val="tx1"/>
+    </dgm:txFillClrLst>
+    <dgm:txEffectClrLst/>
+  </dgm:styleLbl>
+  <dgm:styleLbl name="fgAcc1">
+    <dgm:fillClrLst meth="repeat">
+      <a:schemeClr val="lt1">
+        <a:alpha val="90000"/>
+      </a:schemeClr>
+    </dgm:fillClrLst>
+    <dgm:linClrLst meth="repeat">
+      <a:schemeClr val="accent1"/>
+    </dgm:linClrLst>
+    <dgm:effectClrLst/>
+    <dgm:txLinClrLst/>
+    <dgm:txFillClrLst meth="repeat">
+      <a:schemeClr val="dk1"/>
+    </dgm:txFillClrLst>
+    <dgm:txEffectClrLst/>
+  </dgm:styleLbl>
+  <dgm:styleLbl name="conFgAcc1">
+    <dgm:fillClrLst meth="repeat">
+      <a:schemeClr val="lt1">
+        <a:alpha val="90000"/>
+      </a:schemeClr>
+    </dgm:fillClrLst>
+    <dgm:linClrLst meth="repeat">
+      <a:schemeClr val="accent1"/>
+    </dgm:linClrLst>
+    <dgm:effectClrLst/>
+    <dgm:txLinClrLst/>
+    <dgm:txFillClrLst meth="repeat">
+      <a:schemeClr val="dk1"/>
+    </dgm:txFillClrLst>
+    <dgm:txEffectClrLst/>
+  </dgm:styleLbl>
+  <dgm:styleLbl name="alignAcc1">
+    <dgm:fillClrLst meth="repeat">
+      <a:schemeClr val="lt1">
+        <a:alpha val="90000"/>
+      </a:schemeClr>
+    </dgm:fillClrLst>
+    <dgm:linClrLst meth="repeat">
+      <a:schemeClr val="accent1"/>
+    </dgm:linClrLst>
+    <dgm:effectClrLst/>
+    <dgm:txLinClrLst/>
+    <dgm:txFillClrLst meth="repeat">
+      <a:schemeClr val="dk1"/>
+    </dgm:txFillClrLst>
+    <dgm:txEffectClrLst/>
+  </dgm:styleLbl>
+  <dgm:styleLbl name="trAlignAcc1">
+    <dgm:fillClrLst meth="repeat">
+      <a:schemeClr val="lt1">
+        <a:alpha val="40000"/>
+      </a:schemeClr>
+    </dgm:fillClrLst>
+    <dgm:linClrLst meth="repeat">
+      <a:schemeClr val="accent1"/>
+    </dgm:linClrLst>
+    <dgm:effectClrLst/>
+    <dgm:txLinClrLst/>
+    <dgm:txFillClrLst meth="repeat">
+      <a:schemeClr val="dk1"/>
+    </dgm:txFillClrLst>
+    <dgm:txEffectClrLst/>
+  </dgm:styleLbl>
+  <dgm:styleLbl name="bgAcc1">
+    <dgm:fillClrLst meth="repeat">
+      <a:schemeClr val="lt1">
+        <a:alpha val="90000"/>
+      </a:schemeClr>
+    </dgm:fillClrLst>
+    <dgm:linClrLst meth="repeat">
+      <a:schemeClr val="accent1"/>
+    </dgm:linClrLst>
+    <dgm:effectClrLst/>
+    <dgm:txLinClrLst/>
+    <dgm:txFillClrLst meth="repeat">
+      <a:schemeClr val="dk1"/>
+    </dgm:txFillClrLst>
+    <dgm:txEffectClrLst/>
+  </dgm:styleLbl>
+  <dgm:styleLbl name="solidFgAcc1">
+    <dgm:fillClrLst meth="repeat">
+      <a:schemeClr val="lt1"/>
+    </dgm:fillClrLst>
+    <dgm:linClrLst meth="repeat">
+      <a:schemeClr val="accent1"/>
+    </dgm:linClrLst>
+    <dgm:effectClrLst/>
+    <dgm:txLinClrLst/>
+    <dgm:txFillClrLst meth="repeat">
+      <a:schemeClr val="dk1"/>
+    </dgm:txFillClrLst>
+    <dgm:txEffectClrLst/>
+  </dgm:styleLbl>
+  <dgm:styleLbl name="solidAlignAcc1">
+    <dgm:fillClrLst meth="repeat">
+      <a:schemeClr val="lt1"/>
+    </dgm:fillClrLst>
+    <dgm:linClrLst meth="repeat">
+      <a:schemeClr val="accent1"/>
+    </dgm:linClrLst>
+    <dgm:effectClrLst/>
+    <dgm:txLinClrLst/>
+    <dgm:txFillClrLst meth="repeat">
+      <a:schemeClr val="dk1"/>
+    </dgm:txFillClrLst>
+    <dgm:txEffectClrLst/>
+  </dgm:styleLbl>
+  <dgm:styleLbl name="solidBgAcc1">
+    <dgm:fillClrLst meth="repeat">
+      <a:schemeClr val="lt1"/>
+    </dgm:fillClrLst>
+    <dgm:linClrLst meth="repeat">
+      <a:schemeClr val="accent1"/>
+    </dgm:linClrLst>
+    <dgm:effectClrLst/>
+    <dgm:txLinClrLst/>
+    <dgm:txFillClrLst meth="repeat">
+      <a:schemeClr val="dk1"/>
+    </dgm:txFillClrLst>
+    <dgm:txEffectClrLst/>
+  </dgm:styleLbl>
+  <dgm:styleLbl name="fgAccFollowNode1">
+    <dgm:fillClrLst meth="repeat">
+      <a:schemeClr val="accent1">
+        <a:alpha val="90000"/>
+        <a:tint val="40000"/>
+      </a:schemeClr>
+    </dgm:fillClrLst>
+    <dgm:linClrLst meth="repeat">
+      <a:schemeClr val="accent1">
+        <a:alpha val="90000"/>
+        <a:tint val="40000"/>
+      </a:schemeClr>
+    </dgm:linClrLst>
+    <dgm:effectClrLst/>
+    <dgm:txLinClrLst/>
+    <dgm:txFillClrLst meth="repeat">
+      <a:schemeClr val="dk1"/>
+    </dgm:txFillClrLst>
+    <dgm:txEffectClrLst/>
+  </dgm:styleLbl>
+  <dgm:styleLbl name="alignAccFollowNode1">
+    <dgm:fillClrLst meth="repeat">
+      <a:schemeClr val="accent1">
+        <a:alpha val="90000"/>
+        <a:tint val="40000"/>
+      </a:schemeClr>
+    </dgm:fillClrLst>
+    <dgm:linClrLst meth="repeat">
+      <a:schemeClr val="accent1">
+        <a:alpha val="90000"/>
+        <a:tint val="40000"/>
+      </a:schemeClr>
+    </dgm:linClrLst>
+    <dgm:effectClrLst/>
+    <dgm:txLinClrLst/>
+    <dgm:txFillClrLst meth="repeat">
+      <a:schemeClr val="dk1"/>
+    </dgm:txFillClrLst>
+    <dgm:txEffectClrLst/>
+  </dgm:styleLbl>
+  <dgm:styleLbl name="bgAccFollowNode1">
+    <dgm:fillClrLst meth="repeat">
+      <a:schemeClr val="accent1">
+        <a:alpha val="90000"/>
+        <a:tint val="40000"/>
+      </a:schemeClr>
+    </dgm:fillClrLst>
+    <dgm:linClrLst meth="repeat">
+      <a:schemeClr val="accent1">
+        <a:alpha val="90000"/>
+        <a:tint val="40000"/>
+      </a:schemeClr>
+    </dgm:linClrLst>
+    <dgm:effectClrLst/>
+    <dgm:txLinClrLst/>
+    <dgm:txFillClrLst meth="repeat">
+      <a:schemeClr val="dk1"/>
+    </dgm:txFillClrLst>
+    <dgm:txEffectClrLst/>
+  </dgm:styleLbl>
+  <dgm:styleLbl name="fgAcc0">
+    <dgm:fillClrLst meth="repeat">
+      <a:schemeClr val="lt1">
+        <a:alpha val="90000"/>
+      </a:schemeClr>
+    </dgm:fillClrLst>
+    <dgm:linClrLst meth="repeat">
+      <a:schemeClr val="accent1"/>
+    </dgm:linClrLst>
+    <dgm:effectClrLst/>
+    <dgm:txLinClrLst/>
+    <dgm:txFillClrLst meth="repeat">
+      <a:schemeClr val="dk1"/>
+    </dgm:txFillClrLst>
+    <dgm:txEffectClrLst/>
+  </dgm:styleLbl>
+  <dgm:styleLbl name="fgAcc2">
+    <dgm:fillClrLst meth="repeat">
+      <a:schemeClr val="lt1">
+        <a:alpha val="90000"/>
+      </a:schemeClr>
+    </dgm:fillClrLst>
+    <dgm:linClrLst meth="repeat">
+      <a:schemeClr val="accent1"/>
+    </dgm:linClrLst>
+    <dgm:effectClrLst/>
+    <dgm:txLinClrLst/>
+    <dgm:txFillClrLst meth="repeat">
+      <a:schemeClr val="dk1"/>
+    </dgm:txFillClrLst>
+    <dgm:txEffectClrLst/>
+  </dgm:styleLbl>
+  <dgm:styleLbl name="fgAcc3">
+    <dgm:fillClrLst meth="repeat">
+      <a:schemeClr val="lt1">
+        <a:alpha val="90000"/>
+      </a:schemeClr>
+    </dgm:fillClrLst>
+    <dgm:linClrLst meth="repeat">
+      <a:schemeClr val="accent1"/>
+    </dgm:linClrLst>
+    <dgm:effectClrLst/>
+    <dgm:txLinClrLst/>
+    <dgm:txFillClrLst meth="repeat">
+      <a:schemeClr val="dk1"/>
+    </dgm:txFillClrLst>
+    <dgm:txEffectClrLst/>
+  </dgm:styleLbl>
+  <dgm:styleLbl name="fgAcc4">
+    <dgm:fillClrLst meth="repeat">
+      <a:schemeClr val="lt1">
+        <a:alpha val="90000"/>
+      </a:schemeClr>
+    </dgm:fillClrLst>
+    <dgm:linClrLst meth="repeat">
+      <a:schemeClr val="accent1"/>
+    </dgm:linClrLst>
+    <dgm:effectClrLst/>
+    <dgm:txLinClrLst/>
+    <dgm:txFillClrLst meth="repeat">
+      <a:schemeClr val="dk1"/>
+    </dgm:txFillClrLst>
+    <dgm:txEffectClrLst/>
+  </dgm:styleLbl>
+  <dgm:styleLbl name="bgShp">
+    <dgm:fillClrLst meth="repeat">
+      <a:schemeClr val="accent1">
+        <a:tint val="40000"/>
+      </a:schemeClr>
+    </dgm:fillClrLst>
+    <dgm:linClrLst meth="repeat">
+      <a:schemeClr val="accent1"/>
+    </dgm:linClrLst>
+    <dgm:effectClrLst/>
+    <dgm:txLinClrLst/>
+    <dgm:txFillClrLst meth="repeat">
+      <a:schemeClr val="dk1"/>
+    </dgm:txFillClrLst>
+    <dgm:txEffectClrLst/>
+  </dgm:styleLbl>
+  <dgm:styleLbl name="dkBgShp">
+    <dgm:fillClrLst meth="repeat">
+      <a:schemeClr val="accent1">
+        <a:shade val="80000"/>
+      </a:schemeClr>
+    </dgm:fillClrLst>
+    <dgm:linClrLst meth="repeat">
+      <a:schemeClr val="accent1"/>
+    </dgm:linClrLst>
+    <dgm:effectClrLst/>
+    <dgm:txLinClrLst/>
+    <dgm:txFillClrLst meth="repeat">
+      <a:schemeClr val="lt1"/>
+    </dgm:txFillClrLst>
+    <dgm:txEffectClrLst/>
+  </dgm:styleLbl>
+  <dgm:styleLbl name="trBgShp">
+    <dgm:fillClrLst meth="repeat">
+      <a:schemeClr val="accent1">
+        <a:tint val="50000"/>
+        <a:alpha val="40000"/>
+      </a:schemeClr>
+    </dgm:fillClrLst>
+    <dgm:linClrLst meth="repeat">
+      <a:schemeClr val="accent1"/>
+    </dgm:linClrLst>
+    <dgm:effectClrLst/>
+    <dgm:txLinClrLst/>
+    <dgm:txFillClrLst meth="repeat">
+      <a:schemeClr val="lt1"/>
+    </dgm:txFillClrLst>
+    <dgm:txEffectClrLst/>
+  </dgm:styleLbl>
+  <dgm:styleLbl name="fgShp">
+    <dgm:fillClrLst meth="repeat">
+      <a:schemeClr val="accent1">
+        <a:tint val="60000"/>
+      </a:schemeClr>
+    </dgm:fillClrLst>
+    <dgm:linClrLst meth="repeat">
+      <a:schemeClr val="lt1"/>
+    </dgm:linClrLst>
+    <dgm:effectClrLst/>
+    <dgm:txLinClrLst/>
+    <dgm:txFillClrLst meth="repeat">
+      <a:schemeClr val="dk1"/>
+    </dgm:txFillClrLst>
+    <dgm:txEffectClrLst/>
+  </dgm:styleLbl>
+  <dgm:styleLbl name="revTx">
+    <dgm:fillClrLst meth="repeat">
+      <a:schemeClr val="lt1">
+        <a:alpha val="0"/>
+      </a:schemeClr>
+    </dgm:fillClrLst>
+    <dgm:linClrLst meth="repeat">
+      <a:schemeClr val="dk1">
+        <a:alpha val="0"/>
+      </a:schemeClr>
+    </dgm:linClrLst>
+    <dgm:effectClrLst/>
+    <dgm:txLinClrLst/>
+    <dgm:txFillClrLst meth="repeat">
+      <a:schemeClr val="tx1"/>
+    </dgm:txFillClrLst>
+    <dgm:txEffectClrLst/>
+  </dgm:styleLbl>
+</dgm:colorsDef>
+</file>
+
+<file path=ppt/diagrams/colors4.xml><?xml version="1.0" encoding="utf-8"?>
 <dgm:colorsDef xmlns:dgm="http://schemas.openxmlformats.org/drawingml/2006/diagram" xmlns:a="http://schemas.openxmlformats.org/drawingml/2006/main" uniqueId="urn:microsoft.com/office/officeart/2005/8/colors/accent1_2">
   <dgm:title val=""/>
   <dgm:desc val=""/>
@@ -1785,6 +3286,13 @@
         </dgm:presLayoutVars>
       </dgm:prSet>
       <dgm:spPr/>
+      <dgm:t>
+        <a:bodyPr/>
+        <a:lstStyle/>
+        <a:p>
+          <a:endParaRPr lang="de-DE"/>
+        </a:p>
+      </dgm:t>
     </dgm:pt>
     <dgm:pt modelId="{0E2CF7F8-8D0E-4173-9FFE-6125DCC42F1D}" type="pres">
       <dgm:prSet presAssocID="{010CAF21-CB3B-4437-B3BA-60302F917F12}" presName="chaos" presStyleCnt="0"/>
@@ -1808,6 +3316,13 @@
         </dgm:presLayoutVars>
       </dgm:prSet>
       <dgm:spPr/>
+      <dgm:t>
+        <a:bodyPr/>
+        <a:lstStyle/>
+        <a:p>
+          <a:endParaRPr lang="de-DE"/>
+        </a:p>
+      </dgm:t>
     </dgm:pt>
     <dgm:pt modelId="{7AABDCAB-3F69-443F-84DB-4A65161A7542}" type="pres">
       <dgm:prSet presAssocID="{010CAF21-CB3B-4437-B3BA-60302F917F12}" presName="c1" presStyleLbl="node1" presStyleIdx="0" presStyleCnt="19"/>
@@ -1931,6 +3446,13 @@
         </dgm:presLayoutVars>
       </dgm:prSet>
       <dgm:spPr/>
+      <dgm:t>
+        <a:bodyPr/>
+        <a:lstStyle/>
+        <a:p>
+          <a:endParaRPr lang="de-DE"/>
+        </a:p>
+      </dgm:t>
     </dgm:pt>
     <dgm:pt modelId="{54B33679-980F-4405-8D09-9BE5A8714EE0}" type="pres">
       <dgm:prSet presAssocID="{2D7CCBD8-2C94-4D9D-ABA7-8CA8AEB18BCC}" presName="spN" presStyleCnt="0"/>
@@ -1938,15 +3460,15 @@
     </dgm:pt>
   </dgm:ptLst>
   <dgm:cxnLst>
+    <dgm:cxn modelId="{B14468F1-3995-4B77-8A7A-6DAFA0B9D517}" type="presOf" srcId="{3495E597-FC84-4DAE-AF3A-92FAEEA85049}" destId="{C49DD904-A933-458B-A6C6-2CEDB8FDBCDA}" srcOrd="0" destOrd="0" presId="urn:microsoft.com/office/officeart/2009/3/layout/RandomtoResultProcess"/>
+    <dgm:cxn modelId="{2FC90B52-09FE-46D7-AB10-490092BC111B}" type="presOf" srcId="{C24B3E50-6943-4CC9-9EE1-66900077A42A}" destId="{F2572A93-E8B2-4C93-928B-5315D8F089D5}" srcOrd="0" destOrd="0" presId="urn:microsoft.com/office/officeart/2009/3/layout/RandomtoResultProcess"/>
+    <dgm:cxn modelId="{46E41157-9D2C-4901-9234-8E9754663F28}" type="presOf" srcId="{010CAF21-CB3B-4437-B3BA-60302F917F12}" destId="{FF5FD4B7-CDDC-4B5A-8601-7886F95A30BA}" srcOrd="0" destOrd="0" presId="urn:microsoft.com/office/officeart/2009/3/layout/RandomtoResultProcess"/>
+    <dgm:cxn modelId="{B465FF3F-295C-4405-A2DA-1AC30000FD5D}" type="presOf" srcId="{02B63446-176C-4773-B7E3-061C3DA8D2E1}" destId="{A0A547CF-1F3C-4249-800E-13367646B664}" srcOrd="0" destOrd="0" presId="urn:microsoft.com/office/officeart/2009/3/layout/RandomtoResultProcess"/>
+    <dgm:cxn modelId="{793CBA0E-094A-414B-8A07-80672BE52B53}" srcId="{C24B3E50-6943-4CC9-9EE1-66900077A42A}" destId="{010CAF21-CB3B-4437-B3BA-60302F917F12}" srcOrd="0" destOrd="0" parTransId="{3B5264BC-3D5D-47B4-8641-971C2F085463}" sibTransId="{A1A6F002-F60C-4191-92EC-8E022627D3FC}"/>
+    <dgm:cxn modelId="{058F70C6-4B6B-4A26-A2C7-4B0A9AB1E554}" srcId="{C24B3E50-6943-4CC9-9EE1-66900077A42A}" destId="{2D7CCBD8-2C94-4D9D-ABA7-8CA8AEB18BCC}" srcOrd="1" destOrd="0" parTransId="{B3E26630-BBBA-4288-B8BB-5802765701AC}" sibTransId="{217FCA5E-EC9E-4AAF-8F2A-8852D1BEDDEB}"/>
+    <dgm:cxn modelId="{EB614E87-54AF-497E-8284-4C1DD8E9465F}" srcId="{010CAF21-CB3B-4437-B3BA-60302F917F12}" destId="{02B63446-176C-4773-B7E3-061C3DA8D2E1}" srcOrd="0" destOrd="0" parTransId="{EB467CC0-0EA4-4B8B-A33E-0975402EE980}" sibTransId="{6DC9274A-89CA-43FF-B461-0D4A176D2FEF}"/>
+    <dgm:cxn modelId="{82EF89DF-0BE7-4788-B887-C16352D420A8}" srcId="{2D7CCBD8-2C94-4D9D-ABA7-8CA8AEB18BCC}" destId="{3495E597-FC84-4DAE-AF3A-92FAEEA85049}" srcOrd="0" destOrd="0" parTransId="{DA03FA3D-A072-4644-A418-4371BC5E7617}" sibTransId="{1FCC0A74-3DEB-4FB3-8DDD-8C105B59EE01}"/>
     <dgm:cxn modelId="{369FAB32-81EF-4431-83EA-500F79D52704}" type="presOf" srcId="{2D7CCBD8-2C94-4D9D-ABA7-8CA8AEB18BCC}" destId="{40D34BD0-634F-44C4-A4BE-7FC2EADC3DA4}" srcOrd="0" destOrd="0" presId="urn:microsoft.com/office/officeart/2009/3/layout/RandomtoResultProcess"/>
-    <dgm:cxn modelId="{EB614E87-54AF-497E-8284-4C1DD8E9465F}" srcId="{010CAF21-CB3B-4437-B3BA-60302F917F12}" destId="{02B63446-176C-4773-B7E3-061C3DA8D2E1}" srcOrd="0" destOrd="0" parTransId="{EB467CC0-0EA4-4B8B-A33E-0975402EE980}" sibTransId="{6DC9274A-89CA-43FF-B461-0D4A176D2FEF}"/>
-    <dgm:cxn modelId="{793CBA0E-094A-414B-8A07-80672BE52B53}" srcId="{C24B3E50-6943-4CC9-9EE1-66900077A42A}" destId="{010CAF21-CB3B-4437-B3BA-60302F917F12}" srcOrd="0" destOrd="0" parTransId="{3B5264BC-3D5D-47B4-8641-971C2F085463}" sibTransId="{A1A6F002-F60C-4191-92EC-8E022627D3FC}"/>
-    <dgm:cxn modelId="{46E41157-9D2C-4901-9234-8E9754663F28}" type="presOf" srcId="{010CAF21-CB3B-4437-B3BA-60302F917F12}" destId="{FF5FD4B7-CDDC-4B5A-8601-7886F95A30BA}" srcOrd="0" destOrd="0" presId="urn:microsoft.com/office/officeart/2009/3/layout/RandomtoResultProcess"/>
-    <dgm:cxn modelId="{82EF89DF-0BE7-4788-B887-C16352D420A8}" srcId="{2D7CCBD8-2C94-4D9D-ABA7-8CA8AEB18BCC}" destId="{3495E597-FC84-4DAE-AF3A-92FAEEA85049}" srcOrd="0" destOrd="0" parTransId="{DA03FA3D-A072-4644-A418-4371BC5E7617}" sibTransId="{1FCC0A74-3DEB-4FB3-8DDD-8C105B59EE01}"/>
-    <dgm:cxn modelId="{B465FF3F-295C-4405-A2DA-1AC30000FD5D}" type="presOf" srcId="{02B63446-176C-4773-B7E3-061C3DA8D2E1}" destId="{A0A547CF-1F3C-4249-800E-13367646B664}" srcOrd="0" destOrd="0" presId="urn:microsoft.com/office/officeart/2009/3/layout/RandomtoResultProcess"/>
-    <dgm:cxn modelId="{2FC90B52-09FE-46D7-AB10-490092BC111B}" type="presOf" srcId="{C24B3E50-6943-4CC9-9EE1-66900077A42A}" destId="{F2572A93-E8B2-4C93-928B-5315D8F089D5}" srcOrd="0" destOrd="0" presId="urn:microsoft.com/office/officeart/2009/3/layout/RandomtoResultProcess"/>
-    <dgm:cxn modelId="{058F70C6-4B6B-4A26-A2C7-4B0A9AB1E554}" srcId="{C24B3E50-6943-4CC9-9EE1-66900077A42A}" destId="{2D7CCBD8-2C94-4D9D-ABA7-8CA8AEB18BCC}" srcOrd="1" destOrd="0" parTransId="{B3E26630-BBBA-4288-B8BB-5802765701AC}" sibTransId="{217FCA5E-EC9E-4AAF-8F2A-8852D1BEDDEB}"/>
-    <dgm:cxn modelId="{B14468F1-3995-4B77-8A7A-6DAFA0B9D517}" type="presOf" srcId="{3495E597-FC84-4DAE-AF3A-92FAEEA85049}" destId="{C49DD904-A933-458B-A6C6-2CEDB8FDBCDA}" srcOrd="0" destOrd="0" presId="urn:microsoft.com/office/officeart/2009/3/layout/RandomtoResultProcess"/>
     <dgm:cxn modelId="{78933D4E-9702-4940-B0AC-5D327C3F4F2D}" type="presParOf" srcId="{F2572A93-E8B2-4C93-928B-5315D8F089D5}" destId="{0E2CF7F8-8D0E-4173-9FFE-6125DCC42F1D}" srcOrd="0" destOrd="0" presId="urn:microsoft.com/office/officeart/2009/3/layout/RandomtoResultProcess"/>
     <dgm:cxn modelId="{4244D0F8-5828-4539-9063-CB415C70F0B7}" type="presParOf" srcId="{0E2CF7F8-8D0E-4173-9FFE-6125DCC42F1D}" destId="{FF5FD4B7-CDDC-4B5A-8601-7886F95A30BA}" srcOrd="0" destOrd="0" presId="urn:microsoft.com/office/officeart/2009/3/layout/RandomtoResultProcess"/>
     <dgm:cxn modelId="{A6F66778-733C-443C-B173-D0013D3EAC53}" type="presParOf" srcId="{0E2CF7F8-8D0E-4173-9FFE-6125DCC42F1D}" destId="{A0A547CF-1F3C-4249-800E-13367646B664}" srcOrd="1" destOrd="0" presId="urn:microsoft.com/office/officeart/2009/3/layout/RandomtoResultProcess"/>
@@ -2123,7 +3645,7 @@
         <a:p>
           <a:pPr algn="ctr"/>
           <a:r>
-            <a:rPr lang="de-DE" dirty="0" err="1" smtClean="0"/>
+            <a:rPr lang="de-DE" dirty="0" smtClean="0"/>
             <a:t>CodeBehind</a:t>
           </a:r>
           <a:endParaRPr lang="de-DE" dirty="0"/>
@@ -2184,6 +3706,13 @@
         </dgm:presLayoutVars>
       </dgm:prSet>
       <dgm:spPr/>
+      <dgm:t>
+        <a:bodyPr/>
+        <a:lstStyle/>
+        <a:p>
+          <a:endParaRPr lang="de-DE"/>
+        </a:p>
+      </dgm:t>
     </dgm:pt>
     <dgm:pt modelId="{A2AA3508-9ABB-41B3-B4A9-84D608F980B8}" type="pres">
       <dgm:prSet presAssocID="{0D4F3315-0FFC-46F0-980E-616AB42CF200}" presName="hierRoot1" presStyleCnt="0">
@@ -2232,6 +3761,13 @@
     <dgm:pt modelId="{B828076F-B28D-4698-8F3A-4AE0092B3728}" type="pres">
       <dgm:prSet presAssocID="{0D4F3315-0FFC-46F0-980E-616AB42CF200}" presName="rootConnector1" presStyleLbl="node1" presStyleIdx="0" presStyleCnt="3"/>
       <dgm:spPr/>
+      <dgm:t>
+        <a:bodyPr/>
+        <a:lstStyle/>
+        <a:p>
+          <a:endParaRPr lang="de-DE"/>
+        </a:p>
+      </dgm:t>
     </dgm:pt>
     <dgm:pt modelId="{F3754B01-39CF-4E43-B155-0608A5A8B19B}" type="pres">
       <dgm:prSet presAssocID="{0D4F3315-0FFC-46F0-980E-616AB42CF200}" presName="hierChild2" presStyleCnt="0"/>
@@ -2240,6 +3776,13 @@
     <dgm:pt modelId="{7EB8A356-8D97-45FE-B330-23544026D698}" type="pres">
       <dgm:prSet presAssocID="{3C166071-D22B-4698-BD7D-16E9B5F1C24B}" presName="Name37" presStyleLbl="parChTrans1D2" presStyleIdx="0" presStyleCnt="3"/>
       <dgm:spPr/>
+      <dgm:t>
+        <a:bodyPr/>
+        <a:lstStyle/>
+        <a:p>
+          <a:endParaRPr lang="de-DE"/>
+        </a:p>
+      </dgm:t>
     </dgm:pt>
     <dgm:pt modelId="{E2D0B0A1-359F-44B0-9240-B87F5DFF6000}" type="pres">
       <dgm:prSet presAssocID="{D059E8CA-467E-4683-99FC-2ECC42B1AA72}" presName="hierRoot2" presStyleCnt="0">
@@ -2261,6 +3804,13 @@
         </dgm:presLayoutVars>
       </dgm:prSet>
       <dgm:spPr/>
+      <dgm:t>
+        <a:bodyPr/>
+        <a:lstStyle/>
+        <a:p>
+          <a:endParaRPr lang="de-DE"/>
+        </a:p>
+      </dgm:t>
     </dgm:pt>
     <dgm:pt modelId="{38F94DEC-1D37-4B8D-93A9-417EEC816E13}" type="pres">
       <dgm:prSet presAssocID="{D059E8CA-467E-4683-99FC-2ECC42B1AA72}" presName="titleText2" presStyleLbl="fgAcc1" presStyleIdx="0" presStyleCnt="3">
@@ -2270,10 +3820,24 @@
         </dgm:presLayoutVars>
       </dgm:prSet>
       <dgm:spPr/>
+      <dgm:t>
+        <a:bodyPr/>
+        <a:lstStyle/>
+        <a:p>
+          <a:endParaRPr lang="de-DE"/>
+        </a:p>
+      </dgm:t>
     </dgm:pt>
     <dgm:pt modelId="{C617B58C-CAC9-4B2C-B47E-0DA886C040AA}" type="pres">
       <dgm:prSet presAssocID="{D059E8CA-467E-4683-99FC-2ECC42B1AA72}" presName="rootConnector" presStyleLbl="node2" presStyleIdx="0" presStyleCnt="0"/>
       <dgm:spPr/>
+      <dgm:t>
+        <a:bodyPr/>
+        <a:lstStyle/>
+        <a:p>
+          <a:endParaRPr lang="de-DE"/>
+        </a:p>
+      </dgm:t>
     </dgm:pt>
     <dgm:pt modelId="{6513D2CF-0986-4634-BDFD-36212952A0DB}" type="pres">
       <dgm:prSet presAssocID="{D059E8CA-467E-4683-99FC-2ECC42B1AA72}" presName="hierChild4" presStyleCnt="0"/>
@@ -2286,6 +3850,13 @@
     <dgm:pt modelId="{14FCBEB1-356D-4EA6-AE00-7B4D481CD047}" type="pres">
       <dgm:prSet presAssocID="{5D54EBB4-8B1B-45CE-96B3-53A58F7C4209}" presName="Name37" presStyleLbl="parChTrans1D2" presStyleIdx="1" presStyleCnt="3"/>
       <dgm:spPr/>
+      <dgm:t>
+        <a:bodyPr/>
+        <a:lstStyle/>
+        <a:p>
+          <a:endParaRPr lang="de-DE"/>
+        </a:p>
+      </dgm:t>
     </dgm:pt>
     <dgm:pt modelId="{A1A0CEB5-65DA-425D-BDBE-6D6BA928B368}" type="pres">
       <dgm:prSet presAssocID="{8D3D6BE9-0E7E-432A-B993-D9C22E227FC7}" presName="hierRoot2" presStyleCnt="0">
@@ -2307,6 +3878,13 @@
         </dgm:presLayoutVars>
       </dgm:prSet>
       <dgm:spPr/>
+      <dgm:t>
+        <a:bodyPr/>
+        <a:lstStyle/>
+        <a:p>
+          <a:endParaRPr lang="de-DE"/>
+        </a:p>
+      </dgm:t>
     </dgm:pt>
     <dgm:pt modelId="{F02CE3D7-B556-42E4-9B1E-C942A285CDA2}" type="pres">
       <dgm:prSet presAssocID="{8D3D6BE9-0E7E-432A-B993-D9C22E227FC7}" presName="titleText2" presStyleLbl="fgAcc1" presStyleIdx="1" presStyleCnt="3">
@@ -2316,10 +3894,24 @@
         </dgm:presLayoutVars>
       </dgm:prSet>
       <dgm:spPr/>
+      <dgm:t>
+        <a:bodyPr/>
+        <a:lstStyle/>
+        <a:p>
+          <a:endParaRPr lang="de-DE"/>
+        </a:p>
+      </dgm:t>
     </dgm:pt>
     <dgm:pt modelId="{16E60A23-FA68-4BD2-BC23-CF2E33965806}" type="pres">
       <dgm:prSet presAssocID="{8D3D6BE9-0E7E-432A-B993-D9C22E227FC7}" presName="rootConnector" presStyleLbl="node2" presStyleIdx="0" presStyleCnt="0"/>
       <dgm:spPr/>
+      <dgm:t>
+        <a:bodyPr/>
+        <a:lstStyle/>
+        <a:p>
+          <a:endParaRPr lang="de-DE"/>
+        </a:p>
+      </dgm:t>
     </dgm:pt>
     <dgm:pt modelId="{254262B2-4294-4C87-9859-64CFC9008EBA}" type="pres">
       <dgm:prSet presAssocID="{8D3D6BE9-0E7E-432A-B993-D9C22E227FC7}" presName="hierChild4" presStyleCnt="0"/>
@@ -2332,6 +3924,13 @@
     <dgm:pt modelId="{60D4A216-F85F-4219-BAD2-F32E8B7BBB5C}" type="pres">
       <dgm:prSet presAssocID="{3E57E978-A16B-419E-8F25-0041BCC98C23}" presName="Name37" presStyleLbl="parChTrans1D2" presStyleIdx="2" presStyleCnt="3"/>
       <dgm:spPr/>
+      <dgm:t>
+        <a:bodyPr/>
+        <a:lstStyle/>
+        <a:p>
+          <a:endParaRPr lang="de-DE"/>
+        </a:p>
+      </dgm:t>
     </dgm:pt>
     <dgm:pt modelId="{BFB46FE0-5282-43B8-947A-9C2F3F17873E}" type="pres">
       <dgm:prSet presAssocID="{47C2CFE2-9658-44BE-A657-95F2C4D512D3}" presName="hierRoot2" presStyleCnt="0">
@@ -2353,6 +3952,13 @@
         </dgm:presLayoutVars>
       </dgm:prSet>
       <dgm:spPr/>
+      <dgm:t>
+        <a:bodyPr/>
+        <a:lstStyle/>
+        <a:p>
+          <a:endParaRPr lang="de-DE"/>
+        </a:p>
+      </dgm:t>
     </dgm:pt>
     <dgm:pt modelId="{319FADD2-CBAD-4DE4-9224-B2395C7759FF}" type="pres">
       <dgm:prSet presAssocID="{47C2CFE2-9658-44BE-A657-95F2C4D512D3}" presName="titleText2" presStyleLbl="fgAcc1" presStyleIdx="2" presStyleCnt="3">
@@ -2373,6 +3979,13 @@
     <dgm:pt modelId="{BB8E0DA8-8ADD-454A-8178-E666379A118E}" type="pres">
       <dgm:prSet presAssocID="{47C2CFE2-9658-44BE-A657-95F2C4D512D3}" presName="rootConnector" presStyleLbl="node2" presStyleIdx="0" presStyleCnt="0"/>
       <dgm:spPr/>
+      <dgm:t>
+        <a:bodyPr/>
+        <a:lstStyle/>
+        <a:p>
+          <a:endParaRPr lang="de-DE"/>
+        </a:p>
+      </dgm:t>
     </dgm:pt>
     <dgm:pt modelId="{909DFCDF-6FBD-404C-A697-D7F310AB055C}" type="pres">
       <dgm:prSet presAssocID="{47C2CFE2-9658-44BE-A657-95F2C4D512D3}" presName="hierChild4" presStyleCnt="0"/>
@@ -2388,26 +4001,26 @@
     </dgm:pt>
   </dgm:ptLst>
   <dgm:cxnLst>
+    <dgm:cxn modelId="{22745583-830F-4670-AA21-A6A6FBE0CF9C}" type="presOf" srcId="{3C166071-D22B-4698-BD7D-16E9B5F1C24B}" destId="{7EB8A356-8D97-45FE-B330-23544026D698}" srcOrd="0" destOrd="0" presId="urn:microsoft.com/office/officeart/2008/layout/NameandTitleOrganizationalChart"/>
+    <dgm:cxn modelId="{936E0B75-091F-41DB-9A2E-8B9DBC629C72}" type="presOf" srcId="{0D4F3315-0FFC-46F0-980E-616AB42CF200}" destId="{B828076F-B28D-4698-8F3A-4AE0092B3728}" srcOrd="1" destOrd="0" presId="urn:microsoft.com/office/officeart/2008/layout/NameandTitleOrganizationalChart"/>
+    <dgm:cxn modelId="{F4B5C4B1-89CC-4FBB-B0A0-8D7388F834A9}" type="presOf" srcId="{CDFB251B-060E-4975-AA3E-C5310E55D8BA}" destId="{DC834C12-415F-4FDB-9957-106B048B56CC}" srcOrd="0" destOrd="0" presId="urn:microsoft.com/office/officeart/2008/layout/NameandTitleOrganizationalChart"/>
+    <dgm:cxn modelId="{CC3ECCF1-6641-4468-AA86-B4B981424A12}" type="presOf" srcId="{8D3D6BE9-0E7E-432A-B993-D9C22E227FC7}" destId="{16E60A23-FA68-4BD2-BC23-CF2E33965806}" srcOrd="1" destOrd="0" presId="urn:microsoft.com/office/officeart/2008/layout/NameandTitleOrganizationalChart"/>
+    <dgm:cxn modelId="{B5B56D81-EE20-4676-8AD1-5E570C21C658}" type="presOf" srcId="{47C2CFE2-9658-44BE-A657-95F2C4D512D3}" destId="{BB8E0DA8-8ADD-454A-8178-E666379A118E}" srcOrd="1" destOrd="0" presId="urn:microsoft.com/office/officeart/2008/layout/NameandTitleOrganizationalChart"/>
+    <dgm:cxn modelId="{7ABAE360-4CE3-4887-98B3-95EC420D2FFF}" type="presOf" srcId="{230B9068-139D-473B-94CA-6881649477D6}" destId="{5580F3D4-069C-4968-B1D2-B103CFFD28A4}" srcOrd="0" destOrd="0" presId="urn:microsoft.com/office/officeart/2008/layout/NameandTitleOrganizationalChart"/>
+    <dgm:cxn modelId="{5CB2D609-8107-482E-9F98-AB31B7385FAC}" type="presOf" srcId="{CF824B92-A500-48DB-826F-774325AAE5F3}" destId="{F02CE3D7-B556-42E4-9B1E-C942A285CDA2}" srcOrd="0" destOrd="0" presId="urn:microsoft.com/office/officeart/2008/layout/NameandTitleOrganizationalChart"/>
+    <dgm:cxn modelId="{290028C0-A828-4070-8B90-1F8546894D99}" type="presOf" srcId="{8D3D6BE9-0E7E-432A-B993-D9C22E227FC7}" destId="{4128D018-5131-4A66-A60B-3B7BF96EABE9}" srcOrd="0" destOrd="0" presId="urn:microsoft.com/office/officeart/2008/layout/NameandTitleOrganizationalChart"/>
+    <dgm:cxn modelId="{B4C0CA8C-B714-4EF5-9272-4311D552EB8A}" type="presOf" srcId="{D059E8CA-467E-4683-99FC-2ECC42B1AA72}" destId="{C617B58C-CAC9-4B2C-B47E-0DA886C040AA}" srcOrd="1" destOrd="0" presId="urn:microsoft.com/office/officeart/2008/layout/NameandTitleOrganizationalChart"/>
+    <dgm:cxn modelId="{0267EC74-A5B8-4B8E-9BA1-10BE9A121844}" type="presOf" srcId="{0D4F3315-0FFC-46F0-980E-616AB42CF200}" destId="{F4CF3AD8-05FE-4C3B-8A65-BC967518F4CD}" srcOrd="0" destOrd="0" presId="urn:microsoft.com/office/officeart/2008/layout/NameandTitleOrganizationalChart"/>
+    <dgm:cxn modelId="{DD319B09-80A1-4A8B-9360-CB5776B9A97A}" type="presOf" srcId="{47C2CFE2-9658-44BE-A657-95F2C4D512D3}" destId="{30D23C89-08A4-4BF6-944B-08EFA43D638E}" srcOrd="0" destOrd="0" presId="urn:microsoft.com/office/officeart/2008/layout/NameandTitleOrganizationalChart"/>
+    <dgm:cxn modelId="{E68883C2-32C1-480C-AF1E-5FF2E2BEE232}" srcId="{0D4F3315-0FFC-46F0-980E-616AB42CF200}" destId="{D059E8CA-467E-4683-99FC-2ECC42B1AA72}" srcOrd="0" destOrd="0" parTransId="{3C166071-D22B-4698-BD7D-16E9B5F1C24B}" sibTransId="{82558EC3-8590-4B7F-8297-A7A205B7931B}"/>
+    <dgm:cxn modelId="{29433DF4-A8E2-4486-BB28-BD99DF24BF81}" type="presOf" srcId="{D059E8CA-467E-4683-99FC-2ECC42B1AA72}" destId="{ABEB22BB-6474-4CC8-9704-6BF701F114F4}" srcOrd="0" destOrd="0" presId="urn:microsoft.com/office/officeart/2008/layout/NameandTitleOrganizationalChart"/>
+    <dgm:cxn modelId="{0018A4F3-8F13-4F30-A91D-F4FF22B4AFDB}" srcId="{230B9068-139D-473B-94CA-6881649477D6}" destId="{0D4F3315-0FFC-46F0-980E-616AB42CF200}" srcOrd="0" destOrd="0" parTransId="{9858C374-EB43-4AE8-AB98-59C2C6AE1C7C}" sibTransId="{CDFB251B-060E-4975-AA3E-C5310E55D8BA}"/>
+    <dgm:cxn modelId="{B976A95D-C677-4771-B754-3CB8F07B812F}" type="presOf" srcId="{5D54EBB4-8B1B-45CE-96B3-53A58F7C4209}" destId="{14FCBEB1-356D-4EA6-AE00-7B4D481CD047}" srcOrd="0" destOrd="0" presId="urn:microsoft.com/office/officeart/2008/layout/NameandTitleOrganizationalChart"/>
+    <dgm:cxn modelId="{F61E679D-84BA-4C8B-BAD5-48159D9ADCF3}" type="presOf" srcId="{3E57E978-A16B-419E-8F25-0041BCC98C23}" destId="{60D4A216-F85F-4219-BAD2-F32E8B7BBB5C}" srcOrd="0" destOrd="0" presId="urn:microsoft.com/office/officeart/2008/layout/NameandTitleOrganizationalChart"/>
     <dgm:cxn modelId="{E250B2DD-4897-45CB-8129-769137D0187D}" type="presOf" srcId="{82558EC3-8590-4B7F-8297-A7A205B7931B}" destId="{38F94DEC-1D37-4B8D-93A9-417EEC816E13}" srcOrd="0" destOrd="0" presId="urn:microsoft.com/office/officeart/2008/layout/NameandTitleOrganizationalChart"/>
-    <dgm:cxn modelId="{7ABAE360-4CE3-4887-98B3-95EC420D2FFF}" type="presOf" srcId="{230B9068-139D-473B-94CA-6881649477D6}" destId="{5580F3D4-069C-4968-B1D2-B103CFFD28A4}" srcOrd="0" destOrd="0" presId="urn:microsoft.com/office/officeart/2008/layout/NameandTitleOrganizationalChart"/>
-    <dgm:cxn modelId="{DD319B09-80A1-4A8B-9360-CB5776B9A97A}" type="presOf" srcId="{47C2CFE2-9658-44BE-A657-95F2C4D512D3}" destId="{30D23C89-08A4-4BF6-944B-08EFA43D638E}" srcOrd="0" destOrd="0" presId="urn:microsoft.com/office/officeart/2008/layout/NameandTitleOrganizationalChart"/>
-    <dgm:cxn modelId="{22745583-830F-4670-AA21-A6A6FBE0CF9C}" type="presOf" srcId="{3C166071-D22B-4698-BD7D-16E9B5F1C24B}" destId="{7EB8A356-8D97-45FE-B330-23544026D698}" srcOrd="0" destOrd="0" presId="urn:microsoft.com/office/officeart/2008/layout/NameandTitleOrganizationalChart"/>
-    <dgm:cxn modelId="{0018A4F3-8F13-4F30-A91D-F4FF22B4AFDB}" srcId="{230B9068-139D-473B-94CA-6881649477D6}" destId="{0D4F3315-0FFC-46F0-980E-616AB42CF200}" srcOrd="0" destOrd="0" parTransId="{9858C374-EB43-4AE8-AB98-59C2C6AE1C7C}" sibTransId="{CDFB251B-060E-4975-AA3E-C5310E55D8BA}"/>
-    <dgm:cxn modelId="{F4B5C4B1-89CC-4FBB-B0A0-8D7388F834A9}" type="presOf" srcId="{CDFB251B-060E-4975-AA3E-C5310E55D8BA}" destId="{DC834C12-415F-4FDB-9957-106B048B56CC}" srcOrd="0" destOrd="0" presId="urn:microsoft.com/office/officeart/2008/layout/NameandTitleOrganizationalChart"/>
-    <dgm:cxn modelId="{F61E679D-84BA-4C8B-BAD5-48159D9ADCF3}" type="presOf" srcId="{3E57E978-A16B-419E-8F25-0041BCC98C23}" destId="{60D4A216-F85F-4219-BAD2-F32E8B7BBB5C}" srcOrd="0" destOrd="0" presId="urn:microsoft.com/office/officeart/2008/layout/NameandTitleOrganizationalChart"/>
-    <dgm:cxn modelId="{B976A95D-C677-4771-B754-3CB8F07B812F}" type="presOf" srcId="{5D54EBB4-8B1B-45CE-96B3-53A58F7C4209}" destId="{14FCBEB1-356D-4EA6-AE00-7B4D481CD047}" srcOrd="0" destOrd="0" presId="urn:microsoft.com/office/officeart/2008/layout/NameandTitleOrganizationalChart"/>
-    <dgm:cxn modelId="{CC3ECCF1-6641-4468-AA86-B4B981424A12}" type="presOf" srcId="{8D3D6BE9-0E7E-432A-B993-D9C22E227FC7}" destId="{16E60A23-FA68-4BD2-BC23-CF2E33965806}" srcOrd="1" destOrd="0" presId="urn:microsoft.com/office/officeart/2008/layout/NameandTitleOrganizationalChart"/>
-    <dgm:cxn modelId="{E1C98624-583D-4958-9659-D590B30B722D}" srcId="{0D4F3315-0FFC-46F0-980E-616AB42CF200}" destId="{47C2CFE2-9658-44BE-A657-95F2C4D512D3}" srcOrd="2" destOrd="0" parTransId="{3E57E978-A16B-419E-8F25-0041BCC98C23}" sibTransId="{8780F940-1547-4174-A5A2-C40E8B2AE1B9}"/>
     <dgm:cxn modelId="{1502A918-9FFE-427D-8629-93C1AB8E60E2}" type="presOf" srcId="{8780F940-1547-4174-A5A2-C40E8B2AE1B9}" destId="{319FADD2-CBAD-4DE4-9224-B2395C7759FF}" srcOrd="0" destOrd="0" presId="urn:microsoft.com/office/officeart/2008/layout/NameandTitleOrganizationalChart"/>
     <dgm:cxn modelId="{B384C304-CA9E-460D-9178-1BBD6C1676B5}" srcId="{0D4F3315-0FFC-46F0-980E-616AB42CF200}" destId="{8D3D6BE9-0E7E-432A-B993-D9C22E227FC7}" srcOrd="1" destOrd="0" parTransId="{5D54EBB4-8B1B-45CE-96B3-53A58F7C4209}" sibTransId="{CF824B92-A500-48DB-826F-774325AAE5F3}"/>
-    <dgm:cxn modelId="{0267EC74-A5B8-4B8E-9BA1-10BE9A121844}" type="presOf" srcId="{0D4F3315-0FFC-46F0-980E-616AB42CF200}" destId="{F4CF3AD8-05FE-4C3B-8A65-BC967518F4CD}" srcOrd="0" destOrd="0" presId="urn:microsoft.com/office/officeart/2008/layout/NameandTitleOrganizationalChart"/>
-    <dgm:cxn modelId="{29433DF4-A8E2-4486-BB28-BD99DF24BF81}" type="presOf" srcId="{D059E8CA-467E-4683-99FC-2ECC42B1AA72}" destId="{ABEB22BB-6474-4CC8-9704-6BF701F114F4}" srcOrd="0" destOrd="0" presId="urn:microsoft.com/office/officeart/2008/layout/NameandTitleOrganizationalChart"/>
-    <dgm:cxn modelId="{E68883C2-32C1-480C-AF1E-5FF2E2BEE232}" srcId="{0D4F3315-0FFC-46F0-980E-616AB42CF200}" destId="{D059E8CA-467E-4683-99FC-2ECC42B1AA72}" srcOrd="0" destOrd="0" parTransId="{3C166071-D22B-4698-BD7D-16E9B5F1C24B}" sibTransId="{82558EC3-8590-4B7F-8297-A7A205B7931B}"/>
-    <dgm:cxn modelId="{5CB2D609-8107-482E-9F98-AB31B7385FAC}" type="presOf" srcId="{CF824B92-A500-48DB-826F-774325AAE5F3}" destId="{F02CE3D7-B556-42E4-9B1E-C942A285CDA2}" srcOrd="0" destOrd="0" presId="urn:microsoft.com/office/officeart/2008/layout/NameandTitleOrganizationalChart"/>
-    <dgm:cxn modelId="{936E0B75-091F-41DB-9A2E-8B9DBC629C72}" type="presOf" srcId="{0D4F3315-0FFC-46F0-980E-616AB42CF200}" destId="{B828076F-B28D-4698-8F3A-4AE0092B3728}" srcOrd="1" destOrd="0" presId="urn:microsoft.com/office/officeart/2008/layout/NameandTitleOrganizationalChart"/>
-    <dgm:cxn modelId="{290028C0-A828-4070-8B90-1F8546894D99}" type="presOf" srcId="{8D3D6BE9-0E7E-432A-B993-D9C22E227FC7}" destId="{4128D018-5131-4A66-A60B-3B7BF96EABE9}" srcOrd="0" destOrd="0" presId="urn:microsoft.com/office/officeart/2008/layout/NameandTitleOrganizationalChart"/>
-    <dgm:cxn modelId="{B4C0CA8C-B714-4EF5-9272-4311D552EB8A}" type="presOf" srcId="{D059E8CA-467E-4683-99FC-2ECC42B1AA72}" destId="{C617B58C-CAC9-4B2C-B47E-0DA886C040AA}" srcOrd="1" destOrd="0" presId="urn:microsoft.com/office/officeart/2008/layout/NameandTitleOrganizationalChart"/>
-    <dgm:cxn modelId="{B5B56D81-EE20-4676-8AD1-5E570C21C658}" type="presOf" srcId="{47C2CFE2-9658-44BE-A657-95F2C4D512D3}" destId="{BB8E0DA8-8ADD-454A-8178-E666379A118E}" srcOrd="1" destOrd="0" presId="urn:microsoft.com/office/officeart/2008/layout/NameandTitleOrganizationalChart"/>
+    <dgm:cxn modelId="{E1C98624-583D-4958-9659-D590B30B722D}" srcId="{0D4F3315-0FFC-46F0-980E-616AB42CF200}" destId="{47C2CFE2-9658-44BE-A657-95F2C4D512D3}" srcOrd="2" destOrd="0" parTransId="{3E57E978-A16B-419E-8F25-0041BCC98C23}" sibTransId="{8780F940-1547-4174-A5A2-C40E8B2AE1B9}"/>
     <dgm:cxn modelId="{82CCC1FC-A251-47C3-8433-332BCDD4CB45}" type="presParOf" srcId="{5580F3D4-069C-4968-B1D2-B103CFFD28A4}" destId="{A2AA3508-9ABB-41B3-B4A9-84D608F980B8}" srcOrd="0" destOrd="0" presId="urn:microsoft.com/office/officeart/2008/layout/NameandTitleOrganizationalChart"/>
     <dgm:cxn modelId="{C86B0B3E-9AFC-4470-B6ED-9AF720AEF3E7}" type="presParOf" srcId="{A2AA3508-9ABB-41B3-B4A9-84D608F980B8}" destId="{2CDC1620-C2E5-4B2F-BA07-24943D85030B}" srcOrd="0" destOrd="0" presId="urn:microsoft.com/office/officeart/2008/layout/NameandTitleOrganizationalChart"/>
     <dgm:cxn modelId="{11959A48-D0CF-468E-A4CC-47974F5EED07}" type="presParOf" srcId="{2CDC1620-C2E5-4B2F-BA07-24943D85030B}" destId="{F4CF3AD8-05FE-4C3B-8A65-BC967518F4CD}" srcOrd="0" destOrd="0" presId="urn:microsoft.com/office/officeart/2008/layout/NameandTitleOrganizationalChart"/>
@@ -2439,6 +4052,620 @@
     <dgm:cxn modelId="{59118C9F-7940-461B-B945-DA3B19BE3B4E}" type="presParOf" srcId="{BFB46FE0-5282-43B8-947A-9C2F3F17873E}" destId="{909DFCDF-6FBD-404C-A697-D7F310AB055C}" srcOrd="1" destOrd="0" presId="urn:microsoft.com/office/officeart/2008/layout/NameandTitleOrganizationalChart"/>
     <dgm:cxn modelId="{A0CD4177-0790-4DF3-8E89-3C8F8BEC481D}" type="presParOf" srcId="{BFB46FE0-5282-43B8-947A-9C2F3F17873E}" destId="{CAF32CAB-AEFD-4964-A887-1B54CC0213F5}" srcOrd="2" destOrd="0" presId="urn:microsoft.com/office/officeart/2008/layout/NameandTitleOrganizationalChart"/>
     <dgm:cxn modelId="{E2CCFE57-ABD2-44B9-A66D-35F3CEC4AEC3}" type="presParOf" srcId="{A2AA3508-9ABB-41B3-B4A9-84D608F980B8}" destId="{83972ED9-744A-4EB2-9E64-99461963E075}" srcOrd="2" destOrd="0" presId="urn:microsoft.com/office/officeart/2008/layout/NameandTitleOrganizationalChart"/>
+  </dgm:cxnLst>
+  <dgm:bg/>
+  <dgm:whole/>
+  <dgm:extLst>
+    <a:ext uri="http://schemas.microsoft.com/office/drawing/2008/diagram">
+      <dsp:dataModelExt xmlns:dsp="http://schemas.microsoft.com/office/drawing/2008/diagram" relId="rId6" minVer="http://schemas.openxmlformats.org/drawingml/2006/diagram"/>
+    </a:ext>
+  </dgm:extLst>
+</dgm:dataModel>
+</file>
+
+<file path=ppt/diagrams/data3.xml><?xml version="1.0" encoding="utf-8"?>
+<dgm:dataModel xmlns:dgm="http://schemas.openxmlformats.org/drawingml/2006/diagram" xmlns:a="http://schemas.openxmlformats.org/drawingml/2006/main">
+  <dgm:ptLst>
+    <dgm:pt modelId="{C8D9F2FA-BA31-45F8-9A3E-F122188B2E81}" type="doc">
+      <dgm:prSet loTypeId="urn:microsoft.com/office/officeart/2005/8/layout/StepDownProcess" loCatId="process" qsTypeId="urn:microsoft.com/office/officeart/2005/8/quickstyle/simple1" qsCatId="simple" csTypeId="urn:microsoft.com/office/officeart/2005/8/colors/accent1_2" csCatId="accent1" phldr="1"/>
+      <dgm:spPr/>
+      <dgm:t>
+        <a:bodyPr/>
+        <a:lstStyle/>
+        <a:p>
+          <a:endParaRPr lang="de-DE"/>
+        </a:p>
+      </dgm:t>
+    </dgm:pt>
+    <dgm:pt modelId="{3F4922AE-B242-48EF-8049-C6A252BCED6E}">
+      <dgm:prSet phldrT="[Text]"/>
+      <dgm:spPr/>
+      <dgm:t>
+        <a:bodyPr/>
+        <a:lstStyle/>
+        <a:p>
+          <a:r>
+            <a:rPr lang="de-DE" b="1" dirty="0" err="1" smtClean="0"/>
+            <a:t>GUI_Manager</a:t>
+          </a:r>
+          <a:endParaRPr lang="de-DE" b="1" dirty="0"/>
+        </a:p>
+      </dgm:t>
+    </dgm:pt>
+    <dgm:pt modelId="{4CC9841F-2AB0-49CE-AEF2-9B853762913D}" type="parTrans" cxnId="{466DC302-CF55-466C-A842-62458AA3B821}">
+      <dgm:prSet/>
+      <dgm:spPr/>
+      <dgm:t>
+        <a:bodyPr/>
+        <a:lstStyle/>
+        <a:p>
+          <a:endParaRPr lang="de-DE"/>
+        </a:p>
+      </dgm:t>
+    </dgm:pt>
+    <dgm:pt modelId="{B7DB626E-8963-4004-B127-AF5348BEC711}" type="sibTrans" cxnId="{466DC302-CF55-466C-A842-62458AA3B821}">
+      <dgm:prSet/>
+      <dgm:spPr/>
+      <dgm:t>
+        <a:bodyPr/>
+        <a:lstStyle/>
+        <a:p>
+          <a:endParaRPr lang="de-DE"/>
+        </a:p>
+      </dgm:t>
+    </dgm:pt>
+    <dgm:pt modelId="{D4C5FEDC-8689-48CB-BD9C-06A1C5C37CB5}">
+      <dgm:prSet phldrT="[Text]" custT="1"/>
+      <dgm:spPr/>
+      <dgm:t>
+        <a:bodyPr/>
+        <a:lstStyle/>
+        <a:p>
+          <a:r>
+            <a:rPr lang="de-DE" sz="1400" dirty="0" err="1" smtClean="0"/>
+            <a:t>GUI_Manager</a:t>
+          </a:r>
+          <a:r>
+            <a:rPr lang="de-DE" sz="1400" b="1" dirty="0" err="1" smtClean="0"/>
+            <a:t>_bOK</a:t>
+          </a:r>
+          <a:endParaRPr lang="de-DE" sz="1400" b="1" dirty="0"/>
+        </a:p>
+      </dgm:t>
+    </dgm:pt>
+    <dgm:pt modelId="{5255AA77-EE9A-471F-8E4F-ED983C510728}" type="parTrans" cxnId="{2C20BD9F-3078-4647-8C78-995608C710BB}">
+      <dgm:prSet/>
+      <dgm:spPr/>
+      <dgm:t>
+        <a:bodyPr/>
+        <a:lstStyle/>
+        <a:p>
+          <a:endParaRPr lang="de-DE"/>
+        </a:p>
+      </dgm:t>
+    </dgm:pt>
+    <dgm:pt modelId="{B8E425BF-EFD7-4EA7-8FEA-ECA9D3FF7C1B}" type="sibTrans" cxnId="{2C20BD9F-3078-4647-8C78-995608C710BB}">
+      <dgm:prSet/>
+      <dgm:spPr/>
+      <dgm:t>
+        <a:bodyPr/>
+        <a:lstStyle/>
+        <a:p>
+          <a:endParaRPr lang="de-DE"/>
+        </a:p>
+      </dgm:t>
+    </dgm:pt>
+    <dgm:pt modelId="{4A302BF7-5F75-445D-A695-99E77C29F23D}">
+      <dgm:prSet phldrT="[Text]" custT="1"/>
+      <dgm:spPr/>
+      <dgm:t>
+        <a:bodyPr/>
+        <a:lstStyle/>
+        <a:p>
+          <a:r>
+            <a:rPr lang="de-DE" sz="1400" dirty="0" err="1" smtClean="0"/>
+            <a:t>GUI_Manager_bOK</a:t>
+          </a:r>
+          <a:r>
+            <a:rPr lang="de-DE" sz="1400" b="1" dirty="0" err="1" smtClean="0"/>
+            <a:t>.add_Click</a:t>
+          </a:r>
+          <a:endParaRPr lang="de-DE" sz="1400" b="1" dirty="0"/>
+        </a:p>
+      </dgm:t>
+    </dgm:pt>
+    <dgm:pt modelId="{34A6F59E-A772-4299-A2F9-82EEAE4517BB}" type="parTrans" cxnId="{F4C3D29A-39BF-4D7E-AB25-B7D7EC20A4E6}">
+      <dgm:prSet/>
+      <dgm:spPr/>
+      <dgm:t>
+        <a:bodyPr/>
+        <a:lstStyle/>
+        <a:p>
+          <a:endParaRPr lang="de-DE"/>
+        </a:p>
+      </dgm:t>
+    </dgm:pt>
+    <dgm:pt modelId="{928CD23C-9D1A-42CF-9A67-BF6AA12916B6}" type="sibTrans" cxnId="{F4C3D29A-39BF-4D7E-AB25-B7D7EC20A4E6}">
+      <dgm:prSet/>
+      <dgm:spPr/>
+      <dgm:t>
+        <a:bodyPr/>
+        <a:lstStyle/>
+        <a:p>
+          <a:endParaRPr lang="de-DE"/>
+        </a:p>
+      </dgm:t>
+    </dgm:pt>
+    <dgm:pt modelId="{D121B55A-A100-4FEE-8C83-5E1F6318ADEB}" type="pres">
+      <dgm:prSet presAssocID="{C8D9F2FA-BA31-45F8-9A3E-F122188B2E81}" presName="rootnode" presStyleCnt="0">
+        <dgm:presLayoutVars>
+          <dgm:chMax/>
+          <dgm:chPref/>
+          <dgm:dir/>
+          <dgm:animLvl val="lvl"/>
+        </dgm:presLayoutVars>
+      </dgm:prSet>
+      <dgm:spPr/>
+      <dgm:t>
+        <a:bodyPr/>
+        <a:lstStyle/>
+        <a:p>
+          <a:endParaRPr lang="de-DE"/>
+        </a:p>
+      </dgm:t>
+    </dgm:pt>
+    <dgm:pt modelId="{A8248767-A75B-499A-90BB-72B5788E7810}" type="pres">
+      <dgm:prSet presAssocID="{3F4922AE-B242-48EF-8049-C6A252BCED6E}" presName="composite" presStyleCnt="0"/>
+      <dgm:spPr/>
+    </dgm:pt>
+    <dgm:pt modelId="{C08DF205-C21F-41F5-89F8-9B5B796520DE}" type="pres">
+      <dgm:prSet presAssocID="{3F4922AE-B242-48EF-8049-C6A252BCED6E}" presName="bentUpArrow1" presStyleLbl="alignImgPlace1" presStyleIdx="0" presStyleCnt="2" custLinFactNeighborX="18277" custLinFactNeighborY="3903"/>
+      <dgm:spPr/>
+    </dgm:pt>
+    <dgm:pt modelId="{8DA47308-427B-44E3-856F-62F31D3C2357}" type="pres">
+      <dgm:prSet presAssocID="{3F4922AE-B242-48EF-8049-C6A252BCED6E}" presName="ParentText" presStyleLbl="node1" presStyleIdx="0" presStyleCnt="3" custScaleX="65291" custLinFactNeighborX="-10821" custLinFactNeighborY="4047">
+        <dgm:presLayoutVars>
+          <dgm:chMax val="1"/>
+          <dgm:chPref val="1"/>
+          <dgm:bulletEnabled val="1"/>
+        </dgm:presLayoutVars>
+      </dgm:prSet>
+      <dgm:spPr/>
+      <dgm:t>
+        <a:bodyPr/>
+        <a:lstStyle/>
+        <a:p>
+          <a:endParaRPr lang="de-DE"/>
+        </a:p>
+      </dgm:t>
+    </dgm:pt>
+    <dgm:pt modelId="{72967710-1023-43AF-A30C-F0AC60AE60C5}" type="pres">
+      <dgm:prSet presAssocID="{3F4922AE-B242-48EF-8049-C6A252BCED6E}" presName="ChildText" presStyleLbl="revTx" presStyleIdx="0" presStyleCnt="2" custLinFactX="-12547" custLinFactNeighborX="-100000" custLinFactNeighborY="-81386">
+        <dgm:presLayoutVars>
+          <dgm:chMax val="0"/>
+          <dgm:chPref val="0"/>
+          <dgm:bulletEnabled val="1"/>
+        </dgm:presLayoutVars>
+      </dgm:prSet>
+      <dgm:spPr/>
+      <dgm:t>
+        <a:bodyPr/>
+        <a:lstStyle/>
+        <a:p>
+          <a:endParaRPr lang="de-DE"/>
+        </a:p>
+      </dgm:t>
+    </dgm:pt>
+    <dgm:pt modelId="{6184EFB8-25F8-49F5-9C95-F816495CE978}" type="pres">
+      <dgm:prSet presAssocID="{B7DB626E-8963-4004-B127-AF5348BEC711}" presName="sibTrans" presStyleCnt="0"/>
+      <dgm:spPr/>
+    </dgm:pt>
+    <dgm:pt modelId="{5FA329B4-D258-4E2C-8BB1-D99B5CAEF0E3}" type="pres">
+      <dgm:prSet presAssocID="{D4C5FEDC-8689-48CB-BD9C-06A1C5C37CB5}" presName="composite" presStyleCnt="0"/>
+      <dgm:spPr/>
+    </dgm:pt>
+    <dgm:pt modelId="{7D3D270B-32B2-4846-83E4-941F0D954592}" type="pres">
+      <dgm:prSet presAssocID="{D4C5FEDC-8689-48CB-BD9C-06A1C5C37CB5}" presName="bentUpArrow1" presStyleLbl="alignImgPlace1" presStyleIdx="1" presStyleCnt="2" custLinFactNeighborX="28211" custLinFactNeighborY="-4896"/>
+      <dgm:spPr/>
+    </dgm:pt>
+    <dgm:pt modelId="{2CFA8D7A-18C8-4A2E-B6E6-3C4CACDF3D7D}" type="pres">
+      <dgm:prSet presAssocID="{D4C5FEDC-8689-48CB-BD9C-06A1C5C37CB5}" presName="ParentText" presStyleLbl="node1" presStyleIdx="1" presStyleCnt="3" custScaleX="88930" custLinFactNeighborX="3069" custLinFactNeighborY="-3620">
+        <dgm:presLayoutVars>
+          <dgm:chMax val="1"/>
+          <dgm:chPref val="1"/>
+          <dgm:bulletEnabled val="1"/>
+        </dgm:presLayoutVars>
+      </dgm:prSet>
+      <dgm:spPr/>
+      <dgm:t>
+        <a:bodyPr/>
+        <a:lstStyle/>
+        <a:p>
+          <a:endParaRPr lang="de-DE"/>
+        </a:p>
+      </dgm:t>
+    </dgm:pt>
+    <dgm:pt modelId="{8E94EE3E-DC24-44CB-999C-10387D1D723F}" type="pres">
+      <dgm:prSet presAssocID="{D4C5FEDC-8689-48CB-BD9C-06A1C5C37CB5}" presName="ChildText" presStyleLbl="revTx" presStyleIdx="1" presStyleCnt="2" custScaleX="177590" custLinFactNeighborX="38823" custLinFactNeighborY="2604">
+        <dgm:presLayoutVars>
+          <dgm:chMax val="0"/>
+          <dgm:chPref val="0"/>
+          <dgm:bulletEnabled val="1"/>
+        </dgm:presLayoutVars>
+      </dgm:prSet>
+      <dgm:spPr/>
+      <dgm:t>
+        <a:bodyPr/>
+        <a:lstStyle/>
+        <a:p>
+          <a:endParaRPr lang="de-DE"/>
+        </a:p>
+      </dgm:t>
+    </dgm:pt>
+    <dgm:pt modelId="{9C6CB130-5E60-44BD-8D76-66424F2B00DD}" type="pres">
+      <dgm:prSet presAssocID="{B8E425BF-EFD7-4EA7-8FEA-ECA9D3FF7C1B}" presName="sibTrans" presStyleCnt="0"/>
+      <dgm:spPr/>
+    </dgm:pt>
+    <dgm:pt modelId="{5C28DB60-7D13-4D7D-BAB1-4FE80794FF40}" type="pres">
+      <dgm:prSet presAssocID="{4A302BF7-5F75-445D-A695-99E77C29F23D}" presName="composite" presStyleCnt="0"/>
+      <dgm:spPr/>
+    </dgm:pt>
+    <dgm:pt modelId="{86F06F44-BBEE-44F5-8D73-BFC4AFC8D76D}" type="pres">
+      <dgm:prSet presAssocID="{4A302BF7-5F75-445D-A695-99E77C29F23D}" presName="ParentText" presStyleLbl="node1" presStyleIdx="2" presStyleCnt="3" custScaleX="122251" custLinFactNeighborX="16399" custLinFactNeighborY="-5329">
+        <dgm:presLayoutVars>
+          <dgm:chMax val="1"/>
+          <dgm:chPref val="1"/>
+          <dgm:bulletEnabled val="1"/>
+        </dgm:presLayoutVars>
+      </dgm:prSet>
+      <dgm:spPr/>
+      <dgm:t>
+        <a:bodyPr/>
+        <a:lstStyle/>
+        <a:p>
+          <a:endParaRPr lang="de-DE"/>
+        </a:p>
+      </dgm:t>
+    </dgm:pt>
+  </dgm:ptLst>
+  <dgm:cxnLst>
+    <dgm:cxn modelId="{59CC99F1-7DD3-4FFA-85EF-DC55507F3BCD}" type="presOf" srcId="{C8D9F2FA-BA31-45F8-9A3E-F122188B2E81}" destId="{D121B55A-A100-4FEE-8C83-5E1F6318ADEB}" srcOrd="0" destOrd="0" presId="urn:microsoft.com/office/officeart/2005/8/layout/StepDownProcess"/>
+    <dgm:cxn modelId="{55C68F12-F354-41D2-8AE7-100289C3B46C}" type="presOf" srcId="{4A302BF7-5F75-445D-A695-99E77C29F23D}" destId="{86F06F44-BBEE-44F5-8D73-BFC4AFC8D76D}" srcOrd="0" destOrd="0" presId="urn:microsoft.com/office/officeart/2005/8/layout/StepDownProcess"/>
+    <dgm:cxn modelId="{29FD5804-8B0C-495B-A747-01164C18C3E7}" type="presOf" srcId="{D4C5FEDC-8689-48CB-BD9C-06A1C5C37CB5}" destId="{2CFA8D7A-18C8-4A2E-B6E6-3C4CACDF3D7D}" srcOrd="0" destOrd="0" presId="urn:microsoft.com/office/officeart/2005/8/layout/StepDownProcess"/>
+    <dgm:cxn modelId="{F4C3D29A-39BF-4D7E-AB25-B7D7EC20A4E6}" srcId="{C8D9F2FA-BA31-45F8-9A3E-F122188B2E81}" destId="{4A302BF7-5F75-445D-A695-99E77C29F23D}" srcOrd="2" destOrd="0" parTransId="{34A6F59E-A772-4299-A2F9-82EEAE4517BB}" sibTransId="{928CD23C-9D1A-42CF-9A67-BF6AA12916B6}"/>
+    <dgm:cxn modelId="{466DC302-CF55-466C-A842-62458AA3B821}" srcId="{C8D9F2FA-BA31-45F8-9A3E-F122188B2E81}" destId="{3F4922AE-B242-48EF-8049-C6A252BCED6E}" srcOrd="0" destOrd="0" parTransId="{4CC9841F-2AB0-49CE-AEF2-9B853762913D}" sibTransId="{B7DB626E-8963-4004-B127-AF5348BEC711}"/>
+    <dgm:cxn modelId="{2C20BD9F-3078-4647-8C78-995608C710BB}" srcId="{C8D9F2FA-BA31-45F8-9A3E-F122188B2E81}" destId="{D4C5FEDC-8689-48CB-BD9C-06A1C5C37CB5}" srcOrd="1" destOrd="0" parTransId="{5255AA77-EE9A-471F-8E4F-ED983C510728}" sibTransId="{B8E425BF-EFD7-4EA7-8FEA-ECA9D3FF7C1B}"/>
+    <dgm:cxn modelId="{26F26ECB-BFB0-416C-8F8A-92A19F160515}" type="presOf" srcId="{3F4922AE-B242-48EF-8049-C6A252BCED6E}" destId="{8DA47308-427B-44E3-856F-62F31D3C2357}" srcOrd="0" destOrd="0" presId="urn:microsoft.com/office/officeart/2005/8/layout/StepDownProcess"/>
+    <dgm:cxn modelId="{0CC366DA-4809-4DD0-837B-F6B059839BC3}" type="presParOf" srcId="{D121B55A-A100-4FEE-8C83-5E1F6318ADEB}" destId="{A8248767-A75B-499A-90BB-72B5788E7810}" srcOrd="0" destOrd="0" presId="urn:microsoft.com/office/officeart/2005/8/layout/StepDownProcess"/>
+    <dgm:cxn modelId="{4F5857D4-BB8A-4B04-A709-B7843FB7A457}" type="presParOf" srcId="{A8248767-A75B-499A-90BB-72B5788E7810}" destId="{C08DF205-C21F-41F5-89F8-9B5B796520DE}" srcOrd="0" destOrd="0" presId="urn:microsoft.com/office/officeart/2005/8/layout/StepDownProcess"/>
+    <dgm:cxn modelId="{732E467D-B9CC-4C6E-9A1E-D0C346660BC3}" type="presParOf" srcId="{A8248767-A75B-499A-90BB-72B5788E7810}" destId="{8DA47308-427B-44E3-856F-62F31D3C2357}" srcOrd="1" destOrd="0" presId="urn:microsoft.com/office/officeart/2005/8/layout/StepDownProcess"/>
+    <dgm:cxn modelId="{54D82EE0-8D1A-4BFF-81DF-AF253FAC1DEA}" type="presParOf" srcId="{A8248767-A75B-499A-90BB-72B5788E7810}" destId="{72967710-1023-43AF-A30C-F0AC60AE60C5}" srcOrd="2" destOrd="0" presId="urn:microsoft.com/office/officeart/2005/8/layout/StepDownProcess"/>
+    <dgm:cxn modelId="{8A2F709B-586F-40E6-B528-D14239FEFC7E}" type="presParOf" srcId="{D121B55A-A100-4FEE-8C83-5E1F6318ADEB}" destId="{6184EFB8-25F8-49F5-9C95-F816495CE978}" srcOrd="1" destOrd="0" presId="urn:microsoft.com/office/officeart/2005/8/layout/StepDownProcess"/>
+    <dgm:cxn modelId="{977B3482-AABF-412D-9195-87CBB83F283F}" type="presParOf" srcId="{D121B55A-A100-4FEE-8C83-5E1F6318ADEB}" destId="{5FA329B4-D258-4E2C-8BB1-D99B5CAEF0E3}" srcOrd="2" destOrd="0" presId="urn:microsoft.com/office/officeart/2005/8/layout/StepDownProcess"/>
+    <dgm:cxn modelId="{27D73B56-2D09-4A67-8269-E0DCEA167996}" type="presParOf" srcId="{5FA329B4-D258-4E2C-8BB1-D99B5CAEF0E3}" destId="{7D3D270B-32B2-4846-83E4-941F0D954592}" srcOrd="0" destOrd="0" presId="urn:microsoft.com/office/officeart/2005/8/layout/StepDownProcess"/>
+    <dgm:cxn modelId="{C1564155-12C1-47BA-8963-7367CFF822A2}" type="presParOf" srcId="{5FA329B4-D258-4E2C-8BB1-D99B5CAEF0E3}" destId="{2CFA8D7A-18C8-4A2E-B6E6-3C4CACDF3D7D}" srcOrd="1" destOrd="0" presId="urn:microsoft.com/office/officeart/2005/8/layout/StepDownProcess"/>
+    <dgm:cxn modelId="{5A96C1D7-7D05-4EC7-BF97-FD93528ED488}" type="presParOf" srcId="{5FA329B4-D258-4E2C-8BB1-D99B5CAEF0E3}" destId="{8E94EE3E-DC24-44CB-999C-10387D1D723F}" srcOrd="2" destOrd="0" presId="urn:microsoft.com/office/officeart/2005/8/layout/StepDownProcess"/>
+    <dgm:cxn modelId="{59E73F05-8232-4014-9B88-3E245EDFC1A7}" type="presParOf" srcId="{D121B55A-A100-4FEE-8C83-5E1F6318ADEB}" destId="{9C6CB130-5E60-44BD-8D76-66424F2B00DD}" srcOrd="3" destOrd="0" presId="urn:microsoft.com/office/officeart/2005/8/layout/StepDownProcess"/>
+    <dgm:cxn modelId="{2F025733-EBE4-419D-95AA-D84D048A1420}" type="presParOf" srcId="{D121B55A-A100-4FEE-8C83-5E1F6318ADEB}" destId="{5C28DB60-7D13-4D7D-BAB1-4FE80794FF40}" srcOrd="4" destOrd="0" presId="urn:microsoft.com/office/officeart/2005/8/layout/StepDownProcess"/>
+    <dgm:cxn modelId="{A48C56D8-C920-4BB4-809F-5178E0B32EC5}" type="presParOf" srcId="{5C28DB60-7D13-4D7D-BAB1-4FE80794FF40}" destId="{86F06F44-BBEE-44F5-8D73-BFC4AFC8D76D}" srcOrd="0" destOrd="0" presId="urn:microsoft.com/office/officeart/2005/8/layout/StepDownProcess"/>
+  </dgm:cxnLst>
+  <dgm:bg/>
+  <dgm:whole/>
+  <dgm:extLst>
+    <a:ext uri="http://schemas.microsoft.com/office/drawing/2008/diagram">
+      <dsp:dataModelExt xmlns:dsp="http://schemas.microsoft.com/office/drawing/2008/diagram" relId="rId6" minVer="http://schemas.openxmlformats.org/drawingml/2006/diagram"/>
+    </a:ext>
+  </dgm:extLst>
+</dgm:dataModel>
+</file>
+
+<file path=ppt/diagrams/data4.xml><?xml version="1.0" encoding="utf-8"?>
+<dgm:dataModel xmlns:dgm="http://schemas.openxmlformats.org/drawingml/2006/diagram" xmlns:a="http://schemas.openxmlformats.org/drawingml/2006/main">
+  <dgm:ptLst>
+    <dgm:pt modelId="{325B767F-FC6A-48B5-BEAD-D0496EC597AF}" type="doc">
+      <dgm:prSet loTypeId="urn:microsoft.com/office/officeart/2009/3/layout/PhasedProcess" loCatId="process" qsTypeId="urn:microsoft.com/office/officeart/2005/8/quickstyle/3d6" qsCatId="3D" csTypeId="urn:microsoft.com/office/officeart/2005/8/colors/accent1_2" csCatId="accent1" phldr="1"/>
+      <dgm:spPr/>
+      <dgm:t>
+        <a:bodyPr/>
+        <a:lstStyle/>
+        <a:p>
+          <a:endParaRPr lang="de-DE"/>
+        </a:p>
+      </dgm:t>
+    </dgm:pt>
+    <dgm:pt modelId="{DF60855A-11A8-4FA0-9827-7CD7954E4BEC}">
+      <dgm:prSet phldrT="[Text]"/>
+      <dgm:spPr/>
+      <dgm:t>
+        <a:bodyPr/>
+        <a:lstStyle/>
+        <a:p>
+          <a:r>
+            <a:rPr lang="de-DE" dirty="0" err="1" smtClean="0"/>
+            <a:t>PSCustomObject</a:t>
+          </a:r>
+          <a:endParaRPr lang="de-DE" dirty="0"/>
+        </a:p>
+      </dgm:t>
+    </dgm:pt>
+    <dgm:pt modelId="{2753CE96-8170-4C06-A069-CD28B4F1590A}" type="parTrans" cxnId="{8857A582-2AE4-4C97-8A4D-4E969E5A3117}">
+      <dgm:prSet/>
+      <dgm:spPr/>
+      <dgm:t>
+        <a:bodyPr/>
+        <a:lstStyle/>
+        <a:p>
+          <a:endParaRPr lang="de-DE"/>
+        </a:p>
+      </dgm:t>
+    </dgm:pt>
+    <dgm:pt modelId="{F73BDA9F-CD11-4872-91A9-E8D024040A2A}" type="sibTrans" cxnId="{8857A582-2AE4-4C97-8A4D-4E969E5A3117}">
+      <dgm:prSet/>
+      <dgm:spPr/>
+      <dgm:t>
+        <a:bodyPr/>
+        <a:lstStyle/>
+        <a:p>
+          <a:endParaRPr lang="de-DE"/>
+        </a:p>
+      </dgm:t>
+    </dgm:pt>
+    <dgm:pt modelId="{0F8EA1F1-6879-4583-ABAD-D2A206E1FACE}">
+      <dgm:prSet phldrT="[Text]" custT="1"/>
+      <dgm:spPr/>
+      <dgm:t>
+        <a:bodyPr/>
+        <a:lstStyle/>
+        <a:p>
+          <a:r>
+            <a:rPr lang="de-DE" sz="2000" b="1" dirty="0" smtClean="0"/>
+            <a:t>Property1</a:t>
+          </a:r>
+          <a:endParaRPr lang="de-DE" sz="2000" b="1" dirty="0"/>
+        </a:p>
+      </dgm:t>
+    </dgm:pt>
+    <dgm:pt modelId="{AEA767CD-CA32-4E33-9667-8F05A43562C9}" type="parTrans" cxnId="{342EEEEA-FE1F-471B-B38D-924B2C59AE8A}">
+      <dgm:prSet/>
+      <dgm:spPr/>
+      <dgm:t>
+        <a:bodyPr/>
+        <a:lstStyle/>
+        <a:p>
+          <a:endParaRPr lang="de-DE"/>
+        </a:p>
+      </dgm:t>
+    </dgm:pt>
+    <dgm:pt modelId="{31A36017-AA43-47A1-832A-718E3AE3F4BD}" type="sibTrans" cxnId="{342EEEEA-FE1F-471B-B38D-924B2C59AE8A}">
+      <dgm:prSet/>
+      <dgm:spPr/>
+      <dgm:t>
+        <a:bodyPr/>
+        <a:lstStyle/>
+        <a:p>
+          <a:endParaRPr lang="de-DE"/>
+        </a:p>
+      </dgm:t>
+    </dgm:pt>
+    <dgm:pt modelId="{A8527E8A-9C83-4A7E-959B-FB6F97A2308F}">
+      <dgm:prSet phldrT="[Text]"/>
+      <dgm:spPr/>
+      <dgm:t>
+        <a:bodyPr/>
+        <a:lstStyle/>
+        <a:p>
+          <a:r>
+            <a:rPr lang="de-DE" dirty="0" smtClean="0"/>
+            <a:t>Binding </a:t>
+          </a:r>
+          <a:r>
+            <a:rPr lang="de-DE" dirty="0" err="1" smtClean="0"/>
+            <a:t>to</a:t>
+          </a:r>
+          <a:r>
+            <a:rPr lang="de-DE" dirty="0" smtClean="0"/>
+            <a:t> </a:t>
+          </a:r>
+          <a:r>
+            <a:rPr lang="de-DE" b="1" dirty="0" smtClean="0"/>
+            <a:t>Property1</a:t>
+          </a:r>
+          <a:endParaRPr lang="de-DE" b="1" dirty="0"/>
+        </a:p>
+      </dgm:t>
+    </dgm:pt>
+    <dgm:pt modelId="{057086E7-CA0F-4509-863E-2783A050FD42}" type="parTrans" cxnId="{57AE3B15-8362-46CF-96E3-D0AC0CE41EDD}">
+      <dgm:prSet/>
+      <dgm:spPr/>
+      <dgm:t>
+        <a:bodyPr/>
+        <a:lstStyle/>
+        <a:p>
+          <a:endParaRPr lang="de-DE"/>
+        </a:p>
+      </dgm:t>
+    </dgm:pt>
+    <dgm:pt modelId="{60D91ACC-A8DF-4E5C-A26D-71572D38AEAA}" type="sibTrans" cxnId="{57AE3B15-8362-46CF-96E3-D0AC0CE41EDD}">
+      <dgm:prSet/>
+      <dgm:spPr/>
+      <dgm:t>
+        <a:bodyPr/>
+        <a:lstStyle/>
+        <a:p>
+          <a:endParaRPr lang="de-DE"/>
+        </a:p>
+      </dgm:t>
+    </dgm:pt>
+    <dgm:pt modelId="{290E9655-A37A-4888-B6CB-97A642C5A09C}">
+      <dgm:prSet phldrT="[Text]"/>
+      <dgm:spPr/>
+      <dgm:t>
+        <a:bodyPr/>
+        <a:lstStyle/>
+        <a:p>
+          <a:r>
+            <a:rPr lang="de-DE" dirty="0" err="1" smtClean="0"/>
+            <a:t>ObjectProperty</a:t>
+          </a:r>
+          <a:r>
+            <a:rPr lang="de-DE" dirty="0" smtClean="0"/>
+            <a:t> </a:t>
+          </a:r>
+          <a:br>
+            <a:rPr lang="de-DE" dirty="0" smtClean="0"/>
+          </a:br>
+          <a:r>
+            <a:rPr lang="de-DE" dirty="0" smtClean="0"/>
+            <a:t>in XAML</a:t>
+          </a:r>
+          <a:endParaRPr lang="de-DE" dirty="0"/>
+        </a:p>
+      </dgm:t>
+    </dgm:pt>
+    <dgm:pt modelId="{7EFF655F-94F3-45AE-8596-F19EE5A57831}" type="parTrans" cxnId="{3D0810CF-D567-4D43-A182-E3582FBB726F}">
+      <dgm:prSet/>
+      <dgm:spPr/>
+      <dgm:t>
+        <a:bodyPr/>
+        <a:lstStyle/>
+        <a:p>
+          <a:endParaRPr lang="de-DE"/>
+        </a:p>
+      </dgm:t>
+    </dgm:pt>
+    <dgm:pt modelId="{46CFD983-8D36-4DC4-BFA9-58572CFE3265}" type="sibTrans" cxnId="{3D0810CF-D567-4D43-A182-E3582FBB726F}">
+      <dgm:prSet/>
+      <dgm:spPr/>
+      <dgm:t>
+        <a:bodyPr/>
+        <a:lstStyle/>
+        <a:p>
+          <a:endParaRPr lang="de-DE"/>
+        </a:p>
+      </dgm:t>
+    </dgm:pt>
+    <dgm:pt modelId="{45CF505C-B5D2-4FBE-889A-B73C13ADAB5F}" type="pres">
+      <dgm:prSet presAssocID="{325B767F-FC6A-48B5-BEAD-D0496EC597AF}" presName="Name0" presStyleCnt="0">
+        <dgm:presLayoutVars>
+          <dgm:chMax val="3"/>
+          <dgm:chPref val="3"/>
+          <dgm:bulletEnabled val="1"/>
+          <dgm:dir/>
+          <dgm:animLvl val="lvl"/>
+        </dgm:presLayoutVars>
+      </dgm:prSet>
+      <dgm:spPr/>
+    </dgm:pt>
+    <dgm:pt modelId="{80A815EE-D617-4716-82C0-B40D0E05B5F3}" type="pres">
+      <dgm:prSet presAssocID="{325B767F-FC6A-48B5-BEAD-D0496EC597AF}" presName="arc1" presStyleLbl="node1" presStyleIdx="0" presStyleCnt="2"/>
+      <dgm:spPr/>
+    </dgm:pt>
+    <dgm:pt modelId="{59EFD498-33F8-4118-91C4-2E2D958E9345}" type="pres">
+      <dgm:prSet presAssocID="{325B767F-FC6A-48B5-BEAD-D0496EC597AF}" presName="arc3" presStyleLbl="node1" presStyleIdx="1" presStyleCnt="2"/>
+      <dgm:spPr/>
+    </dgm:pt>
+    <dgm:pt modelId="{F564CFC1-4F6A-4307-847C-56C9665A7605}" type="pres">
+      <dgm:prSet presAssocID="{325B767F-FC6A-48B5-BEAD-D0496EC597AF}" presName="parentText2" presStyleLbl="revTx" presStyleIdx="0" presStyleCnt="2">
+        <dgm:presLayoutVars>
+          <dgm:chMax val="4"/>
+          <dgm:chPref val="3"/>
+          <dgm:bulletEnabled val="1"/>
+        </dgm:presLayoutVars>
+      </dgm:prSet>
+      <dgm:spPr/>
+      <dgm:t>
+        <a:bodyPr/>
+        <a:lstStyle/>
+        <a:p>
+          <a:endParaRPr lang="de-DE"/>
+        </a:p>
+      </dgm:t>
+    </dgm:pt>
+    <dgm:pt modelId="{621E015F-B161-48F9-BCD1-72D480BCE1A1}" type="pres">
+      <dgm:prSet presAssocID="{325B767F-FC6A-48B5-BEAD-D0496EC597AF}" presName="middleComposite" presStyleCnt="0"/>
+      <dgm:spPr/>
+    </dgm:pt>
+    <dgm:pt modelId="{3579E6B6-2E31-4B0F-9865-F0C2627395B5}" type="pres">
+      <dgm:prSet presAssocID="{A8527E8A-9C83-4A7E-959B-FB6F97A2308F}" presName="circ1" presStyleLbl="vennNode1" presStyleIdx="0" presStyleCnt="4"/>
+      <dgm:spPr/>
+    </dgm:pt>
+    <dgm:pt modelId="{2A197196-1EE4-4FD1-9F2E-C973CA3DC78B}" type="pres">
+      <dgm:prSet presAssocID="{A8527E8A-9C83-4A7E-959B-FB6F97A2308F}" presName="circ1Tx" presStyleLbl="revTx" presStyleIdx="0" presStyleCnt="2">
+        <dgm:presLayoutVars>
+          <dgm:chMax val="0"/>
+          <dgm:chPref val="0"/>
+        </dgm:presLayoutVars>
+      </dgm:prSet>
+      <dgm:spPr/>
+    </dgm:pt>
+    <dgm:pt modelId="{E0EBD120-4D1E-4CD0-8ADC-6A499028BC4E}" type="pres">
+      <dgm:prSet presAssocID="{325B767F-FC6A-48B5-BEAD-D0496EC597AF}" presName="leftComposite" presStyleCnt="0"/>
+      <dgm:spPr/>
+    </dgm:pt>
+    <dgm:pt modelId="{404B720E-4D19-43D8-B66B-9D51C8B6B9E7}" type="pres">
+      <dgm:prSet presAssocID="{0F8EA1F1-6879-4583-ABAD-D2A206E1FACE}" presName="childText1_1" presStyleLbl="vennNode1" presStyleIdx="1" presStyleCnt="4" custLinFactNeighborY="-1656">
+        <dgm:presLayoutVars>
+          <dgm:chMax val="0"/>
+          <dgm:chPref val="0"/>
+        </dgm:presLayoutVars>
+      </dgm:prSet>
+      <dgm:spPr/>
+      <dgm:t>
+        <a:bodyPr/>
+        <a:lstStyle/>
+        <a:p>
+          <a:endParaRPr lang="de-DE"/>
+        </a:p>
+      </dgm:t>
+    </dgm:pt>
+    <dgm:pt modelId="{48BEECF8-A98D-4214-BAE9-2673133BBF1A}" type="pres">
+      <dgm:prSet presAssocID="{0F8EA1F1-6879-4583-ABAD-D2A206E1FACE}" presName="ellipse1" presStyleLbl="vennNode1" presStyleIdx="2" presStyleCnt="4"/>
+      <dgm:spPr/>
+    </dgm:pt>
+    <dgm:pt modelId="{148FD396-7EFE-440D-8A4F-9A978A7AF7C1}" type="pres">
+      <dgm:prSet presAssocID="{0F8EA1F1-6879-4583-ABAD-D2A206E1FACE}" presName="ellipse2" presStyleLbl="vennNode1" presStyleIdx="3" presStyleCnt="4"/>
+      <dgm:spPr/>
+    </dgm:pt>
+    <dgm:pt modelId="{BBF1B0B0-6C06-42A9-B589-8E382C75C322}" type="pres">
+      <dgm:prSet presAssocID="{325B767F-FC6A-48B5-BEAD-D0496EC597AF}" presName="parentText1" presStyleLbl="revTx" presStyleIdx="1" presStyleCnt="2">
+        <dgm:presLayoutVars>
+          <dgm:chMax val="4"/>
+          <dgm:chPref val="3"/>
+          <dgm:bulletEnabled val="1"/>
+        </dgm:presLayoutVars>
+      </dgm:prSet>
+      <dgm:spPr/>
+      <dgm:t>
+        <a:bodyPr/>
+        <a:lstStyle/>
+        <a:p>
+          <a:endParaRPr lang="de-DE"/>
+        </a:p>
+      </dgm:t>
+    </dgm:pt>
+  </dgm:ptLst>
+  <dgm:cxnLst>
+    <dgm:cxn modelId="{08A1A918-48CE-4336-A87F-92150A68565F}" type="presOf" srcId="{0F8EA1F1-6879-4583-ABAD-D2A206E1FACE}" destId="{404B720E-4D19-43D8-B66B-9D51C8B6B9E7}" srcOrd="0" destOrd="0" presId="urn:microsoft.com/office/officeart/2009/3/layout/PhasedProcess"/>
+    <dgm:cxn modelId="{9B9D8F72-7FDD-4B5F-BFEE-A9EC66424EA2}" type="presOf" srcId="{A8527E8A-9C83-4A7E-959B-FB6F97A2308F}" destId="{3579E6B6-2E31-4B0F-9865-F0C2627395B5}" srcOrd="0" destOrd="0" presId="urn:microsoft.com/office/officeart/2009/3/layout/PhasedProcess"/>
+    <dgm:cxn modelId="{221CA18C-3EBF-4F87-8052-44BDC9BAB025}" type="presOf" srcId="{325B767F-FC6A-48B5-BEAD-D0496EC597AF}" destId="{45CF505C-B5D2-4FBE-889A-B73C13ADAB5F}" srcOrd="0" destOrd="0" presId="urn:microsoft.com/office/officeart/2009/3/layout/PhasedProcess"/>
+    <dgm:cxn modelId="{342EEEEA-FE1F-471B-B38D-924B2C59AE8A}" srcId="{DF60855A-11A8-4FA0-9827-7CD7954E4BEC}" destId="{0F8EA1F1-6879-4583-ABAD-D2A206E1FACE}" srcOrd="0" destOrd="0" parTransId="{AEA767CD-CA32-4E33-9667-8F05A43562C9}" sibTransId="{31A36017-AA43-47A1-832A-718E3AE3F4BD}"/>
+    <dgm:cxn modelId="{57AE3B15-8362-46CF-96E3-D0AC0CE41EDD}" srcId="{290E9655-A37A-4888-B6CB-97A642C5A09C}" destId="{A8527E8A-9C83-4A7E-959B-FB6F97A2308F}" srcOrd="0" destOrd="0" parTransId="{057086E7-CA0F-4509-863E-2783A050FD42}" sibTransId="{60D91ACC-A8DF-4E5C-A26D-71572D38AEAA}"/>
+    <dgm:cxn modelId="{3D0810CF-D567-4D43-A182-E3582FBB726F}" srcId="{325B767F-FC6A-48B5-BEAD-D0496EC597AF}" destId="{290E9655-A37A-4888-B6CB-97A642C5A09C}" srcOrd="1" destOrd="0" parTransId="{7EFF655F-94F3-45AE-8596-F19EE5A57831}" sibTransId="{46CFD983-8D36-4DC4-BFA9-58572CFE3265}"/>
+    <dgm:cxn modelId="{1DB46D16-137B-42C0-B45A-4396BF46335A}" type="presOf" srcId="{DF60855A-11A8-4FA0-9827-7CD7954E4BEC}" destId="{BBF1B0B0-6C06-42A9-B589-8E382C75C322}" srcOrd="0" destOrd="0" presId="urn:microsoft.com/office/officeart/2009/3/layout/PhasedProcess"/>
+    <dgm:cxn modelId="{38F13C91-671B-437F-8CDA-F9C3DE5AFEAA}" type="presOf" srcId="{A8527E8A-9C83-4A7E-959B-FB6F97A2308F}" destId="{2A197196-1EE4-4FD1-9F2E-C973CA3DC78B}" srcOrd="1" destOrd="0" presId="urn:microsoft.com/office/officeart/2009/3/layout/PhasedProcess"/>
+    <dgm:cxn modelId="{8857A582-2AE4-4C97-8A4D-4E969E5A3117}" srcId="{325B767F-FC6A-48B5-BEAD-D0496EC597AF}" destId="{DF60855A-11A8-4FA0-9827-7CD7954E4BEC}" srcOrd="0" destOrd="0" parTransId="{2753CE96-8170-4C06-A069-CD28B4F1590A}" sibTransId="{F73BDA9F-CD11-4872-91A9-E8D024040A2A}"/>
+    <dgm:cxn modelId="{37110371-639D-45F1-9A80-58034AA050F5}" type="presOf" srcId="{290E9655-A37A-4888-B6CB-97A642C5A09C}" destId="{F564CFC1-4F6A-4307-847C-56C9665A7605}" srcOrd="0" destOrd="0" presId="urn:microsoft.com/office/officeart/2009/3/layout/PhasedProcess"/>
+    <dgm:cxn modelId="{6D3CEAF3-4BA7-422A-8278-B2D0ADE5B9B6}" type="presParOf" srcId="{45CF505C-B5D2-4FBE-889A-B73C13ADAB5F}" destId="{80A815EE-D617-4716-82C0-B40D0E05B5F3}" srcOrd="0" destOrd="0" presId="urn:microsoft.com/office/officeart/2009/3/layout/PhasedProcess"/>
+    <dgm:cxn modelId="{179972EB-30CB-45C1-AA6F-2462436E8777}" type="presParOf" srcId="{45CF505C-B5D2-4FBE-889A-B73C13ADAB5F}" destId="{59EFD498-33F8-4118-91C4-2E2D958E9345}" srcOrd="1" destOrd="0" presId="urn:microsoft.com/office/officeart/2009/3/layout/PhasedProcess"/>
+    <dgm:cxn modelId="{373C42AF-7952-4DFA-A093-BED926CCBE35}" type="presParOf" srcId="{45CF505C-B5D2-4FBE-889A-B73C13ADAB5F}" destId="{F564CFC1-4F6A-4307-847C-56C9665A7605}" srcOrd="2" destOrd="0" presId="urn:microsoft.com/office/officeart/2009/3/layout/PhasedProcess"/>
+    <dgm:cxn modelId="{9DC3BC5E-295A-4E6F-86A7-4626EF14601B}" type="presParOf" srcId="{45CF505C-B5D2-4FBE-889A-B73C13ADAB5F}" destId="{621E015F-B161-48F9-BCD1-72D480BCE1A1}" srcOrd="3" destOrd="0" presId="urn:microsoft.com/office/officeart/2009/3/layout/PhasedProcess"/>
+    <dgm:cxn modelId="{47B3C0EC-215A-4703-8FB3-D44B73A84005}" type="presParOf" srcId="{621E015F-B161-48F9-BCD1-72D480BCE1A1}" destId="{3579E6B6-2E31-4B0F-9865-F0C2627395B5}" srcOrd="0" destOrd="0" presId="urn:microsoft.com/office/officeart/2009/3/layout/PhasedProcess"/>
+    <dgm:cxn modelId="{28C93BE6-F1AB-4FEE-90B5-2910CE65CC99}" type="presParOf" srcId="{621E015F-B161-48F9-BCD1-72D480BCE1A1}" destId="{2A197196-1EE4-4FD1-9F2E-C973CA3DC78B}" srcOrd="1" destOrd="0" presId="urn:microsoft.com/office/officeart/2009/3/layout/PhasedProcess"/>
+    <dgm:cxn modelId="{18499ED0-43C4-43DB-A9CB-C8EE23B9E09D}" type="presParOf" srcId="{45CF505C-B5D2-4FBE-889A-B73C13ADAB5F}" destId="{E0EBD120-4D1E-4CD0-8ADC-6A499028BC4E}" srcOrd="4" destOrd="0" presId="urn:microsoft.com/office/officeart/2009/3/layout/PhasedProcess"/>
+    <dgm:cxn modelId="{593E8389-3A2C-451D-9754-C84D318FFE98}" type="presParOf" srcId="{E0EBD120-4D1E-4CD0-8ADC-6A499028BC4E}" destId="{404B720E-4D19-43D8-B66B-9D51C8B6B9E7}" srcOrd="0" destOrd="0" presId="urn:microsoft.com/office/officeart/2009/3/layout/PhasedProcess"/>
+    <dgm:cxn modelId="{75932C41-6B81-46A2-B16F-2D8CC9F7BBBC}" type="presParOf" srcId="{E0EBD120-4D1E-4CD0-8ADC-6A499028BC4E}" destId="{48BEECF8-A98D-4214-BAE9-2673133BBF1A}" srcOrd="1" destOrd="0" presId="urn:microsoft.com/office/officeart/2009/3/layout/PhasedProcess"/>
+    <dgm:cxn modelId="{E5819551-B313-4C88-AA9A-B867BFAE99C9}" type="presParOf" srcId="{E0EBD120-4D1E-4CD0-8ADC-6A499028BC4E}" destId="{148FD396-7EFE-440D-8A4F-9A978A7AF7C1}" srcOrd="2" destOrd="0" presId="urn:microsoft.com/office/officeart/2009/3/layout/PhasedProcess"/>
+    <dgm:cxn modelId="{23D89D90-D4B1-4CCA-AE59-2BA1DBD90E05}" type="presParOf" srcId="{45CF505C-B5D2-4FBE-889A-B73C13ADAB5F}" destId="{BBF1B0B0-6C06-42A9-B589-8E382C75C322}" srcOrd="5" destOrd="0" presId="urn:microsoft.com/office/officeart/2009/3/layout/PhasedProcess"/>
   </dgm:cxnLst>
   <dgm:bg/>
   <dgm:whole/>
@@ -4353,7 +6580,7 @@
             </a:spcAft>
           </a:pPr>
           <a:r>
-            <a:rPr lang="de-DE" sz="3200" kern="1200" dirty="0" err="1" smtClean="0"/>
+            <a:rPr lang="de-DE" sz="3200" kern="1200" dirty="0" smtClean="0"/>
             <a:t>CodeBehind</a:t>
           </a:r>
           <a:endParaRPr lang="de-DE" sz="3200" kern="1200" dirty="0"/>
@@ -4513,6 +6740,976 @@
       <dsp:txXfrm>
         <a:off x="8873242" y="4741952"/>
         <a:ext cx="2733884" cy="524253"/>
+      </dsp:txXfrm>
+    </dsp:sp>
+  </dsp:spTree>
+</dsp:drawing>
+</file>
+
+<file path=ppt/diagrams/drawing3.xml><?xml version="1.0" encoding="utf-8"?>
+<dsp:drawing xmlns:dgm="http://schemas.openxmlformats.org/drawingml/2006/diagram" xmlns:dsp="http://schemas.microsoft.com/office/drawing/2008/diagram" xmlns:a="http://schemas.openxmlformats.org/drawingml/2006/main">
+  <dsp:spTree>
+    <dsp:nvGrpSpPr>
+      <dsp:cNvPr id="0" name=""/>
+      <dsp:cNvGrpSpPr/>
+    </dsp:nvGrpSpPr>
+    <dsp:grpSpPr/>
+    <dsp:sp modelId="{C08DF205-C21F-41F5-89F8-9B5B796520DE}">
+      <dsp:nvSpPr>
+        <dsp:cNvPr id="0" name=""/>
+        <dsp:cNvSpPr/>
+      </dsp:nvSpPr>
+      <dsp:spPr>
+        <a:xfrm rot="5400000">
+          <a:off x="1309280" y="1650676"/>
+          <a:ext cx="1411169" cy="1606566"/>
+        </a:xfrm>
+        <a:prstGeom prst="bentUpArrow">
+          <a:avLst>
+            <a:gd name="adj1" fmla="val 32840"/>
+            <a:gd name="adj2" fmla="val 25000"/>
+            <a:gd name="adj3" fmla="val 35780"/>
+          </a:avLst>
+        </a:prstGeom>
+        <a:solidFill>
+          <a:schemeClr val="accent1">
+            <a:tint val="50000"/>
+            <a:hueOff val="0"/>
+            <a:satOff val="0"/>
+            <a:lumOff val="0"/>
+            <a:alphaOff val="0"/>
+          </a:schemeClr>
+        </a:solidFill>
+        <a:ln w="19050" cap="rnd" cmpd="sng" algn="ctr">
+          <a:solidFill>
+            <a:schemeClr val="lt1">
+              <a:hueOff val="0"/>
+              <a:satOff val="0"/>
+              <a:lumOff val="0"/>
+              <a:alphaOff val="0"/>
+            </a:schemeClr>
+          </a:solidFill>
+          <a:prstDash val="solid"/>
+        </a:ln>
+        <a:effectLst/>
+      </dsp:spPr>
+      <dsp:style>
+        <a:lnRef idx="2">
+          <a:scrgbClr r="0" g="0" b="0"/>
+        </a:lnRef>
+        <a:fillRef idx="1">
+          <a:scrgbClr r="0" g="0" b="0"/>
+        </a:fillRef>
+        <a:effectRef idx="0">
+          <a:scrgbClr r="0" g="0" b="0"/>
+        </a:effectRef>
+        <a:fontRef idx="minor"/>
+      </dsp:style>
+    </dsp:sp>
+    <dsp:sp modelId="{8DA47308-427B-44E3-856F-62F31D3C2357}">
+      <dsp:nvSpPr>
+        <dsp:cNvPr id="0" name=""/>
+        <dsp:cNvSpPr/>
+      </dsp:nvSpPr>
+      <dsp:spPr>
+        <a:xfrm>
+          <a:off x="796982" y="98583"/>
+          <a:ext cx="1551039" cy="1662827"/>
+        </a:xfrm>
+        <a:prstGeom prst="roundRect">
+          <a:avLst>
+            <a:gd name="adj" fmla="val 16670"/>
+          </a:avLst>
+        </a:prstGeom>
+        <a:solidFill>
+          <a:schemeClr val="accent1">
+            <a:hueOff val="0"/>
+            <a:satOff val="0"/>
+            <a:lumOff val="0"/>
+            <a:alphaOff val="0"/>
+          </a:schemeClr>
+        </a:solidFill>
+        <a:ln w="19050" cap="rnd" cmpd="sng" algn="ctr">
+          <a:solidFill>
+            <a:schemeClr val="lt1">
+              <a:hueOff val="0"/>
+              <a:satOff val="0"/>
+              <a:lumOff val="0"/>
+              <a:alphaOff val="0"/>
+            </a:schemeClr>
+          </a:solidFill>
+          <a:prstDash val="solid"/>
+        </a:ln>
+        <a:effectLst/>
+      </dsp:spPr>
+      <dsp:style>
+        <a:lnRef idx="2">
+          <a:scrgbClr r="0" g="0" b="0"/>
+        </a:lnRef>
+        <a:fillRef idx="1">
+          <a:scrgbClr r="0" g="0" b="0"/>
+        </a:fillRef>
+        <a:effectRef idx="0">
+          <a:scrgbClr r="0" g="0" b="0"/>
+        </a:effectRef>
+        <a:fontRef idx="minor">
+          <a:schemeClr val="lt1"/>
+        </a:fontRef>
+      </dsp:style>
+      <dsp:txBody>
+        <a:bodyPr spcFirstLastPara="0" vert="horz" wrap="square" lIns="57150" tIns="57150" rIns="57150" bIns="57150" numCol="1" spcCol="1270" anchor="ctr" anchorCtr="0">
+          <a:noAutofit/>
+        </a:bodyPr>
+        <a:lstStyle/>
+        <a:p>
+          <a:pPr lvl="0" algn="ctr" defTabSz="666750">
+            <a:lnSpc>
+              <a:spcPct val="90000"/>
+            </a:lnSpc>
+            <a:spcBef>
+              <a:spcPct val="0"/>
+            </a:spcBef>
+            <a:spcAft>
+              <a:spcPct val="35000"/>
+            </a:spcAft>
+          </a:pPr>
+          <a:r>
+            <a:rPr lang="de-DE" sz="1500" b="1" kern="1200" dirty="0" err="1" smtClean="0"/>
+            <a:t>GUI_Manager</a:t>
+          </a:r>
+          <a:endParaRPr lang="de-DE" sz="1500" b="1" kern="1200" dirty="0"/>
+        </a:p>
+      </dsp:txBody>
+      <dsp:txXfrm>
+        <a:off x="872711" y="174312"/>
+        <a:ext cx="1399581" cy="1511369"/>
+      </dsp:txXfrm>
+    </dsp:sp>
+    <dsp:sp modelId="{72967710-1023-43AF-A30C-F0AC60AE60C5}">
+      <dsp:nvSpPr>
+        <dsp:cNvPr id="0" name=""/>
+        <dsp:cNvSpPr/>
+      </dsp:nvSpPr>
+      <dsp:spPr>
+        <a:xfrm>
+          <a:off x="1072799" y="0"/>
+          <a:ext cx="1727769" cy="1343970"/>
+        </a:xfrm>
+        <a:prstGeom prst="rect">
+          <a:avLst/>
+        </a:prstGeom>
+        <a:noFill/>
+        <a:ln>
+          <a:noFill/>
+        </a:ln>
+        <a:effectLst/>
+      </dsp:spPr>
+      <dsp:style>
+        <a:lnRef idx="0">
+          <a:scrgbClr r="0" g="0" b="0"/>
+        </a:lnRef>
+        <a:fillRef idx="0">
+          <a:scrgbClr r="0" g="0" b="0"/>
+        </a:fillRef>
+        <a:effectRef idx="0">
+          <a:scrgbClr r="0" g="0" b="0"/>
+        </a:effectRef>
+        <a:fontRef idx="minor"/>
+      </dsp:style>
+    </dsp:sp>
+    <dsp:sp modelId="{7D3D270B-32B2-4846-83E4-941F0D954592}">
+      <dsp:nvSpPr>
+        <dsp:cNvPr id="0" name=""/>
+        <dsp:cNvSpPr/>
+      </dsp:nvSpPr>
+      <dsp:spPr>
+        <a:xfrm rot="5400000">
+          <a:off x="3450606" y="3394412"/>
+          <a:ext cx="1411169" cy="1606566"/>
+        </a:xfrm>
+        <a:prstGeom prst="bentUpArrow">
+          <a:avLst>
+            <a:gd name="adj1" fmla="val 32840"/>
+            <a:gd name="adj2" fmla="val 25000"/>
+            <a:gd name="adj3" fmla="val 35780"/>
+          </a:avLst>
+        </a:prstGeom>
+        <a:solidFill>
+          <a:schemeClr val="accent1">
+            <a:tint val="50000"/>
+            <a:hueOff val="0"/>
+            <a:satOff val="0"/>
+            <a:lumOff val="0"/>
+            <a:alphaOff val="0"/>
+          </a:schemeClr>
+        </a:solidFill>
+        <a:ln w="19050" cap="rnd" cmpd="sng" algn="ctr">
+          <a:solidFill>
+            <a:schemeClr val="lt1">
+              <a:hueOff val="0"/>
+              <a:satOff val="0"/>
+              <a:lumOff val="0"/>
+              <a:alphaOff val="0"/>
+            </a:schemeClr>
+          </a:solidFill>
+          <a:prstDash val="solid"/>
+        </a:ln>
+        <a:effectLst/>
+      </dsp:spPr>
+      <dsp:style>
+        <a:lnRef idx="2">
+          <a:scrgbClr r="0" g="0" b="0"/>
+        </a:lnRef>
+        <a:fillRef idx="1">
+          <a:scrgbClr r="0" g="0" b="0"/>
+        </a:fillRef>
+        <a:effectRef idx="0">
+          <a:scrgbClr r="0" g="0" b="0"/>
+        </a:effectRef>
+        <a:fontRef idx="minor"/>
+      </dsp:style>
+    </dsp:sp>
+    <dsp:sp modelId="{2CFA8D7A-18C8-4A2E-B6E6-3C4CACDF3D7D}">
+      <dsp:nvSpPr>
+        <dsp:cNvPr id="0" name=""/>
+        <dsp:cNvSpPr/>
+      </dsp:nvSpPr>
+      <dsp:spPr>
+        <a:xfrm>
+          <a:off x="2827898" y="1838999"/>
+          <a:ext cx="2112602" cy="1662827"/>
+        </a:xfrm>
+        <a:prstGeom prst="roundRect">
+          <a:avLst>
+            <a:gd name="adj" fmla="val 16670"/>
+          </a:avLst>
+        </a:prstGeom>
+        <a:solidFill>
+          <a:schemeClr val="accent1">
+            <a:hueOff val="0"/>
+            <a:satOff val="0"/>
+            <a:lumOff val="0"/>
+            <a:alphaOff val="0"/>
+          </a:schemeClr>
+        </a:solidFill>
+        <a:ln w="19050" cap="rnd" cmpd="sng" algn="ctr">
+          <a:solidFill>
+            <a:schemeClr val="lt1">
+              <a:hueOff val="0"/>
+              <a:satOff val="0"/>
+              <a:lumOff val="0"/>
+              <a:alphaOff val="0"/>
+            </a:schemeClr>
+          </a:solidFill>
+          <a:prstDash val="solid"/>
+        </a:ln>
+        <a:effectLst/>
+      </dsp:spPr>
+      <dsp:style>
+        <a:lnRef idx="2">
+          <a:scrgbClr r="0" g="0" b="0"/>
+        </a:lnRef>
+        <a:fillRef idx="1">
+          <a:scrgbClr r="0" g="0" b="0"/>
+        </a:fillRef>
+        <a:effectRef idx="0">
+          <a:scrgbClr r="0" g="0" b="0"/>
+        </a:effectRef>
+        <a:fontRef idx="minor">
+          <a:schemeClr val="lt1"/>
+        </a:fontRef>
+      </dsp:style>
+      <dsp:txBody>
+        <a:bodyPr spcFirstLastPara="0" vert="horz" wrap="square" lIns="53340" tIns="53340" rIns="53340" bIns="53340" numCol="1" spcCol="1270" anchor="ctr" anchorCtr="0">
+          <a:noAutofit/>
+        </a:bodyPr>
+        <a:lstStyle/>
+        <a:p>
+          <a:pPr lvl="0" algn="ctr" defTabSz="622300">
+            <a:lnSpc>
+              <a:spcPct val="90000"/>
+            </a:lnSpc>
+            <a:spcBef>
+              <a:spcPct val="0"/>
+            </a:spcBef>
+            <a:spcAft>
+              <a:spcPct val="35000"/>
+            </a:spcAft>
+          </a:pPr>
+          <a:r>
+            <a:rPr lang="de-DE" sz="1400" kern="1200" dirty="0" err="1" smtClean="0"/>
+            <a:t>GUI_Manager</a:t>
+          </a:r>
+          <a:r>
+            <a:rPr lang="de-DE" sz="1400" b="1" kern="1200" dirty="0" err="1" smtClean="0"/>
+            <a:t>_bOK</a:t>
+          </a:r>
+          <a:endParaRPr lang="de-DE" sz="1400" b="1" kern="1200" dirty="0"/>
+        </a:p>
+      </dsp:txBody>
+      <dsp:txXfrm>
+        <a:off x="2909085" y="1920186"/>
+        <a:ext cx="1950228" cy="1500453"/>
+      </dsp:txXfrm>
+    </dsp:sp>
+    <dsp:sp modelId="{8E94EE3E-DC24-44CB-999C-10387D1D723F}">
+      <dsp:nvSpPr>
+        <dsp:cNvPr id="0" name=""/>
+        <dsp:cNvSpPr/>
+      </dsp:nvSpPr>
+      <dsp:spPr>
+        <a:xfrm>
+          <a:off x="4999566" y="2092779"/>
+          <a:ext cx="3068345" cy="1343970"/>
+        </a:xfrm>
+        <a:prstGeom prst="rect">
+          <a:avLst/>
+        </a:prstGeom>
+        <a:noFill/>
+        <a:ln>
+          <a:noFill/>
+        </a:ln>
+        <a:effectLst/>
+      </dsp:spPr>
+      <dsp:style>
+        <a:lnRef idx="0">
+          <a:scrgbClr r="0" g="0" b="0"/>
+        </a:lnRef>
+        <a:fillRef idx="0">
+          <a:scrgbClr r="0" g="0" b="0"/>
+        </a:fillRef>
+        <a:effectRef idx="0">
+          <a:scrgbClr r="0" g="0" b="0"/>
+        </a:effectRef>
+        <a:fontRef idx="minor"/>
+      </dsp:style>
+    </dsp:sp>
+    <dsp:sp modelId="{86F06F44-BBEE-44F5-8D73-BFC4AFC8D76D}">
+      <dsp:nvSpPr>
+        <dsp:cNvPr id="0" name=""/>
+        <dsp:cNvSpPr/>
+      </dsp:nvSpPr>
+      <dsp:spPr>
+        <a:xfrm>
+          <a:off x="4981606" y="3678485"/>
+          <a:ext cx="2904168" cy="1662827"/>
+        </a:xfrm>
+        <a:prstGeom prst="roundRect">
+          <a:avLst>
+            <a:gd name="adj" fmla="val 16670"/>
+          </a:avLst>
+        </a:prstGeom>
+        <a:solidFill>
+          <a:schemeClr val="accent1">
+            <a:hueOff val="0"/>
+            <a:satOff val="0"/>
+            <a:lumOff val="0"/>
+            <a:alphaOff val="0"/>
+          </a:schemeClr>
+        </a:solidFill>
+        <a:ln w="19050" cap="rnd" cmpd="sng" algn="ctr">
+          <a:solidFill>
+            <a:schemeClr val="lt1">
+              <a:hueOff val="0"/>
+              <a:satOff val="0"/>
+              <a:lumOff val="0"/>
+              <a:alphaOff val="0"/>
+            </a:schemeClr>
+          </a:solidFill>
+          <a:prstDash val="solid"/>
+        </a:ln>
+        <a:effectLst/>
+      </dsp:spPr>
+      <dsp:style>
+        <a:lnRef idx="2">
+          <a:scrgbClr r="0" g="0" b="0"/>
+        </a:lnRef>
+        <a:fillRef idx="1">
+          <a:scrgbClr r="0" g="0" b="0"/>
+        </a:fillRef>
+        <a:effectRef idx="0">
+          <a:scrgbClr r="0" g="0" b="0"/>
+        </a:effectRef>
+        <a:fontRef idx="minor">
+          <a:schemeClr val="lt1"/>
+        </a:fontRef>
+      </dsp:style>
+      <dsp:txBody>
+        <a:bodyPr spcFirstLastPara="0" vert="horz" wrap="square" lIns="53340" tIns="53340" rIns="53340" bIns="53340" numCol="1" spcCol="1270" anchor="ctr" anchorCtr="0">
+          <a:noAutofit/>
+        </a:bodyPr>
+        <a:lstStyle/>
+        <a:p>
+          <a:pPr lvl="0" algn="ctr" defTabSz="622300">
+            <a:lnSpc>
+              <a:spcPct val="90000"/>
+            </a:lnSpc>
+            <a:spcBef>
+              <a:spcPct val="0"/>
+            </a:spcBef>
+            <a:spcAft>
+              <a:spcPct val="35000"/>
+            </a:spcAft>
+          </a:pPr>
+          <a:r>
+            <a:rPr lang="de-DE" sz="1400" kern="1200" dirty="0" err="1" smtClean="0"/>
+            <a:t>GUI_Manager_bOK</a:t>
+          </a:r>
+          <a:r>
+            <a:rPr lang="de-DE" sz="1400" b="1" kern="1200" dirty="0" err="1" smtClean="0"/>
+            <a:t>.add_Click</a:t>
+          </a:r>
+          <a:endParaRPr lang="de-DE" sz="1400" b="1" kern="1200" dirty="0"/>
+        </a:p>
+      </dsp:txBody>
+      <dsp:txXfrm>
+        <a:off x="5062793" y="3759672"/>
+        <a:ext cx="2741794" cy="1500453"/>
+      </dsp:txXfrm>
+    </dsp:sp>
+  </dsp:spTree>
+</dsp:drawing>
+</file>
+
+<file path=ppt/diagrams/drawing4.xml><?xml version="1.0" encoding="utf-8"?>
+<dsp:drawing xmlns:dgm="http://schemas.openxmlformats.org/drawingml/2006/diagram" xmlns:dsp="http://schemas.microsoft.com/office/drawing/2008/diagram" xmlns:a="http://schemas.openxmlformats.org/drawingml/2006/main">
+  <dsp:spTree>
+    <dsp:nvGrpSpPr>
+      <dsp:cNvPr id="0" name=""/>
+      <dsp:cNvGrpSpPr/>
+    </dsp:nvGrpSpPr>
+    <dsp:grpSpPr/>
+    <dsp:sp modelId="{80A815EE-D617-4716-82C0-B40D0E05B5F3}">
+      <dsp:nvSpPr>
+        <dsp:cNvPr id="0" name=""/>
+        <dsp:cNvSpPr/>
+      </dsp:nvSpPr>
+      <dsp:spPr>
+        <a:xfrm rot="5400000">
+          <a:off x="-162" y="593282"/>
+          <a:ext cx="4340083" cy="4339758"/>
+        </a:xfrm>
+        <a:prstGeom prst="blockArc">
+          <a:avLst>
+            <a:gd name="adj1" fmla="val 13500000"/>
+            <a:gd name="adj2" fmla="val 18900000"/>
+            <a:gd name="adj3" fmla="val 4960"/>
+          </a:avLst>
+        </a:prstGeom>
+        <a:solidFill>
+          <a:schemeClr val="accent1">
+            <a:hueOff val="0"/>
+            <a:satOff val="0"/>
+            <a:lumOff val="0"/>
+            <a:alphaOff val="0"/>
+          </a:schemeClr>
+        </a:solidFill>
+        <a:ln>
+          <a:noFill/>
+        </a:ln>
+        <a:effectLst>
+          <a:outerShdw blurRad="38100" dist="25400" dir="5400000" rotWithShape="0">
+            <a:srgbClr val="000000">
+              <a:alpha val="45000"/>
+            </a:srgbClr>
+          </a:outerShdw>
+        </a:effectLst>
+        <a:sp3d prstMaterial="plastic">
+          <a:bevelT w="50800" h="50800"/>
+          <a:bevelB w="50800" h="50800"/>
+        </a:sp3d>
+      </dsp:spPr>
+      <dsp:style>
+        <a:lnRef idx="0">
+          <a:scrgbClr r="0" g="0" b="0"/>
+        </a:lnRef>
+        <a:fillRef idx="1">
+          <a:scrgbClr r="0" g="0" b="0"/>
+        </a:fillRef>
+        <a:effectRef idx="2">
+          <a:scrgbClr r="0" g="0" b="0"/>
+        </a:effectRef>
+        <a:fontRef idx="minor">
+          <a:schemeClr val="lt1"/>
+        </a:fontRef>
+      </dsp:style>
+    </dsp:sp>
+    <dsp:sp modelId="{59EFD498-33F8-4118-91C4-2E2D958E9345}">
+      <dsp:nvSpPr>
+        <dsp:cNvPr id="0" name=""/>
+        <dsp:cNvSpPr/>
+      </dsp:nvSpPr>
+      <dsp:spPr>
+        <a:xfrm rot="16200000">
+          <a:off x="4466407" y="593282"/>
+          <a:ext cx="4340083" cy="4339758"/>
+        </a:xfrm>
+        <a:prstGeom prst="blockArc">
+          <a:avLst>
+            <a:gd name="adj1" fmla="val 13500000"/>
+            <a:gd name="adj2" fmla="val 18900000"/>
+            <a:gd name="adj3" fmla="val 4960"/>
+          </a:avLst>
+        </a:prstGeom>
+        <a:solidFill>
+          <a:schemeClr val="accent1">
+            <a:hueOff val="0"/>
+            <a:satOff val="0"/>
+            <a:lumOff val="0"/>
+            <a:alphaOff val="0"/>
+          </a:schemeClr>
+        </a:solidFill>
+        <a:ln>
+          <a:noFill/>
+        </a:ln>
+        <a:effectLst>
+          <a:outerShdw blurRad="38100" dist="25400" dir="5400000" rotWithShape="0">
+            <a:srgbClr val="000000">
+              <a:alpha val="45000"/>
+            </a:srgbClr>
+          </a:outerShdw>
+        </a:effectLst>
+        <a:sp3d prstMaterial="plastic">
+          <a:bevelT w="50800" h="50800"/>
+          <a:bevelB w="50800" h="50800"/>
+        </a:sp3d>
+      </dsp:spPr>
+      <dsp:style>
+        <a:lnRef idx="0">
+          <a:scrgbClr r="0" g="0" b="0"/>
+        </a:lnRef>
+        <a:fillRef idx="1">
+          <a:scrgbClr r="0" g="0" b="0"/>
+        </a:fillRef>
+        <a:effectRef idx="2">
+          <a:scrgbClr r="0" g="0" b="0"/>
+        </a:effectRef>
+        <a:fontRef idx="minor">
+          <a:schemeClr val="lt1"/>
+        </a:fontRef>
+      </dsp:style>
+    </dsp:sp>
+    <dsp:sp modelId="{F564CFC1-4F6A-4307-847C-56C9665A7605}">
+      <dsp:nvSpPr>
+        <dsp:cNvPr id="0" name=""/>
+        <dsp:cNvSpPr/>
+      </dsp:nvSpPr>
+      <dsp:spPr>
+        <a:xfrm>
+          <a:off x="4979979" y="4363153"/>
+          <a:ext cx="3295328" cy="868294"/>
+        </a:xfrm>
+        <a:prstGeom prst="rect">
+          <a:avLst/>
+        </a:prstGeom>
+        <a:solidFill>
+          <a:schemeClr val="lt1">
+            <a:alpha val="0"/>
+            <a:hueOff val="0"/>
+            <a:satOff val="0"/>
+            <a:lumOff val="0"/>
+            <a:alphaOff val="0"/>
+          </a:schemeClr>
+        </a:solidFill>
+        <a:ln>
+          <a:noFill/>
+        </a:ln>
+        <a:effectLst/>
+      </dsp:spPr>
+      <dsp:style>
+        <a:lnRef idx="0">
+          <a:scrgbClr r="0" g="0" b="0"/>
+        </a:lnRef>
+        <a:fillRef idx="1">
+          <a:scrgbClr r="0" g="0" b="0"/>
+        </a:fillRef>
+        <a:effectRef idx="0">
+          <a:scrgbClr r="0" g="0" b="0"/>
+        </a:effectRef>
+        <a:fontRef idx="minor"/>
+      </dsp:style>
+      <dsp:txBody>
+        <a:bodyPr spcFirstLastPara="0" vert="horz" wrap="square" lIns="91440" tIns="91440" rIns="91440" bIns="91440" numCol="1" spcCol="1270" anchor="ctr" anchorCtr="0">
+          <a:noAutofit/>
+        </a:bodyPr>
+        <a:lstStyle/>
+        <a:p>
+          <a:pPr lvl="0" algn="ctr" defTabSz="1066800">
+            <a:lnSpc>
+              <a:spcPct val="90000"/>
+            </a:lnSpc>
+            <a:spcBef>
+              <a:spcPct val="0"/>
+            </a:spcBef>
+            <a:spcAft>
+              <a:spcPct val="35000"/>
+            </a:spcAft>
+          </a:pPr>
+          <a:r>
+            <a:rPr lang="de-DE" sz="2400" kern="1200" dirty="0" err="1" smtClean="0"/>
+            <a:t>ObjectProperty</a:t>
+          </a:r>
+          <a:r>
+            <a:rPr lang="de-DE" sz="2400" kern="1200" dirty="0" smtClean="0"/>
+            <a:t> </a:t>
+          </a:r>
+          <a:br>
+            <a:rPr lang="de-DE" sz="2400" kern="1200" dirty="0" smtClean="0"/>
+          </a:br>
+          <a:r>
+            <a:rPr lang="de-DE" sz="2400" kern="1200" dirty="0" smtClean="0"/>
+            <a:t>in XAML</a:t>
+          </a:r>
+          <a:endParaRPr lang="de-DE" sz="2400" kern="1200" dirty="0"/>
+        </a:p>
+      </dsp:txBody>
+      <dsp:txXfrm>
+        <a:off x="4979979" y="4363153"/>
+        <a:ext cx="3295328" cy="868294"/>
+      </dsp:txXfrm>
+    </dsp:sp>
+    <dsp:sp modelId="{3579E6B6-2E31-4B0F-9865-F0C2627395B5}">
+      <dsp:nvSpPr>
+        <dsp:cNvPr id="0" name=""/>
+        <dsp:cNvSpPr/>
+      </dsp:nvSpPr>
+      <dsp:spPr>
+        <a:xfrm>
+          <a:off x="5091819" y="1161465"/>
+          <a:ext cx="2984464" cy="2984464"/>
+        </a:xfrm>
+        <a:prstGeom prst="ellipse">
+          <a:avLst/>
+        </a:prstGeom>
+        <a:solidFill>
+          <a:schemeClr val="accent1">
+            <a:alpha val="50000"/>
+            <a:hueOff val="0"/>
+            <a:satOff val="0"/>
+            <a:lumOff val="0"/>
+            <a:alphaOff val="0"/>
+          </a:schemeClr>
+        </a:solidFill>
+        <a:ln>
+          <a:noFill/>
+        </a:ln>
+        <a:effectLst>
+          <a:outerShdw blurRad="38100" dist="25400" dir="5400000" rotWithShape="0">
+            <a:srgbClr val="000000">
+              <a:alpha val="45000"/>
+            </a:srgbClr>
+          </a:outerShdw>
+        </a:effectLst>
+        <a:sp3d prstMaterial="plastic">
+          <a:bevelT w="50800" h="50800"/>
+          <a:bevelB w="50800" h="50800"/>
+        </a:sp3d>
+      </dsp:spPr>
+      <dsp:style>
+        <a:lnRef idx="0">
+          <a:scrgbClr r="0" g="0" b="0"/>
+        </a:lnRef>
+        <a:fillRef idx="1">
+          <a:scrgbClr r="0" g="0" b="0"/>
+        </a:fillRef>
+        <a:effectRef idx="2">
+          <a:scrgbClr r="0" g="0" b="0"/>
+        </a:effectRef>
+        <a:fontRef idx="minor">
+          <a:schemeClr val="tx1"/>
+        </a:fontRef>
+      </dsp:style>
+      <dsp:txBody>
+        <a:bodyPr spcFirstLastPara="0" vert="horz" wrap="square" lIns="0" tIns="0" rIns="0" bIns="0" numCol="1" spcCol="1270" anchor="ctr" anchorCtr="0">
+          <a:noAutofit/>
+        </a:bodyPr>
+        <a:lstStyle/>
+        <a:p>
+          <a:pPr lvl="0" algn="ctr" defTabSz="1066800">
+            <a:lnSpc>
+              <a:spcPct val="90000"/>
+            </a:lnSpc>
+            <a:spcBef>
+              <a:spcPct val="0"/>
+            </a:spcBef>
+            <a:spcAft>
+              <a:spcPct val="35000"/>
+            </a:spcAft>
+          </a:pPr>
+          <a:r>
+            <a:rPr lang="de-DE" sz="2400" kern="1200" dirty="0" smtClean="0"/>
+            <a:t>Binding </a:t>
+          </a:r>
+          <a:r>
+            <a:rPr lang="de-DE" sz="2400" kern="1200" dirty="0" err="1" smtClean="0"/>
+            <a:t>to</a:t>
+          </a:r>
+          <a:r>
+            <a:rPr lang="de-DE" sz="2400" kern="1200" dirty="0" smtClean="0"/>
+            <a:t> </a:t>
+          </a:r>
+          <a:r>
+            <a:rPr lang="de-DE" sz="2400" b="1" kern="1200" dirty="0" smtClean="0"/>
+            <a:t>Property1</a:t>
+          </a:r>
+          <a:endParaRPr lang="de-DE" sz="2400" b="1" kern="1200" dirty="0"/>
+        </a:p>
+      </dsp:txBody>
+      <dsp:txXfrm>
+        <a:off x="5688712" y="1459911"/>
+        <a:ext cx="1790678" cy="2387571"/>
+      </dsp:txXfrm>
+    </dsp:sp>
+    <dsp:sp modelId="{404B720E-4D19-43D8-B66B-9D51C8B6B9E7}">
+      <dsp:nvSpPr>
+        <dsp:cNvPr id="0" name=""/>
+        <dsp:cNvSpPr/>
+      </dsp:nvSpPr>
+      <dsp:spPr>
+        <a:xfrm>
+          <a:off x="1501215" y="1546750"/>
+          <a:ext cx="1759325" cy="1759173"/>
+        </a:xfrm>
+        <a:prstGeom prst="ellipse">
+          <a:avLst/>
+        </a:prstGeom>
+        <a:solidFill>
+          <a:schemeClr val="accent1">
+            <a:alpha val="50000"/>
+            <a:hueOff val="0"/>
+            <a:satOff val="0"/>
+            <a:lumOff val="0"/>
+            <a:alphaOff val="0"/>
+          </a:schemeClr>
+        </a:solidFill>
+        <a:ln>
+          <a:noFill/>
+        </a:ln>
+        <a:effectLst>
+          <a:outerShdw blurRad="38100" dist="25400" dir="5400000" rotWithShape="0">
+            <a:srgbClr val="000000">
+              <a:alpha val="45000"/>
+            </a:srgbClr>
+          </a:outerShdw>
+        </a:effectLst>
+        <a:sp3d prstMaterial="plastic">
+          <a:bevelT w="50800" h="50800"/>
+          <a:bevelB w="50800" h="50800"/>
+        </a:sp3d>
+      </dsp:spPr>
+      <dsp:style>
+        <a:lnRef idx="0">
+          <a:scrgbClr r="0" g="0" b="0"/>
+        </a:lnRef>
+        <a:fillRef idx="1">
+          <a:scrgbClr r="0" g="0" b="0"/>
+        </a:fillRef>
+        <a:effectRef idx="2">
+          <a:scrgbClr r="0" g="0" b="0"/>
+        </a:effectRef>
+        <a:fontRef idx="minor">
+          <a:schemeClr val="tx1"/>
+        </a:fontRef>
+      </dsp:style>
+      <dsp:txBody>
+        <a:bodyPr spcFirstLastPara="0" vert="horz" wrap="square" lIns="76200" tIns="76200" rIns="76200" bIns="76200" numCol="1" spcCol="1270" anchor="ctr" anchorCtr="0">
+          <a:noAutofit/>
+        </a:bodyPr>
+        <a:lstStyle/>
+        <a:p>
+          <a:pPr lvl="0" algn="ctr" defTabSz="889000">
+            <a:lnSpc>
+              <a:spcPct val="90000"/>
+            </a:lnSpc>
+            <a:spcBef>
+              <a:spcPct val="0"/>
+            </a:spcBef>
+            <a:spcAft>
+              <a:spcPct val="35000"/>
+            </a:spcAft>
+          </a:pPr>
+          <a:r>
+            <a:rPr lang="de-DE" sz="2000" b="1" kern="1200" dirty="0" smtClean="0"/>
+            <a:t>Property1</a:t>
+          </a:r>
+          <a:endParaRPr lang="de-DE" sz="2000" b="1" kern="1200" dirty="0"/>
+        </a:p>
+      </dsp:txBody>
+      <dsp:txXfrm>
+        <a:off x="1758862" y="1804375"/>
+        <a:ext cx="1244031" cy="1243923"/>
+      </dsp:txXfrm>
+    </dsp:sp>
+    <dsp:sp modelId="{48BEECF8-A98D-4214-BAE9-2673133BBF1A}">
+      <dsp:nvSpPr>
+        <dsp:cNvPr id="0" name=""/>
+        <dsp:cNvSpPr/>
+      </dsp:nvSpPr>
+      <dsp:spPr>
+        <a:xfrm>
+          <a:off x="852351" y="3046724"/>
+          <a:ext cx="863930" cy="863827"/>
+        </a:xfrm>
+        <a:prstGeom prst="ellipse">
+          <a:avLst/>
+        </a:prstGeom>
+        <a:solidFill>
+          <a:schemeClr val="accent1">
+            <a:alpha val="50000"/>
+            <a:hueOff val="0"/>
+            <a:satOff val="0"/>
+            <a:lumOff val="0"/>
+            <a:alphaOff val="0"/>
+          </a:schemeClr>
+        </a:solidFill>
+        <a:ln>
+          <a:noFill/>
+        </a:ln>
+        <a:effectLst>
+          <a:outerShdw blurRad="38100" dist="25400" dir="5400000" rotWithShape="0">
+            <a:srgbClr val="000000">
+              <a:alpha val="45000"/>
+            </a:srgbClr>
+          </a:outerShdw>
+        </a:effectLst>
+        <a:sp3d prstMaterial="plastic">
+          <a:bevelT w="50800" h="50800"/>
+          <a:bevelB w="50800" h="50800"/>
+        </a:sp3d>
+      </dsp:spPr>
+      <dsp:style>
+        <a:lnRef idx="0">
+          <a:scrgbClr r="0" g="0" b="0"/>
+        </a:lnRef>
+        <a:fillRef idx="1">
+          <a:scrgbClr r="0" g="0" b="0"/>
+        </a:fillRef>
+        <a:effectRef idx="2">
+          <a:scrgbClr r="0" g="0" b="0"/>
+        </a:effectRef>
+        <a:fontRef idx="minor">
+          <a:schemeClr val="tx1"/>
+        </a:fontRef>
+      </dsp:style>
+    </dsp:sp>
+    <dsp:sp modelId="{148FD396-7EFE-440D-8A4F-9A978A7AF7C1}">
+      <dsp:nvSpPr>
+        <dsp:cNvPr id="0" name=""/>
+        <dsp:cNvSpPr/>
+      </dsp:nvSpPr>
+      <dsp:spPr>
+        <a:xfrm>
+          <a:off x="3357381" y="1972776"/>
+          <a:ext cx="502533" cy="502654"/>
+        </a:xfrm>
+        <a:prstGeom prst="ellipse">
+          <a:avLst/>
+        </a:prstGeom>
+        <a:solidFill>
+          <a:schemeClr val="accent1">
+            <a:alpha val="50000"/>
+            <a:hueOff val="0"/>
+            <a:satOff val="0"/>
+            <a:lumOff val="0"/>
+            <a:alphaOff val="0"/>
+          </a:schemeClr>
+        </a:solidFill>
+        <a:ln>
+          <a:noFill/>
+        </a:ln>
+        <a:effectLst>
+          <a:outerShdw blurRad="38100" dist="25400" dir="5400000" rotWithShape="0">
+            <a:srgbClr val="000000">
+              <a:alpha val="45000"/>
+            </a:srgbClr>
+          </a:outerShdw>
+        </a:effectLst>
+        <a:sp3d prstMaterial="plastic">
+          <a:bevelT w="50800" h="50800"/>
+          <a:bevelB w="50800" h="50800"/>
+        </a:sp3d>
+      </dsp:spPr>
+      <dsp:style>
+        <a:lnRef idx="0">
+          <a:scrgbClr r="0" g="0" b="0"/>
+        </a:lnRef>
+        <a:fillRef idx="1">
+          <a:scrgbClr r="0" g="0" b="0"/>
+        </a:fillRef>
+        <a:effectRef idx="2">
+          <a:scrgbClr r="0" g="0" b="0"/>
+        </a:effectRef>
+        <a:fontRef idx="minor">
+          <a:schemeClr val="tx1"/>
+        </a:fontRef>
+      </dsp:style>
+    </dsp:sp>
+    <dsp:sp modelId="{BBF1B0B0-6C06-42A9-B589-8E382C75C322}">
+      <dsp:nvSpPr>
+        <dsp:cNvPr id="0" name=""/>
+        <dsp:cNvSpPr/>
+      </dsp:nvSpPr>
+      <dsp:spPr>
+        <a:xfrm>
+          <a:off x="815466" y="4363153"/>
+          <a:ext cx="3295328" cy="868294"/>
+        </a:xfrm>
+        <a:prstGeom prst="rect">
+          <a:avLst/>
+        </a:prstGeom>
+        <a:solidFill>
+          <a:schemeClr val="lt1">
+            <a:alpha val="0"/>
+            <a:hueOff val="0"/>
+            <a:satOff val="0"/>
+            <a:lumOff val="0"/>
+            <a:alphaOff val="0"/>
+          </a:schemeClr>
+        </a:solidFill>
+        <a:ln>
+          <a:noFill/>
+        </a:ln>
+        <a:effectLst/>
+      </dsp:spPr>
+      <dsp:style>
+        <a:lnRef idx="0">
+          <a:scrgbClr r="0" g="0" b="0"/>
+        </a:lnRef>
+        <a:fillRef idx="1">
+          <a:scrgbClr r="0" g="0" b="0"/>
+        </a:fillRef>
+        <a:effectRef idx="0">
+          <a:scrgbClr r="0" g="0" b="0"/>
+        </a:effectRef>
+        <a:fontRef idx="minor"/>
+      </dsp:style>
+      <dsp:txBody>
+        <a:bodyPr spcFirstLastPara="0" vert="horz" wrap="square" lIns="91440" tIns="91440" rIns="91440" bIns="91440" numCol="1" spcCol="1270" anchor="ctr" anchorCtr="0">
+          <a:noAutofit/>
+        </a:bodyPr>
+        <a:lstStyle/>
+        <a:p>
+          <a:pPr lvl="0" algn="ctr" defTabSz="1066800">
+            <a:lnSpc>
+              <a:spcPct val="90000"/>
+            </a:lnSpc>
+            <a:spcBef>
+              <a:spcPct val="0"/>
+            </a:spcBef>
+            <a:spcAft>
+              <a:spcPct val="35000"/>
+            </a:spcAft>
+          </a:pPr>
+          <a:r>
+            <a:rPr lang="de-DE" sz="2400" kern="1200" dirty="0" err="1" smtClean="0"/>
+            <a:t>PSCustomObject</a:t>
+          </a:r>
+          <a:endParaRPr lang="de-DE" sz="2400" kern="1200" dirty="0"/>
+        </a:p>
+      </dsp:txBody>
+      <dsp:txXfrm>
+        <a:off x="815466" y="4363153"/>
+        <a:ext cx="3295328" cy="868294"/>
       </dsp:txXfrm>
     </dsp:sp>
   </dsp:spTree>
@@ -6360,6 +9557,1485 @@
 </dgm:layoutDef>
 </file>
 
+<file path=ppt/diagrams/layout3.xml><?xml version="1.0" encoding="utf-8"?>
+<dgm:layoutDef xmlns:dgm="http://schemas.openxmlformats.org/drawingml/2006/diagram" xmlns:a="http://schemas.openxmlformats.org/drawingml/2006/main" uniqueId="urn:microsoft.com/office/officeart/2005/8/layout/StepDownProcess">
+  <dgm:title val=""/>
+  <dgm:desc val=""/>
+  <dgm:catLst>
+    <dgm:cat type="process" pri="1600"/>
+  </dgm:catLst>
+  <dgm:sampData>
+    <dgm:dataModel>
+      <dgm:ptLst>
+        <dgm:pt modelId="0" type="doc"/>
+        <dgm:pt modelId="10">
+          <dgm:prSet phldr="1"/>
+        </dgm:pt>
+        <dgm:pt modelId="11">
+          <dgm:prSet phldr="1"/>
+        </dgm:pt>
+        <dgm:pt modelId="20">
+          <dgm:prSet phldr="1"/>
+        </dgm:pt>
+        <dgm:pt modelId="21">
+          <dgm:prSet phldr="1"/>
+        </dgm:pt>
+        <dgm:pt modelId="30">
+          <dgm:prSet phldr="1"/>
+        </dgm:pt>
+        <dgm:pt modelId="31">
+          <dgm:prSet phldr="1"/>
+        </dgm:pt>
+      </dgm:ptLst>
+      <dgm:cxnLst>
+        <dgm:cxn modelId="60" srcId="0" destId="10" srcOrd="0" destOrd="0"/>
+        <dgm:cxn modelId="12" srcId="10" destId="11" srcOrd="0" destOrd="0"/>
+        <dgm:cxn modelId="70" srcId="0" destId="20" srcOrd="1" destOrd="0"/>
+        <dgm:cxn modelId="22" srcId="20" destId="21" srcOrd="0" destOrd="0"/>
+        <dgm:cxn modelId="80" srcId="0" destId="30" srcOrd="2" destOrd="0"/>
+        <dgm:cxn modelId="32" srcId="30" destId="31" srcOrd="0" destOrd="0"/>
+      </dgm:cxnLst>
+      <dgm:bg/>
+      <dgm:whole/>
+    </dgm:dataModel>
+  </dgm:sampData>
+  <dgm:styleData>
+    <dgm:dataModel>
+      <dgm:ptLst>
+        <dgm:pt modelId="0" type="doc"/>
+        <dgm:pt modelId="10">
+          <dgm:prSet phldr="1"/>
+        </dgm:pt>
+        <dgm:pt modelId="20">
+          <dgm:prSet phldr="1"/>
+        </dgm:pt>
+      </dgm:ptLst>
+      <dgm:cxnLst>
+        <dgm:cxn modelId="60" srcId="0" destId="10" srcOrd="0" destOrd="0"/>
+        <dgm:cxn modelId="70" srcId="0" destId="20" srcOrd="1" destOrd="0"/>
+      </dgm:cxnLst>
+      <dgm:bg/>
+      <dgm:whole/>
+    </dgm:dataModel>
+  </dgm:styleData>
+  <dgm:clrData>
+    <dgm:dataModel>
+      <dgm:ptLst>
+        <dgm:pt modelId="0" type="doc"/>
+        <dgm:pt modelId="10">
+          <dgm:prSet phldr="1"/>
+        </dgm:pt>
+        <dgm:pt modelId="20">
+          <dgm:prSet phldr="1"/>
+        </dgm:pt>
+        <dgm:pt modelId="30">
+          <dgm:prSet phldr="1"/>
+        </dgm:pt>
+        <dgm:pt modelId="40">
+          <dgm:prSet phldr="1"/>
+        </dgm:pt>
+      </dgm:ptLst>
+      <dgm:cxnLst>
+        <dgm:cxn modelId="60" srcId="0" destId="10" srcOrd="0" destOrd="0"/>
+        <dgm:cxn modelId="70" srcId="0" destId="20" srcOrd="1" destOrd="0"/>
+        <dgm:cxn modelId="80" srcId="0" destId="30" srcOrd="2" destOrd="0"/>
+        <dgm:cxn modelId="90" srcId="0" destId="40" srcOrd="3" destOrd="0"/>
+      </dgm:cxnLst>
+      <dgm:bg/>
+      <dgm:whole/>
+    </dgm:dataModel>
+  </dgm:clrData>
+  <dgm:layoutNode name="rootnode">
+    <dgm:varLst>
+      <dgm:chMax/>
+      <dgm:chPref/>
+      <dgm:dir/>
+      <dgm:animLvl val="lvl"/>
+    </dgm:varLst>
+    <dgm:choose name="Name0">
+      <dgm:if name="Name1" func="var" arg="dir" op="equ" val="norm">
+        <dgm:alg type="snake">
+          <dgm:param type="grDir" val="tL"/>
+          <dgm:param type="flowDir" val="row"/>
+          <dgm:param type="off" val="off"/>
+          <dgm:param type="bkpt" val="fixed"/>
+          <dgm:param type="bkPtFixedVal" val="1"/>
+        </dgm:alg>
+      </dgm:if>
+      <dgm:else name="Name2">
+        <dgm:alg type="snake">
+          <dgm:param type="grDir" val="tR"/>
+          <dgm:param type="flowDir" val="row"/>
+          <dgm:param type="off" val="off"/>
+          <dgm:param type="bkpt" val="fixed"/>
+          <dgm:param type="bkPtFixedVal" val="1"/>
+        </dgm:alg>
+      </dgm:else>
+    </dgm:choose>
+    <dgm:shape xmlns:r="http://schemas.openxmlformats.org/officeDocument/2006/relationships" r:blip="">
+      <dgm:adjLst/>
+    </dgm:shape>
+    <dgm:choose name="Name3">
+      <dgm:if name="Name4" func="var" arg="dir" op="equ" val="norm">
+        <dgm:constrLst>
+          <dgm:constr type="alignOff" forName="rootnode" val="0.48"/>
+          <dgm:constr type="primFontSz" for="des" forName="ParentText" val="65"/>
+          <dgm:constr type="primFontSz" for="des" forName="ChildText" refType="primFontSz" refFor="des" refForName="ParentText" op="lte"/>
+          <dgm:constr type="w" for="ch" forName="composite" refType="w"/>
+          <dgm:constr type="h" for="ch" forName="composite" refType="h"/>
+          <dgm:constr type="sp" refType="h" refFor="ch" refForName="composite" op="equ" fact="-0.38"/>
+        </dgm:constrLst>
+      </dgm:if>
+      <dgm:else name="Name5">
+        <dgm:constrLst>
+          <dgm:constr type="alignOff" forName="rootnode" val="0.48"/>
+          <dgm:constr type="primFontSz" for="des" forName="ParentText" val="65"/>
+          <dgm:constr type="primFontSz" for="des" forName="ChildText" refType="primFontSz" refFor="des" refForName="ParentText" op="lte"/>
+          <dgm:constr type="w" for="ch" forName="composite" refType="w"/>
+          <dgm:constr type="h" for="ch" forName="composite" refType="h"/>
+          <dgm:constr type="sp" refType="h" refFor="ch" refForName="composite" op="equ" fact="-0.38"/>
+        </dgm:constrLst>
+      </dgm:else>
+    </dgm:choose>
+    <dgm:forEach name="nodesForEach" axis="ch" ptType="node">
+      <dgm:layoutNode name="composite">
+        <dgm:alg type="composite">
+          <dgm:param type="ar" val="1.2439"/>
+        </dgm:alg>
+        <dgm:shape xmlns:r="http://schemas.openxmlformats.org/officeDocument/2006/relationships" r:blip="">
+          <dgm:adjLst/>
+        </dgm:shape>
+        <dgm:choose name="Name6">
+          <dgm:if name="Name7" func="var" arg="dir" op="equ" val="norm">
+            <dgm:constrLst>
+              <dgm:constr type="l" for="ch" forName="bentUpArrow1" refType="w" fact="0.07"/>
+              <dgm:constr type="t" for="ch" forName="bentUpArrow1" refType="h" fact="0.524"/>
+              <dgm:constr type="w" for="ch" forName="bentUpArrow1" refType="w" fact="0.3844"/>
+              <dgm:constr type="h" for="ch" forName="bentUpArrow1" refType="h" fact="0.42"/>
+              <dgm:constr type="l" for="ch" forName="ParentText" refType="w" fact="0"/>
+              <dgm:constr type="t" for="ch" forName="ParentText" refType="h" fact="0"/>
+              <dgm:constr type="w" for="ch" forName="ParentText" refType="w" fact="0.5684"/>
+              <dgm:constr type="h" for="ch" forName="ParentText" refType="h" fact="0.4949"/>
+              <dgm:constr type="l" for="ch" forName="ChildText" refType="w" refFor="ch" refForName="ParentText"/>
+              <dgm:constr type="t" for="ch" forName="ChildText" refType="h" fact="0.05"/>
+              <dgm:constr type="w" for="ch" forName="ChildText" refType="w" fact="0.4134"/>
+              <dgm:constr type="h" for="ch" forName="ChildText" refType="h" fact="0.4"/>
+              <dgm:constr type="l" for="ch" forName="FinalChildText" refType="w" refFor="ch" refForName="ParentText"/>
+              <dgm:constr type="t" for="ch" forName="FinalChildText" refType="h" fact="0.05"/>
+              <dgm:constr type="w" for="ch" forName="FinalChildText" refType="w" fact="0.4134"/>
+              <dgm:constr type="h" for="ch" forName="FinalChildText" refType="h" fact="0.4"/>
+            </dgm:constrLst>
+          </dgm:if>
+          <dgm:else name="Name8">
+            <dgm:constrLst>
+              <dgm:constr type="r" for="ch" forName="bentUpArrow1" refType="w" fact="0.97"/>
+              <dgm:constr type="t" for="ch" forName="bentUpArrow1" refType="h" fact="0.524"/>
+              <dgm:constr type="w" for="ch" forName="bentUpArrow1" refType="w" fact="0.3844"/>
+              <dgm:constr type="h" for="ch" forName="bentUpArrow1" refType="h" fact="0.42"/>
+              <dgm:constr type="l" for="ch" forName="ParentText" refType="w" fact="0.4316"/>
+              <dgm:constr type="t" for="ch" forName="ParentText" refType="h" fact="0"/>
+              <dgm:constr type="w" for="ch" forName="ParentText" refType="w" fact="0.5684"/>
+              <dgm:constr type="h" for="ch" forName="ParentText" refType="h" fact="0.4949"/>
+              <dgm:constr type="l" for="ch" forName="ChildText" refType="w" fact="0"/>
+              <dgm:constr type="t" for="ch" forName="ChildText" refType="h" fact="0.05"/>
+              <dgm:constr type="w" for="ch" forName="ChildText" refType="w" fact="0.4134"/>
+              <dgm:constr type="h" for="ch" forName="ChildText" refType="h" fact="0.4"/>
+              <dgm:constr type="l" for="ch" forName="FinalChildText" refType="w" fact="0"/>
+              <dgm:constr type="t" for="ch" forName="FinalChildText" refType="h" fact="0.05"/>
+              <dgm:constr type="w" for="ch" forName="FinalChildText" refType="w" fact="0.4134"/>
+              <dgm:constr type="h" for="ch" forName="FinalChildText" refType="h" fact="0.4"/>
+            </dgm:constrLst>
+          </dgm:else>
+        </dgm:choose>
+        <dgm:choose name="Name9">
+          <dgm:if name="Name10" axis="followSib" ptType="node" func="cnt" op="gte" val="1">
+            <dgm:layoutNode name="bentUpArrow1" styleLbl="alignImgPlace1">
+              <dgm:alg type="sp"/>
+              <dgm:choose name="Name11">
+                <dgm:if name="Name12" func="var" arg="dir" op="equ" val="norm">
+                  <dgm:shape xmlns:r="http://schemas.openxmlformats.org/officeDocument/2006/relationships" rot="90" type="bentUpArrow" r:blip="">
+                    <dgm:adjLst>
+                      <dgm:adj idx="1" val="0.3284"/>
+                      <dgm:adj idx="2" val="0.25"/>
+                      <dgm:adj idx="3" val="0.3578"/>
+                    </dgm:adjLst>
+                  </dgm:shape>
+                </dgm:if>
+                <dgm:else name="Name13">
+                  <dgm:shape xmlns:r="http://schemas.openxmlformats.org/officeDocument/2006/relationships" rot="180" type="bentArrow" r:blip="">
+                    <dgm:adjLst>
+                      <dgm:adj idx="1" val="0.3284"/>
+                      <dgm:adj idx="2" val="0.25"/>
+                      <dgm:adj idx="3" val="0.3578"/>
+                      <dgm:adj idx="4" val="0"/>
+                    </dgm:adjLst>
+                  </dgm:shape>
+                </dgm:else>
+              </dgm:choose>
+              <dgm:presOf/>
+            </dgm:layoutNode>
+          </dgm:if>
+          <dgm:else name="Name14"/>
+        </dgm:choose>
+        <dgm:layoutNode name="ParentText" styleLbl="node1">
+          <dgm:varLst>
+            <dgm:chMax val="1"/>
+            <dgm:chPref val="1"/>
+            <dgm:bulletEnabled val="1"/>
+          </dgm:varLst>
+          <dgm:alg type="tx"/>
+          <dgm:shape xmlns:r="http://schemas.openxmlformats.org/officeDocument/2006/relationships" type="roundRect" r:blip="">
+            <dgm:adjLst>
+              <dgm:adj idx="1" val="0.1667"/>
+            </dgm:adjLst>
+          </dgm:shape>
+          <dgm:presOf axis="self" ptType="node"/>
+          <dgm:constrLst>
+            <dgm:constr type="lMarg" refType="primFontSz" fact="0.3"/>
+            <dgm:constr type="rMarg" refType="primFontSz" fact="0.3"/>
+            <dgm:constr type="tMarg" refType="primFontSz" fact="0.3"/>
+            <dgm:constr type="bMarg" refType="primFontSz" fact="0.3"/>
+          </dgm:constrLst>
+          <dgm:ruleLst>
+            <dgm:rule type="primFontSz" val="5" fact="NaN" max="NaN"/>
+          </dgm:ruleLst>
+        </dgm:layoutNode>
+        <dgm:choose name="Name15">
+          <dgm:if name="Name16" axis="followSib" ptType="node" func="cnt" op="equ" val="0">
+            <dgm:choose name="Name17">
+              <dgm:if name="Name18" axis="ch" ptType="node" func="cnt" op="gte" val="1">
+                <dgm:layoutNode name="FinalChildText" styleLbl="revTx">
+                  <dgm:varLst>
+                    <dgm:chMax val="0"/>
+                    <dgm:chPref val="0"/>
+                    <dgm:bulletEnabled val="1"/>
+                  </dgm:varLst>
+                  <dgm:alg type="tx">
+                    <dgm:param type="stBulletLvl" val="1"/>
+                    <dgm:param type="txAnchorVertCh" val="mid"/>
+                    <dgm:param type="parTxLTRAlign" val="l"/>
+                  </dgm:alg>
+                  <dgm:shape xmlns:r="http://schemas.openxmlformats.org/officeDocument/2006/relationships" type="rect" r:blip="">
+                    <dgm:adjLst/>
+                  </dgm:shape>
+                  <dgm:presOf axis="des" ptType="node"/>
+                  <dgm:constrLst>
+                    <dgm:constr type="lMarg" refType="primFontSz" fact="0.3"/>
+                    <dgm:constr type="rMarg" refType="primFontSz" fact="0.3"/>
+                    <dgm:constr type="tMarg" refType="primFontSz" fact="0.3"/>
+                    <dgm:constr type="bMarg" refType="primFontSz" fact="0.3"/>
+                  </dgm:constrLst>
+                  <dgm:ruleLst>
+                    <dgm:rule type="primFontSz" val="5" fact="NaN" max="NaN"/>
+                  </dgm:ruleLst>
+                </dgm:layoutNode>
+              </dgm:if>
+              <dgm:else name="Name19"/>
+            </dgm:choose>
+          </dgm:if>
+          <dgm:else name="Name20">
+            <dgm:layoutNode name="ChildText" styleLbl="revTx">
+              <dgm:varLst>
+                <dgm:chMax val="0"/>
+                <dgm:chPref val="0"/>
+                <dgm:bulletEnabled val="1"/>
+              </dgm:varLst>
+              <dgm:alg type="tx">
+                <dgm:param type="stBulletLvl" val="1"/>
+                <dgm:param type="txAnchorVertCh" val="mid"/>
+                <dgm:param type="parTxLTRAlign" val="l"/>
+              </dgm:alg>
+              <dgm:shape xmlns:r="http://schemas.openxmlformats.org/officeDocument/2006/relationships" type="rect" r:blip="">
+                <dgm:adjLst/>
+              </dgm:shape>
+              <dgm:presOf axis="des" ptType="node"/>
+              <dgm:constrLst>
+                <dgm:constr type="lMarg" refType="primFontSz" fact="0.3"/>
+                <dgm:constr type="rMarg" refType="primFontSz" fact="0.3"/>
+                <dgm:constr type="tMarg" refType="primFontSz" fact="0.3"/>
+                <dgm:constr type="bMarg" refType="primFontSz" fact="0.3"/>
+              </dgm:constrLst>
+              <dgm:ruleLst>
+                <dgm:rule type="primFontSz" val="5" fact="NaN" max="NaN"/>
+              </dgm:ruleLst>
+            </dgm:layoutNode>
+          </dgm:else>
+        </dgm:choose>
+      </dgm:layoutNode>
+      <dgm:forEach name="sibTransForEach" axis="followSib" ptType="sibTrans" cnt="1">
+        <dgm:layoutNode name="sibTrans">
+          <dgm:alg type="sp"/>
+          <dgm:shape xmlns:r="http://schemas.openxmlformats.org/officeDocument/2006/relationships" r:blip="">
+            <dgm:adjLst/>
+          </dgm:shape>
+        </dgm:layoutNode>
+      </dgm:forEach>
+    </dgm:forEach>
+  </dgm:layoutNode>
+</dgm:layoutDef>
+</file>
+
+<file path=ppt/diagrams/layout4.xml><?xml version="1.0" encoding="utf-8"?>
+<dgm:layoutDef xmlns:dgm="http://schemas.openxmlformats.org/drawingml/2006/diagram" xmlns:a="http://schemas.openxmlformats.org/drawingml/2006/main" uniqueId="urn:microsoft.com/office/officeart/2009/3/layout/PhasedProcess">
+  <dgm:title val=""/>
+  <dgm:desc val=""/>
+  <dgm:catLst>
+    <dgm:cat type="process" pri="12500"/>
+  </dgm:catLst>
+  <dgm:sampData>
+    <dgm:dataModel>
+      <dgm:ptLst>
+        <dgm:pt modelId="0" type="doc"/>
+        <dgm:pt modelId="10">
+          <dgm:prSet phldr="1"/>
+        </dgm:pt>
+        <dgm:pt modelId="11">
+          <dgm:prSet phldr="1"/>
+        </dgm:pt>
+        <dgm:pt modelId="12">
+          <dgm:prSet phldr="1"/>
+        </dgm:pt>
+        <dgm:pt modelId="13">
+          <dgm:prSet phldr="1"/>
+        </dgm:pt>
+        <dgm:pt modelId="20">
+          <dgm:prSet phldr="1"/>
+        </dgm:pt>
+        <dgm:pt modelId="21">
+          <dgm:prSet phldr="1"/>
+        </dgm:pt>
+        <dgm:pt modelId="22">
+          <dgm:prSet phldr="1"/>
+        </dgm:pt>
+        <dgm:pt modelId="30">
+          <dgm:prSet phldr="1"/>
+        </dgm:pt>
+        <dgm:pt modelId="31">
+          <dgm:prSet phldr="1"/>
+        </dgm:pt>
+      </dgm:ptLst>
+      <dgm:cxnLst>
+        <dgm:cxn modelId="40" srcId="0" destId="10" srcOrd="0" destOrd="0"/>
+        <dgm:cxn modelId="16" srcId="10" destId="11" srcOrd="0" destOrd="0"/>
+        <dgm:cxn modelId="17" srcId="10" destId="12" srcOrd="1" destOrd="0"/>
+        <dgm:cxn modelId="18" srcId="10" destId="13" srcOrd="2" destOrd="0"/>
+        <dgm:cxn modelId="50" srcId="0" destId="20" srcOrd="1" destOrd="0"/>
+        <dgm:cxn modelId="60" srcId="0" destId="30" srcOrd="2" destOrd="0"/>
+        <dgm:cxn modelId="32" srcId="30" destId="31" srcOrd="0" destOrd="0"/>
+        <dgm:cxn modelId="26" srcId="20" destId="21" srcOrd="0" destOrd="0"/>
+        <dgm:cxn modelId="27" srcId="20" destId="22" srcOrd="1" destOrd="0"/>
+      </dgm:cxnLst>
+      <dgm:bg/>
+      <dgm:whole/>
+    </dgm:dataModel>
+  </dgm:sampData>
+  <dgm:styleData>
+    <dgm:dataModel>
+      <dgm:ptLst>
+        <dgm:pt modelId="0" type="doc"/>
+        <dgm:pt modelId="10">
+          <dgm:prSet phldr="1"/>
+        </dgm:pt>
+        <dgm:pt modelId="11">
+          <dgm:prSet phldr="1"/>
+        </dgm:pt>
+        <dgm:pt modelId="12">
+          <dgm:prSet phldr="1"/>
+        </dgm:pt>
+        <dgm:pt modelId="13">
+          <dgm:prSet phldr="1"/>
+        </dgm:pt>
+        <dgm:pt modelId="20">
+          <dgm:prSet phldr="1"/>
+        </dgm:pt>
+        <dgm:pt modelId="21">
+          <dgm:prSet phldr="1"/>
+        </dgm:pt>
+        <dgm:pt modelId="22">
+          <dgm:prSet phldr="1"/>
+        </dgm:pt>
+        <dgm:pt modelId="30">
+          <dgm:prSet phldr="1"/>
+        </dgm:pt>
+        <dgm:pt modelId="31">
+          <dgm:prSet phldr="1"/>
+        </dgm:pt>
+      </dgm:ptLst>
+      <dgm:cxnLst>
+        <dgm:cxn modelId="40" srcId="0" destId="10" srcOrd="0" destOrd="0"/>
+        <dgm:cxn modelId="16" srcId="10" destId="11" srcOrd="0" destOrd="0"/>
+        <dgm:cxn modelId="17" srcId="10" destId="12" srcOrd="1" destOrd="0"/>
+        <dgm:cxn modelId="18" srcId="10" destId="13" srcOrd="2" destOrd="0"/>
+        <dgm:cxn modelId="50" srcId="0" destId="20" srcOrd="1" destOrd="0"/>
+        <dgm:cxn modelId="60" srcId="0" destId="30" srcOrd="2" destOrd="0"/>
+        <dgm:cxn modelId="32" srcId="30" destId="31" srcOrd="0" destOrd="0"/>
+        <dgm:cxn modelId="26" srcId="20" destId="21" srcOrd="0" destOrd="0"/>
+        <dgm:cxn modelId="27" srcId="20" destId="22" srcOrd="1" destOrd="0"/>
+      </dgm:cxnLst>
+      <dgm:bg/>
+      <dgm:whole/>
+    </dgm:dataModel>
+  </dgm:styleData>
+  <dgm:clrData>
+    <dgm:dataModel>
+      <dgm:ptLst>
+        <dgm:pt modelId="0" type="doc"/>
+        <dgm:pt modelId="10">
+          <dgm:prSet phldr="1"/>
+        </dgm:pt>
+        <dgm:pt modelId="11">
+          <dgm:prSet phldr="1"/>
+        </dgm:pt>
+        <dgm:pt modelId="12">
+          <dgm:prSet phldr="1"/>
+        </dgm:pt>
+        <dgm:pt modelId="13">
+          <dgm:prSet phldr="1"/>
+        </dgm:pt>
+        <dgm:pt modelId="20">
+          <dgm:prSet phldr="1"/>
+        </dgm:pt>
+        <dgm:pt modelId="21">
+          <dgm:prSet phldr="1"/>
+        </dgm:pt>
+        <dgm:pt modelId="22">
+          <dgm:prSet phldr="1"/>
+        </dgm:pt>
+        <dgm:pt modelId="30">
+          <dgm:prSet phldr="1"/>
+        </dgm:pt>
+        <dgm:pt modelId="31">
+          <dgm:prSet phldr="1"/>
+        </dgm:pt>
+      </dgm:ptLst>
+      <dgm:cxnLst>
+        <dgm:cxn modelId="40" srcId="0" destId="10" srcOrd="0" destOrd="0"/>
+        <dgm:cxn modelId="16" srcId="10" destId="11" srcOrd="0" destOrd="0"/>
+        <dgm:cxn modelId="17" srcId="10" destId="12" srcOrd="1" destOrd="0"/>
+        <dgm:cxn modelId="18" srcId="10" destId="13" srcOrd="2" destOrd="0"/>
+        <dgm:cxn modelId="50" srcId="0" destId="20" srcOrd="1" destOrd="0"/>
+        <dgm:cxn modelId="60" srcId="0" destId="30" srcOrd="2" destOrd="0"/>
+        <dgm:cxn modelId="32" srcId="30" destId="31" srcOrd="0" destOrd="0"/>
+        <dgm:cxn modelId="26" srcId="20" destId="21" srcOrd="0" destOrd="0"/>
+        <dgm:cxn modelId="27" srcId="20" destId="22" srcOrd="1" destOrd="0"/>
+      </dgm:cxnLst>
+      <dgm:bg/>
+      <dgm:whole/>
+    </dgm:dataModel>
+  </dgm:clrData>
+  <dgm:layoutNode name="Name0">
+    <dgm:varLst>
+      <dgm:chMax val="3"/>
+      <dgm:chPref val="3"/>
+      <dgm:bulletEnabled val="1"/>
+      <dgm:dir/>
+      <dgm:animLvl val="lvl"/>
+    </dgm:varLst>
+    <dgm:shape xmlns:r="http://schemas.openxmlformats.org/officeDocument/2006/relationships" r:blip="">
+      <dgm:adjLst/>
+    </dgm:shape>
+    <dgm:choose name="Name1">
+      <dgm:if name="Name2" axis="ch" ptType="node" func="cnt" op="gte" val="3">
+        <dgm:alg type="composite">
+          <dgm:param type="ar" val="2.8316"/>
+        </dgm:alg>
+        <dgm:choose name="Name3">
+          <dgm:if name="Name4" func="var" arg="dir" op="equ" val="norm">
+            <dgm:constrLst>
+              <dgm:constr type="primFontSz" for="des" forName="parentText1" val="65"/>
+              <dgm:constr type="primFontSz" for="des" forName="childText1_1" val="65"/>
+              <dgm:constr type="primFontSz" for="des" forName="circ1Tx" val="65"/>
+              <dgm:constr type="primFontSz" for="des" forName="parentText2" refType="primFontSz" refFor="des" refForName="parentText1" op="equ"/>
+              <dgm:constr type="primFontSz" for="des" forName="parentText3" refType="primFontSz" refFor="des" refForName="parentText1" op="equ"/>
+              <dgm:constr type="primFontSz" for="des" forName="childText1_1" refType="primFontSz" refFor="des" refForName="parentText1" op="lte"/>
+              <dgm:constr type="primFontSz" for="des" forName="childText1_2" refType="primFontSz" refFor="des" refForName="parentText1" op="lte"/>
+              <dgm:constr type="primFontSz" for="des" forName="childText1_3" refType="primFontSz" refFor="des" refForName="parentText1" op="lte"/>
+              <dgm:constr type="primFontSz" for="des" forName="childText1_4" refType="primFontSz" refFor="des" refForName="parentText1" op="lte"/>
+              <dgm:constr type="primFontSz" for="des" forName="childText1_1" refType="primFontSz" refFor="des" refForName="parentText2" op="lte"/>
+              <dgm:constr type="primFontSz" for="des" forName="childText1_2" refType="primFontSz" refFor="des" refForName="parentText2" op="lte"/>
+              <dgm:constr type="primFontSz" for="des" forName="childText1_3" refType="primFontSz" refFor="des" refForName="parentText2" op="lte"/>
+              <dgm:constr type="primFontSz" for="des" forName="childText1_4" refType="primFontSz" refFor="des" refForName="parentText2" op="lte"/>
+              <dgm:constr type="primFontSz" for="des" forName="childText1_1" refType="primFontSz" refFor="des" refForName="parentText3" op="lte"/>
+              <dgm:constr type="primFontSz" for="des" forName="childText1_2" refType="primFontSz" refFor="des" refForName="parentText3" op="lte"/>
+              <dgm:constr type="primFontSz" for="des" forName="childText1_3" refType="primFontSz" refFor="des" refForName="parentText3" op="lte"/>
+              <dgm:constr type="primFontSz" for="des" forName="childText1_4" refType="primFontSz" refFor="des" refForName="parentText3" op="lte"/>
+              <dgm:constr type="primFontSz" for="des" forName="circ1Tx" refType="primFontSz" refFor="des" refForName="parentText1" op="lte"/>
+              <dgm:constr type="primFontSz" for="des" forName="circ2Tx" refType="primFontSz" refFor="des" refForName="parentText1" op="lte"/>
+              <dgm:constr type="primFontSz" for="des" forName="circ3Tx" refType="primFontSz" refFor="des" refForName="parentText1" op="lte"/>
+              <dgm:constr type="primFontSz" for="des" forName="circ4Tx" refType="primFontSz" refFor="des" refForName="parentText1" op="lte"/>
+              <dgm:constr type="primFontSz" for="des" forName="circ1Tx" refType="primFontSz" refFor="des" refForName="parentText2" op="lte"/>
+              <dgm:constr type="primFontSz" for="des" forName="circ2Tx" refType="primFontSz" refFor="des" refForName="parentText2" op="lte"/>
+              <dgm:constr type="primFontSz" for="des" forName="circ3Tx" refType="primFontSz" refFor="des" refForName="parentText2" op="lte"/>
+              <dgm:constr type="primFontSz" for="des" forName="circ4Tx" refType="primFontSz" refFor="des" refForName="parentText2" op="lte"/>
+              <dgm:constr type="primFontSz" for="des" forName="circ1Tx" refType="primFontSz" refFor="des" refForName="parentText3" op="lte"/>
+              <dgm:constr type="primFontSz" for="des" forName="circ2Tx" refType="primFontSz" refFor="des" refForName="parentText3" op="lte"/>
+              <dgm:constr type="primFontSz" for="des" forName="circ3Tx" refType="primFontSz" refFor="des" refForName="parentText3" op="lte"/>
+              <dgm:constr type="primFontSz" for="des" forName="circ4Tx" refType="primFontSz" refFor="des" refForName="parentText3" op="lte"/>
+              <dgm:constr type="primFontSz" for="des" forName="rightChild" refType="primFontSz" refFor="des" refForName="parentText1" op="lte"/>
+              <dgm:constr type="primFontSz" for="des" forName="rightChild" refType="primFontSz" refFor="des" refForName="parentText2" op="lte"/>
+              <dgm:constr type="primFontSz" for="des" forName="rightChild" refType="primFontSz" refFor="des" refForName="parentText3" op="lte"/>
+              <dgm:constr type="primFontSz" for="des" forName="childText1_2" refType="primFontSz" refFor="des" refForName="childText1_1" op="equ"/>
+              <dgm:constr type="primFontSz" for="des" forName="childText1_3" refType="primFontSz" refFor="des" refForName="childText1_1" op="equ"/>
+              <dgm:constr type="primFontSz" for="des" forName="childText1_4" refType="primFontSz" refFor="des" refForName="childText1_1" op="equ"/>
+              <dgm:constr type="primFontSz" for="des" forName="circ2Tx" refType="primFontSz" refFor="des" refForName="circ1Tx" op="equ"/>
+              <dgm:constr type="primFontSz" for="des" forName="circ3Tx" refType="primFontSz" refFor="des" refForName="circ1Tx" op="equ"/>
+              <dgm:constr type="primFontSz" for="des" forName="circ4Tx" refType="primFontSz" refFor="des" refForName="circ1Tx" op="equ"/>
+              <dgm:constr type="l" for="ch" forName="leftComposite" refType="w" fact="0.0567"/>
+              <dgm:constr type="t" for="ch" forName="leftComposite" refType="h" fact="0.1159"/>
+              <dgm:constr type="w" for="ch" forName="leftComposite" refType="w" fact="0.2455"/>
+              <dgm:constr type="h" for="ch" forName="leftComposite" refType="h" fact="0.6953"/>
+              <dgm:constr type="l" for="ch" forName="middleComposite" refType="w" fact="0.365"/>
+              <dgm:constr type="t" for="ch" forName="middleComposite" refType="h" fact="0.1545"/>
+              <dgm:constr type="w" for="ch" forName="middleComposite" refType="w" fact="0.2728"/>
+              <dgm:constr type="h" for="ch" forName="middleComposite" refType="h" fact="0.6567"/>
+              <dgm:constr type="l" for="ch" forName="arc1" refType="w" fact="0"/>
+              <dgm:constr type="t" for="ch" forName="arc1" refType="h" fact="0"/>
+              <dgm:constr type="w" for="ch" forName="arc1" refType="w" fact="0.3305"/>
+              <dgm:constr type="h" for="ch" forName="arc1" refType="h" fact="0.9357"/>
+              <dgm:constr type="l" for="ch" forName="arc2" refType="w" fact="0.3295"/>
+              <dgm:constr type="t" for="ch" forName="arc2" refType="h" fact="0"/>
+              <dgm:constr type="w" for="ch" forName="arc2" refType="w" fact="0.3305"/>
+              <dgm:constr type="h" for="ch" forName="arc2" refType="h" fact="0.9357"/>
+              <dgm:constr type="l" for="ch" forName="arc3" refType="w" fact="0.3401"/>
+              <dgm:constr type="t" for="ch" forName="arc3" refType="h" fact="0"/>
+              <dgm:constr type="w" for="ch" forName="arc3" refType="w" fact="0.3305"/>
+              <dgm:constr type="h" for="ch" forName="arc3" refType="h" fact="0.9357"/>
+              <dgm:constr type="l" for="ch" forName="arc4" refType="w" fact="0.6695"/>
+              <dgm:constr type="t" for="ch" forName="arc4" refType="h" fact="0"/>
+              <dgm:constr type="w" for="ch" forName="arc4" refType="w" fact="0.3305"/>
+              <dgm:constr type="h" for="ch" forName="arc4" refType="h" fact="0.9357"/>
+              <dgm:constr type="l" for="ch" forName="rightChild" refType="w" fact="0.713"/>
+              <dgm:constr type="t" for="ch" forName="rightChild" refType="h" fact="0.1934"/>
+              <dgm:constr type="w" for="ch" forName="rightChild" refType="w" fact="0.193"/>
+              <dgm:constr type="h" for="ch" forName="rightChild" refType="h" fact="0.5464"/>
+              <dgm:constr type="l" for="ch" forName="parentText1" refType="w" fact="0.0621"/>
+              <dgm:constr type="t" for="ch" forName="parentText1" refType="h" fact="0.8128"/>
+              <dgm:constr type="w" for="ch" forName="parentText1" refType="w" fact="0.2509"/>
+              <dgm:constr type="h" for="ch" forName="parentText1" refType="h" fact="0.1872"/>
+              <dgm:constr type="l" for="ch" forName="parentText2" refType="w" fact="0.3792"/>
+              <dgm:constr type="t" for="ch" forName="parentText2" refType="h" fact="0.8128"/>
+              <dgm:constr type="w" for="ch" forName="parentText2" refType="w" fact="0.2509"/>
+              <dgm:constr type="h" for="ch" forName="parentText2" refType="h" fact="0.1872"/>
+              <dgm:constr type="l" for="ch" forName="parentText3" refType="w" fact="0.6845"/>
+              <dgm:constr type="t" for="ch" forName="parentText3" refType="h" fact="0.8128"/>
+              <dgm:constr type="w" for="ch" forName="parentText3" refType="w" fact="0.2509"/>
+              <dgm:constr type="h" for="ch" forName="parentText3" refType="h" fact="0.1872"/>
+            </dgm:constrLst>
+          </dgm:if>
+          <dgm:else name="Name5">
+            <dgm:constrLst>
+              <dgm:constr type="primFontSz" for="des" forName="parentText1" val="65"/>
+              <dgm:constr type="primFontSz" for="des" forName="childText1_1" val="65"/>
+              <dgm:constr type="primFontSz" for="des" forName="circ1Tx" val="65"/>
+              <dgm:constr type="primFontSz" for="des" forName="parentText2" refType="primFontSz" refFor="des" refForName="parentText1" op="equ"/>
+              <dgm:constr type="primFontSz" for="des" forName="parentText3" refType="primFontSz" refFor="des" refForName="parentText1" op="equ"/>
+              <dgm:constr type="primFontSz" for="des" forName="childText1_1" refType="primFontSz" refFor="des" refForName="parentText1" op="lte"/>
+              <dgm:constr type="primFontSz" for="des" forName="childText1_2" refType="primFontSz" refFor="des" refForName="parentText1" op="lte"/>
+              <dgm:constr type="primFontSz" for="des" forName="childText1_3" refType="primFontSz" refFor="des" refForName="parentText1" op="lte"/>
+              <dgm:constr type="primFontSz" for="des" forName="childText1_4" refType="primFontSz" refFor="des" refForName="parentText1" op="lte"/>
+              <dgm:constr type="primFontSz" for="des" forName="childText1_1" refType="primFontSz" refFor="des" refForName="parentText2" op="lte"/>
+              <dgm:constr type="primFontSz" for="des" forName="childText1_2" refType="primFontSz" refFor="des" refForName="parentText2" op="lte"/>
+              <dgm:constr type="primFontSz" for="des" forName="childText1_3" refType="primFontSz" refFor="des" refForName="parentText2" op="lte"/>
+              <dgm:constr type="primFontSz" for="des" forName="childText1_4" refType="primFontSz" refFor="des" refForName="parentText2" op="lte"/>
+              <dgm:constr type="primFontSz" for="des" forName="childText1_1" refType="primFontSz" refFor="des" refForName="parentText3" op="lte"/>
+              <dgm:constr type="primFontSz" for="des" forName="childText1_2" refType="primFontSz" refFor="des" refForName="parentText3" op="lte"/>
+              <dgm:constr type="primFontSz" for="des" forName="childText1_3" refType="primFontSz" refFor="des" refForName="parentText3" op="lte"/>
+              <dgm:constr type="primFontSz" for="des" forName="childText1_4" refType="primFontSz" refFor="des" refForName="parentText3" op="lte"/>
+              <dgm:constr type="primFontSz" for="des" forName="circ1Tx" refType="primFontSz" refFor="des" refForName="parentText1" op="lte"/>
+              <dgm:constr type="primFontSz" for="des" forName="circ2Tx" refType="primFontSz" refFor="des" refForName="parentText1" op="lte"/>
+              <dgm:constr type="primFontSz" for="des" forName="circ3Tx" refType="primFontSz" refFor="des" refForName="parentText1" op="lte"/>
+              <dgm:constr type="primFontSz" for="des" forName="circ4Tx" refType="primFontSz" refFor="des" refForName="parentText1" op="lte"/>
+              <dgm:constr type="primFontSz" for="des" forName="circ1Tx" refType="primFontSz" refFor="des" refForName="parentText2" op="lte"/>
+              <dgm:constr type="primFontSz" for="des" forName="circ2Tx" refType="primFontSz" refFor="des" refForName="parentText2" op="lte"/>
+              <dgm:constr type="primFontSz" for="des" forName="circ3Tx" refType="primFontSz" refFor="des" refForName="parentText2" op="lte"/>
+              <dgm:constr type="primFontSz" for="des" forName="circ4Tx" refType="primFontSz" refFor="des" refForName="parentText2" op="lte"/>
+              <dgm:constr type="primFontSz" for="des" forName="circ1Tx" refType="primFontSz" refFor="des" refForName="parentText3" op="lte"/>
+              <dgm:constr type="primFontSz" for="des" forName="circ2Tx" refType="primFontSz" refFor="des" refForName="parentText3" op="lte"/>
+              <dgm:constr type="primFontSz" for="des" forName="circ3Tx" refType="primFontSz" refFor="des" refForName="parentText3" op="lte"/>
+              <dgm:constr type="primFontSz" for="des" forName="circ4Tx" refType="primFontSz" refFor="des" refForName="parentText3" op="lte"/>
+              <dgm:constr type="primFontSz" for="des" forName="rightChild" refType="primFontSz" refFor="des" refForName="parentText1" op="lte"/>
+              <dgm:constr type="primFontSz" for="des" forName="rightChild" refType="primFontSz" refFor="des" refForName="parentText2" op="lte"/>
+              <dgm:constr type="primFontSz" for="des" forName="rightChild" refType="primFontSz" refFor="des" refForName="parentText3" op="lte"/>
+              <dgm:constr type="primFontSz" for="des" forName="childText1_2" refType="primFontSz" refFor="des" refForName="childText1_1" op="equ"/>
+              <dgm:constr type="primFontSz" for="des" forName="childText1_3" refType="primFontSz" refFor="des" refForName="childText1_1" op="equ"/>
+              <dgm:constr type="primFontSz" for="des" forName="childText1_4" refType="primFontSz" refFor="des" refForName="childText1_1" op="equ"/>
+              <dgm:constr type="primFontSz" for="des" forName="circ2Tx" refType="primFontSz" refFor="des" refForName="circ1Tx" op="equ"/>
+              <dgm:constr type="primFontSz" for="des" forName="circ3Tx" refType="primFontSz" refFor="des" refForName="circ1Tx" op="equ"/>
+              <dgm:constr type="primFontSz" for="des" forName="circ4Tx" refType="primFontSz" refFor="des" refForName="circ1Tx" op="equ"/>
+              <dgm:constr type="l" for="ch" forName="leftComposite" refType="w" fact="0.72"/>
+              <dgm:constr type="t" for="ch" forName="leftComposite" refType="h" fact="0.1159"/>
+              <dgm:constr type="w" for="ch" forName="leftComposite" refType="w" fact="0.2455"/>
+              <dgm:constr type="h" for="ch" forName="leftComposite" refType="h" fact="0.6953"/>
+              <dgm:constr type="l" for="ch" forName="middleComposite" refType="w" fact="0.365"/>
+              <dgm:constr type="t" for="ch" forName="middleComposite" refType="h" fact="0.1545"/>
+              <dgm:constr type="w" for="ch" forName="middleComposite" refType="w" fact="0.2728"/>
+              <dgm:constr type="h" for="ch" forName="middleComposite" refType="h" fact="0.6567"/>
+              <dgm:constr type="l" for="ch" forName="rightChild" refType="w" fact="0.09"/>
+              <dgm:constr type="t" for="ch" forName="rightChild" refType="h" fact="0.1934"/>
+              <dgm:constr type="w" for="ch" forName="rightChild" refType="w" fact="0.193"/>
+              <dgm:constr type="h" for="ch" forName="rightChild" refType="h" fact="0.5464"/>
+              <dgm:constr type="l" for="ch" forName="arc1" refType="w" fact="0"/>
+              <dgm:constr type="t" for="ch" forName="arc1" refType="h" fact="0"/>
+              <dgm:constr type="w" for="ch" forName="arc1" refType="w" fact="0.3305"/>
+              <dgm:constr type="h" for="ch" forName="arc1" refType="h" fact="0.9357"/>
+              <dgm:constr type="l" for="ch" forName="arc2" refType="w" fact="0.3295"/>
+              <dgm:constr type="t" for="ch" forName="arc2" refType="h" fact="0"/>
+              <dgm:constr type="w" for="ch" forName="arc2" refType="w" fact="0.3305"/>
+              <dgm:constr type="h" for="ch" forName="arc2" refType="h" fact="0.9357"/>
+              <dgm:constr type="l" for="ch" forName="arc3" refType="w" fact="0.3401"/>
+              <dgm:constr type="t" for="ch" forName="arc3" refType="h" fact="0"/>
+              <dgm:constr type="w" for="ch" forName="arc3" refType="w" fact="0.3305"/>
+              <dgm:constr type="h" for="ch" forName="arc3" refType="h" fact="0.9357"/>
+              <dgm:constr type="l" for="ch" forName="arc4" refType="w" fact="0.6695"/>
+              <dgm:constr type="t" for="ch" forName="arc4" refType="h" fact="0"/>
+              <dgm:constr type="w" for="ch" forName="arc4" refType="w" fact="0.3305"/>
+              <dgm:constr type="h" for="ch" forName="arc4" refType="h" fact="0.9357"/>
+              <dgm:constr type="l" for="ch" forName="parentText1" refType="w" fact="0.7"/>
+              <dgm:constr type="t" for="ch" forName="parentText1" refType="h" fact="0.8128"/>
+              <dgm:constr type="w" for="ch" forName="parentText1" refType="w" fact="0.2509"/>
+              <dgm:constr type="h" for="ch" forName="parentText1" refType="h" fact="0.1872"/>
+              <dgm:constr type="l" for="ch" forName="parentText2" refType="w" fact="0.3792"/>
+              <dgm:constr type="t" for="ch" forName="parentText2" refType="h" fact="0.8128"/>
+              <dgm:constr type="w" for="ch" forName="parentText2" refType="w" fact="0.2509"/>
+              <dgm:constr type="h" for="ch" forName="parentText2" refType="h" fact="0.1872"/>
+              <dgm:constr type="l" for="ch" forName="parentText3" refType="w" fact="0.062"/>
+              <dgm:constr type="t" for="ch" forName="parentText3" refType="h" fact="0.8128"/>
+              <dgm:constr type="w" for="ch" forName="parentText3" refType="w" fact="0.2509"/>
+              <dgm:constr type="h" for="ch" forName="parentText3" refType="h" fact="0.1872"/>
+            </dgm:constrLst>
+          </dgm:else>
+        </dgm:choose>
+      </dgm:if>
+      <dgm:if name="Name6" axis="ch" ptType="node" func="cnt" op="gte" val="2">
+        <dgm:alg type="composite">
+          <dgm:param type="ar" val="1.8986"/>
+        </dgm:alg>
+        <dgm:choose name="Name7">
+          <dgm:if name="Name8" func="var" arg="dir" op="equ" val="norm">
+            <dgm:constrLst>
+              <dgm:constr type="primFontSz" for="des" forName="parentText1" val="65"/>
+              <dgm:constr type="primFontSz" for="des" forName="childText1_1" val="65"/>
+              <dgm:constr type="primFontSz" for="des" forName="circ1Tx" val="65"/>
+              <dgm:constr type="primFontSz" for="des" forName="parentText2" refType="primFontSz" refFor="des" refForName="parentText1" op="equ"/>
+              <dgm:constr type="primFontSz" for="des" forName="childText1_1" refType="primFontSz" refFor="des" refForName="parentText1" op="lte"/>
+              <dgm:constr type="primFontSz" for="des" forName="childText1_2" refType="primFontSz" refFor="des" refForName="parentText1" op="lte"/>
+              <dgm:constr type="primFontSz" for="des" forName="childText1_3" refType="primFontSz" refFor="des" refForName="parentText1" op="lte"/>
+              <dgm:constr type="primFontSz" for="des" forName="childText1_4" refType="primFontSz" refFor="des" refForName="parentText1" op="lte"/>
+              <dgm:constr type="primFontSz" for="des" forName="childText1_1" refType="primFontSz" refFor="des" refForName="parentText2" op="lte"/>
+              <dgm:constr type="primFontSz" for="des" forName="childText1_2" refType="primFontSz" refFor="des" refForName="parentText2" op="lte"/>
+              <dgm:constr type="primFontSz" for="des" forName="childText1_3" refType="primFontSz" refFor="des" refForName="parentText2" op="lte"/>
+              <dgm:constr type="primFontSz" for="des" forName="childText1_4" refType="primFontSz" refFor="des" refForName="parentText2" op="lte"/>
+              <dgm:constr type="primFontSz" for="des" forName="childText1_1" refType="primFontSz" refFor="des" refForName="parentText3" op="lte"/>
+              <dgm:constr type="primFontSz" for="des" forName="childText1_2" refType="primFontSz" refFor="des" refForName="parentText3" op="lte"/>
+              <dgm:constr type="primFontSz" for="des" forName="childText1_3" refType="primFontSz" refFor="des" refForName="parentText3" op="lte"/>
+              <dgm:constr type="primFontSz" for="des" forName="childText1_4" refType="primFontSz" refFor="des" refForName="parentText3" op="lte"/>
+              <dgm:constr type="primFontSz" for="des" forName="circ1Tx" refType="primFontSz" refFor="des" refForName="parentText1" op="lte"/>
+              <dgm:constr type="primFontSz" for="des" forName="circ2Tx" refType="primFontSz" refFor="des" refForName="parentText1" op="lte"/>
+              <dgm:constr type="primFontSz" for="des" forName="circ3Tx" refType="primFontSz" refFor="des" refForName="parentText1" op="lte"/>
+              <dgm:constr type="primFontSz" for="des" forName="circ4Tx" refType="primFontSz" refFor="des" refForName="parentText1" op="lte"/>
+              <dgm:constr type="primFontSz" for="des" forName="circ1Tx" refType="primFontSz" refFor="des" refForName="parentText2" op="lte"/>
+              <dgm:constr type="primFontSz" for="des" forName="circ2Tx" refType="primFontSz" refFor="des" refForName="parentText2" op="lte"/>
+              <dgm:constr type="primFontSz" for="des" forName="circ3Tx" refType="primFontSz" refFor="des" refForName="parentText2" op="lte"/>
+              <dgm:constr type="primFontSz" for="des" forName="circ4Tx" refType="primFontSz" refFor="des" refForName="parentText2" op="lte"/>
+              <dgm:constr type="primFontSz" for="des" forName="circ1Tx" refType="primFontSz" refFor="des" refForName="parentText3" op="lte"/>
+              <dgm:constr type="primFontSz" for="des" forName="circ2Tx" refType="primFontSz" refFor="des" refForName="parentText3" op="lte"/>
+              <dgm:constr type="primFontSz" for="des" forName="circ3Tx" refType="primFontSz" refFor="des" refForName="parentText3" op="lte"/>
+              <dgm:constr type="primFontSz" for="des" forName="circ4Tx" refType="primFontSz" refFor="des" refForName="parentText3" op="lte"/>
+              <dgm:constr type="primFontSz" for="des" forName="childText1_2" refType="primFontSz" refFor="des" refForName="childText1_1" op="equ"/>
+              <dgm:constr type="primFontSz" for="des" forName="childText1_3" refType="primFontSz" refFor="des" refForName="childText1_1" op="equ"/>
+              <dgm:constr type="primFontSz" for="des" forName="childText1_4" refType="primFontSz" refFor="des" refForName="childText1_1" op="equ"/>
+              <dgm:constr type="primFontSz" for="des" forName="circ2Tx" refType="primFontSz" refFor="des" refForName="circ1Tx" op="equ"/>
+              <dgm:constr type="primFontSz" for="des" forName="circ3Tx" refType="primFontSz" refFor="des" refForName="circ1Tx" op="equ"/>
+              <dgm:constr type="primFontSz" for="des" forName="circ4Tx" refType="primFontSz" refFor="des" refForName="circ1Tx" op="equ"/>
+              <dgm:constr type="l" for="ch" forName="leftComposite" refType="w" fact="0.0941"/>
+              <dgm:constr type="t" for="ch" forName="leftComposite" refType="h" fact="0.1159"/>
+              <dgm:constr type="w" for="ch" forName="leftComposite" refType="w" fact="0.3469"/>
+              <dgm:constr type="h" for="ch" forName="leftComposite" refType="h" fact="0.6953"/>
+              <dgm:constr type="l" for="ch" forName="middleComposite" refType="w" fact="0.5782"/>
+              <dgm:constr type="t" for="ch" forName="middleComposite" refType="h" fact="0.1159"/>
+              <dgm:constr type="w" for="ch" forName="middleComposite" refType="w" fact="0.3389"/>
+              <dgm:constr type="h" for="ch" forName="middleComposite" refType="h" fact="0.6567"/>
+              <dgm:constr type="l" for="ch" forName="arc1" refType="w" fact="0"/>
+              <dgm:constr type="t" for="ch" forName="arc1" refType="h" fact="0"/>
+              <dgm:constr type="w" for="ch" forName="arc1" refType="w" fact="0.4928"/>
+              <dgm:constr type="h" for="ch" forName="arc1" refType="h" fact="0.9357"/>
+              <dgm:constr type="l" for="ch" forName="arc3" refType="w" fact="0.5072"/>
+              <dgm:constr type="t" for="ch" forName="arc3" refType="h" fact="0"/>
+              <dgm:constr type="w" for="ch" forName="arc3" refType="w" fact="0.4928"/>
+              <dgm:constr type="h" for="ch" forName="arc3" refType="h" fact="0.9357"/>
+              <dgm:constr type="l" for="ch" forName="parentText1" refType="w" fact="0.0926"/>
+              <dgm:constr type="t" for="ch" forName="parentText1" refType="h" fact="0.8128"/>
+              <dgm:constr type="w" for="ch" forName="parentText1" refType="w" fact="0.3742"/>
+              <dgm:constr type="h" for="ch" forName="parentText1" refType="h" fact="0.1872"/>
+              <dgm:constr type="l" for="ch" forName="parentText2" refType="w" fact="0.5655"/>
+              <dgm:constr type="t" for="ch" forName="parentText2" refType="h" fact="0.8128"/>
+              <dgm:constr type="w" for="ch" forName="parentText2" refType="w" fact="0.3742"/>
+              <dgm:constr type="h" for="ch" forName="parentText2" refType="h" fact="0.1872"/>
+            </dgm:constrLst>
+          </dgm:if>
+          <dgm:else name="Name9">
+            <dgm:constrLst>
+              <dgm:constr type="primFontSz" for="des" forName="parentText1" val="65"/>
+              <dgm:constr type="primFontSz" for="des" forName="childText1_1" val="65"/>
+              <dgm:constr type="primFontSz" for="des" forName="circ1Tx" val="65"/>
+              <dgm:constr type="primFontSz" for="des" forName="parentText2" refType="primFontSz" refFor="des" refForName="parentText1" op="equ"/>
+              <dgm:constr type="primFontSz" for="des" forName="childText1_1" refType="primFontSz" refFor="des" refForName="parentText1" op="lte"/>
+              <dgm:constr type="primFontSz" for="des" forName="childText1_2" refType="primFontSz" refFor="des" refForName="parentText1" op="lte"/>
+              <dgm:constr type="primFontSz" for="des" forName="childText1_3" refType="primFontSz" refFor="des" refForName="parentText1" op="lte"/>
+              <dgm:constr type="primFontSz" for="des" forName="childText1_4" refType="primFontSz" refFor="des" refForName="parentText1" op="lte"/>
+              <dgm:constr type="primFontSz" for="des" forName="childText1_1" refType="primFontSz" refFor="des" refForName="parentText2" op="lte"/>
+              <dgm:constr type="primFontSz" for="des" forName="childText1_2" refType="primFontSz" refFor="des" refForName="parentText2" op="lte"/>
+              <dgm:constr type="primFontSz" for="des" forName="childText1_3" refType="primFontSz" refFor="des" refForName="parentText2" op="lte"/>
+              <dgm:constr type="primFontSz" for="des" forName="childText1_4" refType="primFontSz" refFor="des" refForName="parentText2" op="lte"/>
+              <dgm:constr type="primFontSz" for="des" forName="childText1_1" refType="primFontSz" refFor="des" refForName="parentText3" op="lte"/>
+              <dgm:constr type="primFontSz" for="des" forName="childText1_2" refType="primFontSz" refFor="des" refForName="parentText3" op="lte"/>
+              <dgm:constr type="primFontSz" for="des" forName="childText1_3" refType="primFontSz" refFor="des" refForName="parentText3" op="lte"/>
+              <dgm:constr type="primFontSz" for="des" forName="childText1_4" refType="primFontSz" refFor="des" refForName="parentText3" op="lte"/>
+              <dgm:constr type="primFontSz" for="des" forName="circ1Tx" refType="primFontSz" refFor="des" refForName="parentText1" op="lte"/>
+              <dgm:constr type="primFontSz" for="des" forName="circ2Tx" refType="primFontSz" refFor="des" refForName="parentText1" op="lte"/>
+              <dgm:constr type="primFontSz" for="des" forName="circ3Tx" refType="primFontSz" refFor="des" refForName="parentText1" op="lte"/>
+              <dgm:constr type="primFontSz" for="des" forName="circ4Tx" refType="primFontSz" refFor="des" refForName="parentText1" op="lte"/>
+              <dgm:constr type="primFontSz" for="des" forName="circ1Tx" refType="primFontSz" refFor="des" refForName="parentText2" op="lte"/>
+              <dgm:constr type="primFontSz" for="des" forName="circ2Tx" refType="primFontSz" refFor="des" refForName="parentText2" op="lte"/>
+              <dgm:constr type="primFontSz" for="des" forName="circ3Tx" refType="primFontSz" refFor="des" refForName="parentText2" op="lte"/>
+              <dgm:constr type="primFontSz" for="des" forName="circ4Tx" refType="primFontSz" refFor="des" refForName="parentText2" op="lte"/>
+              <dgm:constr type="primFontSz" for="des" forName="circ1Tx" refType="primFontSz" refFor="des" refForName="parentText3" op="lte"/>
+              <dgm:constr type="primFontSz" for="des" forName="circ2Tx" refType="primFontSz" refFor="des" refForName="parentText3" op="lte"/>
+              <dgm:constr type="primFontSz" for="des" forName="circ3Tx" refType="primFontSz" refFor="des" refForName="parentText3" op="lte"/>
+              <dgm:constr type="primFontSz" for="des" forName="circ4Tx" refType="primFontSz" refFor="des" refForName="parentText3" op="lte"/>
+              <dgm:constr type="primFontSz" for="des" forName="childText1_2" refType="primFontSz" refFor="des" refForName="childText1_1" op="equ"/>
+              <dgm:constr type="primFontSz" for="des" forName="childText1_3" refType="primFontSz" refFor="des" refForName="childText1_1" op="equ"/>
+              <dgm:constr type="primFontSz" for="des" forName="childText1_4" refType="primFontSz" refFor="des" refForName="childText1_1" op="equ"/>
+              <dgm:constr type="primFontSz" for="des" forName="circ2Tx" refType="primFontSz" refFor="des" refForName="circ1Tx" op="equ"/>
+              <dgm:constr type="primFontSz" for="des" forName="circ3Tx" refType="primFontSz" refFor="des" refForName="circ1Tx" op="equ"/>
+              <dgm:constr type="primFontSz" for="des" forName="circ4Tx" refType="primFontSz" refFor="des" refForName="circ1Tx" op="equ"/>
+              <dgm:constr type="l" for="ch" forName="leftComposite" refType="w" fact="0.592"/>
+              <dgm:constr type="t" for="ch" forName="leftComposite" refType="h" fact="0.1159"/>
+              <dgm:constr type="w" for="ch" forName="leftComposite" refType="w" fact="0.3469"/>
+              <dgm:constr type="h" for="ch" forName="leftComposite" refType="h" fact="0.6953"/>
+              <dgm:constr type="l" for="ch" forName="middleComposite" refType="w" fact="0.0941"/>
+              <dgm:constr type="t" for="ch" forName="middleComposite" refType="h" fact="0.1159"/>
+              <dgm:constr type="w" for="ch" forName="middleComposite" refType="w" fact="0.3389"/>
+              <dgm:constr type="h" for="ch" forName="middleComposite" refType="h" fact="0.6567"/>
+              <dgm:constr type="l" for="ch" forName="arc1" refType="w" fact="0"/>
+              <dgm:constr type="t" for="ch" forName="arc1" refType="h" fact="0"/>
+              <dgm:constr type="w" for="ch" forName="arc1" refType="w" fact="0.4928"/>
+              <dgm:constr type="h" for="ch" forName="arc1" refType="h" fact="0.9357"/>
+              <dgm:constr type="l" for="ch" forName="arc3" refType="w" fact="0.5072"/>
+              <dgm:constr type="t" for="ch" forName="arc3" refType="h" fact="0"/>
+              <dgm:constr type="w" for="ch" forName="arc3" refType="w" fact="0.4928"/>
+              <dgm:constr type="h" for="ch" forName="arc3" refType="h" fact="0.9357"/>
+              <dgm:constr type="l" for="ch" forName="parentText2" refType="w" fact="0.0926"/>
+              <dgm:constr type="t" for="ch" forName="parentText2" refType="h" fact="0.8128"/>
+              <dgm:constr type="w" for="ch" forName="parentText2" refType="w" fact="0.3742"/>
+              <dgm:constr type="h" for="ch" forName="parentText2" refType="h" fact="0.1872"/>
+              <dgm:constr type="l" for="ch" forName="parentText1" refType="w" fact="0.5655"/>
+              <dgm:constr type="t" for="ch" forName="parentText1" refType="h" fact="0.8128"/>
+              <dgm:constr type="w" for="ch" forName="parentText1" refType="w" fact="0.3742"/>
+              <dgm:constr type="h" for="ch" forName="parentText1" refType="h" fact="0.1872"/>
+            </dgm:constrLst>
+          </dgm:else>
+        </dgm:choose>
+      </dgm:if>
+      <dgm:else name="Name10">
+        <dgm:alg type="composite">
+          <dgm:param type="ar" val="0.8036"/>
+        </dgm:alg>
+        <dgm:constrLst>
+          <dgm:constr type="primFontSz" for="des" forName="parentText1" val="65"/>
+          <dgm:constr type="primFontSz" for="des" forName="childText1_1" val="65"/>
+          <dgm:constr type="primFontSz" for="des" forName="childText1_1" refType="primFontSz" refFor="des" refForName="parentText1" op="lte"/>
+          <dgm:constr type="primFontSz" for="des" forName="childText1_2" refType="primFontSz" refFor="des" refForName="parentText1" op="lte"/>
+          <dgm:constr type="primFontSz" for="des" forName="childText1_3" refType="primFontSz" refFor="des" refForName="parentText1" op="lte"/>
+          <dgm:constr type="primFontSz" for="des" forName="childText1_4" refType="primFontSz" refFor="des" refForName="parentText1" op="lte"/>
+          <dgm:constr type="primFontSz" for="des" forName="childText1_1" refType="primFontSz" refFor="des" refForName="parentText2" op="lte"/>
+          <dgm:constr type="primFontSz" for="des" forName="childText1_2" refType="primFontSz" refFor="des" refForName="parentText2" op="lte"/>
+          <dgm:constr type="primFontSz" for="des" forName="childText1_3" refType="primFontSz" refFor="des" refForName="parentText2" op="lte"/>
+          <dgm:constr type="primFontSz" for="des" forName="childText1_4" refType="primFontSz" refFor="des" refForName="parentText2" op="lte"/>
+          <dgm:constr type="primFontSz" for="des" forName="childText1_1" refType="primFontSz" refFor="des" refForName="parentText3" op="lte"/>
+          <dgm:constr type="primFontSz" for="des" forName="childText1_2" refType="primFontSz" refFor="des" refForName="parentText3" op="lte"/>
+          <dgm:constr type="primFontSz" for="des" forName="childText1_3" refType="primFontSz" refFor="des" refForName="parentText3" op="lte"/>
+          <dgm:constr type="primFontSz" for="des" forName="childText1_4" refType="primFontSz" refFor="des" refForName="parentText3" op="lte"/>
+          <dgm:constr type="primFontSz" for="des" forName="childText1_2" refType="primFontSz" refFor="des" refForName="childText1_1" op="equ"/>
+          <dgm:constr type="primFontSz" for="des" forName="childText1_3" refType="primFontSz" refFor="des" refForName="childText1_1" op="equ"/>
+          <dgm:constr type="primFontSz" for="des" forName="childText1_4" refType="primFontSz" refFor="des" refForName="childText1_1" op="equ"/>
+          <dgm:constr type="l" for="ch" forName="leftComposite" refType="w" fact="0"/>
+          <dgm:constr type="t" for="ch" forName="leftComposite" refType="h" fact="0.1159"/>
+          <dgm:constr type="w" for="ch" forName="leftComposite" refType="w"/>
+          <dgm:constr type="h" for="ch" forName="leftComposite" refType="h" fact="0.6953"/>
+          <dgm:constr type="l" for="ch" forName="parentText1" refType="w" fact="0"/>
+          <dgm:constr type="t" for="ch" forName="parentText1" refType="h" fact="0.8128"/>
+          <dgm:constr type="w" for="ch" forName="parentText1" refType="w"/>
+          <dgm:constr type="h" for="ch" forName="parentText1" refType="h" fact="0.1872"/>
+        </dgm:constrLst>
+      </dgm:else>
+    </dgm:choose>
+    <dgm:choose name="Name11">
+      <dgm:if name="Name12" axis="ch" ptType="node" func="cnt" op="gte" val="1">
+        <dgm:choose name="Name13">
+          <dgm:if name="Name14" axis="ch" ptType="node" func="cnt" op="gte" val="2">
+            <dgm:layoutNode name="arc1">
+              <dgm:alg type="sp"/>
+              <dgm:shape xmlns:r="http://schemas.openxmlformats.org/officeDocument/2006/relationships" rot="90" type="blockArc" r:blip="">
+                <dgm:adjLst>
+                  <dgm:adj idx="1" val="-135"/>
+                  <dgm:adj idx="2" val="-45"/>
+                  <dgm:adj idx="3" val="0.0496"/>
+                </dgm:adjLst>
+              </dgm:shape>
+              <dgm:presOf/>
+            </dgm:layoutNode>
+            <dgm:layoutNode name="arc3">
+              <dgm:alg type="sp"/>
+              <dgm:shape xmlns:r="http://schemas.openxmlformats.org/officeDocument/2006/relationships" rot="270" type="blockArc" r:blip="">
+                <dgm:adjLst>
+                  <dgm:adj idx="1" val="-135"/>
+                  <dgm:adj idx="2" val="-45"/>
+                  <dgm:adj idx="3" val="0.0496"/>
+                </dgm:adjLst>
+              </dgm:shape>
+              <dgm:presOf/>
+            </dgm:layoutNode>
+            <dgm:layoutNode name="parentText2" styleLbl="revTx">
+              <dgm:varLst>
+                <dgm:chMax val="4"/>
+                <dgm:chPref val="3"/>
+                <dgm:bulletEnabled val="1"/>
+              </dgm:varLst>
+              <dgm:alg type="tx"/>
+              <dgm:shape xmlns:r="http://schemas.openxmlformats.org/officeDocument/2006/relationships" type="rect" r:blip="">
+                <dgm:adjLst/>
+              </dgm:shape>
+              <dgm:presOf axis="ch self" ptType="node node" st="2 1" cnt="1 0"/>
+              <dgm:constrLst>
+                <dgm:constr type="lMarg" refType="primFontSz" fact="0.3"/>
+                <dgm:constr type="rMarg" refType="primFontSz" fact="0.3"/>
+                <dgm:constr type="tMarg" refType="primFontSz" fact="0.3"/>
+                <dgm:constr type="bMarg" refType="primFontSz" fact="0.3"/>
+              </dgm:constrLst>
+              <dgm:ruleLst>
+                <dgm:rule type="primFontSz" val="5" fact="NaN" max="NaN"/>
+              </dgm:ruleLst>
+            </dgm:layoutNode>
+          </dgm:if>
+          <dgm:else name="Name15"/>
+        </dgm:choose>
+        <dgm:choose name="Name16">
+          <dgm:if name="Name17" axis="ch" ptType="node" func="cnt" op="gte" val="3">
+            <dgm:layoutNode name="arc2">
+              <dgm:alg type="sp"/>
+              <dgm:shape xmlns:r="http://schemas.openxmlformats.org/officeDocument/2006/relationships" rot="90" type="blockArc" r:blip="">
+                <dgm:adjLst>
+                  <dgm:adj idx="1" val="-135"/>
+                  <dgm:adj idx="2" val="-45"/>
+                  <dgm:adj idx="3" val="0.0496"/>
+                </dgm:adjLst>
+              </dgm:shape>
+              <dgm:presOf/>
+            </dgm:layoutNode>
+            <dgm:layoutNode name="arc4">
+              <dgm:alg type="sp"/>
+              <dgm:shape xmlns:r="http://schemas.openxmlformats.org/officeDocument/2006/relationships" rot="270" type="blockArc" r:blip="">
+                <dgm:adjLst>
+                  <dgm:adj idx="1" val="-135"/>
+                  <dgm:adj idx="2" val="-45"/>
+                  <dgm:adj idx="3" val="0.0496"/>
+                </dgm:adjLst>
+              </dgm:shape>
+              <dgm:presOf/>
+            </dgm:layoutNode>
+            <dgm:layoutNode name="parentText3" styleLbl="revTx">
+              <dgm:varLst>
+                <dgm:chMax val="1"/>
+                <dgm:chPref val="1"/>
+                <dgm:bulletEnabled val="1"/>
+              </dgm:varLst>
+              <dgm:alg type="tx"/>
+              <dgm:shape xmlns:r="http://schemas.openxmlformats.org/officeDocument/2006/relationships" type="rect" r:blip="">
+                <dgm:adjLst/>
+              </dgm:shape>
+              <dgm:presOf axis="ch self" ptType="node node" st="3 1" cnt="1 0"/>
+              <dgm:constrLst>
+                <dgm:constr type="lMarg" refType="primFontSz" fact="0.3"/>
+                <dgm:constr type="rMarg" refType="primFontSz" fact="0.3"/>
+                <dgm:constr type="tMarg" refType="primFontSz" fact="0.3"/>
+                <dgm:constr type="bMarg" refType="primFontSz" fact="0.3"/>
+              </dgm:constrLst>
+              <dgm:ruleLst>
+                <dgm:rule type="primFontSz" val="5" fact="NaN" max="NaN"/>
+              </dgm:ruleLst>
+            </dgm:layoutNode>
+          </dgm:if>
+          <dgm:else name="Name18"/>
+        </dgm:choose>
+      </dgm:if>
+      <dgm:else name="Name19"/>
+    </dgm:choose>
+    <dgm:layoutNode name="middleComposite">
+      <dgm:choose name="Name20">
+        <dgm:if name="Name21" axis="ch ch" ptType="node node" st="2 1" cnt="1 0" func="cnt" op="lte" val="1">
+          <dgm:alg type="composite">
+            <dgm:param type="ar" val="1"/>
+          </dgm:alg>
+        </dgm:if>
+        <dgm:if name="Name22" axis="ch ch" ptType="node node" st="2 1" cnt="1 0" func="cnt" op="equ" val="2">
+          <dgm:alg type="composite">
+            <dgm:param type="ar" val="1.792"/>
+          </dgm:alg>
+        </dgm:if>
+        <dgm:if name="Name23" axis="ch ch" ptType="node node" st="2 1" cnt="1 0" func="cnt" op="equ" val="3">
+          <dgm:alg type="composite">
+            <dgm:param type="ar" val="1"/>
+          </dgm:alg>
+        </dgm:if>
+        <dgm:else name="Name24">
+          <dgm:alg type="composite">
+            <dgm:param type="ar" val="1"/>
+          </dgm:alg>
+        </dgm:else>
+      </dgm:choose>
+      <dgm:shape xmlns:r="http://schemas.openxmlformats.org/officeDocument/2006/relationships" r:blip="">
+        <dgm:adjLst/>
+      </dgm:shape>
+      <dgm:presOf/>
+      <dgm:choose name="Name25">
+        <dgm:if name="Name26" axis="ch ch" ptType="node node" st="2 1" cnt="1 0" func="cnt" op="lte" val="1">
+          <dgm:constrLst>
+            <dgm:constr type="ctrX" for="ch" forName="circ1" refType="w" fact="0.5"/>
+            <dgm:constr type="ctrY" for="ch" forName="circ1" refType="h" fact="0.5"/>
+            <dgm:constr type="w" for="ch" forName="circ1" refType="w"/>
+            <dgm:constr type="h" for="ch" forName="circ1" refType="h"/>
+            <dgm:constr type="l" for="ch" forName="circ1Tx" refType="w" fact="0.2"/>
+            <dgm:constr type="t" for="ch" forName="circ1Tx" refType="h" fact="0.1"/>
+            <dgm:constr type="w" for="ch" forName="circ1Tx" refType="w" fact="0.6"/>
+            <dgm:constr type="h" for="ch" forName="circ1Tx" refType="h" fact="0.8"/>
+          </dgm:constrLst>
+        </dgm:if>
+        <dgm:if name="Name27" axis="ch ch" ptType="node node" st="2 1" cnt="1 0" func="cnt" op="equ" val="2">
+          <dgm:constrLst>
+            <dgm:constr type="ctrX" for="ch" forName="circ1" refType="w" fact="0.3"/>
+            <dgm:constr type="ctrY" for="ch" forName="circ1" refType="h" fact="0.5"/>
+            <dgm:constr type="w" for="ch" forName="circ1" refType="w" fact="0.555"/>
+            <dgm:constr type="h" for="ch" forName="circ1" refType="h" fact="0.99456"/>
+            <dgm:constr type="l" for="ch" forName="circ1Tx" refType="w" fact="0.1"/>
+            <dgm:constr type="t" for="ch" forName="circ1Tx" refType="h" fact="0.12"/>
+            <dgm:constr type="w" for="ch" forName="circ1Tx" refType="w" fact="0.32"/>
+            <dgm:constr type="h" for="ch" forName="circ1Tx" refType="h" fact="0.76"/>
+            <dgm:constr type="ctrX" for="ch" forName="circ2" refType="w" fact="0.7"/>
+            <dgm:constr type="ctrY" for="ch" forName="circ2" refType="h" fact="0.5"/>
+            <dgm:constr type="w" for="ch" forName="circ2" refType="w" fact="0.555"/>
+            <dgm:constr type="h" for="ch" forName="circ2" refType="h" fact="0.99456"/>
+            <dgm:constr type="l" for="ch" forName="circ2Tx" refType="w" fact="0.58"/>
+            <dgm:constr type="t" for="ch" forName="circ2Tx" refType="h" fact="0.12"/>
+            <dgm:constr type="w" for="ch" forName="circ2Tx" refType="w" fact="0.32"/>
+            <dgm:constr type="h" for="ch" forName="circ2Tx" refType="h" fact="0.76"/>
+          </dgm:constrLst>
+        </dgm:if>
+        <dgm:if name="Name28" axis="ch ch" ptType="node node" st="2 1" cnt="1 0" func="cnt" op="equ" val="3">
+          <dgm:constrLst>
+            <dgm:constr type="ctrX" for="ch" forName="circ1" refType="w" fact="0.5"/>
+            <dgm:constr type="ctrY" for="ch" forName="circ1" refType="w" fact="0.25"/>
+            <dgm:constr type="w" for="ch" forName="circ1" refType="w" fact="0.6"/>
+            <dgm:constr type="h" for="ch" forName="circ1" refType="h" fact="0.6"/>
+            <dgm:constr type="l" for="ch" forName="circ1Tx" refType="w" fact="0.28"/>
+            <dgm:constr type="t" for="ch" forName="circ1Tx" refType="h" fact="0.055"/>
+            <dgm:constr type="w" for="ch" forName="circ1Tx" refType="w" fact="0.44"/>
+            <dgm:constr type="h" for="ch" forName="circ1Tx" refType="h" fact="0.27"/>
+            <dgm:constr type="ctrX" for="ch" forName="circ2" refType="w" fact="0.7165"/>
+            <dgm:constr type="ctrY" for="ch" forName="circ2" refType="w" fact="0.625"/>
+            <dgm:constr type="w" for="ch" forName="circ2" refType="w" fact="0.6"/>
+            <dgm:constr type="h" for="ch" forName="circ2" refType="h" fact="0.6"/>
+            <dgm:constr type="l" for="ch" forName="circ2Tx" refType="w" fact="0.6"/>
+            <dgm:constr type="t" for="ch" forName="circ2Tx" refType="h" fact="0.48"/>
+            <dgm:constr type="w" for="ch" forName="circ2Tx" refType="w" fact="0.36"/>
+            <dgm:constr type="h" for="ch" forName="circ2Tx" refType="h" fact="0.33"/>
+            <dgm:constr type="ctrX" for="ch" forName="circ3" refType="w" fact="0.2835"/>
+            <dgm:constr type="ctrY" for="ch" forName="circ3" refType="w" fact="0.625"/>
+            <dgm:constr type="w" for="ch" forName="circ3" refType="w" fact="0.6"/>
+            <dgm:constr type="h" for="ch" forName="circ3" refType="h" fact="0.6"/>
+            <dgm:constr type="l" for="ch" forName="circ3Tx" refType="w" fact="0.04"/>
+            <dgm:constr type="t" for="ch" forName="circ3Tx" refType="h" fact="0.48"/>
+            <dgm:constr type="w" for="ch" forName="circ3Tx" refType="w" fact="0.36"/>
+            <dgm:constr type="h" for="ch" forName="circ3Tx" refType="h" fact="0.33"/>
+          </dgm:constrLst>
+        </dgm:if>
+        <dgm:else name="Name29">
+          <dgm:constrLst>
+            <dgm:constr type="ctrX" for="ch" forName="circ1" refType="w" fact="0.5"/>
+            <dgm:constr type="ctrY" for="ch" forName="circ1" refType="w" fact="0.27"/>
+            <dgm:constr type="w" for="ch" forName="circ1" refType="w" fact="0.52"/>
+            <dgm:constr type="h" for="ch" forName="circ1" refType="h" fact="0.52"/>
+            <dgm:constr type="l" for="ch" forName="circ1Tx" refType="w" fact="0.3"/>
+            <dgm:constr type="t" for="ch" forName="circ1Tx" refType="h" fact="0.08"/>
+            <dgm:constr type="w" for="ch" forName="circ1Tx" refType="w" fact="0.4"/>
+            <dgm:constr type="h" for="ch" forName="circ1Tx" refType="h" fact="0.165"/>
+            <dgm:constr type="ctrX" for="ch" forName="circ2" refType="w" fact="0.73"/>
+            <dgm:constr type="ctrY" for="ch" forName="circ2" refType="w" fact="0.5"/>
+            <dgm:constr type="w" for="ch" forName="circ2" refType="w" fact="0.52"/>
+            <dgm:constr type="h" for="ch" forName="circ2" refType="h" fact="0.52"/>
+            <dgm:constr type="r" for="ch" forName="circ2Tx" refType="w" fact="0.95"/>
+            <dgm:constr type="t" for="ch" forName="circ2Tx" refType="h" fact="0.3"/>
+            <dgm:constr type="w" for="ch" forName="circ2Tx" refType="w" fact="0.2"/>
+            <dgm:constr type="h" for="ch" forName="circ2Tx" refType="h" fact="0.4"/>
+            <dgm:constr type="ctrX" for="ch" forName="circ3" refType="w" fact="0.5"/>
+            <dgm:constr type="ctrY" for="ch" forName="circ3" refType="w" fact="0.73"/>
+            <dgm:constr type="w" for="ch" forName="circ3" refType="w" fact="0.52"/>
+            <dgm:constr type="h" for="ch" forName="circ3" refType="h" fact="0.52"/>
+            <dgm:constr type="l" for="ch" forName="circ3Tx" refType="w" fact="0.3"/>
+            <dgm:constr type="b" for="ch" forName="circ3Tx" refType="h" fact="0.92"/>
+            <dgm:constr type="w" for="ch" forName="circ3Tx" refType="w" fact="0.4"/>
+            <dgm:constr type="h" for="ch" forName="circ3Tx" refType="h" fact="0.165"/>
+            <dgm:constr type="ctrX" for="ch" forName="circ4" refType="w" fact="0.27"/>
+            <dgm:constr type="ctrY" for="ch" forName="circ4" refType="h" fact="0.5"/>
+            <dgm:constr type="w" for="ch" forName="circ4" refType="w" fact="0.52"/>
+            <dgm:constr type="h" for="ch" forName="circ4" refType="h" fact="0.52"/>
+            <dgm:constr type="l" for="ch" forName="circ4Tx" refType="w" fact="0.05"/>
+            <dgm:constr type="t" for="ch" forName="circ4Tx" refType="h" fact="0.3"/>
+            <dgm:constr type="w" for="ch" forName="circ4Tx" refType="w" fact="0.2"/>
+            <dgm:constr type="h" for="ch" forName="circ4Tx" refType="h" fact="0.4"/>
+          </dgm:constrLst>
+        </dgm:else>
+      </dgm:choose>
+      <dgm:ruleLst/>
+      <dgm:forEach name="Name30" axis="ch ch" ptType="node node" st="2 1" cnt="1 1">
+        <dgm:layoutNode name="circ1" styleLbl="vennNode1">
+          <dgm:alg type="sp"/>
+          <dgm:shape xmlns:r="http://schemas.openxmlformats.org/officeDocument/2006/relationships" type="ellipse" r:blip="">
+            <dgm:adjLst/>
+          </dgm:shape>
+          <dgm:presOf axis="desOrSelf" ptType="node"/>
+          <dgm:constrLst/>
+          <dgm:ruleLst/>
+        </dgm:layoutNode>
+        <dgm:layoutNode name="circ1Tx" styleLbl="revTx">
+          <dgm:varLst>
+            <dgm:chMax val="0"/>
+            <dgm:chPref val="0"/>
+          </dgm:varLst>
+          <dgm:alg type="tx">
+            <dgm:param type="txAnchorHorzCh" val="ctr"/>
+            <dgm:param type="txAnchorVertCh" val="mid"/>
+          </dgm:alg>
+          <dgm:shape xmlns:r="http://schemas.openxmlformats.org/officeDocument/2006/relationships" type="rect" r:blip="" hideGeom="1">
+            <dgm:adjLst/>
+          </dgm:shape>
+          <dgm:presOf axis="desOrSelf" ptType="node"/>
+          <dgm:constrLst>
+            <dgm:constr type="tMarg"/>
+            <dgm:constr type="bMarg"/>
+            <dgm:constr type="lMarg"/>
+            <dgm:constr type="rMarg"/>
+            <dgm:constr type="primFontSz" val="20"/>
+          </dgm:constrLst>
+          <dgm:ruleLst>
+            <dgm:rule type="primFontSz" val="5" fact="NaN" max="NaN"/>
+          </dgm:ruleLst>
+        </dgm:layoutNode>
+      </dgm:forEach>
+      <dgm:forEach name="Name31" axis="ch ch" ptType="node node" st="2 2" cnt="1 1">
+        <dgm:layoutNode name="circ2" styleLbl="vennNode1">
+          <dgm:alg type="sp"/>
+          <dgm:shape xmlns:r="http://schemas.openxmlformats.org/officeDocument/2006/relationships" type="ellipse" r:blip="">
+            <dgm:adjLst/>
+          </dgm:shape>
+          <dgm:presOf axis="desOrSelf" ptType="node"/>
+          <dgm:constrLst/>
+          <dgm:ruleLst/>
+        </dgm:layoutNode>
+        <dgm:layoutNode name="circ2Tx" styleLbl="revTx">
+          <dgm:varLst>
+            <dgm:chMax val="0"/>
+            <dgm:chPref val="0"/>
+          </dgm:varLst>
+          <dgm:alg type="tx">
+            <dgm:param type="txAnchorHorzCh" val="ctr"/>
+            <dgm:param type="txAnchorVertCh" val="mid"/>
+          </dgm:alg>
+          <dgm:shape xmlns:r="http://schemas.openxmlformats.org/officeDocument/2006/relationships" type="rect" r:blip="" hideGeom="1">
+            <dgm:adjLst/>
+          </dgm:shape>
+          <dgm:presOf axis="desOrSelf" ptType="node"/>
+          <dgm:constrLst>
+            <dgm:constr type="tMarg"/>
+            <dgm:constr type="bMarg"/>
+            <dgm:constr type="lMarg"/>
+            <dgm:constr type="rMarg"/>
+            <dgm:constr type="primFontSz" val="20"/>
+          </dgm:constrLst>
+          <dgm:ruleLst>
+            <dgm:rule type="primFontSz" val="5" fact="NaN" max="NaN"/>
+          </dgm:ruleLst>
+        </dgm:layoutNode>
+      </dgm:forEach>
+      <dgm:forEach name="Name32" axis="ch ch" ptType="node node" st="2 3" cnt="1 1">
+        <dgm:layoutNode name="circ3" styleLbl="vennNode1">
+          <dgm:alg type="sp"/>
+          <dgm:shape xmlns:r="http://schemas.openxmlformats.org/officeDocument/2006/relationships" type="ellipse" r:blip="">
+            <dgm:adjLst/>
+          </dgm:shape>
+          <dgm:presOf axis="desOrSelf" ptType="node"/>
+          <dgm:constrLst/>
+          <dgm:ruleLst/>
+        </dgm:layoutNode>
+        <dgm:layoutNode name="circ3Tx" styleLbl="revTx">
+          <dgm:varLst>
+            <dgm:chMax val="0"/>
+            <dgm:chPref val="0"/>
+          </dgm:varLst>
+          <dgm:alg type="tx">
+            <dgm:param type="txAnchorHorzCh" val="ctr"/>
+            <dgm:param type="txAnchorVertCh" val="mid"/>
+          </dgm:alg>
+          <dgm:shape xmlns:r="http://schemas.openxmlformats.org/officeDocument/2006/relationships" type="rect" r:blip="" hideGeom="1">
+            <dgm:adjLst/>
+          </dgm:shape>
+          <dgm:presOf axis="desOrSelf" ptType="node"/>
+          <dgm:constrLst>
+            <dgm:constr type="tMarg"/>
+            <dgm:constr type="bMarg"/>
+            <dgm:constr type="lMarg"/>
+            <dgm:constr type="rMarg"/>
+            <dgm:constr type="primFontSz" val="20"/>
+          </dgm:constrLst>
+          <dgm:ruleLst>
+            <dgm:rule type="primFontSz" val="5" fact="NaN" max="NaN"/>
+          </dgm:ruleLst>
+        </dgm:layoutNode>
+      </dgm:forEach>
+      <dgm:forEach name="Name33" axis="ch ch" ptType="node node" st="2 4" cnt="1 1">
+        <dgm:layoutNode name="circ4" styleLbl="vennNode1">
+          <dgm:alg type="sp"/>
+          <dgm:shape xmlns:r="http://schemas.openxmlformats.org/officeDocument/2006/relationships" type="ellipse" r:blip="">
+            <dgm:adjLst/>
+          </dgm:shape>
+          <dgm:presOf axis="desOrSelf" ptType="node"/>
+          <dgm:constrLst/>
+          <dgm:ruleLst/>
+        </dgm:layoutNode>
+        <dgm:layoutNode name="circ4Tx" styleLbl="revTx">
+          <dgm:varLst>
+            <dgm:chMax val="0"/>
+            <dgm:chPref val="0"/>
+            <dgm:bulletEnabled val="1"/>
+          </dgm:varLst>
+          <dgm:alg type="tx">
+            <dgm:param type="txAnchorHorzCh" val="ctr"/>
+            <dgm:param type="txAnchorVertCh" val="mid"/>
+          </dgm:alg>
+          <dgm:shape xmlns:r="http://schemas.openxmlformats.org/officeDocument/2006/relationships" type="rect" r:blip="" hideGeom="1">
+            <dgm:adjLst/>
+          </dgm:shape>
+          <dgm:presOf axis="desOrSelf" ptType="node"/>
+          <dgm:constrLst>
+            <dgm:constr type="tMarg"/>
+            <dgm:constr type="bMarg"/>
+            <dgm:constr type="lMarg"/>
+            <dgm:constr type="rMarg"/>
+            <dgm:constr type="primFontSz" val="20"/>
+          </dgm:constrLst>
+          <dgm:ruleLst>
+            <dgm:rule type="primFontSz" val="5" fact="NaN" max="NaN"/>
+          </dgm:ruleLst>
+        </dgm:layoutNode>
+      </dgm:forEach>
+    </dgm:layoutNode>
+    <dgm:layoutNode name="leftComposite">
+      <dgm:choose name="Name34">
+        <dgm:if name="Name35" axis="ch ch" ptType="node node" st="1 1" cnt="1 0" func="cnt" op="lte" val="1">
+          <dgm:alg type="composite">
+            <dgm:param type="ar" val="1.3085"/>
+          </dgm:alg>
+          <dgm:constrLst>
+            <dgm:constr type="l" for="ch" forName="childText1_1" refType="w" fact="0.2124"/>
+            <dgm:constr type="t" for="ch" forName="childText1_1" refType="h" fact="0"/>
+            <dgm:constr type="w" for="ch" forName="childText1_1" refType="w" fact="0.5759"/>
+            <dgm:constr type="h" for="ch" forName="childText1_1" refType="h" fact="0.7535"/>
+            <dgm:constr type="l" for="ch" forName="ellipse1" refType="w" fact="0"/>
+            <dgm:constr type="t" for="ch" forName="ellipse1" refType="h" fact="0.63"/>
+            <dgm:constr type="w" for="ch" forName="ellipse1" refType="w" fact="0.2828"/>
+            <dgm:constr type="h" for="ch" forName="ellipse1" refType="h" fact="0.37"/>
+            <dgm:constr type="l" for="ch" forName="ellipse2" refType="w" fact="0.82"/>
+            <dgm:constr type="t" for="ch" forName="ellipse2" refType="h" fact="0.17"/>
+            <dgm:constr type="w" for="ch" forName="ellipse2" refType="w" fact="0.1645"/>
+            <dgm:constr type="h" for="ch" forName="ellipse2" refType="h" fact="0.2153"/>
+          </dgm:constrLst>
+        </dgm:if>
+        <dgm:if name="Name36" axis="ch ch" ptType="node node" st="1 1" cnt="1 0" func="cnt" op="equ" val="2">
+          <dgm:alg type="composite">
+            <dgm:param type="ar" val="0.8917"/>
+          </dgm:alg>
+          <dgm:constrLst>
+            <dgm:constr type="l" for="ch" forName="childText1_1" refType="w" fact="0.1864"/>
+            <dgm:constr type="t" for="ch" forName="childText1_1" refType="h" fact="0"/>
+            <dgm:constr type="w" for="ch" forName="childText1_1" refType="w" fact="0.5055"/>
+            <dgm:constr type="h" for="ch" forName="childText1_1" refType="h" fact="0.4507"/>
+            <dgm:constr type="l" for="ch" forName="childText1_2" refType="w" fact="0.4945"/>
+            <dgm:constr type="t" for="ch" forName="childText1_2" refType="h" fact="0.3929"/>
+            <dgm:constr type="w" for="ch" forName="childText1_2" refType="w" fact="0.5055"/>
+            <dgm:constr type="h" for="ch" forName="childText1_2" refType="h" fact="0.4507"/>
+            <dgm:constr type="l" for="ch" forName="ellipse1" refType="w" fact="0"/>
+            <dgm:constr type="t" for="ch" forName="ellipse1" refType="h" fact="0.3768"/>
+            <dgm:constr type="w" for="ch" forName="ellipse1" refType="w" fact="0.2482"/>
+            <dgm:constr type="h" for="ch" forName="ellipse1" refType="h" fact="0.2213"/>
+            <dgm:constr type="l" for="ch" forName="ellipse3" refType="w" fact="0.5474"/>
+            <dgm:constr type="t" for="ch" forName="ellipse3" refType="h" fact="0.8712"/>
+            <dgm:constr type="w" for="ch" forName="ellipse3" refType="w" fact="0.1444"/>
+            <dgm:constr type="h" for="ch" forName="ellipse3" refType="h" fact="0.1288"/>
+            <dgm:constr type="l" for="ch" forName="ellipse2" refType="w" fact="0.7333"/>
+            <dgm:constr type="t" for="ch" forName="ellipse2" refType="h" fact="0.0887"/>
+            <dgm:constr type="w" for="ch" forName="ellipse2" refType="w" fact="0.1444"/>
+            <dgm:constr type="h" for="ch" forName="ellipse2" refType="h" fact="0.1288"/>
+          </dgm:constrLst>
+        </dgm:if>
+        <dgm:if name="Name37" axis="ch ch" ptType="node node" st="1 1" cnt="1 0" func="cnt" op="equ" val="3">
+          <dgm:alg type="composite">
+            <dgm:param type="ar" val="1.0811"/>
+          </dgm:alg>
+          <dgm:constrLst>
+            <dgm:constr type="l" for="ch" forName="childText1_3" refType="w" fact="0.1649"/>
+            <dgm:constr type="t" for="ch" forName="childText1_3" refType="h" fact="0.5389"/>
+            <dgm:constr type="w" for="ch" forName="childText1_3" refType="w" fact="0.4265"/>
+            <dgm:constr type="h" for="ch" forName="childText1_3" refType="h" fact="0.4611"/>
+            <dgm:constr type="l" for="ch" forName="childText1_1" refType="w" fact="0.1573"/>
+            <dgm:constr type="t" for="ch" forName="childText1_1" refType="h" fact="0"/>
+            <dgm:constr type="w" for="ch" forName="childText1_1" refType="w" fact="0.4265"/>
+            <dgm:constr type="h" for="ch" forName="childText1_1" refType="h" fact="0.4611"/>
+            <dgm:constr type="l" for="ch" forName="childText1_2" refType="w" fact="0.5735"/>
+            <dgm:constr type="t" for="ch" forName="childText1_2" refType="h" fact="0.2754"/>
+            <dgm:constr type="w" for="ch" forName="childText1_2" refType="w" fact="0.4265"/>
+            <dgm:constr type="h" for="ch" forName="childText1_2" refType="h" fact="0.4611"/>
+            <dgm:constr type="l" for="ch" forName="ellipse1" refType="w" fact="0"/>
+            <dgm:constr type="t" for="ch" forName="ellipse1" refType="h" fact="0.3855"/>
+            <dgm:constr type="w" for="ch" forName="ellipse1" refType="w" fact="0.2095"/>
+            <dgm:constr type="h" for="ch" forName="ellipse1" refType="h" fact="0.2264"/>
+            <dgm:constr type="l" for="ch" forName="ellipse3" refType="w" fact="0.6181"/>
+            <dgm:constr type="t" for="ch" forName="ellipse3" refType="h" fact="0.7647"/>
+            <dgm:constr type="w" for="ch" forName="ellipse3" refType="w" fact="0.1219"/>
+            <dgm:constr type="h" for="ch" forName="ellipse3" refType="h" fact="0.1317"/>
+            <dgm:constr type="l" for="ch" forName="ellipse2" refType="w" fact="0.6188"/>
+            <dgm:constr type="t" for="ch" forName="ellipse2" refType="h" fact="0.0907"/>
+            <dgm:constr type="w" for="ch" forName="ellipse2" refType="w" fact="0.1219"/>
+            <dgm:constr type="h" for="ch" forName="ellipse2" refType="h" fact="0.1317"/>
+          </dgm:constrLst>
+        </dgm:if>
+        <dgm:else name="Name38">
+          <dgm:alg type="composite">
+            <dgm:param type="ar" val="0.9472"/>
+          </dgm:alg>
+          <dgm:constrLst>
+            <dgm:constr type="l" for="ch" forName="childText1_3" refType="w" fact="0"/>
+            <dgm:constr type="t" for="ch" forName="childText1_3" refType="h" fact="0.6035"/>
+            <dgm:constr type="w" for="ch" forName="childText1_3" refType="w" fact="0.4186"/>
+            <dgm:constr type="h" for="ch" forName="childText1_3" refType="h" fact="0.3965"/>
+            <dgm:constr type="l" for="ch" forName="childText1_1" refType="w" fact="0.0981"/>
+            <dgm:constr type="t" for="ch" forName="childText1_1" refType="h" fact="0"/>
+            <dgm:constr type="w" for="ch" forName="childText1_1" refType="w" fact="0.4186"/>
+            <dgm:constr type="h" for="ch" forName="childText1_1" refType="h" fact="0.3965"/>
+            <dgm:constr type="l" for="ch" forName="childText1_2" refType="w" fact="0.5385"/>
+            <dgm:constr type="t" for="ch" forName="childText1_2" refType="h" fact="0.1304"/>
+            <dgm:constr type="w" for="ch" forName="childText1_2" refType="w" fact="0.4186"/>
+            <dgm:constr type="h" for="ch" forName="childText1_2" refType="h" fact="0.3965"/>
+            <dgm:constr type="l" for="ch" forName="ellipse4" refType="w" fact="0.3222"/>
+            <dgm:constr type="t" for="ch" forName="ellipse4" refType="h" fact="0.4232"/>
+            <dgm:constr type="w" for="ch" forName="ellipse4" refType="w" fact="0.2056"/>
+            <dgm:constr type="h" for="ch" forName="ellipse4" refType="h" fact="0.1947"/>
+            <dgm:constr type="l" for="ch" forName="ellipse1" refType="w" fact="0.1489"/>
+            <dgm:constr type="t" for="ch" forName="ellipse1" refType="h" fact="0.4502"/>
+            <dgm:constr type="w" for="ch" forName="ellipse1" refType="w" fact="0.1196"/>
+            <dgm:constr type="h" for="ch" forName="ellipse1" refType="h" fact="0.1133"/>
+            <dgm:constr type="l" for="ch" forName="ellipse2" refType="w" fact="0.5384"/>
+            <dgm:constr type="t" for="ch" forName="ellipse2" refType="h" fact="0.0124"/>
+            <dgm:constr type="w" for="ch" forName="ellipse2" refType="w" fact="0.1196"/>
+            <dgm:constr type="h" for="ch" forName="ellipse2" refType="h" fact="0.1133"/>
+            <dgm:constr type="l" for="ch" forName="childText1_4" refType="w" fact="0.4625"/>
+            <dgm:constr type="t" for="ch" forName="childText1_4" refType="h" fact="0.5719"/>
+            <dgm:constr type="w" for="ch" forName="childText1_4" refType="w" fact="0.4186"/>
+            <dgm:constr type="h" for="ch" forName="childText1_4" refType="h" fact="0.3965"/>
+            <dgm:constr type="l" for="ch" forName="ellipse3" refType="w" fact="0.8804"/>
+            <dgm:constr type="t" for="ch" forName="ellipse3" refType="h" fact="0.5329"/>
+            <dgm:constr type="w" for="ch" forName="ellipse3" refType="w" fact="0.1196"/>
+            <dgm:constr type="h" for="ch" forName="ellipse3" refType="h" fact="0.1133"/>
+            <dgm:constr type="l" for="ch" forName="ellipse5" refType="w" fact="0.0146"/>
+            <dgm:constr type="t" for="ch" forName="ellipse5" refType="h" fact="0.5228"/>
+            <dgm:constr type="w" for="ch" forName="ellipse5" refType="w" fact="0.0899"/>
+            <dgm:constr type="h" for="ch" forName="ellipse5" refType="h" fact="0.0851"/>
+          </dgm:constrLst>
+        </dgm:else>
+      </dgm:choose>
+      <dgm:forEach name="Name39" axis="ch ch" ptType="node node" st="1 1" cnt="1 1">
+        <dgm:layoutNode name="childText1_1" styleLbl="vennNode1">
+          <dgm:varLst>
+            <dgm:chMax val="0"/>
+            <dgm:chPref val="0"/>
+          </dgm:varLst>
+          <dgm:alg type="tx"/>
+          <dgm:shape xmlns:r="http://schemas.openxmlformats.org/officeDocument/2006/relationships" type="ellipse" r:blip="">
+            <dgm:adjLst/>
+          </dgm:shape>
+          <dgm:presOf axis="desOrSelf" ptType="node"/>
+          <dgm:constrLst>
+            <dgm:constr type="lMarg" refType="primFontSz" fact="0.3"/>
+            <dgm:constr type="rMarg" refType="primFontSz" fact="0.3"/>
+            <dgm:constr type="tMarg" refType="primFontSz" fact="0.3"/>
+            <dgm:constr type="bMarg" refType="primFontSz" fact="0.3"/>
+          </dgm:constrLst>
+          <dgm:ruleLst>
+            <dgm:rule type="primFontSz" val="5" fact="NaN" max="NaN"/>
+          </dgm:ruleLst>
+        </dgm:layoutNode>
+        <dgm:layoutNode name="ellipse1" styleLbl="vennNode1">
+          <dgm:alg type="sp"/>
+          <dgm:shape xmlns:r="http://schemas.openxmlformats.org/officeDocument/2006/relationships" type="ellipse" r:blip="">
+            <dgm:adjLst/>
+          </dgm:shape>
+          <dgm:presOf/>
+        </dgm:layoutNode>
+        <dgm:layoutNode name="ellipse2" styleLbl="vennNode1">
+          <dgm:alg type="sp"/>
+          <dgm:shape xmlns:r="http://schemas.openxmlformats.org/officeDocument/2006/relationships" type="ellipse" r:blip="">
+            <dgm:adjLst/>
+          </dgm:shape>
+          <dgm:presOf/>
+        </dgm:layoutNode>
+      </dgm:forEach>
+      <dgm:forEach name="Name40" axis="ch ch" ptType="node node" st="1 2" cnt="1 1">
+        <dgm:layoutNode name="childText1_2" styleLbl="vennNode1">
+          <dgm:varLst>
+            <dgm:chMax val="0"/>
+            <dgm:chPref val="0"/>
+          </dgm:varLst>
+          <dgm:alg type="tx"/>
+          <dgm:shape xmlns:r="http://schemas.openxmlformats.org/officeDocument/2006/relationships" type="ellipse" r:blip="">
+            <dgm:adjLst/>
+          </dgm:shape>
+          <dgm:presOf axis="desOrSelf" ptType="node"/>
+          <dgm:constrLst>
+            <dgm:constr type="lMarg" refType="primFontSz" fact="0.3"/>
+            <dgm:constr type="rMarg" refType="primFontSz" fact="0.3"/>
+            <dgm:constr type="tMarg" refType="primFontSz" fact="0.3"/>
+            <dgm:constr type="bMarg" refType="primFontSz" fact="0.3"/>
+          </dgm:constrLst>
+          <dgm:ruleLst>
+            <dgm:rule type="primFontSz" val="5" fact="NaN" max="NaN"/>
+          </dgm:ruleLst>
+        </dgm:layoutNode>
+        <dgm:layoutNode name="ellipse3" styleLbl="vennNode1">
+          <dgm:alg type="sp"/>
+          <dgm:shape xmlns:r="http://schemas.openxmlformats.org/officeDocument/2006/relationships" type="ellipse" r:blip="">
+            <dgm:adjLst/>
+          </dgm:shape>
+          <dgm:presOf/>
+        </dgm:layoutNode>
+      </dgm:forEach>
+      <dgm:forEach name="Name41" axis="ch ch" ptType="node node" st="1 3" cnt="1 1">
+        <dgm:layoutNode name="childText1_3" styleLbl="vennNode1">
+          <dgm:varLst>
+            <dgm:chMax val="0"/>
+            <dgm:chPref val="0"/>
+          </dgm:varLst>
+          <dgm:alg type="tx"/>
+          <dgm:shape xmlns:r="http://schemas.openxmlformats.org/officeDocument/2006/relationships" type="ellipse" r:blip="">
+            <dgm:adjLst/>
+          </dgm:shape>
+          <dgm:presOf axis="desOrSelf" ptType="node"/>
+          <dgm:constrLst>
+            <dgm:constr type="lMarg" refType="primFontSz" fact="0.3"/>
+            <dgm:constr type="rMarg" refType="primFontSz" fact="0.3"/>
+            <dgm:constr type="tMarg" refType="primFontSz" fact="0.3"/>
+            <dgm:constr type="bMarg" refType="primFontSz" fact="0.3"/>
+          </dgm:constrLst>
+          <dgm:ruleLst>
+            <dgm:rule type="primFontSz" val="5" fact="NaN" max="NaN"/>
+          </dgm:ruleLst>
+        </dgm:layoutNode>
+      </dgm:forEach>
+      <dgm:forEach name="Name42" axis="ch ch" ptType="node node" st="1 4" cnt="1 1">
+        <dgm:layoutNode name="childText1_4" styleLbl="vennNode1">
+          <dgm:varLst>
+            <dgm:chMax val="0"/>
+            <dgm:chPref val="0"/>
+          </dgm:varLst>
+          <dgm:alg type="tx"/>
+          <dgm:shape xmlns:r="http://schemas.openxmlformats.org/officeDocument/2006/relationships" type="ellipse" r:blip="">
+            <dgm:adjLst/>
+          </dgm:shape>
+          <dgm:presOf axis="desOrSelf" ptType="node"/>
+          <dgm:constrLst>
+            <dgm:constr type="lMarg" refType="primFontSz" fact="0.3"/>
+            <dgm:constr type="rMarg" refType="primFontSz" fact="0.3"/>
+            <dgm:constr type="tMarg" refType="primFontSz" fact="0.3"/>
+            <dgm:constr type="bMarg" refType="primFontSz" fact="0.3"/>
+          </dgm:constrLst>
+          <dgm:ruleLst>
+            <dgm:rule type="primFontSz" val="5" fact="NaN" max="NaN"/>
+          </dgm:ruleLst>
+        </dgm:layoutNode>
+        <dgm:layoutNode name="ellipse4" styleLbl="vennNode1">
+          <dgm:alg type="sp"/>
+          <dgm:shape xmlns:r="http://schemas.openxmlformats.org/officeDocument/2006/relationships" type="ellipse" r:blip="">
+            <dgm:adjLst/>
+          </dgm:shape>
+          <dgm:presOf/>
+        </dgm:layoutNode>
+        <dgm:layoutNode name="ellipse5" styleLbl="vennNode1">
+          <dgm:alg type="sp"/>
+          <dgm:shape xmlns:r="http://schemas.openxmlformats.org/officeDocument/2006/relationships" type="ellipse" r:blip="">
+            <dgm:adjLst/>
+          </dgm:shape>
+          <dgm:presOf/>
+        </dgm:layoutNode>
+      </dgm:forEach>
+    </dgm:layoutNode>
+    <dgm:choose name="Name43">
+      <dgm:if name="Name44" axis="ch ch" ptType="node node" st="3 1" cnt="1 0" func="cnt" op="gte" val="1">
+        <dgm:layoutNode name="rightChild">
+          <dgm:varLst>
+            <dgm:chMax val="0"/>
+            <dgm:chPref val="0"/>
+          </dgm:varLst>
+          <dgm:alg type="tx"/>
+          <dgm:shape xmlns:r="http://schemas.openxmlformats.org/officeDocument/2006/relationships" type="ellipse" r:blip="">
+            <dgm:adjLst/>
+          </dgm:shape>
+          <dgm:presOf axis="ch des" ptType="node node" st="3 1" cnt="1 0"/>
+          <dgm:constrLst>
+            <dgm:constr type="lMarg" refType="primFontSz" fact="0.3"/>
+            <dgm:constr type="rMarg" refType="primFontSz" fact="0.3"/>
+            <dgm:constr type="tMarg" refType="primFontSz" fact="0.3"/>
+            <dgm:constr type="bMarg" refType="primFontSz" fact="0.3"/>
+          </dgm:constrLst>
+          <dgm:ruleLst>
+            <dgm:rule type="primFontSz" val="5" fact="NaN" max="NaN"/>
+          </dgm:ruleLst>
+        </dgm:layoutNode>
+      </dgm:if>
+      <dgm:else name="Name45"/>
+    </dgm:choose>
+    <dgm:layoutNode name="parentText1" styleLbl="revTx">
+      <dgm:varLst>
+        <dgm:chMax val="4"/>
+        <dgm:chPref val="3"/>
+        <dgm:bulletEnabled val="1"/>
+      </dgm:varLst>
+      <dgm:alg type="tx"/>
+      <dgm:shape xmlns:r="http://schemas.openxmlformats.org/officeDocument/2006/relationships" type="rect" r:blip="">
+        <dgm:adjLst/>
+      </dgm:shape>
+      <dgm:presOf axis="ch self" ptType="node node" st="1 1" cnt="1 0"/>
+      <dgm:constrLst>
+        <dgm:constr type="lMarg" refType="primFontSz" fact="0.3"/>
+        <dgm:constr type="rMarg" refType="primFontSz" fact="0.3"/>
+        <dgm:constr type="tMarg" refType="primFontSz" fact="0.3"/>
+        <dgm:constr type="bMarg" refType="primFontSz" fact="0.3"/>
+      </dgm:constrLst>
+      <dgm:ruleLst>
+        <dgm:rule type="primFontSz" val="5" fact="NaN" max="NaN"/>
+      </dgm:ruleLst>
+    </dgm:layoutNode>
+  </dgm:layoutNode>
+</dgm:layoutDef>
+</file>
+
 <file path=ppt/diagrams/quickStyle1.xml><?xml version="1.0" encoding="utf-8"?>
 <dgm:styleDef xmlns:dgm="http://schemas.openxmlformats.org/drawingml/2006/diagram" xmlns:a="http://schemas.openxmlformats.org/drawingml/2006/main" uniqueId="urn:microsoft.com/office/officeart/2005/8/quickstyle/simple1">
   <dgm:title val=""/>
@@ -8521,6 +13197,2182 @@
         <a:scrgbClr r="0" g="0" b="0"/>
       </a:lnRef>
       <a:fillRef idx="0">
+        <a:scrgbClr r="0" g="0" b="0"/>
+      </a:fillRef>
+      <a:effectRef idx="0">
+        <a:scrgbClr r="0" g="0" b="0"/>
+      </a:effectRef>
+      <a:fontRef idx="minor"/>
+    </dgm:style>
+  </dgm:styleLbl>
+</dgm:styleDef>
+</file>
+
+<file path=ppt/diagrams/quickStyle3.xml><?xml version="1.0" encoding="utf-8"?>
+<dgm:styleDef xmlns:dgm="http://schemas.openxmlformats.org/drawingml/2006/diagram" xmlns:a="http://schemas.openxmlformats.org/drawingml/2006/main" uniqueId="urn:microsoft.com/office/officeart/2005/8/quickstyle/simple1">
+  <dgm:title val=""/>
+  <dgm:desc val=""/>
+  <dgm:catLst>
+    <dgm:cat type="simple" pri="10100"/>
+  </dgm:catLst>
+  <dgm:scene3d>
+    <a:camera prst="orthographicFront"/>
+    <a:lightRig rig="threePt" dir="t"/>
+  </dgm:scene3d>
+  <dgm:styleLbl name="node0">
+    <dgm:scene3d>
+      <a:camera prst="orthographicFront"/>
+      <a:lightRig rig="threePt" dir="t"/>
+    </dgm:scene3d>
+    <dgm:sp3d/>
+    <dgm:txPr/>
+    <dgm:style>
+      <a:lnRef idx="2">
+        <a:scrgbClr r="0" g="0" b="0"/>
+      </a:lnRef>
+      <a:fillRef idx="1">
+        <a:scrgbClr r="0" g="0" b="0"/>
+      </a:fillRef>
+      <a:effectRef idx="0">
+        <a:scrgbClr r="0" g="0" b="0"/>
+      </a:effectRef>
+      <a:fontRef idx="minor">
+        <a:schemeClr val="lt1"/>
+      </a:fontRef>
+    </dgm:style>
+  </dgm:styleLbl>
+  <dgm:styleLbl name="lnNode1">
+    <dgm:scene3d>
+      <a:camera prst="orthographicFront"/>
+      <a:lightRig rig="threePt" dir="t"/>
+    </dgm:scene3d>
+    <dgm:sp3d/>
+    <dgm:txPr/>
+    <dgm:style>
+      <a:lnRef idx="2">
+        <a:scrgbClr r="0" g="0" b="0"/>
+      </a:lnRef>
+      <a:fillRef idx="1">
+        <a:scrgbClr r="0" g="0" b="0"/>
+      </a:fillRef>
+      <a:effectRef idx="0">
+        <a:scrgbClr r="0" g="0" b="0"/>
+      </a:effectRef>
+      <a:fontRef idx="minor">
+        <a:schemeClr val="lt1"/>
+      </a:fontRef>
+    </dgm:style>
+  </dgm:styleLbl>
+  <dgm:styleLbl name="vennNode1">
+    <dgm:scene3d>
+      <a:camera prst="orthographicFront"/>
+      <a:lightRig rig="threePt" dir="t"/>
+    </dgm:scene3d>
+    <dgm:sp3d/>
+    <dgm:txPr/>
+    <dgm:style>
+      <a:lnRef idx="2">
+        <a:scrgbClr r="0" g="0" b="0"/>
+      </a:lnRef>
+      <a:fillRef idx="1">
+        <a:scrgbClr r="0" g="0" b="0"/>
+      </a:fillRef>
+      <a:effectRef idx="0">
+        <a:scrgbClr r="0" g="0" b="0"/>
+      </a:effectRef>
+      <a:fontRef idx="minor">
+        <a:schemeClr val="tx1"/>
+      </a:fontRef>
+    </dgm:style>
+  </dgm:styleLbl>
+  <dgm:styleLbl name="alignNode1">
+    <dgm:scene3d>
+      <a:camera prst="orthographicFront"/>
+      <a:lightRig rig="threePt" dir="t"/>
+    </dgm:scene3d>
+    <dgm:sp3d/>
+    <dgm:txPr/>
+    <dgm:style>
+      <a:lnRef idx="2">
+        <a:scrgbClr r="0" g="0" b="0"/>
+      </a:lnRef>
+      <a:fillRef idx="1">
+        <a:scrgbClr r="0" g="0" b="0"/>
+      </a:fillRef>
+      <a:effectRef idx="0">
+        <a:scrgbClr r="0" g="0" b="0"/>
+      </a:effectRef>
+      <a:fontRef idx="minor">
+        <a:schemeClr val="lt1"/>
+      </a:fontRef>
+    </dgm:style>
+  </dgm:styleLbl>
+  <dgm:styleLbl name="node1">
+    <dgm:scene3d>
+      <a:camera prst="orthographicFront"/>
+      <a:lightRig rig="threePt" dir="t"/>
+    </dgm:scene3d>
+    <dgm:sp3d/>
+    <dgm:txPr/>
+    <dgm:style>
+      <a:lnRef idx="2">
+        <a:scrgbClr r="0" g="0" b="0"/>
+      </a:lnRef>
+      <a:fillRef idx="1">
+        <a:scrgbClr r="0" g="0" b="0"/>
+      </a:fillRef>
+      <a:effectRef idx="0">
+        <a:scrgbClr r="0" g="0" b="0"/>
+      </a:effectRef>
+      <a:fontRef idx="minor">
+        <a:schemeClr val="lt1"/>
+      </a:fontRef>
+    </dgm:style>
+  </dgm:styleLbl>
+  <dgm:styleLbl name="node2">
+    <dgm:scene3d>
+      <a:camera prst="orthographicFront"/>
+      <a:lightRig rig="threePt" dir="t"/>
+    </dgm:scene3d>
+    <dgm:sp3d/>
+    <dgm:txPr/>
+    <dgm:style>
+      <a:lnRef idx="2">
+        <a:scrgbClr r="0" g="0" b="0"/>
+      </a:lnRef>
+      <a:fillRef idx="1">
+        <a:scrgbClr r="0" g="0" b="0"/>
+      </a:fillRef>
+      <a:effectRef idx="0">
+        <a:scrgbClr r="0" g="0" b="0"/>
+      </a:effectRef>
+      <a:fontRef idx="minor">
+        <a:schemeClr val="lt1"/>
+      </a:fontRef>
+    </dgm:style>
+  </dgm:styleLbl>
+  <dgm:styleLbl name="node3">
+    <dgm:scene3d>
+      <a:camera prst="orthographicFront"/>
+      <a:lightRig rig="threePt" dir="t"/>
+    </dgm:scene3d>
+    <dgm:sp3d/>
+    <dgm:txPr/>
+    <dgm:style>
+      <a:lnRef idx="2">
+        <a:scrgbClr r="0" g="0" b="0"/>
+      </a:lnRef>
+      <a:fillRef idx="1">
+        <a:scrgbClr r="0" g="0" b="0"/>
+      </a:fillRef>
+      <a:effectRef idx="0">
+        <a:scrgbClr r="0" g="0" b="0"/>
+      </a:effectRef>
+      <a:fontRef idx="minor">
+        <a:schemeClr val="lt1"/>
+      </a:fontRef>
+    </dgm:style>
+  </dgm:styleLbl>
+  <dgm:styleLbl name="node4">
+    <dgm:scene3d>
+      <a:camera prst="orthographicFront"/>
+      <a:lightRig rig="threePt" dir="t"/>
+    </dgm:scene3d>
+    <dgm:sp3d/>
+    <dgm:txPr/>
+    <dgm:style>
+      <a:lnRef idx="2">
+        <a:scrgbClr r="0" g="0" b="0"/>
+      </a:lnRef>
+      <a:fillRef idx="1">
+        <a:scrgbClr r="0" g="0" b="0"/>
+      </a:fillRef>
+      <a:effectRef idx="0">
+        <a:scrgbClr r="0" g="0" b="0"/>
+      </a:effectRef>
+      <a:fontRef idx="minor">
+        <a:schemeClr val="lt1"/>
+      </a:fontRef>
+    </dgm:style>
+  </dgm:styleLbl>
+  <dgm:styleLbl name="fgImgPlace1">
+    <dgm:scene3d>
+      <a:camera prst="orthographicFront"/>
+      <a:lightRig rig="threePt" dir="t"/>
+    </dgm:scene3d>
+    <dgm:sp3d/>
+    <dgm:txPr/>
+    <dgm:style>
+      <a:lnRef idx="2">
+        <a:scrgbClr r="0" g="0" b="0"/>
+      </a:lnRef>
+      <a:fillRef idx="1">
+        <a:scrgbClr r="0" g="0" b="0"/>
+      </a:fillRef>
+      <a:effectRef idx="0">
+        <a:scrgbClr r="0" g="0" b="0"/>
+      </a:effectRef>
+      <a:fontRef idx="minor"/>
+    </dgm:style>
+  </dgm:styleLbl>
+  <dgm:styleLbl name="alignImgPlace1">
+    <dgm:scene3d>
+      <a:camera prst="orthographicFront"/>
+      <a:lightRig rig="threePt" dir="t"/>
+    </dgm:scene3d>
+    <dgm:sp3d/>
+    <dgm:txPr/>
+    <dgm:style>
+      <a:lnRef idx="2">
+        <a:scrgbClr r="0" g="0" b="0"/>
+      </a:lnRef>
+      <a:fillRef idx="1">
+        <a:scrgbClr r="0" g="0" b="0"/>
+      </a:fillRef>
+      <a:effectRef idx="0">
+        <a:scrgbClr r="0" g="0" b="0"/>
+      </a:effectRef>
+      <a:fontRef idx="minor"/>
+    </dgm:style>
+  </dgm:styleLbl>
+  <dgm:styleLbl name="bgImgPlace1">
+    <dgm:scene3d>
+      <a:camera prst="orthographicFront"/>
+      <a:lightRig rig="threePt" dir="t"/>
+    </dgm:scene3d>
+    <dgm:sp3d/>
+    <dgm:txPr/>
+    <dgm:style>
+      <a:lnRef idx="2">
+        <a:scrgbClr r="0" g="0" b="0"/>
+      </a:lnRef>
+      <a:fillRef idx="1">
+        <a:scrgbClr r="0" g="0" b="0"/>
+      </a:fillRef>
+      <a:effectRef idx="0">
+        <a:scrgbClr r="0" g="0" b="0"/>
+      </a:effectRef>
+      <a:fontRef idx="minor"/>
+    </dgm:style>
+  </dgm:styleLbl>
+  <dgm:styleLbl name="sibTrans2D1">
+    <dgm:scene3d>
+      <a:camera prst="orthographicFront"/>
+      <a:lightRig rig="threePt" dir="t"/>
+    </dgm:scene3d>
+    <dgm:sp3d/>
+    <dgm:txPr/>
+    <dgm:style>
+      <a:lnRef idx="0">
+        <a:scrgbClr r="0" g="0" b="0"/>
+      </a:lnRef>
+      <a:fillRef idx="1">
+        <a:scrgbClr r="0" g="0" b="0"/>
+      </a:fillRef>
+      <a:effectRef idx="0">
+        <a:scrgbClr r="0" g="0" b="0"/>
+      </a:effectRef>
+      <a:fontRef idx="minor">
+        <a:schemeClr val="lt1"/>
+      </a:fontRef>
+    </dgm:style>
+  </dgm:styleLbl>
+  <dgm:styleLbl name="fgSibTrans2D1">
+    <dgm:scene3d>
+      <a:camera prst="orthographicFront"/>
+      <a:lightRig rig="threePt" dir="t"/>
+    </dgm:scene3d>
+    <dgm:sp3d/>
+    <dgm:txPr/>
+    <dgm:style>
+      <a:lnRef idx="0">
+        <a:scrgbClr r="0" g="0" b="0"/>
+      </a:lnRef>
+      <a:fillRef idx="1">
+        <a:scrgbClr r="0" g="0" b="0"/>
+      </a:fillRef>
+      <a:effectRef idx="0">
+        <a:scrgbClr r="0" g="0" b="0"/>
+      </a:effectRef>
+      <a:fontRef idx="minor">
+        <a:schemeClr val="lt1"/>
+      </a:fontRef>
+    </dgm:style>
+  </dgm:styleLbl>
+  <dgm:styleLbl name="bgSibTrans2D1">
+    <dgm:scene3d>
+      <a:camera prst="orthographicFront"/>
+      <a:lightRig rig="threePt" dir="t"/>
+    </dgm:scene3d>
+    <dgm:sp3d/>
+    <dgm:txPr/>
+    <dgm:style>
+      <a:lnRef idx="0">
+        <a:scrgbClr r="0" g="0" b="0"/>
+      </a:lnRef>
+      <a:fillRef idx="1">
+        <a:scrgbClr r="0" g="0" b="0"/>
+      </a:fillRef>
+      <a:effectRef idx="0">
+        <a:scrgbClr r="0" g="0" b="0"/>
+      </a:effectRef>
+      <a:fontRef idx="minor">
+        <a:schemeClr val="lt1"/>
+      </a:fontRef>
+    </dgm:style>
+  </dgm:styleLbl>
+  <dgm:styleLbl name="sibTrans1D1">
+    <dgm:scene3d>
+      <a:camera prst="orthographicFront"/>
+      <a:lightRig rig="threePt" dir="t"/>
+    </dgm:scene3d>
+    <dgm:sp3d/>
+    <dgm:txPr/>
+    <dgm:style>
+      <a:lnRef idx="1">
+        <a:scrgbClr r="0" g="0" b="0"/>
+      </a:lnRef>
+      <a:fillRef idx="0">
+        <a:scrgbClr r="0" g="0" b="0"/>
+      </a:fillRef>
+      <a:effectRef idx="0">
+        <a:scrgbClr r="0" g="0" b="0"/>
+      </a:effectRef>
+      <a:fontRef idx="minor"/>
+    </dgm:style>
+  </dgm:styleLbl>
+  <dgm:styleLbl name="callout">
+    <dgm:scene3d>
+      <a:camera prst="orthographicFront"/>
+      <a:lightRig rig="threePt" dir="t"/>
+    </dgm:scene3d>
+    <dgm:sp3d/>
+    <dgm:txPr/>
+    <dgm:style>
+      <a:lnRef idx="2">
+        <a:scrgbClr r="0" g="0" b="0"/>
+      </a:lnRef>
+      <a:fillRef idx="1">
+        <a:scrgbClr r="0" g="0" b="0"/>
+      </a:fillRef>
+      <a:effectRef idx="0">
+        <a:scrgbClr r="0" g="0" b="0"/>
+      </a:effectRef>
+      <a:fontRef idx="minor"/>
+    </dgm:style>
+  </dgm:styleLbl>
+  <dgm:styleLbl name="asst0">
+    <dgm:scene3d>
+      <a:camera prst="orthographicFront"/>
+      <a:lightRig rig="threePt" dir="t"/>
+    </dgm:scene3d>
+    <dgm:sp3d/>
+    <dgm:txPr/>
+    <dgm:style>
+      <a:lnRef idx="2">
+        <a:scrgbClr r="0" g="0" b="0"/>
+      </a:lnRef>
+      <a:fillRef idx="1">
+        <a:scrgbClr r="0" g="0" b="0"/>
+      </a:fillRef>
+      <a:effectRef idx="0">
+        <a:scrgbClr r="0" g="0" b="0"/>
+      </a:effectRef>
+      <a:fontRef idx="minor">
+        <a:schemeClr val="lt1"/>
+      </a:fontRef>
+    </dgm:style>
+  </dgm:styleLbl>
+  <dgm:styleLbl name="asst1">
+    <dgm:scene3d>
+      <a:camera prst="orthographicFront"/>
+      <a:lightRig rig="threePt" dir="t"/>
+    </dgm:scene3d>
+    <dgm:sp3d/>
+    <dgm:txPr/>
+    <dgm:style>
+      <a:lnRef idx="2">
+        <a:scrgbClr r="0" g="0" b="0"/>
+      </a:lnRef>
+      <a:fillRef idx="1">
+        <a:scrgbClr r="0" g="0" b="0"/>
+      </a:fillRef>
+      <a:effectRef idx="0">
+        <a:scrgbClr r="0" g="0" b="0"/>
+      </a:effectRef>
+      <a:fontRef idx="minor">
+        <a:schemeClr val="lt1"/>
+      </a:fontRef>
+    </dgm:style>
+  </dgm:styleLbl>
+  <dgm:styleLbl name="asst2">
+    <dgm:scene3d>
+      <a:camera prst="orthographicFront"/>
+      <a:lightRig rig="threePt" dir="t"/>
+    </dgm:scene3d>
+    <dgm:sp3d/>
+    <dgm:txPr/>
+    <dgm:style>
+      <a:lnRef idx="2">
+        <a:scrgbClr r="0" g="0" b="0"/>
+      </a:lnRef>
+      <a:fillRef idx="1">
+        <a:scrgbClr r="0" g="0" b="0"/>
+      </a:fillRef>
+      <a:effectRef idx="0">
+        <a:scrgbClr r="0" g="0" b="0"/>
+      </a:effectRef>
+      <a:fontRef idx="minor">
+        <a:schemeClr val="lt1"/>
+      </a:fontRef>
+    </dgm:style>
+  </dgm:styleLbl>
+  <dgm:styleLbl name="asst3">
+    <dgm:scene3d>
+      <a:camera prst="orthographicFront"/>
+      <a:lightRig rig="threePt" dir="t"/>
+    </dgm:scene3d>
+    <dgm:sp3d/>
+    <dgm:txPr/>
+    <dgm:style>
+      <a:lnRef idx="2">
+        <a:scrgbClr r="0" g="0" b="0"/>
+      </a:lnRef>
+      <a:fillRef idx="1">
+        <a:scrgbClr r="0" g="0" b="0"/>
+      </a:fillRef>
+      <a:effectRef idx="0">
+        <a:scrgbClr r="0" g="0" b="0"/>
+      </a:effectRef>
+      <a:fontRef idx="minor">
+        <a:schemeClr val="lt1"/>
+      </a:fontRef>
+    </dgm:style>
+  </dgm:styleLbl>
+  <dgm:styleLbl name="asst4">
+    <dgm:scene3d>
+      <a:camera prst="orthographicFront"/>
+      <a:lightRig rig="threePt" dir="t"/>
+    </dgm:scene3d>
+    <dgm:sp3d/>
+    <dgm:txPr/>
+    <dgm:style>
+      <a:lnRef idx="2">
+        <a:scrgbClr r="0" g="0" b="0"/>
+      </a:lnRef>
+      <a:fillRef idx="1">
+        <a:scrgbClr r="0" g="0" b="0"/>
+      </a:fillRef>
+      <a:effectRef idx="0">
+        <a:scrgbClr r="0" g="0" b="0"/>
+      </a:effectRef>
+      <a:fontRef idx="minor">
+        <a:schemeClr val="lt1"/>
+      </a:fontRef>
+    </dgm:style>
+  </dgm:styleLbl>
+  <dgm:styleLbl name="parChTrans2D1">
+    <dgm:scene3d>
+      <a:camera prst="orthographicFront"/>
+      <a:lightRig rig="threePt" dir="t"/>
+    </dgm:scene3d>
+    <dgm:sp3d/>
+    <dgm:txPr/>
+    <dgm:style>
+      <a:lnRef idx="2">
+        <a:scrgbClr r="0" g="0" b="0"/>
+      </a:lnRef>
+      <a:fillRef idx="1">
+        <a:scrgbClr r="0" g="0" b="0"/>
+      </a:fillRef>
+      <a:effectRef idx="0">
+        <a:scrgbClr r="0" g="0" b="0"/>
+      </a:effectRef>
+      <a:fontRef idx="minor">
+        <a:schemeClr val="lt1"/>
+      </a:fontRef>
+    </dgm:style>
+  </dgm:styleLbl>
+  <dgm:styleLbl name="parChTrans2D2">
+    <dgm:scene3d>
+      <a:camera prst="orthographicFront"/>
+      <a:lightRig rig="threePt" dir="t"/>
+    </dgm:scene3d>
+    <dgm:sp3d/>
+    <dgm:txPr/>
+    <dgm:style>
+      <a:lnRef idx="2">
+        <a:scrgbClr r="0" g="0" b="0"/>
+      </a:lnRef>
+      <a:fillRef idx="1">
+        <a:scrgbClr r="0" g="0" b="0"/>
+      </a:fillRef>
+      <a:effectRef idx="0">
+        <a:scrgbClr r="0" g="0" b="0"/>
+      </a:effectRef>
+      <a:fontRef idx="minor">
+        <a:schemeClr val="lt1"/>
+      </a:fontRef>
+    </dgm:style>
+  </dgm:styleLbl>
+  <dgm:styleLbl name="parChTrans2D3">
+    <dgm:scene3d>
+      <a:camera prst="orthographicFront"/>
+      <a:lightRig rig="threePt" dir="t"/>
+    </dgm:scene3d>
+    <dgm:sp3d/>
+    <dgm:txPr/>
+    <dgm:style>
+      <a:lnRef idx="2">
+        <a:scrgbClr r="0" g="0" b="0"/>
+      </a:lnRef>
+      <a:fillRef idx="1">
+        <a:scrgbClr r="0" g="0" b="0"/>
+      </a:fillRef>
+      <a:effectRef idx="0">
+        <a:scrgbClr r="0" g="0" b="0"/>
+      </a:effectRef>
+      <a:fontRef idx="minor">
+        <a:schemeClr val="lt1"/>
+      </a:fontRef>
+    </dgm:style>
+  </dgm:styleLbl>
+  <dgm:styleLbl name="parChTrans2D4">
+    <dgm:scene3d>
+      <a:camera prst="orthographicFront"/>
+      <a:lightRig rig="threePt" dir="t"/>
+    </dgm:scene3d>
+    <dgm:sp3d/>
+    <dgm:txPr/>
+    <dgm:style>
+      <a:lnRef idx="2">
+        <a:scrgbClr r="0" g="0" b="0"/>
+      </a:lnRef>
+      <a:fillRef idx="1">
+        <a:scrgbClr r="0" g="0" b="0"/>
+      </a:fillRef>
+      <a:effectRef idx="0">
+        <a:scrgbClr r="0" g="0" b="0"/>
+      </a:effectRef>
+      <a:fontRef idx="minor">
+        <a:schemeClr val="lt1"/>
+      </a:fontRef>
+    </dgm:style>
+  </dgm:styleLbl>
+  <dgm:styleLbl name="parChTrans1D1">
+    <dgm:scene3d>
+      <a:camera prst="orthographicFront"/>
+      <a:lightRig rig="threePt" dir="t"/>
+    </dgm:scene3d>
+    <dgm:sp3d/>
+    <dgm:txPr/>
+    <dgm:style>
+      <a:lnRef idx="2">
+        <a:scrgbClr r="0" g="0" b="0"/>
+      </a:lnRef>
+      <a:fillRef idx="0">
+        <a:scrgbClr r="0" g="0" b="0"/>
+      </a:fillRef>
+      <a:effectRef idx="0">
+        <a:scrgbClr r="0" g="0" b="0"/>
+      </a:effectRef>
+      <a:fontRef idx="minor"/>
+    </dgm:style>
+  </dgm:styleLbl>
+  <dgm:styleLbl name="parChTrans1D2">
+    <dgm:scene3d>
+      <a:camera prst="orthographicFront"/>
+      <a:lightRig rig="threePt" dir="t"/>
+    </dgm:scene3d>
+    <dgm:sp3d/>
+    <dgm:txPr/>
+    <dgm:style>
+      <a:lnRef idx="2">
+        <a:scrgbClr r="0" g="0" b="0"/>
+      </a:lnRef>
+      <a:fillRef idx="0">
+        <a:scrgbClr r="0" g="0" b="0"/>
+      </a:fillRef>
+      <a:effectRef idx="0">
+        <a:scrgbClr r="0" g="0" b="0"/>
+      </a:effectRef>
+      <a:fontRef idx="minor"/>
+    </dgm:style>
+  </dgm:styleLbl>
+  <dgm:styleLbl name="parChTrans1D3">
+    <dgm:scene3d>
+      <a:camera prst="orthographicFront"/>
+      <a:lightRig rig="threePt" dir="t"/>
+    </dgm:scene3d>
+    <dgm:sp3d/>
+    <dgm:txPr/>
+    <dgm:style>
+      <a:lnRef idx="2">
+        <a:scrgbClr r="0" g="0" b="0"/>
+      </a:lnRef>
+      <a:fillRef idx="0">
+        <a:scrgbClr r="0" g="0" b="0"/>
+      </a:fillRef>
+      <a:effectRef idx="0">
+        <a:scrgbClr r="0" g="0" b="0"/>
+      </a:effectRef>
+      <a:fontRef idx="minor"/>
+    </dgm:style>
+  </dgm:styleLbl>
+  <dgm:styleLbl name="parChTrans1D4">
+    <dgm:scene3d>
+      <a:camera prst="orthographicFront"/>
+      <a:lightRig rig="threePt" dir="t"/>
+    </dgm:scene3d>
+    <dgm:sp3d/>
+    <dgm:txPr/>
+    <dgm:style>
+      <a:lnRef idx="2">
+        <a:scrgbClr r="0" g="0" b="0"/>
+      </a:lnRef>
+      <a:fillRef idx="0">
+        <a:scrgbClr r="0" g="0" b="0"/>
+      </a:fillRef>
+      <a:effectRef idx="0">
+        <a:scrgbClr r="0" g="0" b="0"/>
+      </a:effectRef>
+      <a:fontRef idx="minor"/>
+    </dgm:style>
+  </dgm:styleLbl>
+  <dgm:styleLbl name="fgAcc1">
+    <dgm:scene3d>
+      <a:camera prst="orthographicFront"/>
+      <a:lightRig rig="threePt" dir="t"/>
+    </dgm:scene3d>
+    <dgm:sp3d/>
+    <dgm:txPr/>
+    <dgm:style>
+      <a:lnRef idx="2">
+        <a:scrgbClr r="0" g="0" b="0"/>
+      </a:lnRef>
+      <a:fillRef idx="1">
+        <a:scrgbClr r="0" g="0" b="0"/>
+      </a:fillRef>
+      <a:effectRef idx="0">
+        <a:scrgbClr r="0" g="0" b="0"/>
+      </a:effectRef>
+      <a:fontRef idx="minor"/>
+    </dgm:style>
+  </dgm:styleLbl>
+  <dgm:styleLbl name="conFgAcc1">
+    <dgm:scene3d>
+      <a:camera prst="orthographicFront"/>
+      <a:lightRig rig="threePt" dir="t"/>
+    </dgm:scene3d>
+    <dgm:sp3d/>
+    <dgm:txPr/>
+    <dgm:style>
+      <a:lnRef idx="2">
+        <a:scrgbClr r="0" g="0" b="0"/>
+      </a:lnRef>
+      <a:fillRef idx="1">
+        <a:scrgbClr r="0" g="0" b="0"/>
+      </a:fillRef>
+      <a:effectRef idx="0">
+        <a:scrgbClr r="0" g="0" b="0"/>
+      </a:effectRef>
+      <a:fontRef idx="minor"/>
+    </dgm:style>
+  </dgm:styleLbl>
+  <dgm:styleLbl name="alignAcc1">
+    <dgm:scene3d>
+      <a:camera prst="orthographicFront"/>
+      <a:lightRig rig="threePt" dir="t"/>
+    </dgm:scene3d>
+    <dgm:sp3d/>
+    <dgm:txPr/>
+    <dgm:style>
+      <a:lnRef idx="2">
+        <a:scrgbClr r="0" g="0" b="0"/>
+      </a:lnRef>
+      <a:fillRef idx="1">
+        <a:scrgbClr r="0" g="0" b="0"/>
+      </a:fillRef>
+      <a:effectRef idx="0">
+        <a:scrgbClr r="0" g="0" b="0"/>
+      </a:effectRef>
+      <a:fontRef idx="minor"/>
+    </dgm:style>
+  </dgm:styleLbl>
+  <dgm:styleLbl name="trAlignAcc1">
+    <dgm:scene3d>
+      <a:camera prst="orthographicFront"/>
+      <a:lightRig rig="threePt" dir="t"/>
+    </dgm:scene3d>
+    <dgm:sp3d/>
+    <dgm:txPr/>
+    <dgm:style>
+      <a:lnRef idx="1">
+        <a:scrgbClr r="0" g="0" b="0"/>
+      </a:lnRef>
+      <a:fillRef idx="1">
+        <a:scrgbClr r="0" g="0" b="0"/>
+      </a:fillRef>
+      <a:effectRef idx="0">
+        <a:scrgbClr r="0" g="0" b="0"/>
+      </a:effectRef>
+      <a:fontRef idx="minor"/>
+    </dgm:style>
+  </dgm:styleLbl>
+  <dgm:styleLbl name="bgAcc1">
+    <dgm:scene3d>
+      <a:camera prst="orthographicFront"/>
+      <a:lightRig rig="threePt" dir="t"/>
+    </dgm:scene3d>
+    <dgm:sp3d/>
+    <dgm:txPr/>
+    <dgm:style>
+      <a:lnRef idx="2">
+        <a:scrgbClr r="0" g="0" b="0"/>
+      </a:lnRef>
+      <a:fillRef idx="1">
+        <a:scrgbClr r="0" g="0" b="0"/>
+      </a:fillRef>
+      <a:effectRef idx="0">
+        <a:scrgbClr r="0" g="0" b="0"/>
+      </a:effectRef>
+      <a:fontRef idx="minor"/>
+    </dgm:style>
+  </dgm:styleLbl>
+  <dgm:styleLbl name="solidFgAcc1">
+    <dgm:scene3d>
+      <a:camera prst="orthographicFront"/>
+      <a:lightRig rig="threePt" dir="t"/>
+    </dgm:scene3d>
+    <dgm:sp3d/>
+    <dgm:txPr/>
+    <dgm:style>
+      <a:lnRef idx="2">
+        <a:scrgbClr r="0" g="0" b="0"/>
+      </a:lnRef>
+      <a:fillRef idx="1">
+        <a:scrgbClr r="0" g="0" b="0"/>
+      </a:fillRef>
+      <a:effectRef idx="0">
+        <a:scrgbClr r="0" g="0" b="0"/>
+      </a:effectRef>
+      <a:fontRef idx="minor"/>
+    </dgm:style>
+  </dgm:styleLbl>
+  <dgm:styleLbl name="solidAlignAcc1">
+    <dgm:scene3d>
+      <a:camera prst="orthographicFront"/>
+      <a:lightRig rig="threePt" dir="t"/>
+    </dgm:scene3d>
+    <dgm:sp3d/>
+    <dgm:txPr/>
+    <dgm:style>
+      <a:lnRef idx="2">
+        <a:scrgbClr r="0" g="0" b="0"/>
+      </a:lnRef>
+      <a:fillRef idx="1">
+        <a:scrgbClr r="0" g="0" b="0"/>
+      </a:fillRef>
+      <a:effectRef idx="0">
+        <a:scrgbClr r="0" g="0" b="0"/>
+      </a:effectRef>
+      <a:fontRef idx="minor"/>
+    </dgm:style>
+  </dgm:styleLbl>
+  <dgm:styleLbl name="solidBgAcc1">
+    <dgm:scene3d>
+      <a:camera prst="orthographicFront"/>
+      <a:lightRig rig="threePt" dir="t"/>
+    </dgm:scene3d>
+    <dgm:sp3d/>
+    <dgm:txPr/>
+    <dgm:style>
+      <a:lnRef idx="2">
+        <a:scrgbClr r="0" g="0" b="0"/>
+      </a:lnRef>
+      <a:fillRef idx="1">
+        <a:scrgbClr r="0" g="0" b="0"/>
+      </a:fillRef>
+      <a:effectRef idx="0">
+        <a:scrgbClr r="0" g="0" b="0"/>
+      </a:effectRef>
+      <a:fontRef idx="minor"/>
+    </dgm:style>
+  </dgm:styleLbl>
+  <dgm:styleLbl name="fgAccFollowNode1">
+    <dgm:scene3d>
+      <a:camera prst="orthographicFront"/>
+      <a:lightRig rig="threePt" dir="t"/>
+    </dgm:scene3d>
+    <dgm:sp3d/>
+    <dgm:txPr/>
+    <dgm:style>
+      <a:lnRef idx="2">
+        <a:scrgbClr r="0" g="0" b="0"/>
+      </a:lnRef>
+      <a:fillRef idx="1">
+        <a:scrgbClr r="0" g="0" b="0"/>
+      </a:fillRef>
+      <a:effectRef idx="0">
+        <a:scrgbClr r="0" g="0" b="0"/>
+      </a:effectRef>
+      <a:fontRef idx="minor"/>
+    </dgm:style>
+  </dgm:styleLbl>
+  <dgm:styleLbl name="alignAccFollowNode1">
+    <dgm:scene3d>
+      <a:camera prst="orthographicFront"/>
+      <a:lightRig rig="threePt" dir="t"/>
+    </dgm:scene3d>
+    <dgm:sp3d/>
+    <dgm:txPr/>
+    <dgm:style>
+      <a:lnRef idx="2">
+        <a:scrgbClr r="0" g="0" b="0"/>
+      </a:lnRef>
+      <a:fillRef idx="1">
+        <a:scrgbClr r="0" g="0" b="0"/>
+      </a:fillRef>
+      <a:effectRef idx="0">
+        <a:scrgbClr r="0" g="0" b="0"/>
+      </a:effectRef>
+      <a:fontRef idx="minor"/>
+    </dgm:style>
+  </dgm:styleLbl>
+  <dgm:styleLbl name="bgAccFollowNode1">
+    <dgm:scene3d>
+      <a:camera prst="orthographicFront"/>
+      <a:lightRig rig="threePt" dir="t"/>
+    </dgm:scene3d>
+    <dgm:sp3d/>
+    <dgm:txPr/>
+    <dgm:style>
+      <a:lnRef idx="2">
+        <a:scrgbClr r="0" g="0" b="0"/>
+      </a:lnRef>
+      <a:fillRef idx="1">
+        <a:scrgbClr r="0" g="0" b="0"/>
+      </a:fillRef>
+      <a:effectRef idx="0">
+        <a:scrgbClr r="0" g="0" b="0"/>
+      </a:effectRef>
+      <a:fontRef idx="minor"/>
+    </dgm:style>
+  </dgm:styleLbl>
+  <dgm:styleLbl name="fgAcc0">
+    <dgm:scene3d>
+      <a:camera prst="orthographicFront"/>
+      <a:lightRig rig="threePt" dir="t"/>
+    </dgm:scene3d>
+    <dgm:sp3d/>
+    <dgm:txPr/>
+    <dgm:style>
+      <a:lnRef idx="2">
+        <a:scrgbClr r="0" g="0" b="0"/>
+      </a:lnRef>
+      <a:fillRef idx="1">
+        <a:scrgbClr r="0" g="0" b="0"/>
+      </a:fillRef>
+      <a:effectRef idx="0">
+        <a:scrgbClr r="0" g="0" b="0"/>
+      </a:effectRef>
+      <a:fontRef idx="minor"/>
+    </dgm:style>
+  </dgm:styleLbl>
+  <dgm:styleLbl name="fgAcc2">
+    <dgm:scene3d>
+      <a:camera prst="orthographicFront"/>
+      <a:lightRig rig="threePt" dir="t"/>
+    </dgm:scene3d>
+    <dgm:sp3d/>
+    <dgm:txPr/>
+    <dgm:style>
+      <a:lnRef idx="2">
+        <a:scrgbClr r="0" g="0" b="0"/>
+      </a:lnRef>
+      <a:fillRef idx="1">
+        <a:scrgbClr r="0" g="0" b="0"/>
+      </a:fillRef>
+      <a:effectRef idx="0">
+        <a:scrgbClr r="0" g="0" b="0"/>
+      </a:effectRef>
+      <a:fontRef idx="minor"/>
+    </dgm:style>
+  </dgm:styleLbl>
+  <dgm:styleLbl name="fgAcc3">
+    <dgm:scene3d>
+      <a:camera prst="orthographicFront"/>
+      <a:lightRig rig="threePt" dir="t"/>
+    </dgm:scene3d>
+    <dgm:sp3d/>
+    <dgm:txPr/>
+    <dgm:style>
+      <a:lnRef idx="2">
+        <a:scrgbClr r="0" g="0" b="0"/>
+      </a:lnRef>
+      <a:fillRef idx="1">
+        <a:scrgbClr r="0" g="0" b="0"/>
+      </a:fillRef>
+      <a:effectRef idx="0">
+        <a:scrgbClr r="0" g="0" b="0"/>
+      </a:effectRef>
+      <a:fontRef idx="minor"/>
+    </dgm:style>
+  </dgm:styleLbl>
+  <dgm:styleLbl name="fgAcc4">
+    <dgm:scene3d>
+      <a:camera prst="orthographicFront"/>
+      <a:lightRig rig="threePt" dir="t"/>
+    </dgm:scene3d>
+    <dgm:sp3d/>
+    <dgm:txPr/>
+    <dgm:style>
+      <a:lnRef idx="2">
+        <a:scrgbClr r="0" g="0" b="0"/>
+      </a:lnRef>
+      <a:fillRef idx="1">
+        <a:scrgbClr r="0" g="0" b="0"/>
+      </a:fillRef>
+      <a:effectRef idx="0">
+        <a:scrgbClr r="0" g="0" b="0"/>
+      </a:effectRef>
+      <a:fontRef idx="minor"/>
+    </dgm:style>
+  </dgm:styleLbl>
+  <dgm:styleLbl name="bgShp">
+    <dgm:scene3d>
+      <a:camera prst="orthographicFront"/>
+      <a:lightRig rig="threePt" dir="t"/>
+    </dgm:scene3d>
+    <dgm:sp3d/>
+    <dgm:txPr/>
+    <dgm:style>
+      <a:lnRef idx="0">
+        <a:scrgbClr r="0" g="0" b="0"/>
+      </a:lnRef>
+      <a:fillRef idx="1">
+        <a:scrgbClr r="0" g="0" b="0"/>
+      </a:fillRef>
+      <a:effectRef idx="0">
+        <a:scrgbClr r="0" g="0" b="0"/>
+      </a:effectRef>
+      <a:fontRef idx="minor"/>
+    </dgm:style>
+  </dgm:styleLbl>
+  <dgm:styleLbl name="dkBgShp">
+    <dgm:scene3d>
+      <a:camera prst="orthographicFront"/>
+      <a:lightRig rig="threePt" dir="t"/>
+    </dgm:scene3d>
+    <dgm:sp3d/>
+    <dgm:txPr/>
+    <dgm:style>
+      <a:lnRef idx="0">
+        <a:scrgbClr r="0" g="0" b="0"/>
+      </a:lnRef>
+      <a:fillRef idx="1">
+        <a:scrgbClr r="0" g="0" b="0"/>
+      </a:fillRef>
+      <a:effectRef idx="0">
+        <a:scrgbClr r="0" g="0" b="0"/>
+      </a:effectRef>
+      <a:fontRef idx="minor"/>
+    </dgm:style>
+  </dgm:styleLbl>
+  <dgm:styleLbl name="trBgShp">
+    <dgm:scene3d>
+      <a:camera prst="orthographicFront"/>
+      <a:lightRig rig="threePt" dir="t"/>
+    </dgm:scene3d>
+    <dgm:sp3d/>
+    <dgm:txPr/>
+    <dgm:style>
+      <a:lnRef idx="0">
+        <a:scrgbClr r="0" g="0" b="0"/>
+      </a:lnRef>
+      <a:fillRef idx="1">
+        <a:scrgbClr r="0" g="0" b="0"/>
+      </a:fillRef>
+      <a:effectRef idx="0">
+        <a:scrgbClr r="0" g="0" b="0"/>
+      </a:effectRef>
+      <a:fontRef idx="minor"/>
+    </dgm:style>
+  </dgm:styleLbl>
+  <dgm:styleLbl name="fgShp">
+    <dgm:scene3d>
+      <a:camera prst="orthographicFront"/>
+      <a:lightRig rig="threePt" dir="t"/>
+    </dgm:scene3d>
+    <dgm:sp3d/>
+    <dgm:txPr/>
+    <dgm:style>
+      <a:lnRef idx="2">
+        <a:scrgbClr r="0" g="0" b="0"/>
+      </a:lnRef>
+      <a:fillRef idx="1">
+        <a:scrgbClr r="0" g="0" b="0"/>
+      </a:fillRef>
+      <a:effectRef idx="0">
+        <a:scrgbClr r="0" g="0" b="0"/>
+      </a:effectRef>
+      <a:fontRef idx="minor"/>
+    </dgm:style>
+  </dgm:styleLbl>
+  <dgm:styleLbl name="revTx">
+    <dgm:scene3d>
+      <a:camera prst="orthographicFront"/>
+      <a:lightRig rig="threePt" dir="t"/>
+    </dgm:scene3d>
+    <dgm:sp3d/>
+    <dgm:txPr/>
+    <dgm:style>
+      <a:lnRef idx="0">
+        <a:scrgbClr r="0" g="0" b="0"/>
+      </a:lnRef>
+      <a:fillRef idx="0">
+        <a:scrgbClr r="0" g="0" b="0"/>
+      </a:fillRef>
+      <a:effectRef idx="0">
+        <a:scrgbClr r="0" g="0" b="0"/>
+      </a:effectRef>
+      <a:fontRef idx="minor"/>
+    </dgm:style>
+  </dgm:styleLbl>
+</dgm:styleDef>
+</file>
+
+<file path=ppt/diagrams/quickStyle4.xml><?xml version="1.0" encoding="utf-8"?>
+<dgm:styleDef xmlns:dgm="http://schemas.openxmlformats.org/drawingml/2006/diagram" xmlns:a="http://schemas.openxmlformats.org/drawingml/2006/main" uniqueId="urn:microsoft.com/office/officeart/2005/8/quickstyle/3d6">
+  <dgm:title val=""/>
+  <dgm:desc val=""/>
+  <dgm:catLst>
+    <dgm:cat type="3D" pri="11600"/>
+  </dgm:catLst>
+  <dgm:scene3d>
+    <a:camera prst="perspectiveRelaxedModerately" zoom="92000"/>
+    <a:lightRig rig="balanced" dir="t">
+      <a:rot lat="0" lon="0" rev="12700000"/>
+    </a:lightRig>
+  </dgm:scene3d>
+  <dgm:styleLbl name="node0">
+    <dgm:scene3d>
+      <a:camera prst="orthographicFront"/>
+      <a:lightRig rig="threePt" dir="t"/>
+    </dgm:scene3d>
+    <dgm:sp3d prstMaterial="plastic">
+      <a:bevelT w="50800" h="50800"/>
+      <a:bevelB w="50800" h="50800"/>
+    </dgm:sp3d>
+    <dgm:txPr/>
+    <dgm:style>
+      <a:lnRef idx="0">
+        <a:scrgbClr r="0" g="0" b="0"/>
+      </a:lnRef>
+      <a:fillRef idx="1">
+        <a:scrgbClr r="0" g="0" b="0"/>
+      </a:fillRef>
+      <a:effectRef idx="2">
+        <a:scrgbClr r="0" g="0" b="0"/>
+      </a:effectRef>
+      <a:fontRef idx="minor">
+        <a:schemeClr val="lt1"/>
+      </a:fontRef>
+    </dgm:style>
+  </dgm:styleLbl>
+  <dgm:styleLbl name="lnNode1">
+    <dgm:scene3d>
+      <a:camera prst="orthographicFront"/>
+      <a:lightRig rig="threePt" dir="t"/>
+    </dgm:scene3d>
+    <dgm:sp3d prstMaterial="plastic">
+      <a:bevelT w="50800" h="50800"/>
+      <a:bevelB w="50800" h="50800"/>
+    </dgm:sp3d>
+    <dgm:txPr/>
+    <dgm:style>
+      <a:lnRef idx="0">
+        <a:scrgbClr r="0" g="0" b="0"/>
+      </a:lnRef>
+      <a:fillRef idx="1">
+        <a:scrgbClr r="0" g="0" b="0"/>
+      </a:fillRef>
+      <a:effectRef idx="2">
+        <a:scrgbClr r="0" g="0" b="0"/>
+      </a:effectRef>
+      <a:fontRef idx="minor">
+        <a:schemeClr val="lt1"/>
+      </a:fontRef>
+    </dgm:style>
+  </dgm:styleLbl>
+  <dgm:styleLbl name="vennNode1">
+    <dgm:scene3d>
+      <a:camera prst="orthographicFront"/>
+      <a:lightRig rig="threePt" dir="t"/>
+    </dgm:scene3d>
+    <dgm:sp3d prstMaterial="plastic">
+      <a:bevelT w="50800" h="50800"/>
+      <a:bevelB w="50800" h="50800"/>
+    </dgm:sp3d>
+    <dgm:txPr/>
+    <dgm:style>
+      <a:lnRef idx="0">
+        <a:scrgbClr r="0" g="0" b="0"/>
+      </a:lnRef>
+      <a:fillRef idx="1">
+        <a:scrgbClr r="0" g="0" b="0"/>
+      </a:fillRef>
+      <a:effectRef idx="2">
+        <a:scrgbClr r="0" g="0" b="0"/>
+      </a:effectRef>
+      <a:fontRef idx="minor">
+        <a:schemeClr val="tx1"/>
+      </a:fontRef>
+    </dgm:style>
+  </dgm:styleLbl>
+  <dgm:styleLbl name="alignNode1">
+    <dgm:scene3d>
+      <a:camera prst="orthographicFront"/>
+      <a:lightRig rig="threePt" dir="t"/>
+    </dgm:scene3d>
+    <dgm:sp3d prstMaterial="plastic">
+      <a:bevelT w="50800" h="50800"/>
+      <a:bevelB w="50800" h="50800"/>
+    </dgm:sp3d>
+    <dgm:txPr/>
+    <dgm:style>
+      <a:lnRef idx="1">
+        <a:scrgbClr r="0" g="0" b="0"/>
+      </a:lnRef>
+      <a:fillRef idx="1">
+        <a:scrgbClr r="0" g="0" b="0"/>
+      </a:fillRef>
+      <a:effectRef idx="2">
+        <a:scrgbClr r="0" g="0" b="0"/>
+      </a:effectRef>
+      <a:fontRef idx="minor">
+        <a:schemeClr val="lt1"/>
+      </a:fontRef>
+    </dgm:style>
+  </dgm:styleLbl>
+  <dgm:styleLbl name="node1">
+    <dgm:scene3d>
+      <a:camera prst="orthographicFront"/>
+      <a:lightRig rig="threePt" dir="t"/>
+    </dgm:scene3d>
+    <dgm:sp3d prstMaterial="plastic">
+      <a:bevelT w="50800" h="50800"/>
+      <a:bevelB w="50800" h="50800"/>
+    </dgm:sp3d>
+    <dgm:txPr/>
+    <dgm:style>
+      <a:lnRef idx="0">
+        <a:scrgbClr r="0" g="0" b="0"/>
+      </a:lnRef>
+      <a:fillRef idx="1">
+        <a:scrgbClr r="0" g="0" b="0"/>
+      </a:fillRef>
+      <a:effectRef idx="2">
+        <a:scrgbClr r="0" g="0" b="0"/>
+      </a:effectRef>
+      <a:fontRef idx="minor">
+        <a:schemeClr val="lt1"/>
+      </a:fontRef>
+    </dgm:style>
+  </dgm:styleLbl>
+  <dgm:styleLbl name="node2">
+    <dgm:scene3d>
+      <a:camera prst="orthographicFront"/>
+      <a:lightRig rig="threePt" dir="t"/>
+    </dgm:scene3d>
+    <dgm:sp3d prstMaterial="plastic">
+      <a:bevelT w="50800" h="50800"/>
+      <a:bevelB w="50800" h="50800"/>
+    </dgm:sp3d>
+    <dgm:txPr/>
+    <dgm:style>
+      <a:lnRef idx="0">
+        <a:scrgbClr r="0" g="0" b="0"/>
+      </a:lnRef>
+      <a:fillRef idx="1">
+        <a:scrgbClr r="0" g="0" b="0"/>
+      </a:fillRef>
+      <a:effectRef idx="2">
+        <a:scrgbClr r="0" g="0" b="0"/>
+      </a:effectRef>
+      <a:fontRef idx="minor">
+        <a:schemeClr val="lt1"/>
+      </a:fontRef>
+    </dgm:style>
+  </dgm:styleLbl>
+  <dgm:styleLbl name="node3">
+    <dgm:scene3d>
+      <a:camera prst="orthographicFront"/>
+      <a:lightRig rig="threePt" dir="t"/>
+    </dgm:scene3d>
+    <dgm:sp3d prstMaterial="plastic">
+      <a:bevelT w="50800" h="50800"/>
+      <a:bevelB w="50800" h="50800"/>
+    </dgm:sp3d>
+    <dgm:txPr/>
+    <dgm:style>
+      <a:lnRef idx="0">
+        <a:scrgbClr r="0" g="0" b="0"/>
+      </a:lnRef>
+      <a:fillRef idx="1">
+        <a:scrgbClr r="0" g="0" b="0"/>
+      </a:fillRef>
+      <a:effectRef idx="2">
+        <a:scrgbClr r="0" g="0" b="0"/>
+      </a:effectRef>
+      <a:fontRef idx="minor">
+        <a:schemeClr val="lt1"/>
+      </a:fontRef>
+    </dgm:style>
+  </dgm:styleLbl>
+  <dgm:styleLbl name="node4">
+    <dgm:scene3d>
+      <a:camera prst="orthographicFront"/>
+      <a:lightRig rig="threePt" dir="t"/>
+    </dgm:scene3d>
+    <dgm:sp3d prstMaterial="plastic">
+      <a:bevelT w="50800" h="50800"/>
+      <a:bevelB w="50800" h="50800"/>
+    </dgm:sp3d>
+    <dgm:txPr/>
+    <dgm:style>
+      <a:lnRef idx="0">
+        <a:scrgbClr r="0" g="0" b="0"/>
+      </a:lnRef>
+      <a:fillRef idx="1">
+        <a:scrgbClr r="0" g="0" b="0"/>
+      </a:fillRef>
+      <a:effectRef idx="2">
+        <a:scrgbClr r="0" g="0" b="0"/>
+      </a:effectRef>
+      <a:fontRef idx="minor">
+        <a:schemeClr val="lt1"/>
+      </a:fontRef>
+    </dgm:style>
+  </dgm:styleLbl>
+  <dgm:styleLbl name="fgImgPlace1">
+    <dgm:scene3d>
+      <a:camera prst="orthographicFront"/>
+      <a:lightRig rig="threePt" dir="t"/>
+    </dgm:scene3d>
+    <dgm:sp3d z="50080" prstMaterial="plastic">
+      <a:bevelT w="50800" h="50800"/>
+      <a:bevelB w="50800" h="50800"/>
+    </dgm:sp3d>
+    <dgm:txPr/>
+    <dgm:style>
+      <a:lnRef idx="0">
+        <a:scrgbClr r="0" g="0" b="0"/>
+      </a:lnRef>
+      <a:fillRef idx="1">
+        <a:scrgbClr r="0" g="0" b="0"/>
+      </a:fillRef>
+      <a:effectRef idx="2">
+        <a:scrgbClr r="0" g="0" b="0"/>
+      </a:effectRef>
+      <a:fontRef idx="minor"/>
+    </dgm:style>
+  </dgm:styleLbl>
+  <dgm:styleLbl name="alignImgPlace1">
+    <dgm:scene3d>
+      <a:camera prst="orthographicFront"/>
+      <a:lightRig rig="threePt" dir="t"/>
+    </dgm:scene3d>
+    <dgm:sp3d prstMaterial="plastic">
+      <a:bevelT w="50800" h="50800"/>
+      <a:bevelB w="50800" h="50800"/>
+    </dgm:sp3d>
+    <dgm:txPr/>
+    <dgm:style>
+      <a:lnRef idx="0">
+        <a:scrgbClr r="0" g="0" b="0"/>
+      </a:lnRef>
+      <a:fillRef idx="1">
+        <a:scrgbClr r="0" g="0" b="0"/>
+      </a:fillRef>
+      <a:effectRef idx="2">
+        <a:scrgbClr r="0" g="0" b="0"/>
+      </a:effectRef>
+      <a:fontRef idx="minor"/>
+    </dgm:style>
+  </dgm:styleLbl>
+  <dgm:styleLbl name="bgImgPlace1">
+    <dgm:scene3d>
+      <a:camera prst="orthographicFront"/>
+      <a:lightRig rig="threePt" dir="t"/>
+    </dgm:scene3d>
+    <dgm:sp3d z="-54000" prstMaterial="plastic">
+      <a:bevelT w="50800" h="50800"/>
+      <a:bevelB w="50800" h="50800"/>
+    </dgm:sp3d>
+    <dgm:txPr/>
+    <dgm:style>
+      <a:lnRef idx="0">
+        <a:scrgbClr r="0" g="0" b="0"/>
+      </a:lnRef>
+      <a:fillRef idx="1">
+        <a:scrgbClr r="0" g="0" b="0"/>
+      </a:fillRef>
+      <a:effectRef idx="2">
+        <a:scrgbClr r="0" g="0" b="0"/>
+      </a:effectRef>
+      <a:fontRef idx="minor"/>
+    </dgm:style>
+  </dgm:styleLbl>
+  <dgm:styleLbl name="sibTrans2D1">
+    <dgm:scene3d>
+      <a:camera prst="orthographicFront"/>
+      <a:lightRig rig="threePt" dir="t"/>
+    </dgm:scene3d>
+    <dgm:sp3d z="-25400" prstMaterial="plastic">
+      <a:bevelT w="25400" h="25400"/>
+      <a:bevelB w="25400" h="25400"/>
+    </dgm:sp3d>
+    <dgm:txPr/>
+    <dgm:style>
+      <a:lnRef idx="1">
+        <a:scrgbClr r="0" g="0" b="0"/>
+      </a:lnRef>
+      <a:fillRef idx="1">
+        <a:scrgbClr r="0" g="0" b="0"/>
+      </a:fillRef>
+      <a:effectRef idx="2">
+        <a:scrgbClr r="0" g="0" b="0"/>
+      </a:effectRef>
+      <a:fontRef idx="minor">
+        <a:schemeClr val="lt1"/>
+      </a:fontRef>
+    </dgm:style>
+  </dgm:styleLbl>
+  <dgm:styleLbl name="fgSibTrans2D1">
+    <dgm:scene3d>
+      <a:camera prst="orthographicFront"/>
+      <a:lightRig rig="threePt" dir="t"/>
+    </dgm:scene3d>
+    <dgm:sp3d z="50080" prstMaterial="plastic">
+      <a:bevelT w="25400" h="25400"/>
+      <a:bevelB w="25400" h="25400"/>
+    </dgm:sp3d>
+    <dgm:txPr/>
+    <dgm:style>
+      <a:lnRef idx="1">
+        <a:scrgbClr r="0" g="0" b="0"/>
+      </a:lnRef>
+      <a:fillRef idx="1">
+        <a:scrgbClr r="0" g="0" b="0"/>
+      </a:fillRef>
+      <a:effectRef idx="2">
+        <a:scrgbClr r="0" g="0" b="0"/>
+      </a:effectRef>
+      <a:fontRef idx="minor">
+        <a:schemeClr val="lt1"/>
+      </a:fontRef>
+    </dgm:style>
+  </dgm:styleLbl>
+  <dgm:styleLbl name="bgSibTrans2D1">
+    <dgm:scene3d>
+      <a:camera prst="orthographicFront"/>
+      <a:lightRig rig="threePt" dir="t"/>
+    </dgm:scene3d>
+    <dgm:sp3d z="-54080" prstMaterial="plastic">
+      <a:bevelT w="25400" h="25400"/>
+      <a:bevelB w="25400" h="25400"/>
+    </dgm:sp3d>
+    <dgm:txPr/>
+    <dgm:style>
+      <a:lnRef idx="1">
+        <a:scrgbClr r="0" g="0" b="0"/>
+      </a:lnRef>
+      <a:fillRef idx="1">
+        <a:scrgbClr r="0" g="0" b="0"/>
+      </a:fillRef>
+      <a:effectRef idx="2">
+        <a:scrgbClr r="0" g="0" b="0"/>
+      </a:effectRef>
+      <a:fontRef idx="minor">
+        <a:schemeClr val="lt1"/>
+      </a:fontRef>
+    </dgm:style>
+  </dgm:styleLbl>
+  <dgm:styleLbl name="sibTrans1D1">
+    <dgm:scene3d>
+      <a:camera prst="orthographicFront"/>
+      <a:lightRig rig="threePt" dir="t"/>
+    </dgm:scene3d>
+    <dgm:sp3d z="-25400" prstMaterial="plastic"/>
+    <dgm:txPr/>
+    <dgm:style>
+      <a:lnRef idx="1">
+        <a:scrgbClr r="0" g="0" b="0"/>
+      </a:lnRef>
+      <a:fillRef idx="0">
+        <a:scrgbClr r="0" g="0" b="0"/>
+      </a:fillRef>
+      <a:effectRef idx="0">
+        <a:scrgbClr r="0" g="0" b="0"/>
+      </a:effectRef>
+      <a:fontRef idx="minor"/>
+    </dgm:style>
+  </dgm:styleLbl>
+  <dgm:styleLbl name="callout">
+    <dgm:scene3d>
+      <a:camera prst="orthographicFront"/>
+      <a:lightRig rig="threePt" dir="t"/>
+    </dgm:scene3d>
+    <dgm:sp3d z="75000" prstMaterial="plastic"/>
+    <dgm:txPr/>
+    <dgm:style>
+      <a:lnRef idx="2">
+        <a:scrgbClr r="0" g="0" b="0"/>
+      </a:lnRef>
+      <a:fillRef idx="1">
+        <a:scrgbClr r="0" g="0" b="0"/>
+      </a:fillRef>
+      <a:effectRef idx="0">
+        <a:scrgbClr r="0" g="0" b="0"/>
+      </a:effectRef>
+      <a:fontRef idx="minor"/>
+    </dgm:style>
+  </dgm:styleLbl>
+  <dgm:styleLbl name="asst0">
+    <dgm:scene3d>
+      <a:camera prst="orthographicFront"/>
+      <a:lightRig rig="threePt" dir="t"/>
+    </dgm:scene3d>
+    <dgm:sp3d prstMaterial="plastic">
+      <a:bevelT w="50800" h="50800"/>
+      <a:bevelB w="50800" h="50800"/>
+    </dgm:sp3d>
+    <dgm:txPr/>
+    <dgm:style>
+      <a:lnRef idx="0">
+        <a:scrgbClr r="0" g="0" b="0"/>
+      </a:lnRef>
+      <a:fillRef idx="1">
+        <a:scrgbClr r="0" g="0" b="0"/>
+      </a:fillRef>
+      <a:effectRef idx="2">
+        <a:scrgbClr r="0" g="0" b="0"/>
+      </a:effectRef>
+      <a:fontRef idx="minor">
+        <a:schemeClr val="lt1"/>
+      </a:fontRef>
+    </dgm:style>
+  </dgm:styleLbl>
+  <dgm:styleLbl name="asst1">
+    <dgm:scene3d>
+      <a:camera prst="orthographicFront"/>
+      <a:lightRig rig="threePt" dir="t"/>
+    </dgm:scene3d>
+    <dgm:sp3d prstMaterial="plastic">
+      <a:bevelT w="50800" h="50800"/>
+      <a:bevelB w="50800" h="50800"/>
+    </dgm:sp3d>
+    <dgm:txPr/>
+    <dgm:style>
+      <a:lnRef idx="0">
+        <a:scrgbClr r="0" g="0" b="0"/>
+      </a:lnRef>
+      <a:fillRef idx="1">
+        <a:scrgbClr r="0" g="0" b="0"/>
+      </a:fillRef>
+      <a:effectRef idx="2">
+        <a:scrgbClr r="0" g="0" b="0"/>
+      </a:effectRef>
+      <a:fontRef idx="minor">
+        <a:schemeClr val="lt1"/>
+      </a:fontRef>
+    </dgm:style>
+  </dgm:styleLbl>
+  <dgm:styleLbl name="asst2">
+    <dgm:scene3d>
+      <a:camera prst="orthographicFront"/>
+      <a:lightRig rig="threePt" dir="t"/>
+    </dgm:scene3d>
+    <dgm:sp3d prstMaterial="plastic">
+      <a:bevelT w="50800" h="50800"/>
+      <a:bevelB w="50800" h="50800"/>
+    </dgm:sp3d>
+    <dgm:txPr/>
+    <dgm:style>
+      <a:lnRef idx="0">
+        <a:scrgbClr r="0" g="0" b="0"/>
+      </a:lnRef>
+      <a:fillRef idx="1">
+        <a:scrgbClr r="0" g="0" b="0"/>
+      </a:fillRef>
+      <a:effectRef idx="2">
+        <a:scrgbClr r="0" g="0" b="0"/>
+      </a:effectRef>
+      <a:fontRef idx="minor">
+        <a:schemeClr val="lt1"/>
+      </a:fontRef>
+    </dgm:style>
+  </dgm:styleLbl>
+  <dgm:styleLbl name="asst3">
+    <dgm:scene3d>
+      <a:camera prst="orthographicFront"/>
+      <a:lightRig rig="threePt" dir="t"/>
+    </dgm:scene3d>
+    <dgm:sp3d prstMaterial="plastic">
+      <a:bevelT w="50800" h="50800"/>
+      <a:bevelB w="50800" h="50800"/>
+    </dgm:sp3d>
+    <dgm:txPr/>
+    <dgm:style>
+      <a:lnRef idx="0">
+        <a:scrgbClr r="0" g="0" b="0"/>
+      </a:lnRef>
+      <a:fillRef idx="1">
+        <a:scrgbClr r="0" g="0" b="0"/>
+      </a:fillRef>
+      <a:effectRef idx="2">
+        <a:scrgbClr r="0" g="0" b="0"/>
+      </a:effectRef>
+      <a:fontRef idx="minor">
+        <a:schemeClr val="lt1"/>
+      </a:fontRef>
+    </dgm:style>
+  </dgm:styleLbl>
+  <dgm:styleLbl name="parChTrans2D1">
+    <dgm:scene3d>
+      <a:camera prst="orthographicFront"/>
+      <a:lightRig rig="threePt" dir="t"/>
+    </dgm:scene3d>
+    <dgm:sp3d z="-25400" prstMaterial="plastic">
+      <a:bevelT w="25400" h="25400"/>
+      <a:bevelB w="25400" h="25400"/>
+    </dgm:sp3d>
+    <dgm:txPr/>
+    <dgm:style>
+      <a:lnRef idx="0">
+        <a:scrgbClr r="0" g="0" b="0"/>
+      </a:lnRef>
+      <a:fillRef idx="1">
+        <a:scrgbClr r="0" g="0" b="0"/>
+      </a:fillRef>
+      <a:effectRef idx="2">
+        <a:scrgbClr r="0" g="0" b="0"/>
+      </a:effectRef>
+      <a:fontRef idx="minor">
+        <a:schemeClr val="lt1"/>
+      </a:fontRef>
+    </dgm:style>
+  </dgm:styleLbl>
+  <dgm:styleLbl name="parChTrans2D2">
+    <dgm:scene3d>
+      <a:camera prst="orthographicFront"/>
+      <a:lightRig rig="threePt" dir="t"/>
+    </dgm:scene3d>
+    <dgm:sp3d z="-25400" prstMaterial="plastic">
+      <a:bevelT w="25400" h="25400"/>
+      <a:bevelB w="25400" h="25400"/>
+    </dgm:sp3d>
+    <dgm:txPr/>
+    <dgm:style>
+      <a:lnRef idx="0">
+        <a:scrgbClr r="0" g="0" b="0"/>
+      </a:lnRef>
+      <a:fillRef idx="1">
+        <a:scrgbClr r="0" g="0" b="0"/>
+      </a:fillRef>
+      <a:effectRef idx="2">
+        <a:scrgbClr r="0" g="0" b="0"/>
+      </a:effectRef>
+      <a:fontRef idx="minor">
+        <a:schemeClr val="lt1"/>
+      </a:fontRef>
+    </dgm:style>
+  </dgm:styleLbl>
+  <dgm:styleLbl name="parChTrans2D3">
+    <dgm:scene3d>
+      <a:camera prst="orthographicFront"/>
+      <a:lightRig rig="threePt" dir="t"/>
+    </dgm:scene3d>
+    <dgm:sp3d z="-25400" prstMaterial="plastic">
+      <a:bevelT w="25400" h="25400"/>
+      <a:bevelB w="25400" h="25400"/>
+    </dgm:sp3d>
+    <dgm:txPr/>
+    <dgm:style>
+      <a:lnRef idx="0">
+        <a:scrgbClr r="0" g="0" b="0"/>
+      </a:lnRef>
+      <a:fillRef idx="1">
+        <a:scrgbClr r="0" g="0" b="0"/>
+      </a:fillRef>
+      <a:effectRef idx="2">
+        <a:scrgbClr r="0" g="0" b="0"/>
+      </a:effectRef>
+      <a:fontRef idx="minor">
+        <a:schemeClr val="lt1"/>
+      </a:fontRef>
+    </dgm:style>
+  </dgm:styleLbl>
+  <dgm:styleLbl name="parChTrans2D4">
+    <dgm:scene3d>
+      <a:camera prst="orthographicFront"/>
+      <a:lightRig rig="threePt" dir="t"/>
+    </dgm:scene3d>
+    <dgm:sp3d z="-25400" prstMaterial="plastic">
+      <a:bevelT w="25400" h="25400"/>
+      <a:bevelB w="25400" h="25400"/>
+    </dgm:sp3d>
+    <dgm:txPr/>
+    <dgm:style>
+      <a:lnRef idx="0">
+        <a:scrgbClr r="0" g="0" b="0"/>
+      </a:lnRef>
+      <a:fillRef idx="1">
+        <a:scrgbClr r="0" g="0" b="0"/>
+      </a:fillRef>
+      <a:effectRef idx="2">
+        <a:scrgbClr r="0" g="0" b="0"/>
+      </a:effectRef>
+      <a:fontRef idx="minor">
+        <a:schemeClr val="lt1"/>
+      </a:fontRef>
+    </dgm:style>
+  </dgm:styleLbl>
+  <dgm:styleLbl name="parChTrans1D1">
+    <dgm:scene3d>
+      <a:camera prst="orthographicFront"/>
+      <a:lightRig rig="threePt" dir="t"/>
+    </dgm:scene3d>
+    <dgm:sp3d z="-25400" prstMaterial="plastic"/>
+    <dgm:txPr/>
+    <dgm:style>
+      <a:lnRef idx="2">
+        <a:scrgbClr r="0" g="0" b="0"/>
+      </a:lnRef>
+      <a:fillRef idx="0">
+        <a:scrgbClr r="0" g="0" b="0"/>
+      </a:fillRef>
+      <a:effectRef idx="0">
+        <a:scrgbClr r="0" g="0" b="0"/>
+      </a:effectRef>
+      <a:fontRef idx="minor">
+        <a:schemeClr val="tx1"/>
+      </a:fontRef>
+    </dgm:style>
+  </dgm:styleLbl>
+  <dgm:styleLbl name="parChTrans1D2">
+    <dgm:scene3d>
+      <a:camera prst="orthographicFront"/>
+      <a:lightRig rig="threePt" dir="t"/>
+    </dgm:scene3d>
+    <dgm:sp3d z="-25400" prstMaterial="plastic"/>
+    <dgm:txPr/>
+    <dgm:style>
+      <a:lnRef idx="2">
+        <a:scrgbClr r="0" g="0" b="0"/>
+      </a:lnRef>
+      <a:fillRef idx="0">
+        <a:scrgbClr r="0" g="0" b="0"/>
+      </a:fillRef>
+      <a:effectRef idx="0">
+        <a:scrgbClr r="0" g="0" b="0"/>
+      </a:effectRef>
+      <a:fontRef idx="minor">
+        <a:schemeClr val="tx1"/>
+      </a:fontRef>
+    </dgm:style>
+  </dgm:styleLbl>
+  <dgm:styleLbl name="parChTrans1D3">
+    <dgm:scene3d>
+      <a:camera prst="orthographicFront"/>
+      <a:lightRig rig="threePt" dir="t"/>
+    </dgm:scene3d>
+    <dgm:sp3d z="-25400" prstMaterial="plastic"/>
+    <dgm:txPr/>
+    <dgm:style>
+      <a:lnRef idx="2">
+        <a:scrgbClr r="0" g="0" b="0"/>
+      </a:lnRef>
+      <a:fillRef idx="0">
+        <a:scrgbClr r="0" g="0" b="0"/>
+      </a:fillRef>
+      <a:effectRef idx="0">
+        <a:scrgbClr r="0" g="0" b="0"/>
+      </a:effectRef>
+      <a:fontRef idx="minor">
+        <a:schemeClr val="tx1"/>
+      </a:fontRef>
+    </dgm:style>
+  </dgm:styleLbl>
+  <dgm:styleLbl name="parChTrans1D4">
+    <dgm:scene3d>
+      <a:camera prst="orthographicFront"/>
+      <a:lightRig rig="threePt" dir="t"/>
+    </dgm:scene3d>
+    <dgm:sp3d z="-25400" prstMaterial="plastic"/>
+    <dgm:txPr/>
+    <dgm:style>
+      <a:lnRef idx="2">
+        <a:scrgbClr r="0" g="0" b="0"/>
+      </a:lnRef>
+      <a:fillRef idx="0">
+        <a:scrgbClr r="0" g="0" b="0"/>
+      </a:fillRef>
+      <a:effectRef idx="0">
+        <a:scrgbClr r="0" g="0" b="0"/>
+      </a:effectRef>
+      <a:fontRef idx="minor">
+        <a:schemeClr val="tx1"/>
+      </a:fontRef>
+    </dgm:style>
+  </dgm:styleLbl>
+  <dgm:styleLbl name="fgAcc1">
+    <dgm:scene3d>
+      <a:camera prst="orthographicFront"/>
+      <a:lightRig rig="threePt" dir="t"/>
+    </dgm:scene3d>
+    <dgm:sp3d z="50080" prstMaterial="plastic">
+      <a:bevelT w="25400" h="25400"/>
+      <a:bevelB w="25400" h="25400"/>
+    </dgm:sp3d>
+    <dgm:txPr/>
+    <dgm:style>
+      <a:lnRef idx="1">
+        <a:scrgbClr r="0" g="0" b="0"/>
+      </a:lnRef>
+      <a:fillRef idx="1">
+        <a:scrgbClr r="0" g="0" b="0"/>
+      </a:fillRef>
+      <a:effectRef idx="2">
+        <a:scrgbClr r="0" g="0" b="0"/>
+      </a:effectRef>
+      <a:fontRef idx="minor"/>
+    </dgm:style>
+  </dgm:styleLbl>
+  <dgm:styleLbl name="conFgAcc1">
+    <dgm:scene3d>
+      <a:camera prst="orthographicFront"/>
+      <a:lightRig rig="threePt" dir="t"/>
+    </dgm:scene3d>
+    <dgm:sp3d z="-152400" prstMaterial="plastic">
+      <a:bevelT w="25400" h="25400"/>
+      <a:bevelB w="25400" h="25400"/>
+    </dgm:sp3d>
+    <dgm:txPr/>
+    <dgm:style>
+      <a:lnRef idx="1">
+        <a:scrgbClr r="0" g="0" b="0"/>
+      </a:lnRef>
+      <a:fillRef idx="1">
+        <a:scrgbClr r="0" g="0" b="0"/>
+      </a:fillRef>
+      <a:effectRef idx="2">
+        <a:scrgbClr r="0" g="0" b="0"/>
+      </a:effectRef>
+      <a:fontRef idx="minor"/>
+    </dgm:style>
+  </dgm:styleLbl>
+  <dgm:styleLbl name="alignAcc1">
+    <dgm:scene3d>
+      <a:camera prst="orthographicFront"/>
+      <a:lightRig rig="threePt" dir="t"/>
+    </dgm:scene3d>
+    <dgm:sp3d prstMaterial="plastic">
+      <a:bevelT w="25400" h="25400"/>
+      <a:bevelB w="25400" h="25400"/>
+    </dgm:sp3d>
+    <dgm:txPr/>
+    <dgm:style>
+      <a:lnRef idx="1">
+        <a:scrgbClr r="0" g="0" b="0"/>
+      </a:lnRef>
+      <a:fillRef idx="1">
+        <a:scrgbClr r="0" g="0" b="0"/>
+      </a:fillRef>
+      <a:effectRef idx="2">
+        <a:scrgbClr r="0" g="0" b="0"/>
+      </a:effectRef>
+      <a:fontRef idx="minor"/>
+    </dgm:style>
+  </dgm:styleLbl>
+  <dgm:styleLbl name="trAlignAcc1">
+    <dgm:scene3d>
+      <a:camera prst="orthographicFront"/>
+      <a:lightRig rig="threePt" dir="t"/>
+    </dgm:scene3d>
+    <dgm:sp3d prstMaterial="plastic">
+      <a:bevelT w="50800" h="50800"/>
+      <a:bevelB w="50800" h="50800"/>
+    </dgm:sp3d>
+    <dgm:txPr/>
+    <dgm:style>
+      <a:lnRef idx="1">
+        <a:scrgbClr r="0" g="0" b="0"/>
+      </a:lnRef>
+      <a:fillRef idx="1">
+        <a:scrgbClr r="0" g="0" b="0"/>
+      </a:fillRef>
+      <a:effectRef idx="2">
+        <a:scrgbClr r="0" g="0" b="0"/>
+      </a:effectRef>
+      <a:fontRef idx="minor"/>
+    </dgm:style>
+  </dgm:styleLbl>
+  <dgm:styleLbl name="bgAcc1">
+    <dgm:scene3d>
+      <a:camera prst="orthographicFront"/>
+      <a:lightRig rig="threePt" dir="t"/>
+    </dgm:scene3d>
+    <dgm:sp3d z="-152400" prstMaterial="plastic">
+      <a:bevelT w="25400" h="25400"/>
+      <a:bevelB w="25400" h="25400"/>
+    </dgm:sp3d>
+    <dgm:txPr/>
+    <dgm:style>
+      <a:lnRef idx="1">
+        <a:scrgbClr r="0" g="0" b="0"/>
+      </a:lnRef>
+      <a:fillRef idx="1">
+        <a:scrgbClr r="0" g="0" b="0"/>
+      </a:fillRef>
+      <a:effectRef idx="2">
+        <a:scrgbClr r="0" g="0" b="0"/>
+      </a:effectRef>
+      <a:fontRef idx="minor"/>
+    </dgm:style>
+  </dgm:styleLbl>
+  <dgm:styleLbl name="solidFgAcc1">
+    <dgm:scene3d>
+      <a:camera prst="orthographicFront"/>
+      <a:lightRig rig="threePt" dir="t"/>
+    </dgm:scene3d>
+    <dgm:sp3d z="152400" prstMaterial="plastic">
+      <a:bevelT w="25400" h="25400"/>
+      <a:bevelB w="25400" h="25400"/>
+    </dgm:sp3d>
+    <dgm:txPr/>
+    <dgm:style>
+      <a:lnRef idx="1">
+        <a:scrgbClr r="0" g="0" b="0"/>
+      </a:lnRef>
+      <a:fillRef idx="1">
+        <a:scrgbClr r="0" g="0" b="0"/>
+      </a:fillRef>
+      <a:effectRef idx="2">
+        <a:scrgbClr r="0" g="0" b="0"/>
+      </a:effectRef>
+      <a:fontRef idx="minor"/>
+    </dgm:style>
+  </dgm:styleLbl>
+  <dgm:styleLbl name="solidAlignAcc1">
+    <dgm:scene3d>
+      <a:camera prst="orthographicFront"/>
+      <a:lightRig rig="threePt" dir="t"/>
+    </dgm:scene3d>
+    <dgm:sp3d prstMaterial="plastic">
+      <a:bevelT w="25400" h="25400"/>
+      <a:bevelB w="25400" h="25400"/>
+    </dgm:sp3d>
+    <dgm:txPr/>
+    <dgm:style>
+      <a:lnRef idx="1">
+        <a:scrgbClr r="0" g="0" b="0"/>
+      </a:lnRef>
+      <a:fillRef idx="1">
+        <a:scrgbClr r="0" g="0" b="0"/>
+      </a:fillRef>
+      <a:effectRef idx="2">
+        <a:scrgbClr r="0" g="0" b="0"/>
+      </a:effectRef>
+      <a:fontRef idx="minor"/>
+    </dgm:style>
+  </dgm:styleLbl>
+  <dgm:styleLbl name="solidBgAcc1">
+    <dgm:scene3d>
+      <a:camera prst="orthographicFront"/>
+      <a:lightRig rig="threePt" dir="t"/>
+    </dgm:scene3d>
+    <dgm:sp3d z="-152400" prstMaterial="plastic">
+      <a:bevelT w="25400" h="25400"/>
+      <a:bevelB w="25400" h="25400"/>
+    </dgm:sp3d>
+    <dgm:txPr/>
+    <dgm:style>
+      <a:lnRef idx="1">
+        <a:scrgbClr r="0" g="0" b="0"/>
+      </a:lnRef>
+      <a:fillRef idx="1">
+        <a:scrgbClr r="0" g="0" b="0"/>
+      </a:fillRef>
+      <a:effectRef idx="2">
+        <a:scrgbClr r="0" g="0" b="0"/>
+      </a:effectRef>
+      <a:fontRef idx="minor"/>
+    </dgm:style>
+  </dgm:styleLbl>
+  <dgm:styleLbl name="fgAccFollowNode1">
+    <dgm:scene3d>
+      <a:camera prst="orthographicFront"/>
+      <a:lightRig rig="threePt" dir="t"/>
+    </dgm:scene3d>
+    <dgm:sp3d z="50080" prstMaterial="plastic">
+      <a:bevelT w="25400" h="25400"/>
+      <a:bevelB w="25400" h="25400"/>
+    </dgm:sp3d>
+    <dgm:txPr/>
+    <dgm:style>
+      <a:lnRef idx="0">
+        <a:scrgbClr r="0" g="0" b="0"/>
+      </a:lnRef>
+      <a:fillRef idx="1">
+        <a:scrgbClr r="0" g="0" b="0"/>
+      </a:fillRef>
+      <a:effectRef idx="2">
+        <a:scrgbClr r="0" g="0" b="0"/>
+      </a:effectRef>
+      <a:fontRef idx="minor"/>
+    </dgm:style>
+  </dgm:styleLbl>
+  <dgm:styleLbl name="alignAccFollowNode1">
+    <dgm:scene3d>
+      <a:camera prst="orthographicFront"/>
+      <a:lightRig rig="threePt" dir="t"/>
+    </dgm:scene3d>
+    <dgm:sp3d prstMaterial="plastic">
+      <a:bevelT w="25400" h="25400"/>
+      <a:bevelB w="25400" h="25400"/>
+    </dgm:sp3d>
+    <dgm:txPr/>
+    <dgm:style>
+      <a:lnRef idx="0">
+        <a:scrgbClr r="0" g="0" b="0"/>
+      </a:lnRef>
+      <a:fillRef idx="1">
+        <a:scrgbClr r="0" g="0" b="0"/>
+      </a:fillRef>
+      <a:effectRef idx="2">
+        <a:scrgbClr r="0" g="0" b="0"/>
+      </a:effectRef>
+      <a:fontRef idx="minor"/>
+    </dgm:style>
+  </dgm:styleLbl>
+  <dgm:styleLbl name="bgAccFollowNode1">
+    <dgm:scene3d>
+      <a:camera prst="orthographicFront"/>
+      <a:lightRig rig="threePt" dir="t"/>
+    </dgm:scene3d>
+    <dgm:sp3d z="-152400" prstMaterial="plastic">
+      <a:bevelT w="25400" h="25400"/>
+      <a:bevelB w="25400" h="25400"/>
+    </dgm:sp3d>
+    <dgm:txPr/>
+    <dgm:style>
+      <a:lnRef idx="0">
+        <a:scrgbClr r="0" g="0" b="0"/>
+      </a:lnRef>
+      <a:fillRef idx="1">
+        <a:scrgbClr r="0" g="0" b="0"/>
+      </a:fillRef>
+      <a:effectRef idx="2">
+        <a:scrgbClr r="0" g="0" b="0"/>
+      </a:effectRef>
+      <a:fontRef idx="minor"/>
+    </dgm:style>
+  </dgm:styleLbl>
+  <dgm:styleLbl name="fgAcc0">
+    <dgm:scene3d>
+      <a:camera prst="orthographicFront"/>
+      <a:lightRig rig="threePt" dir="t"/>
+    </dgm:scene3d>
+    <dgm:sp3d z="50080" prstMaterial="plastic">
+      <a:bevelT w="25400" h="25400"/>
+      <a:bevelB w="25400" h="25400"/>
+    </dgm:sp3d>
+    <dgm:txPr/>
+    <dgm:style>
+      <a:lnRef idx="1">
+        <a:scrgbClr r="0" g="0" b="0"/>
+      </a:lnRef>
+      <a:fillRef idx="1">
+        <a:scrgbClr r="0" g="0" b="0"/>
+      </a:fillRef>
+      <a:effectRef idx="0">
+        <a:scrgbClr r="0" g="0" b="0"/>
+      </a:effectRef>
+      <a:fontRef idx="minor"/>
+    </dgm:style>
+  </dgm:styleLbl>
+  <dgm:styleLbl name="fgAcc2">
+    <dgm:scene3d>
+      <a:camera prst="orthographicFront"/>
+      <a:lightRig rig="threePt" dir="t"/>
+    </dgm:scene3d>
+    <dgm:sp3d z="50080" prstMaterial="plastic">
+      <a:bevelT w="25400" h="25400"/>
+      <a:bevelB w="25400" h="25400"/>
+    </dgm:sp3d>
+    <dgm:txPr/>
+    <dgm:style>
+      <a:lnRef idx="1">
+        <a:scrgbClr r="0" g="0" b="0"/>
+      </a:lnRef>
+      <a:fillRef idx="1">
+        <a:scrgbClr r="0" g="0" b="0"/>
+      </a:fillRef>
+      <a:effectRef idx="0">
+        <a:scrgbClr r="0" g="0" b="0"/>
+      </a:effectRef>
+      <a:fontRef idx="minor"/>
+    </dgm:style>
+  </dgm:styleLbl>
+  <dgm:styleLbl name="fgAcc3">
+    <dgm:scene3d>
+      <a:camera prst="orthographicFront"/>
+      <a:lightRig rig="threePt" dir="t"/>
+    </dgm:scene3d>
+    <dgm:sp3d z="50080" prstMaterial="plastic">
+      <a:bevelT w="25400" h="25400"/>
+      <a:bevelB w="25400" h="25400"/>
+    </dgm:sp3d>
+    <dgm:txPr/>
+    <dgm:style>
+      <a:lnRef idx="1">
+        <a:scrgbClr r="0" g="0" b="0"/>
+      </a:lnRef>
+      <a:fillRef idx="1">
+        <a:scrgbClr r="0" g="0" b="0"/>
+      </a:fillRef>
+      <a:effectRef idx="0">
+        <a:scrgbClr r="0" g="0" b="0"/>
+      </a:effectRef>
+      <a:fontRef idx="minor"/>
+    </dgm:style>
+  </dgm:styleLbl>
+  <dgm:styleLbl name="fgAcc4">
+    <dgm:scene3d>
+      <a:camera prst="orthographicFront"/>
+      <a:lightRig rig="threePt" dir="t"/>
+    </dgm:scene3d>
+    <dgm:sp3d z="50080" prstMaterial="plastic">
+      <a:bevelT w="25400" h="25400"/>
+      <a:bevelB w="25400" h="25400"/>
+    </dgm:sp3d>
+    <dgm:txPr/>
+    <dgm:style>
+      <a:lnRef idx="1">
+        <a:scrgbClr r="0" g="0" b="0"/>
+      </a:lnRef>
+      <a:fillRef idx="1">
+        <a:scrgbClr r="0" g="0" b="0"/>
+      </a:fillRef>
+      <a:effectRef idx="0">
+        <a:scrgbClr r="0" g="0" b="0"/>
+      </a:effectRef>
+      <a:fontRef idx="minor"/>
+    </dgm:style>
+  </dgm:styleLbl>
+  <dgm:styleLbl name="bgShp">
+    <dgm:scene3d>
+      <a:camera prst="orthographicFront"/>
+      <a:lightRig rig="threePt" dir="t"/>
+    </dgm:scene3d>
+    <dgm:sp3d z="-152400" prstMaterial="plastic">
+      <a:bevelT w="25400" h="25400"/>
+      <a:bevelB w="25400" h="25400"/>
+    </dgm:sp3d>
+    <dgm:txPr/>
+    <dgm:style>
+      <a:lnRef idx="0">
+        <a:scrgbClr r="0" g="0" b="0"/>
+      </a:lnRef>
+      <a:fillRef idx="1">
+        <a:scrgbClr r="0" g="0" b="0"/>
+      </a:fillRef>
+      <a:effectRef idx="0">
+        <a:scrgbClr r="0" g="0" b="0"/>
+      </a:effectRef>
+      <a:fontRef idx="minor"/>
+    </dgm:style>
+  </dgm:styleLbl>
+  <dgm:styleLbl name="dkBgShp">
+    <dgm:scene3d>
+      <a:camera prst="orthographicFront"/>
+      <a:lightRig rig="threePt" dir="t"/>
+    </dgm:scene3d>
+    <dgm:sp3d prstMaterial="plastic">
+      <a:bevelT w="50800" h="50800"/>
+      <a:bevelB w="50800" h="50800"/>
+    </dgm:sp3d>
+    <dgm:txPr/>
+    <dgm:style>
+      <a:lnRef idx="0">
+        <a:scrgbClr r="0" g="0" b="0"/>
+      </a:lnRef>
+      <a:fillRef idx="1">
+        <a:scrgbClr r="0" g="0" b="0"/>
+      </a:fillRef>
+      <a:effectRef idx="2">
+        <a:scrgbClr r="0" g="0" b="0"/>
+      </a:effectRef>
+      <a:fontRef idx="minor"/>
+    </dgm:style>
+  </dgm:styleLbl>
+  <dgm:styleLbl name="trBgShp">
+    <dgm:scene3d>
+      <a:camera prst="orthographicFront"/>
+      <a:lightRig rig="threePt" dir="t"/>
+    </dgm:scene3d>
+    <dgm:sp3d z="-10400" extrusionH="12700" prstMaterial="plastic"/>
+    <dgm:txPr/>
+    <dgm:style>
+      <a:lnRef idx="0">
+        <a:scrgbClr r="0" g="0" b="0"/>
+      </a:lnRef>
+      <a:fillRef idx="1">
+        <a:scrgbClr r="0" g="0" b="0"/>
+      </a:fillRef>
+      <a:effectRef idx="0">
+        <a:scrgbClr r="0" g="0" b="0"/>
+      </a:effectRef>
+      <a:fontRef idx="minor"/>
+    </dgm:style>
+  </dgm:styleLbl>
+  <dgm:styleLbl name="fgShp">
+    <dgm:scene3d>
+      <a:camera prst="orthographicFront"/>
+      <a:lightRig rig="threePt" dir="t"/>
+    </dgm:scene3d>
+    <dgm:sp3d z="50080" prstMaterial="plastic">
+      <a:bevelT w="50800" h="50800"/>
+      <a:bevelB w="50800" h="50800"/>
+    </dgm:sp3d>
+    <dgm:txPr/>
+    <dgm:style>
+      <a:lnRef idx="0">
+        <a:scrgbClr r="0" g="0" b="0"/>
+      </a:lnRef>
+      <a:fillRef idx="1">
+        <a:scrgbClr r="0" g="0" b="0"/>
+      </a:fillRef>
+      <a:effectRef idx="2">
+        <a:scrgbClr r="0" g="0" b="0"/>
+      </a:effectRef>
+      <a:fontRef idx="minor"/>
+    </dgm:style>
+  </dgm:styleLbl>
+  <dgm:styleLbl name="revTx">
+    <dgm:scene3d>
+      <a:camera prst="orthographicFront"/>
+      <a:lightRig rig="threePt" dir="t"/>
+    </dgm:scene3d>
+    <dgm:sp3d/>
+    <dgm:txPr/>
+    <dgm:style>
+      <a:lnRef idx="0">
+        <a:scrgbClr r="0" g="0" b="0"/>
+      </a:lnRef>
+      <a:fillRef idx="1">
         <a:scrgbClr r="0" g="0" b="0"/>
       </a:fillRef>
       <a:effectRef idx="0">
@@ -8604,10 +15456,7 @@
               <a:buNone/>
               <a:defRPr cap="all">
                 <a:solidFill>
-                  <a:schemeClr val="bg2">
-                    <a:lumMod val="40000"/>
-                    <a:lumOff val="60000"/>
-                  </a:schemeClr>
+                  <a:schemeClr val="accent1"/>
                 </a:solidFill>
               </a:defRPr>
             </a:lvl1pPr>
@@ -8719,7 +15568,7 @@
             <a:fld id="{B61BEF0D-F0BB-DE4B-95CE-6DB70DBA9567}" type="datetimeFigureOut">
               <a:rPr lang="en-US" smtClean="0"/>
               <a:pPr/>
-              <a:t>10/12/2015</a:t>
+              <a:t>10/14/2015</a:t>
             </a:fld>
             <a:endParaRPr lang="en-US" dirty="0"/>
           </a:p>
@@ -8771,7 +15620,7 @@
     </p:spTree>
     <p:extLst>
       <p:ext uri="{BB962C8B-B14F-4D97-AF65-F5344CB8AC3E}">
-        <p14:creationId xmlns:p14="http://schemas.microsoft.com/office/powerpoint/2010/main" val="3051638994"/>
+        <p14:creationId xmlns:p14="http://schemas.microsoft.com/office/powerpoint/2010/main" val="2192854047"/>
       </p:ext>
     </p:extLst>
   </p:cSld>
@@ -8996,7 +15845,7 @@
             <a:fld id="{B61BEF0D-F0BB-DE4B-95CE-6DB70DBA9567}" type="datetimeFigureOut">
               <a:rPr lang="en-US" smtClean="0"/>
               <a:pPr/>
-              <a:t>10/12/2015</a:t>
+              <a:t>10/14/2015</a:t>
             </a:fld>
             <a:endParaRPr lang="en-US" dirty="0"/>
           </a:p>
@@ -9048,7 +15897,7 @@
     </p:spTree>
     <p:extLst>
       <p:ext uri="{BB962C8B-B14F-4D97-AF65-F5344CB8AC3E}">
-        <p14:creationId xmlns:p14="http://schemas.microsoft.com/office/powerpoint/2010/main" val="248960398"/>
+        <p14:creationId xmlns:p14="http://schemas.microsoft.com/office/powerpoint/2010/main" val="136312877"/>
       </p:ext>
     </p:extLst>
   </p:cSld>
@@ -9192,7 +16041,7 @@
             <a:fld id="{B61BEF0D-F0BB-DE4B-95CE-6DB70DBA9567}" type="datetimeFigureOut">
               <a:rPr lang="en-US" smtClean="0"/>
               <a:pPr/>
-              <a:t>10/12/2015</a:t>
+              <a:t>10/14/2015</a:t>
             </a:fld>
             <a:endParaRPr lang="en-US" dirty="0"/>
           </a:p>
@@ -9244,7 +16093,7 @@
     </p:spTree>
     <p:extLst>
       <p:ext uri="{BB962C8B-B14F-4D97-AF65-F5344CB8AC3E}">
-        <p14:creationId xmlns:p14="http://schemas.microsoft.com/office/powerpoint/2010/main" val="2178441982"/>
+        <p14:creationId xmlns:p14="http://schemas.microsoft.com/office/powerpoint/2010/main" val="4147645330"/>
       </p:ext>
     </p:extLst>
   </p:cSld>
@@ -9305,12 +16154,12 @@
       </p:sp>
       <p:sp>
         <p:nvSpPr>
-          <p:cNvPr id="11" name="Text Placeholder 3"/>
+          <p:cNvPr id="14" name="Text Placeholder 3"/>
           <p:cNvSpPr>
             <a:spLocks noGrp="1"/>
           </p:cNvSpPr>
           <p:nvPr>
-            <p:ph type="body" sz="half" idx="14"/>
+            <p:ph type="body" sz="half" idx="13"/>
           </p:nvPr>
         </p:nvSpPr>
         <p:spPr>
@@ -9320,7 +16169,7 @@
           </a:xfrm>
         </p:spPr>
         <p:txBody>
-          <a:bodyPr vert="horz" lIns="91440" tIns="45720" rIns="91440" bIns="45720" rtlCol="0" anchor="t">
+          <a:bodyPr anchor="t">
             <a:normAutofit/>
           </a:bodyPr>
           <a:lstStyle>
@@ -9328,10 +16177,7 @@
               <a:buNone/>
               <a:defRPr lang="en-US" sz="1400" b="0" i="0" kern="1200" cap="small" dirty="0">
                 <a:solidFill>
-                  <a:schemeClr val="bg2">
-                    <a:lumMod val="40000"/>
-                    <a:lumOff val="60000"/>
-                  </a:schemeClr>
+                  <a:schemeClr val="accent1"/>
                 </a:solidFill>
                 <a:latin typeface="+mj-lt"/>
                 <a:ea typeface="+mj-ea"/>
@@ -9372,9 +16218,7 @@
             </a:lvl9pPr>
           </a:lstStyle>
           <a:p>
-            <a:pPr marL="0" lvl="0" indent="0">
-              <a:buNone/>
-            </a:pPr>
+            <a:pPr lvl="0"/>
             <a:r>
               <a:rPr lang="de-DE" smtClean="0"/>
               <a:t>Textmasterformat bearbeiten</a:t>
@@ -9467,7 +16311,7 @@
             <a:fld id="{B61BEF0D-F0BB-DE4B-95CE-6DB70DBA9567}" type="datetimeFigureOut">
               <a:rPr lang="en-US" smtClean="0"/>
               <a:pPr/>
-              <a:t>10/12/2015</a:t>
+              <a:t>10/14/2015</a:t>
             </a:fld>
             <a:endParaRPr lang="en-US" dirty="0"/>
           </a:p>
@@ -9518,7 +16362,7 @@
       </p:sp>
       <p:sp>
         <p:nvSpPr>
-          <p:cNvPr id="12" name="TextBox 11"/>
+          <p:cNvPr id="9" name="TextBox 8"/>
           <p:cNvSpPr txBox="1"/>
           <p:nvPr/>
         </p:nvSpPr>
@@ -9543,10 +16387,7 @@
             <a:lvl1pPr algn="r">
               <a:defRPr sz="12200" b="0" i="0">
                 <a:solidFill>
-                  <a:schemeClr val="bg2">
-                    <a:lumMod val="40000"/>
-                    <a:lumOff val="60000"/>
-                  </a:schemeClr>
+                  <a:schemeClr val="accent1"/>
                 </a:solidFill>
                 <a:latin typeface="Arial"/>
                 <a:ea typeface="+mj-ea"/>
@@ -9565,7 +16406,7 @@
       </p:sp>
       <p:sp>
         <p:nvSpPr>
-          <p:cNvPr id="15" name="TextBox 14"/>
+          <p:cNvPr id="13" name="TextBox 12"/>
           <p:cNvSpPr txBox="1"/>
           <p:nvPr/>
         </p:nvSpPr>
@@ -9590,10 +16431,7 @@
             <a:lvl1pPr algn="r">
               <a:defRPr sz="12200" b="0" i="0">
                 <a:solidFill>
-                  <a:schemeClr val="bg2">
-                    <a:lumMod val="40000"/>
-                    <a:lumOff val="60000"/>
-                  </a:schemeClr>
+                  <a:schemeClr val="accent1"/>
                 </a:solidFill>
                 <a:latin typeface="Arial"/>
                 <a:ea typeface="+mj-ea"/>
@@ -9613,7 +16451,7 @@
     </p:spTree>
     <p:extLst>
       <p:ext uri="{BB962C8B-B14F-4D97-AF65-F5344CB8AC3E}">
-        <p14:creationId xmlns:p14="http://schemas.microsoft.com/office/powerpoint/2010/main" val="1215689051"/>
+        <p14:creationId xmlns:p14="http://schemas.microsoft.com/office/powerpoint/2010/main" val="3243569565"/>
       </p:ext>
     </p:extLst>
   </p:cSld>
@@ -9695,10 +16533,7 @@
               <a:buNone/>
               <a:defRPr sz="2000" cap="none">
                 <a:solidFill>
-                  <a:schemeClr val="bg2">
-                    <a:lumMod val="40000"/>
-                    <a:lumOff val="60000"/>
-                  </a:schemeClr>
+                  <a:schemeClr val="accent1"/>
                 </a:solidFill>
               </a:defRPr>
             </a:lvl1pPr>
@@ -9810,7 +16645,7 @@
             <a:fld id="{B61BEF0D-F0BB-DE4B-95CE-6DB70DBA9567}" type="datetimeFigureOut">
               <a:rPr lang="en-US" smtClean="0"/>
               <a:pPr/>
-              <a:t>10/12/2015</a:t>
+              <a:t>10/14/2015</a:t>
             </a:fld>
             <a:endParaRPr lang="en-US" dirty="0"/>
           </a:p>
@@ -9862,7 +16697,7 @@
     </p:spTree>
     <p:extLst>
       <p:ext uri="{BB962C8B-B14F-4D97-AF65-F5344CB8AC3E}">
-        <p14:creationId xmlns:p14="http://schemas.microsoft.com/office/powerpoint/2010/main" val="210450268"/>
+        <p14:creationId xmlns:p14="http://schemas.microsoft.com/office/powerpoint/2010/main" val="2079603874"/>
       </p:ext>
     </p:extLst>
   </p:cSld>
@@ -9941,10 +16776,7 @@
               <a:buNone/>
               <a:defRPr sz="2400" b="0">
                 <a:solidFill>
-                  <a:schemeClr val="bg2">
-                    <a:lumMod val="40000"/>
-                    <a:lumOff val="60000"/>
-                  </a:schemeClr>
+                  <a:schemeClr val="accent1"/>
                 </a:solidFill>
               </a:defRPr>
             </a:lvl1pPr>
@@ -10082,10 +16914,7 @@
               <a:buNone/>
               <a:defRPr sz="2400" b="0">
                 <a:solidFill>
-                  <a:schemeClr val="bg2">
-                    <a:lumMod val="40000"/>
-                    <a:lumOff val="60000"/>
-                  </a:schemeClr>
+                  <a:schemeClr val="accent1"/>
                 </a:solidFill>
               </a:defRPr>
             </a:lvl1pPr>
@@ -10223,10 +17052,7 @@
               <a:buNone/>
               <a:defRPr sz="2400" b="0">
                 <a:solidFill>
-                  <a:schemeClr val="bg2">
-                    <a:lumMod val="40000"/>
-                    <a:lumOff val="60000"/>
-                  </a:schemeClr>
+                  <a:schemeClr val="accent1"/>
                 </a:solidFill>
               </a:defRPr>
             </a:lvl1pPr>
@@ -10355,9 +17181,7 @@
           </a:prstGeom>
           <a:ln w="12700" cmpd="sng">
             <a:solidFill>
-              <a:schemeClr val="bg2">
-                <a:lumMod val="40000"/>
-                <a:lumOff val="60000"/>
+              <a:schemeClr val="accent1">
                 <a:alpha val="40000"/>
               </a:schemeClr>
             </a:solidFill>
@@ -10394,9 +17218,7 @@
           </a:prstGeom>
           <a:ln w="12700" cmpd="sng">
             <a:solidFill>
-              <a:schemeClr val="bg2">
-                <a:lumMod val="40000"/>
-                <a:lumOff val="60000"/>
+              <a:schemeClr val="accent1">
                 <a:alpha val="40000"/>
               </a:schemeClr>
             </a:solidFill>
@@ -10435,7 +17257,7 @@
             <a:fld id="{B61BEF0D-F0BB-DE4B-95CE-6DB70DBA9567}" type="datetimeFigureOut">
               <a:rPr lang="en-US" smtClean="0"/>
               <a:pPr/>
-              <a:t>10/12/2015</a:t>
+              <a:t>10/14/2015</a:t>
             </a:fld>
             <a:endParaRPr lang="en-US" dirty="0"/>
           </a:p>
@@ -10487,7 +17309,7 @@
     </p:spTree>
     <p:extLst>
       <p:ext uri="{BB962C8B-B14F-4D97-AF65-F5344CB8AC3E}">
-        <p14:creationId xmlns:p14="http://schemas.microsoft.com/office/powerpoint/2010/main" val="3239174329"/>
+        <p14:creationId xmlns:p14="http://schemas.microsoft.com/office/powerpoint/2010/main" val="3825210216"/>
       </p:ext>
     </p:extLst>
   </p:cSld>
@@ -10566,10 +17388,7 @@
               <a:buNone/>
               <a:defRPr sz="2400" b="0">
                 <a:solidFill>
-                  <a:schemeClr val="bg2">
-                    <a:lumMod val="40000"/>
-                    <a:lumOff val="60000"/>
-                  </a:schemeClr>
+                  <a:schemeClr val="accent1"/>
                 </a:solidFill>
               </a:defRPr>
             </a:lvl1pPr>
@@ -10786,10 +17605,7 @@
               <a:buNone/>
               <a:defRPr sz="2400" b="0">
                 <a:solidFill>
-                  <a:schemeClr val="bg2">
-                    <a:lumMod val="40000"/>
-                    <a:lumOff val="60000"/>
-                  </a:schemeClr>
+                  <a:schemeClr val="accent1"/>
                 </a:solidFill>
               </a:defRPr>
             </a:lvl1pPr>
@@ -11006,10 +17822,7 @@
               <a:buNone/>
               <a:defRPr sz="2400" b="0">
                 <a:solidFill>
-                  <a:schemeClr val="bg2">
-                    <a:lumMod val="40000"/>
-                    <a:lumOff val="60000"/>
-                  </a:schemeClr>
+                  <a:schemeClr val="accent1"/>
                 </a:solidFill>
               </a:defRPr>
             </a:lvl1pPr>
@@ -11203,7 +18016,7 @@
       </p:sp>
       <p:cxnSp>
         <p:nvCxnSpPr>
-          <p:cNvPr id="19" name="Straight Connector 18"/>
+          <p:cNvPr id="17" name="Straight Connector 16"/>
           <p:cNvCxnSpPr/>
           <p:nvPr/>
         </p:nvCxnSpPr>
@@ -11217,9 +18030,7 @@
           </a:prstGeom>
           <a:ln w="12700" cmpd="sng">
             <a:solidFill>
-              <a:schemeClr val="bg2">
-                <a:lumMod val="40000"/>
-                <a:lumOff val="60000"/>
+              <a:schemeClr val="accent1">
                 <a:alpha val="40000"/>
               </a:schemeClr>
             </a:solidFill>
@@ -11242,7 +18053,7 @@
       </p:cxnSp>
       <p:cxnSp>
         <p:nvCxnSpPr>
-          <p:cNvPr id="20" name="Straight Connector 19"/>
+          <p:cNvPr id="18" name="Straight Connector 17"/>
           <p:cNvCxnSpPr/>
           <p:nvPr/>
         </p:nvCxnSpPr>
@@ -11256,9 +18067,7 @@
           </a:prstGeom>
           <a:ln w="12700" cmpd="sng">
             <a:solidFill>
-              <a:schemeClr val="bg2">
-                <a:lumMod val="40000"/>
-                <a:lumOff val="60000"/>
+              <a:schemeClr val="accent1">
                 <a:alpha val="40000"/>
               </a:schemeClr>
             </a:solidFill>
@@ -11297,7 +18106,7 @@
             <a:fld id="{B61BEF0D-F0BB-DE4B-95CE-6DB70DBA9567}" type="datetimeFigureOut">
               <a:rPr lang="en-US" smtClean="0"/>
               <a:pPr/>
-              <a:t>10/12/2015</a:t>
+              <a:t>10/14/2015</a:t>
             </a:fld>
             <a:endParaRPr lang="en-US" dirty="0"/>
           </a:p>
@@ -11349,7 +18158,7 @@
     </p:spTree>
     <p:extLst>
       <p:ext uri="{BB962C8B-B14F-4D97-AF65-F5344CB8AC3E}">
-        <p14:creationId xmlns:p14="http://schemas.microsoft.com/office/powerpoint/2010/main" val="665293010"/>
+        <p14:creationId xmlns:p14="http://schemas.microsoft.com/office/powerpoint/2010/main" val="3713309128"/>
       </p:ext>
     </p:extLst>
   </p:cSld>
@@ -11469,7 +18278,7 @@
             <a:fld id="{B61BEF0D-F0BB-DE4B-95CE-6DB70DBA9567}" type="datetimeFigureOut">
               <a:rPr lang="en-US" smtClean="0"/>
               <a:pPr/>
-              <a:t>10/12/2015</a:t>
+              <a:t>10/14/2015</a:t>
             </a:fld>
             <a:endParaRPr lang="en-US" dirty="0"/>
           </a:p>
@@ -11521,7 +18330,7 @@
     </p:spTree>
     <p:extLst>
       <p:ext uri="{BB962C8B-B14F-4D97-AF65-F5344CB8AC3E}">
-        <p14:creationId xmlns:p14="http://schemas.microsoft.com/office/powerpoint/2010/main" val="1193203289"/>
+        <p14:creationId xmlns:p14="http://schemas.microsoft.com/office/powerpoint/2010/main" val="2684165465"/>
       </p:ext>
     </p:extLst>
   </p:cSld>
@@ -11651,7 +18460,7 @@
             <a:fld id="{B61BEF0D-F0BB-DE4B-95CE-6DB70DBA9567}" type="datetimeFigureOut">
               <a:rPr lang="en-US" smtClean="0"/>
               <a:pPr/>
-              <a:t>10/12/2015</a:t>
+              <a:t>10/14/2015</a:t>
             </a:fld>
             <a:endParaRPr lang="en-US" dirty="0"/>
           </a:p>
@@ -11703,7 +18512,7 @@
     </p:spTree>
     <p:extLst>
       <p:ext uri="{BB962C8B-B14F-4D97-AF65-F5344CB8AC3E}">
-        <p14:creationId xmlns:p14="http://schemas.microsoft.com/office/powerpoint/2010/main" val="4195083603"/>
+        <p14:creationId xmlns:p14="http://schemas.microsoft.com/office/powerpoint/2010/main" val="662226363"/>
       </p:ext>
     </p:extLst>
   </p:cSld>
@@ -11807,7 +18616,7 @@
       </p:sp>
       <p:sp>
         <p:nvSpPr>
-          <p:cNvPr id="7" name="Date Placeholder 3"/>
+          <p:cNvPr id="4" name="Date Placeholder 3"/>
           <p:cNvSpPr>
             <a:spLocks noGrp="1"/>
           </p:cNvSpPr>
@@ -11823,7 +18632,7 @@
             <a:fld id="{B61BEF0D-F0BB-DE4B-95CE-6DB70DBA9567}" type="datetimeFigureOut">
               <a:rPr lang="en-US" smtClean="0"/>
               <a:pPr/>
-              <a:t>10/12/2015</a:t>
+              <a:t>10/14/2015</a:t>
             </a:fld>
             <a:endParaRPr lang="en-US" dirty="0"/>
           </a:p>
@@ -11875,7 +18684,7 @@
     </p:spTree>
     <p:extLst>
       <p:ext uri="{BB962C8B-B14F-4D97-AF65-F5344CB8AC3E}">
-        <p14:creationId xmlns:p14="http://schemas.microsoft.com/office/powerpoint/2010/main" val="3768643960"/>
+        <p14:creationId xmlns:p14="http://schemas.microsoft.com/office/powerpoint/2010/main" val="1884441153"/>
       </p:ext>
     </p:extLst>
   </p:cSld>
@@ -11957,10 +18766,7 @@
               <a:buNone/>
               <a:defRPr sz="2000" cap="all">
                 <a:solidFill>
-                  <a:schemeClr val="bg2">
-                    <a:lumMod val="40000"/>
-                    <a:lumOff val="60000"/>
-                  </a:schemeClr>
+                  <a:schemeClr val="accent1"/>
                 </a:solidFill>
               </a:defRPr>
             </a:lvl1pPr>
@@ -12072,7 +18878,7 @@
             <a:fld id="{B61BEF0D-F0BB-DE4B-95CE-6DB70DBA9567}" type="datetimeFigureOut">
               <a:rPr lang="en-US" smtClean="0"/>
               <a:pPr/>
-              <a:t>10/12/2015</a:t>
+              <a:t>10/14/2015</a:t>
             </a:fld>
             <a:endParaRPr lang="en-US" dirty="0"/>
           </a:p>
@@ -12124,7 +18930,7 @@
     </p:spTree>
     <p:extLst>
       <p:ext uri="{BB962C8B-B14F-4D97-AF65-F5344CB8AC3E}">
-        <p14:creationId xmlns:p14="http://schemas.microsoft.com/office/powerpoint/2010/main" val="3640939284"/>
+        <p14:creationId xmlns:p14="http://schemas.microsoft.com/office/powerpoint/2010/main" val="3690102457"/>
       </p:ext>
     </p:extLst>
   </p:cSld>
@@ -12366,7 +19172,7 @@
             <a:fld id="{B61BEF0D-F0BB-DE4B-95CE-6DB70DBA9567}" type="datetimeFigureOut">
               <a:rPr lang="en-US" smtClean="0"/>
               <a:pPr/>
-              <a:t>10/12/2015</a:t>
+              <a:t>10/14/2015</a:t>
             </a:fld>
             <a:endParaRPr lang="en-US" dirty="0"/>
           </a:p>
@@ -12418,7 +19224,7 @@
     </p:spTree>
     <p:extLst>
       <p:ext uri="{BB962C8B-B14F-4D97-AF65-F5344CB8AC3E}">
-        <p14:creationId xmlns:p14="http://schemas.microsoft.com/office/powerpoint/2010/main" val="2072160945"/>
+        <p14:creationId xmlns:p14="http://schemas.microsoft.com/office/powerpoint/2010/main" val="674864162"/>
       </p:ext>
     </p:extLst>
   </p:cSld>
@@ -12497,10 +19303,7 @@
               <a:buNone/>
               <a:defRPr sz="2400" b="0">
                 <a:solidFill>
-                  <a:schemeClr val="bg2">
-                    <a:lumMod val="40000"/>
-                    <a:lumOff val="60000"/>
-                  </a:schemeClr>
+                  <a:schemeClr val="accent1"/>
                 </a:solidFill>
               </a:defRPr>
             </a:lvl1pPr>
@@ -12658,10 +19461,7 @@
               <a:buNone/>
               <a:defRPr sz="2400" b="0">
                 <a:solidFill>
-                  <a:schemeClr val="bg2">
-                    <a:lumMod val="40000"/>
-                    <a:lumOff val="60000"/>
-                  </a:schemeClr>
+                  <a:schemeClr val="accent1"/>
                 </a:solidFill>
               </a:defRPr>
             </a:lvl1pPr>
@@ -12812,7 +19612,7 @@
             <a:fld id="{B61BEF0D-F0BB-DE4B-95CE-6DB70DBA9567}" type="datetimeFigureOut">
               <a:rPr lang="en-US" smtClean="0"/>
               <a:pPr/>
-              <a:t>10/12/2015</a:t>
+              <a:t>10/14/2015</a:t>
             </a:fld>
             <a:endParaRPr lang="en-US" dirty="0"/>
           </a:p>
@@ -12864,7 +19664,7 @@
     </p:spTree>
     <p:extLst>
       <p:ext uri="{BB962C8B-B14F-4D97-AF65-F5344CB8AC3E}">
-        <p14:creationId xmlns:p14="http://schemas.microsoft.com/office/powerpoint/2010/main" val="350416980"/>
+        <p14:creationId xmlns:p14="http://schemas.microsoft.com/office/powerpoint/2010/main" val="1619198219"/>
       </p:ext>
     </p:extLst>
   </p:cSld>
@@ -12932,7 +19732,7 @@
             <a:fld id="{B61BEF0D-F0BB-DE4B-95CE-6DB70DBA9567}" type="datetimeFigureOut">
               <a:rPr lang="en-US" smtClean="0"/>
               <a:pPr/>
-              <a:t>10/12/2015</a:t>
+              <a:t>10/14/2015</a:t>
             </a:fld>
             <a:endParaRPr lang="en-US" dirty="0"/>
           </a:p>
@@ -12984,7 +19784,7 @@
     </p:spTree>
     <p:extLst>
       <p:ext uri="{BB962C8B-B14F-4D97-AF65-F5344CB8AC3E}">
-        <p14:creationId xmlns:p14="http://schemas.microsoft.com/office/powerpoint/2010/main" val="1604279326"/>
+        <p14:creationId xmlns:p14="http://schemas.microsoft.com/office/powerpoint/2010/main" val="3998921563"/>
       </p:ext>
     </p:extLst>
   </p:cSld>
@@ -13029,7 +19829,7 @@
             <a:fld id="{B61BEF0D-F0BB-DE4B-95CE-6DB70DBA9567}" type="datetimeFigureOut">
               <a:rPr lang="en-US" smtClean="0"/>
               <a:pPr/>
-              <a:t>10/12/2015</a:t>
+              <a:t>10/14/2015</a:t>
             </a:fld>
             <a:endParaRPr lang="en-US" dirty="0"/>
           </a:p>
@@ -13081,7 +19881,7 @@
     </p:spTree>
     <p:extLst>
       <p:ext uri="{BB962C8B-B14F-4D97-AF65-F5344CB8AC3E}">
-        <p14:creationId xmlns:p14="http://schemas.microsoft.com/office/powerpoint/2010/main" val="844887062"/>
+        <p14:creationId xmlns:p14="http://schemas.microsoft.com/office/powerpoint/2010/main" val="690755798"/>
       </p:ext>
     </p:extLst>
   </p:cSld>
@@ -13120,7 +19920,7 @@
         </p:nvSpPr>
         <p:spPr>
           <a:xfrm>
-            <a:off x="1154953" y="1447800"/>
+            <a:off x="1154954" y="1447800"/>
             <a:ext cx="3401064" cy="1447800"/>
           </a:xfrm>
         </p:spPr>
@@ -13239,7 +20039,7 @@
         </p:nvSpPr>
         <p:spPr>
           <a:xfrm>
-            <a:off x="1154953" y="3129280"/>
+            <a:off x="1154954" y="3129280"/>
             <a:ext cx="3401063" cy="2895599"/>
           </a:xfrm>
         </p:spPr>
@@ -13310,7 +20110,7 @@
             <a:fld id="{B61BEF0D-F0BB-DE4B-95CE-6DB70DBA9567}" type="datetimeFigureOut">
               <a:rPr lang="en-US" smtClean="0"/>
               <a:pPr/>
-              <a:t>10/12/2015</a:t>
+              <a:t>10/14/2015</a:t>
             </a:fld>
             <a:endParaRPr lang="en-US" dirty="0"/>
           </a:p>
@@ -13362,7 +20162,7 @@
     </p:spTree>
     <p:extLst>
       <p:ext uri="{BB962C8B-B14F-4D97-AF65-F5344CB8AC3E}">
-        <p14:creationId xmlns:p14="http://schemas.microsoft.com/office/powerpoint/2010/main" val="2878223508"/>
+        <p14:creationId xmlns:p14="http://schemas.microsoft.com/office/powerpoint/2010/main" val="1185601210"/>
       </p:ext>
     </p:extLst>
   </p:cSld>
@@ -13587,7 +20387,7 @@
             <a:fld id="{B61BEF0D-F0BB-DE4B-95CE-6DB70DBA9567}" type="datetimeFigureOut">
               <a:rPr lang="en-US" smtClean="0"/>
               <a:pPr/>
-              <a:t>10/12/2015</a:t>
+              <a:t>10/14/2015</a:t>
             </a:fld>
             <a:endParaRPr lang="en-US" dirty="0"/>
           </a:p>
@@ -13639,7 +20439,7 @@
     </p:spTree>
     <p:extLst>
       <p:ext uri="{BB962C8B-B14F-4D97-AF65-F5344CB8AC3E}">
-        <p14:creationId xmlns:p14="http://schemas.microsoft.com/office/powerpoint/2010/main" val="24757177"/>
+        <p14:creationId xmlns:p14="http://schemas.microsoft.com/office/powerpoint/2010/main" val="3507718866"/>
       </p:ext>
     </p:extLst>
   </p:cSld>
@@ -13747,22 +20547,22 @@
             <a:gsLst>
               <a:gs pos="0">
                 <a:schemeClr val="bg2">
-                  <a:lumMod val="60000"/>
-                  <a:lumOff val="40000"/>
+                  <a:lumMod val="40000"/>
+                  <a:lumOff val="60000"/>
                   <a:alpha val="7000"/>
                 </a:schemeClr>
               </a:gs>
               <a:gs pos="69000">
                 <a:schemeClr val="bg2">
-                  <a:lumMod val="60000"/>
-                  <a:lumOff val="40000"/>
+                  <a:lumMod val="40000"/>
+                  <a:lumOff val="60000"/>
                   <a:alpha val="0"/>
                 </a:schemeClr>
               </a:gs>
               <a:gs pos="36000">
                 <a:schemeClr val="bg2">
-                  <a:lumMod val="60000"/>
-                  <a:lumOff val="40000"/>
+                  <a:lumMod val="40000"/>
+                  <a:lumOff val="60000"/>
                   <a:alpha val="6000"/>
                 </a:schemeClr>
               </a:gs>
@@ -13842,7 +20642,7 @@
         </p:blipFill>
         <p:spPr>
           <a:xfrm>
-            <a:off x="8605878" y="6096000"/>
+            <a:off x="8609012" y="6096000"/>
             <a:ext cx="993734" cy="762000"/>
           </a:xfrm>
           <a:prstGeom prst="rect">
@@ -14018,7 +20818,7 @@
             <a:fld id="{B61BEF0D-F0BB-DE4B-95CE-6DB70DBA9567}" type="datetimeFigureOut">
               <a:rPr lang="en-US" smtClean="0"/>
               <a:pPr/>
-              <a:t>10/12/2015</a:t>
+              <a:t>10/14/2015</a:t>
             </a:fld>
             <a:endParaRPr lang="en-US" dirty="0"/>
           </a:p>
@@ -14072,7 +20872,7 @@
             <p:ph type="sldNum" sz="quarter" idx="4"/>
           </p:nvPr>
         </p:nvSpPr>
-        <p:spPr bwMode="gray">
+        <p:spPr>
           <a:xfrm>
             <a:off x="10352540" y="295729"/>
             <a:ext cx="838199" cy="767687"/>
@@ -14107,29 +20907,29 @@
     </p:spTree>
     <p:extLst>
       <p:ext uri="{BB962C8B-B14F-4D97-AF65-F5344CB8AC3E}">
-        <p14:creationId xmlns:p14="http://schemas.microsoft.com/office/powerpoint/2010/main" val="3705185362"/>
+        <p14:creationId xmlns:p14="http://schemas.microsoft.com/office/powerpoint/2010/main" val="3551534021"/>
       </p:ext>
     </p:extLst>
   </p:cSld>
   <p:clrMap bg1="dk1" tx1="lt1" bg2="dk2" tx2="lt2" accent1="accent1" accent2="accent2" accent3="accent3" accent4="accent4" accent5="accent5" accent6="accent6" hlink="hlink" folHlink="folHlink"/>
   <p:sldLayoutIdLst>
-    <p:sldLayoutId id="2147483688" r:id="rId1"/>
-    <p:sldLayoutId id="2147483689" r:id="rId2"/>
-    <p:sldLayoutId id="2147483690" r:id="rId3"/>
-    <p:sldLayoutId id="2147483691" r:id="rId4"/>
-    <p:sldLayoutId id="2147483692" r:id="rId5"/>
-    <p:sldLayoutId id="2147483693" r:id="rId6"/>
-    <p:sldLayoutId id="2147483694" r:id="rId7"/>
-    <p:sldLayoutId id="2147483695" r:id="rId8"/>
-    <p:sldLayoutId id="2147483696" r:id="rId9"/>
-    <p:sldLayoutId id="2147483697" r:id="rId10"/>
-    <p:sldLayoutId id="2147483698" r:id="rId11"/>
-    <p:sldLayoutId id="2147483699" r:id="rId12"/>
-    <p:sldLayoutId id="2147483700" r:id="rId13"/>
-    <p:sldLayoutId id="2147483701" r:id="rId14"/>
-    <p:sldLayoutId id="2147483702" r:id="rId15"/>
-    <p:sldLayoutId id="2147483703" r:id="rId16"/>
-    <p:sldLayoutId id="2147483704" r:id="rId17"/>
+    <p:sldLayoutId id="2147483706" r:id="rId1"/>
+    <p:sldLayoutId id="2147483707" r:id="rId2"/>
+    <p:sldLayoutId id="2147483708" r:id="rId3"/>
+    <p:sldLayoutId id="2147483709" r:id="rId4"/>
+    <p:sldLayoutId id="2147483710" r:id="rId5"/>
+    <p:sldLayoutId id="2147483711" r:id="rId6"/>
+    <p:sldLayoutId id="2147483712" r:id="rId7"/>
+    <p:sldLayoutId id="2147483713" r:id="rId8"/>
+    <p:sldLayoutId id="2147483714" r:id="rId9"/>
+    <p:sldLayoutId id="2147483715" r:id="rId10"/>
+    <p:sldLayoutId id="2147483716" r:id="rId11"/>
+    <p:sldLayoutId id="2147483717" r:id="rId12"/>
+    <p:sldLayoutId id="2147483718" r:id="rId13"/>
+    <p:sldLayoutId id="2147483719" r:id="rId14"/>
+    <p:sldLayoutId id="2147483720" r:id="rId15"/>
+    <p:sldLayoutId id="2147483721" r:id="rId16"/>
+    <p:sldLayoutId id="2147483722" r:id="rId17"/>
   </p:sldLayoutIdLst>
   <p:txStyles>
     <p:titleStyle>
@@ -14213,10 +21013,7 @@
           <a:spcPts val="0"/>
         </a:spcAft>
         <a:buClr>
-          <a:schemeClr val="bg2">
-            <a:lumMod val="40000"/>
-            <a:lumOff val="60000"/>
-          </a:schemeClr>
+          <a:schemeClr val="accent1"/>
         </a:buClr>
         <a:buSzPct val="80000"/>
         <a:buFont typeface="Wingdings 3" charset="2"/>
@@ -14238,10 +21035,7 @@
           <a:spcPts val="0"/>
         </a:spcAft>
         <a:buClr>
-          <a:schemeClr val="bg2">
-            <a:lumMod val="40000"/>
-            <a:lumOff val="60000"/>
-          </a:schemeClr>
+          <a:schemeClr val="accent1"/>
         </a:buClr>
         <a:buSzPct val="80000"/>
         <a:buFont typeface="Wingdings 3" charset="2"/>
@@ -14263,10 +21057,7 @@
           <a:spcPts val="0"/>
         </a:spcAft>
         <a:buClr>
-          <a:schemeClr val="bg2">
-            <a:lumMod val="40000"/>
-            <a:lumOff val="60000"/>
-          </a:schemeClr>
+          <a:schemeClr val="accent1"/>
         </a:buClr>
         <a:buSzPct val="80000"/>
         <a:buFont typeface="Wingdings 3" charset="2"/>
@@ -14288,10 +21079,7 @@
           <a:spcPts val="0"/>
         </a:spcAft>
         <a:buClr>
-          <a:schemeClr val="bg2">
-            <a:lumMod val="40000"/>
-            <a:lumOff val="60000"/>
-          </a:schemeClr>
+          <a:schemeClr val="accent1"/>
         </a:buClr>
         <a:buSzPct val="80000"/>
         <a:buFont typeface="Wingdings 3" charset="2"/>
@@ -14313,10 +21101,7 @@
           <a:spcPts val="0"/>
         </a:spcAft>
         <a:buClr>
-          <a:schemeClr val="bg2">
-            <a:lumMod val="40000"/>
-            <a:lumOff val="60000"/>
-          </a:schemeClr>
+          <a:schemeClr val="accent1"/>
         </a:buClr>
         <a:buSzPct val="80000"/>
         <a:buFont typeface="Wingdings 3" charset="2"/>
@@ -14330,7 +21115,7 @@
           <a:cs typeface="+mj-cs"/>
         </a:defRPr>
       </a:lvl5pPr>
-      <a:lvl6pPr marL="2506000" indent="-228600" algn="l" defTabSz="457200" rtl="0" eaLnBrk="1" latinLnBrk="0" hangingPunct="1">
+      <a:lvl6pPr marL="2514600" indent="-228600" algn="l" defTabSz="457200" rtl="0" eaLnBrk="1" latinLnBrk="0" hangingPunct="1">
         <a:spcBef>
           <a:spcPts val="1000"/>
         </a:spcBef>
@@ -14338,10 +21123,7 @@
           <a:spcPts val="0"/>
         </a:spcAft>
         <a:buClr>
-          <a:schemeClr val="bg2">
-            <a:lumMod val="40000"/>
-            <a:lumOff val="60000"/>
-          </a:schemeClr>
+          <a:schemeClr val="accent1"/>
         </a:buClr>
         <a:buSzPct val="80000"/>
         <a:buFont typeface="Wingdings 3" charset="2"/>
@@ -14363,10 +21145,7 @@
           <a:spcPts val="0"/>
         </a:spcAft>
         <a:buClr>
-          <a:schemeClr val="bg2">
-            <a:lumMod val="40000"/>
-            <a:lumOff val="60000"/>
-          </a:schemeClr>
+          <a:schemeClr val="accent1"/>
         </a:buClr>
         <a:buSzPct val="80000"/>
         <a:buFont typeface="Wingdings 3" charset="2"/>
@@ -14388,10 +21167,7 @@
           <a:spcPts val="0"/>
         </a:spcAft>
         <a:buClr>
-          <a:schemeClr val="bg2">
-            <a:lumMod val="40000"/>
-            <a:lumOff val="60000"/>
-          </a:schemeClr>
+          <a:schemeClr val="accent1"/>
         </a:buClr>
         <a:buSzPct val="80000"/>
         <a:buFont typeface="Wingdings 3" charset="2"/>
@@ -14413,10 +21189,7 @@
           <a:spcPts val="0"/>
         </a:spcAft>
         <a:buClr>
-          <a:schemeClr val="bg2">
-            <a:lumMod val="40000"/>
-            <a:lumOff val="60000"/>
-          </a:schemeClr>
+          <a:schemeClr val="accent1"/>
         </a:buClr>
         <a:buSzPct val="80000"/>
         <a:buFont typeface="Wingdings 3" charset="2"/>
@@ -14775,6 +21548,368 @@
 </p:sld>
 </file>
 
+<file path=ppt/slides/slide3.xml><?xml version="1.0" encoding="utf-8"?>
+<p:sld xmlns:a="http://schemas.openxmlformats.org/drawingml/2006/main" xmlns:r="http://schemas.openxmlformats.org/officeDocument/2006/relationships" xmlns:p="http://schemas.openxmlformats.org/presentationml/2006/main">
+  <p:cSld>
+    <p:spTree>
+      <p:nvGrpSpPr>
+        <p:cNvPr id="1" name=""/>
+        <p:cNvGrpSpPr/>
+        <p:nvPr/>
+      </p:nvGrpSpPr>
+      <p:grpSpPr>
+        <a:xfrm>
+          <a:off x="0" y="0"/>
+          <a:ext cx="0" cy="0"/>
+          <a:chOff x="0" y="0"/>
+          <a:chExt cx="0" cy="0"/>
+        </a:xfrm>
+      </p:grpSpPr>
+      <p:graphicFrame>
+        <p:nvGraphicFramePr>
+          <p:cNvPr id="3" name="Diagramm 2"/>
+          <p:cNvGraphicFramePr/>
+          <p:nvPr>
+            <p:extLst>
+              <p:ext uri="{D42A27DB-BD31-4B8C-83A1-F6EECF244321}">
+                <p14:modId xmlns:p14="http://schemas.microsoft.com/office/powerpoint/2010/main" val="2225183337"/>
+              </p:ext>
+            </p:extLst>
+          </p:nvPr>
+        </p:nvGraphicFramePr>
+        <p:xfrm>
+          <a:off x="2327152" y="1223165"/>
+          <a:ext cx="8414153" cy="5461215"/>
+        </p:xfrm>
+        <a:graphic>
+          <a:graphicData uri="http://schemas.openxmlformats.org/drawingml/2006/diagram">
+            <dgm:relIds xmlns:dgm="http://schemas.openxmlformats.org/drawingml/2006/diagram" xmlns:r="http://schemas.openxmlformats.org/officeDocument/2006/relationships" r:dm="rId2" r:lo="rId3" r:qs="rId4" r:cs="rId5"/>
+          </a:graphicData>
+        </a:graphic>
+      </p:graphicFrame>
+      <p:sp>
+        <p:nvSpPr>
+          <p:cNvPr id="4" name="Textfeld 3"/>
+          <p:cNvSpPr txBox="1"/>
+          <p:nvPr/>
+        </p:nvSpPr>
+        <p:spPr>
+          <a:xfrm>
+            <a:off x="3292997" y="700268"/>
+            <a:ext cx="1066318" cy="369332"/>
+          </a:xfrm>
+          <a:prstGeom prst="rect">
+            <a:avLst/>
+          </a:prstGeom>
+          <a:noFill/>
+        </p:spPr>
+        <p:txBody>
+          <a:bodyPr wrap="none" rtlCol="0">
+            <a:spAutoFit/>
+          </a:bodyPr>
+          <a:lstStyle/>
+          <a:p>
+            <a:r>
+              <a:rPr lang="de-DE" dirty="0" err="1"/>
+              <a:t>w</a:t>
+            </a:r>
+            <a:r>
+              <a:rPr lang="de-DE" dirty="0" err="1" smtClean="0"/>
+              <a:t>indow</a:t>
+            </a:r>
+            <a:endParaRPr lang="de-DE" dirty="0"/>
+          </a:p>
+        </p:txBody>
+      </p:sp>
+      <p:sp>
+        <p:nvSpPr>
+          <p:cNvPr id="6" name="Textfeld 5"/>
+          <p:cNvSpPr txBox="1"/>
+          <p:nvPr/>
+        </p:nvSpPr>
+        <p:spPr>
+          <a:xfrm>
+            <a:off x="5737183" y="2519422"/>
+            <a:ext cx="917239" cy="369332"/>
+          </a:xfrm>
+          <a:prstGeom prst="rect">
+            <a:avLst/>
+          </a:prstGeom>
+          <a:noFill/>
+        </p:spPr>
+        <p:txBody>
+          <a:bodyPr wrap="none" rtlCol="0">
+            <a:spAutoFit/>
+          </a:bodyPr>
+          <a:lstStyle/>
+          <a:p>
+            <a:r>
+              <a:rPr lang="de-DE" dirty="0" err="1" smtClean="0"/>
+              <a:t>object</a:t>
+            </a:r>
+            <a:endParaRPr lang="de-DE" dirty="0"/>
+          </a:p>
+        </p:txBody>
+      </p:sp>
+      <p:sp>
+        <p:nvSpPr>
+          <p:cNvPr id="7" name="Textfeld 6"/>
+          <p:cNvSpPr txBox="1"/>
+          <p:nvPr/>
+        </p:nvSpPr>
+        <p:spPr>
+          <a:xfrm>
+            <a:off x="8322198" y="4409954"/>
+            <a:ext cx="833883" cy="369332"/>
+          </a:xfrm>
+          <a:prstGeom prst="rect">
+            <a:avLst/>
+          </a:prstGeom>
+          <a:noFill/>
+        </p:spPr>
+        <p:txBody>
+          <a:bodyPr wrap="none" rtlCol="0">
+            <a:spAutoFit/>
+          </a:bodyPr>
+          <a:lstStyle/>
+          <a:p>
+            <a:r>
+              <a:rPr lang="de-DE" dirty="0" err="1" smtClean="0"/>
+              <a:t>event</a:t>
+            </a:r>
+            <a:endParaRPr lang="de-DE" dirty="0"/>
+          </a:p>
+        </p:txBody>
+      </p:sp>
+    </p:spTree>
+    <p:extLst>
+      <p:ext uri="{BB962C8B-B14F-4D97-AF65-F5344CB8AC3E}">
+        <p14:creationId xmlns:p14="http://schemas.microsoft.com/office/powerpoint/2010/main" val="78066886"/>
+      </p:ext>
+    </p:extLst>
+  </p:cSld>
+  <p:clrMapOvr>
+    <a:masterClrMapping/>
+  </p:clrMapOvr>
+  <p:timing>
+    <p:tnLst>
+      <p:par>
+        <p:cTn id="1" dur="indefinite" restart="never" nodeType="tmRoot"/>
+      </p:par>
+    </p:tnLst>
+  </p:timing>
+</p:sld>
+</file>
+
+<file path=ppt/slides/slide4.xml><?xml version="1.0" encoding="utf-8"?>
+<p:sld xmlns:a="http://schemas.openxmlformats.org/drawingml/2006/main" xmlns:r="http://schemas.openxmlformats.org/officeDocument/2006/relationships" xmlns:p="http://schemas.openxmlformats.org/presentationml/2006/main">
+  <p:cSld>
+    <p:spTree>
+      <p:nvGrpSpPr>
+        <p:cNvPr id="1" name=""/>
+        <p:cNvGrpSpPr/>
+        <p:nvPr/>
+      </p:nvGrpSpPr>
+      <p:grpSpPr>
+        <a:xfrm>
+          <a:off x="0" y="0"/>
+          <a:ext cx="0" cy="0"/>
+          <a:chOff x="0" y="0"/>
+          <a:chExt cx="0" cy="0"/>
+        </a:xfrm>
+      </p:grpSpPr>
+      <p:graphicFrame>
+        <p:nvGraphicFramePr>
+          <p:cNvPr id="2" name="Diagramm 1"/>
+          <p:cNvGraphicFramePr/>
+          <p:nvPr>
+            <p:extLst>
+              <p:ext uri="{D42A27DB-BD31-4B8C-83A1-F6EECF244321}">
+                <p14:modId xmlns:p14="http://schemas.microsoft.com/office/powerpoint/2010/main" val="57629747"/>
+              </p:ext>
+            </p:extLst>
+          </p:nvPr>
+        </p:nvGraphicFramePr>
+        <p:xfrm>
+          <a:off x="1353671" y="719666"/>
+          <a:ext cx="8806329" cy="5824569"/>
+        </p:xfrm>
+        <a:graphic>
+          <a:graphicData uri="http://schemas.openxmlformats.org/drawingml/2006/diagram">
+            <dgm:relIds xmlns:dgm="http://schemas.openxmlformats.org/drawingml/2006/diagram" xmlns:r="http://schemas.openxmlformats.org/officeDocument/2006/relationships" r:dm="rId2" r:lo="rId3" r:qs="rId4" r:cs="rId5"/>
+          </a:graphicData>
+        </a:graphic>
+      </p:graphicFrame>
+      <p:sp>
+        <p:nvSpPr>
+          <p:cNvPr id="5" name="Rechteck 4"/>
+          <p:cNvSpPr/>
+          <p:nvPr/>
+        </p:nvSpPr>
+        <p:spPr>
+          <a:xfrm>
+            <a:off x="2635625" y="1257547"/>
+            <a:ext cx="2286000" cy="795369"/>
+          </a:xfrm>
+          <a:prstGeom prst="rect">
+            <a:avLst/>
+          </a:prstGeom>
+          <a:ln>
+            <a:noFill/>
+          </a:ln>
+          <a:effectLst>
+            <a:glow rad="101600">
+              <a:schemeClr val="accent2">
+                <a:satMod val="175000"/>
+                <a:alpha val="40000"/>
+              </a:schemeClr>
+            </a:glow>
+            <a:outerShdw blurRad="190500" dist="228600" dir="2700000" algn="ctr">
+              <a:srgbClr val="000000">
+                <a:alpha val="30000"/>
+              </a:srgbClr>
+            </a:outerShdw>
+            <a:reflection blurRad="6350" stA="50000" endA="300" endPos="55500" dist="101600" dir="5400000" sy="-100000" algn="bl" rotWithShape="0"/>
+          </a:effectLst>
+          <a:scene3d>
+            <a:camera prst="orthographicFront">
+              <a:rot lat="0" lon="0" rev="0"/>
+            </a:camera>
+            <a:lightRig rig="glow" dir="t">
+              <a:rot lat="0" lon="0" rev="4800000"/>
+            </a:lightRig>
+          </a:scene3d>
+          <a:sp3d prstMaterial="matte">
+            <a:bevelT w="127000" h="63500"/>
+          </a:sp3d>
+        </p:spPr>
+        <p:style>
+          <a:lnRef idx="2">
+            <a:schemeClr val="accent1">
+              <a:shade val="50000"/>
+            </a:schemeClr>
+          </a:lnRef>
+          <a:fillRef idx="1">
+            <a:schemeClr val="accent1"/>
+          </a:fillRef>
+          <a:effectRef idx="0">
+            <a:schemeClr val="accent1"/>
+          </a:effectRef>
+          <a:fontRef idx="minor">
+            <a:schemeClr val="lt1"/>
+          </a:fontRef>
+        </p:style>
+        <p:txBody>
+          <a:bodyPr rtlCol="0" anchor="ctr"/>
+          <a:lstStyle/>
+          <a:p>
+            <a:pPr algn="ctr"/>
+            <a:r>
+              <a:rPr lang="de-DE" b="1" dirty="0" smtClean="0"/>
+              <a:t>Powershell -</a:t>
+            </a:r>
+            <a:br>
+              <a:rPr lang="de-DE" b="1" dirty="0" smtClean="0"/>
+            </a:br>
+            <a:r>
+              <a:rPr lang="de-DE" b="1" dirty="0" smtClean="0"/>
+              <a:t>CodeBehind</a:t>
+            </a:r>
+            <a:endParaRPr lang="de-DE" b="1" dirty="0"/>
+          </a:p>
+        </p:txBody>
+      </p:sp>
+      <p:sp>
+        <p:nvSpPr>
+          <p:cNvPr id="8" name="Rechteck 7"/>
+          <p:cNvSpPr/>
+          <p:nvPr/>
+        </p:nvSpPr>
+        <p:spPr>
+          <a:xfrm>
+            <a:off x="6651810" y="1257547"/>
+            <a:ext cx="2286000" cy="795369"/>
+          </a:xfrm>
+          <a:prstGeom prst="rect">
+            <a:avLst/>
+          </a:prstGeom>
+          <a:ln>
+            <a:noFill/>
+          </a:ln>
+          <a:effectLst>
+            <a:glow rad="101600">
+              <a:schemeClr val="accent2">
+                <a:satMod val="175000"/>
+                <a:alpha val="40000"/>
+              </a:schemeClr>
+            </a:glow>
+            <a:outerShdw blurRad="190500" dist="228600" dir="2700000" algn="ctr">
+              <a:srgbClr val="000000">
+                <a:alpha val="30000"/>
+              </a:srgbClr>
+            </a:outerShdw>
+            <a:reflection blurRad="6350" stA="50000" endA="300" endPos="55500" dist="101600" dir="5400000" sy="-100000" algn="bl" rotWithShape="0"/>
+          </a:effectLst>
+          <a:scene3d>
+            <a:camera prst="orthographicFront">
+              <a:rot lat="0" lon="0" rev="0"/>
+            </a:camera>
+            <a:lightRig rig="glow" dir="t">
+              <a:rot lat="0" lon="0" rev="4800000"/>
+            </a:lightRig>
+          </a:scene3d>
+          <a:sp3d prstMaterial="matte">
+            <a:bevelT w="127000" h="63500"/>
+          </a:sp3d>
+        </p:spPr>
+        <p:style>
+          <a:lnRef idx="2">
+            <a:schemeClr val="accent1">
+              <a:shade val="50000"/>
+            </a:schemeClr>
+          </a:lnRef>
+          <a:fillRef idx="1">
+            <a:schemeClr val="accent1"/>
+          </a:fillRef>
+          <a:effectRef idx="0">
+            <a:schemeClr val="accent1"/>
+          </a:effectRef>
+          <a:fontRef idx="minor">
+            <a:schemeClr val="lt1"/>
+          </a:fontRef>
+        </p:style>
+        <p:txBody>
+          <a:bodyPr rtlCol="0" anchor="ctr"/>
+          <a:lstStyle/>
+          <a:p>
+            <a:pPr algn="ctr"/>
+            <a:r>
+              <a:rPr lang="de-DE" b="1" dirty="0" smtClean="0"/>
+              <a:t>XAML</a:t>
+            </a:r>
+          </a:p>
+        </p:txBody>
+      </p:sp>
+    </p:spTree>
+    <p:extLst>
+      <p:ext uri="{BB962C8B-B14F-4D97-AF65-F5344CB8AC3E}">
+        <p14:creationId xmlns:p14="http://schemas.microsoft.com/office/powerpoint/2010/main" val="1806699514"/>
+      </p:ext>
+    </p:extLst>
+  </p:cSld>
+  <p:clrMapOvr>
+    <a:masterClrMapping/>
+  </p:clrMapOvr>
+  <p:timing>
+    <p:tnLst>
+      <p:par>
+        <p:cTn id="1" dur="indefinite" restart="never" nodeType="tmRoot"/>
+      </p:par>
+    </p:tnLst>
+  </p:timing>
+</p:sld>
+</file>
+
 <file path=ppt/theme/theme1.xml><?xml version="1.0" encoding="utf-8"?>
 <a:theme xmlns:a="http://schemas.openxmlformats.org/drawingml/2006/main" name="Ion">
   <a:themeElements>
@@ -14786,34 +21921,34 @@
         <a:sysClr val="window" lastClr="FFFFFF"/>
       </a:lt1>
       <a:dk2>
-        <a:srgbClr val="1E5155"/>
+        <a:srgbClr val="0E5580"/>
       </a:dk2>
       <a:lt2>
         <a:srgbClr val="EBEBEB"/>
       </a:lt2>
       <a:accent1>
-        <a:srgbClr val="B01513"/>
+        <a:srgbClr val="ACD433"/>
       </a:accent1>
       <a:accent2>
-        <a:srgbClr val="EA6312"/>
+        <a:srgbClr val="E6C133"/>
       </a:accent2>
       <a:accent3>
-        <a:srgbClr val="E6B729"/>
+        <a:srgbClr val="EF7A24"/>
       </a:accent3>
       <a:accent4>
-        <a:srgbClr val="6AAC90"/>
+        <a:srgbClr val="5AA0F5"/>
       </a:accent4>
       <a:accent5>
-        <a:srgbClr val="54849A"/>
+        <a:srgbClr val="75CEEC"/>
       </a:accent5>
       <a:accent6>
-        <a:srgbClr val="9E5E9B"/>
+        <a:srgbClr val="65D6A0"/>
       </a:accent6>
       <a:hlink>
-        <a:srgbClr val="58C1BA"/>
+        <a:srgbClr val="C4E46E"/>
       </a:hlink>
       <a:folHlink>
-        <a:srgbClr val="9DFFCB"/>
+        <a:srgbClr val="BDE0FB"/>
       </a:folHlink>
     </a:clrScheme>
     <a:fontScheme name="Ion">
@@ -14989,19 +22124,18 @@
           <a:gsLst>
             <a:gs pos="0">
               <a:schemeClr val="phClr">
-                <a:tint val="97000"/>
-                <a:hueMod val="88000"/>
-                <a:satMod val="130000"/>
-                <a:lumMod val="124000"/>
+                <a:tint val="92000"/>
+                <a:hueMod val="96000"/>
+                <a:satMod val="128000"/>
+                <a:lumMod val="114000"/>
               </a:schemeClr>
             </a:gs>
             <a:gs pos="100000">
               <a:schemeClr val="phClr">
-                <a:tint val="96000"/>
-                <a:shade val="88000"/>
-                <a:hueMod val="108000"/>
-                <a:satMod val="164000"/>
-                <a:lumMod val="76000"/>
+                <a:shade val="62000"/>
+                <a:hueMod val="100000"/>
+                <a:satMod val="134000"/>
+                <a:lumMod val="56000"/>
               </a:schemeClr>
             </a:gs>
           </a:gsLst>
@@ -15013,16 +22147,16 @@
           <a:blip xmlns:r="http://schemas.openxmlformats.org/officeDocument/2006/relationships" r:embed="rId1">
             <a:duotone>
               <a:schemeClr val="phClr">
-                <a:shade val="69000"/>
+                <a:shade val="62000"/>
                 <a:hueMod val="108000"/>
                 <a:satMod val="164000"/>
-                <a:lumMod val="74000"/>
+                <a:lumMod val="69000"/>
               </a:schemeClr>
               <a:schemeClr val="phClr">
                 <a:tint val="96000"/>
-                <a:hueMod val="88000"/>
-                <a:satMod val="140000"/>
-                <a:lumMod val="132000"/>
+                <a:hueMod val="90000"/>
+                <a:satMod val="130000"/>
+                <a:lumMod val="134000"/>
               </a:schemeClr>
             </a:duotone>
           </a:blip>
@@ -15035,7 +22169,7 @@
   <a:extraClrSchemeLst/>
   <a:extLst>
     <a:ext uri="{05A4C25C-085E-4340-85A3-A5531E510DB2}">
-      <thm15:themeFamily xmlns:thm15="http://schemas.microsoft.com/office/thememl/2012/main" name="Ion" id="{B8441ADB-2E43-4AF7-B97A-BD870242C6A8}" vid="{292E63A9-BB86-4E3D-B92A-7223C6510D2E}"/>
+      <thm15:themeFamily xmlns:thm15="http://schemas.microsoft.com/office/thememl/2012/main" name="Ion" id="{B8441ADB-2E43-4AF7-B97A-BD870242C6A8}" vid="{BACC050B-8757-4460-95D8-E37B46A6B421}"/>
     </a:ext>
   </a:extLst>
 </a:theme>
